--- a/miscellaneous/presentations/20200813_surf_poster_pres.pptx
+++ b/miscellaneous/presentations/20200813_surf_poster_pres.pptx
@@ -1272,7 +1272,7 @@
           <a:p>
             <a:fld id="{985D6BDF-9D0E-4E2B-85B8-D8F4790360C9}" type="datetimeFigureOut">
               <a:rPr lang="en-US" smtClean="0"/>
-              <a:t>8/13/20</a:t>
+              <a:t>8/15/20</a:t>
             </a:fld>
             <a:endParaRPr lang="en-US" dirty="0"/>
           </a:p>
@@ -1470,7 +1470,7 @@
           <a:p>
             <a:fld id="{985D6BDF-9D0E-4E2B-85B8-D8F4790360C9}" type="datetimeFigureOut">
               <a:rPr lang="en-US" smtClean="0"/>
-              <a:t>8/13/20</a:t>
+              <a:t>8/15/20</a:t>
             </a:fld>
             <a:endParaRPr lang="en-US" dirty="0"/>
           </a:p>
@@ -1678,7 +1678,7 @@
           <a:p>
             <a:fld id="{985D6BDF-9D0E-4E2B-85B8-D8F4790360C9}" type="datetimeFigureOut">
               <a:rPr lang="en-US" smtClean="0"/>
-              <a:t>8/13/20</a:t>
+              <a:t>8/15/20</a:t>
             </a:fld>
             <a:endParaRPr lang="en-US" dirty="0"/>
           </a:p>
@@ -3359,7 +3359,7 @@
           <a:p>
             <a:fld id="{985D6BDF-9D0E-4E2B-85B8-D8F4790360C9}" type="datetimeFigureOut">
               <a:rPr lang="en-US" smtClean="0"/>
-              <a:t>8/13/20</a:t>
+              <a:t>8/15/20</a:t>
             </a:fld>
             <a:endParaRPr lang="en-US" dirty="0"/>
           </a:p>
@@ -3634,7 +3634,7 @@
           <a:p>
             <a:fld id="{985D6BDF-9D0E-4E2B-85B8-D8F4790360C9}" type="datetimeFigureOut">
               <a:rPr lang="en-US" smtClean="0"/>
-              <a:t>8/13/20</a:t>
+              <a:t>8/15/20</a:t>
             </a:fld>
             <a:endParaRPr lang="en-US" dirty="0"/>
           </a:p>
@@ -3899,7 +3899,7 @@
           <a:p>
             <a:fld id="{985D6BDF-9D0E-4E2B-85B8-D8F4790360C9}" type="datetimeFigureOut">
               <a:rPr lang="en-US" smtClean="0"/>
-              <a:t>8/13/20</a:t>
+              <a:t>8/15/20</a:t>
             </a:fld>
             <a:endParaRPr lang="en-US" dirty="0"/>
           </a:p>
@@ -4311,7 +4311,7 @@
           <a:p>
             <a:fld id="{985D6BDF-9D0E-4E2B-85B8-D8F4790360C9}" type="datetimeFigureOut">
               <a:rPr lang="en-US" smtClean="0"/>
-              <a:t>8/13/20</a:t>
+              <a:t>8/15/20</a:t>
             </a:fld>
             <a:endParaRPr lang="en-US" dirty="0"/>
           </a:p>
@@ -4452,7 +4452,7 @@
           <a:p>
             <a:fld id="{985D6BDF-9D0E-4E2B-85B8-D8F4790360C9}" type="datetimeFigureOut">
               <a:rPr lang="en-US" smtClean="0"/>
-              <a:t>8/13/20</a:t>
+              <a:t>8/15/20</a:t>
             </a:fld>
             <a:endParaRPr lang="en-US" dirty="0"/>
           </a:p>
@@ -4565,7 +4565,7 @@
           <a:p>
             <a:fld id="{985D6BDF-9D0E-4E2B-85B8-D8F4790360C9}" type="datetimeFigureOut">
               <a:rPr lang="en-US" smtClean="0"/>
-              <a:t>8/13/20</a:t>
+              <a:t>8/15/20</a:t>
             </a:fld>
             <a:endParaRPr lang="en-US" dirty="0"/>
           </a:p>
@@ -4876,7 +4876,7 @@
           <a:p>
             <a:fld id="{985D6BDF-9D0E-4E2B-85B8-D8F4790360C9}" type="datetimeFigureOut">
               <a:rPr lang="en-US" smtClean="0"/>
-              <a:t>8/13/20</a:t>
+              <a:t>8/15/20</a:t>
             </a:fld>
             <a:endParaRPr lang="en-US" dirty="0"/>
           </a:p>
@@ -5164,7 +5164,7 @@
           <a:p>
             <a:fld id="{985D6BDF-9D0E-4E2B-85B8-D8F4790360C9}" type="datetimeFigureOut">
               <a:rPr lang="en-US" smtClean="0"/>
-              <a:t>8/13/20</a:t>
+              <a:t>8/15/20</a:t>
             </a:fld>
             <a:endParaRPr lang="en-US" dirty="0"/>
           </a:p>
@@ -5405,7 +5405,7 @@
           <a:p>
             <a:fld id="{985D6BDF-9D0E-4E2B-85B8-D8F4790360C9}" type="datetimeFigureOut">
               <a:rPr lang="en-US" smtClean="0"/>
-              <a:t>8/13/20</a:t>
+              <a:t>8/15/20</a:t>
             </a:fld>
             <a:endParaRPr lang="en-US" dirty="0"/>
           </a:p>
@@ -6553,7 +6553,7 @@
         <p:spPr bwMode="auto">
           <a:xfrm>
             <a:off x="1645920" y="6675120"/>
-            <a:ext cx="11704320" cy="6370951"/>
+            <a:ext cx="11704320" cy="8217610"/>
           </a:xfrm>
           <a:prstGeom prst="rect">
             <a:avLst/>
@@ -6674,10 +6674,10 @@
           </a:lstStyle>
           <a:p>
             <a:r>
-              <a:rPr lang="en-US" sz="2800" dirty="0">
+              <a:rPr lang="en-US" sz="3200" dirty="0">
                 <a:latin typeface="Avenir Book" panose="02000503020000020003" pitchFamily="2" charset="0"/>
               </a:rPr>
-              <a:t>In synthetic cell protein synthesis, a common limiting factor is the energy supply for transcription and translation. By studying computational and mathematical models of various ATP regeneration mechanisms in synthetic cells, we aim to propose experimental methods for ATP life extension. We use available software tools to study two models. These allow us to develop and study mass action models by implementing simple chemical reaction networks. Our simulations show that a glucose metabolic pathway is able to extend lifetime of ATP up to about 60 hours. Integrating ATP synthase can also independently lengthen the lifetime of ATP to various times depending on the implemented proton gradient mechanism. To ensure prolonged synthetic cell protein synthesis, either the glucose pathway or ATP synthase mechanism can be used. In the future, it will be useful to perform wet-lab experiments in order to compare our model to data.</a:t>
+              <a:t>In synthetic cell protein synthesis, a common limiting factor is the energy supply for transcription and translation. By studying computational and mathematical models of various ATP regeneration mechanisms in synthetic cells, we aim to propose experimental methods for ATP life extension. We use available software tools to study two models. These allow us to develop and study mass action models by implementing simple chemical reaction networks. Our simulations show that a glucose metabolic pathway can extend lifetime of ATP up to about 60 hours. Integrating ATP synthase can also independently lengthen the lifetime of ATP to various times depending on the implemented proton gradient mechanism. To ensure prolonged synthetic cell protein synthesis, either the glucose pathway or ATP synthase mechanism can be used. In the future, it will be useful to perform wet-lab experiments in order to compare our model to data.</a:t>
             </a:r>
           </a:p>
         </p:txBody>
@@ -7019,7 +7019,7 @@
         <p:spPr bwMode="auto">
           <a:xfrm>
             <a:off x="14264640" y="6675120"/>
-            <a:ext cx="11704320" cy="7725167"/>
+            <a:ext cx="11704320" cy="7940611"/>
           </a:xfrm>
           <a:prstGeom prst="rect">
             <a:avLst/>
@@ -7141,63 +7141,99 @@
           <a:p>
             <a:pPr eaLnBrk="1" hangingPunct="1"/>
             <a:r>
-              <a:rPr lang="en-US" sz="3200" dirty="0">
+              <a:rPr lang="en-US" sz="2600" dirty="0">
                 <a:latin typeface="Avenir Book" panose="02000503020000020003" pitchFamily="2" charset="0"/>
-                <a:ea typeface="Cambria Math" panose="02040503050406030204" pitchFamily="18" charset="0"/>
               </a:rPr>
-              <a:t>Click here to insert your Methods and Materials text. Type it in or copy and paste from your Word document or other source.</a:t>
+              <a:t>We used multiple software packages in order to test the hypothesis </a:t>
+            </a:r>
+            <a:r>
+              <a:rPr lang="en-US" sz="2600" i="1" dirty="0">
+                <a:latin typeface="Avenir Book" panose="02000503020000020003" pitchFamily="2" charset="0"/>
+              </a:rPr>
+              <a:t>in silico.</a:t>
+            </a:r>
+            <a:r>
+              <a:rPr lang="en-US" sz="2600" dirty="0">
+                <a:latin typeface="Avenir Book" panose="02000503020000020003" pitchFamily="2" charset="0"/>
+              </a:rPr>
+              <a:t> In particular we used BioCRNpyler, bioscrape, autoReduce, SBML, and sub-</a:t>
+            </a:r>
+            <a:r>
+              <a:rPr lang="en-US" sz="2600" dirty="0" err="1">
+                <a:latin typeface="Avenir Book" panose="02000503020000020003" pitchFamily="2" charset="0"/>
+              </a:rPr>
+              <a:t>sbml</a:t>
+            </a:r>
+            <a:r>
+              <a:rPr lang="en-US" sz="2600" dirty="0">
+                <a:latin typeface="Avenir Book" panose="02000503020000020003" pitchFamily="2" charset="0"/>
+              </a:rPr>
+              <a:t>. Various software packages, such as </a:t>
+            </a:r>
+            <a:r>
+              <a:rPr lang="en-US" sz="2600" dirty="0" err="1">
+                <a:latin typeface="Avenir Book" panose="02000503020000020003" pitchFamily="2" charset="0"/>
+              </a:rPr>
+              <a:t>BioCRNPyler</a:t>
+            </a:r>
+            <a:r>
+              <a:rPr lang="en-US" sz="2600" dirty="0">
+                <a:latin typeface="Avenir Book" panose="02000503020000020003" pitchFamily="2" charset="0"/>
+              </a:rPr>
+              <a:t>, bioscrape, and autoReduce are being actively developed by members of Murray Lab. Biocrnpyler is an object oriented framework (written in Python). Given simple descriptions, the software can generate chemical reaction networks, or CRNs. These are outputted as SBML files. SBML is a model representation format, which uses the language XML and commonly used in systems and synthetic biology. We then used bioscrape as a CRN simulator. Given an SBML file, bioscrape can solve the system and returns an output of results that can be simply visualized. Sub-</a:t>
+            </a:r>
+            <a:r>
+              <a:rPr lang="en-US" sz="2600" dirty="0" err="1">
+                <a:latin typeface="Avenir Book" panose="02000503020000020003" pitchFamily="2" charset="0"/>
+              </a:rPr>
+              <a:t>sbml</a:t>
+            </a:r>
+            <a:r>
+              <a:rPr lang="en-US" sz="2600" dirty="0">
+                <a:latin typeface="Avenir Book" panose="02000503020000020003" pitchFamily="2" charset="0"/>
+              </a:rPr>
+              <a:t> was also used because it can </a:t>
+            </a:r>
+            <a:r>
+              <a:rPr lang="en-US" sz="2600" dirty="0">
+                <a:latin typeface="Avenir Book" panose="02000503020000020003" pitchFamily="2" charset="0"/>
+                <a:ea typeface="Arial"/>
+                <a:cs typeface="Arial"/>
+                <a:sym typeface="Arial"/>
+              </a:rPr>
+              <a:t>combine and model interactions between more than one SBML model. More specifically, sub-</a:t>
+            </a:r>
+            <a:r>
+              <a:rPr lang="en-US" sz="2600" dirty="0" err="1">
+                <a:latin typeface="Avenir Book" panose="02000503020000020003" pitchFamily="2" charset="0"/>
+                <a:ea typeface="Arial"/>
+                <a:cs typeface="Arial"/>
+                <a:sym typeface="Arial"/>
+              </a:rPr>
+              <a:t>sbml</a:t>
+            </a:r>
+            <a:r>
+              <a:rPr lang="en-US" sz="2600" dirty="0">
+                <a:latin typeface="Avenir Book" panose="02000503020000020003" pitchFamily="2" charset="0"/>
+                <a:ea typeface="Arial"/>
+                <a:cs typeface="Arial"/>
+                <a:sym typeface="Arial"/>
+              </a:rPr>
+              <a:t> allows for the creation of subsystems, the ability to combine multiple subsystems, and the ability to model interactions like the molecule transport and membrane diffusion. </a:t>
             </a:r>
           </a:p>
           <a:p>
             <a:pPr eaLnBrk="1" hangingPunct="1"/>
-            <a:endParaRPr lang="en-US" sz="3200" dirty="0">
+            <a:r>
+              <a:rPr lang="en-US" sz="2600" dirty="0">
+                <a:latin typeface="Avenir Book" panose="02000503020000020003" pitchFamily="2" charset="0"/>
+              </a:rPr>
+              <a:t>AutoReduce is a Python-based tool that is used for model reduction of input-controlled biological circuits [15]. This tool helped with parameter extraction that is relevant to biological experiments with the assumptions made (such as time-scale separation with the quasi-steady state assumption).</a:t>
+            </a:r>
+            <a:endParaRPr lang="en-US" sz="2600" dirty="0">
               <a:latin typeface="Avenir Book" panose="02000503020000020003" pitchFamily="2" charset="0"/>
               <a:ea typeface="Cambria Math" panose="02040503050406030204" pitchFamily="18" charset="0"/>
             </a:endParaRPr>
-          </a:p>
-          <a:p>
-            <a:pPr eaLnBrk="1" hangingPunct="1"/>
-            <a:r>
-              <a:rPr lang="en-US" sz="3200" dirty="0">
-                <a:latin typeface="Avenir Book" panose="02000503020000020003" pitchFamily="2" charset="0"/>
-                <a:ea typeface="Cambria Math" panose="02040503050406030204" pitchFamily="18" charset="0"/>
-              </a:rPr>
-              <a:t>This text box will automatically re-size to your text. To turn off that feature, right click inside this box and go to Format Shape, Text Box, Autofit, and select the “Do Not Autofit” radio button.</a:t>
-            </a:r>
-          </a:p>
-          <a:p>
-            <a:pPr eaLnBrk="1" hangingPunct="1"/>
-            <a:endParaRPr lang="en-US" sz="3200" dirty="0">
-              <a:latin typeface="Avenir Book" panose="02000503020000020003" pitchFamily="2" charset="0"/>
-              <a:ea typeface="Cambria Math" panose="02040503050406030204" pitchFamily="18" charset="0"/>
-            </a:endParaRPr>
-          </a:p>
-          <a:p>
-            <a:pPr eaLnBrk="1" hangingPunct="1"/>
-            <a:r>
-              <a:rPr lang="en-US" sz="3200" dirty="0">
-                <a:latin typeface="Avenir Book" panose="02000503020000020003" pitchFamily="2" charset="0"/>
-                <a:ea typeface="Cambria Math" panose="02040503050406030204" pitchFamily="18" charset="0"/>
-              </a:rPr>
-              <a:t>To change the font style of this text box: Click on the border once to highlight the entire text box, then select a different font or font size that suits you. This text is Calibri 32pt and is easily read up to 5 feet away on a 44x44 poster.</a:t>
-            </a:r>
-          </a:p>
-          <a:p>
-            <a:pPr eaLnBrk="1" hangingPunct="1"/>
-            <a:endParaRPr lang="en-US" sz="3200" dirty="0">
-              <a:latin typeface="Avenir Book" panose="02000503020000020003" pitchFamily="2" charset="0"/>
-              <a:ea typeface="Cambria Math" panose="02040503050406030204" pitchFamily="18" charset="0"/>
-            </a:endParaRPr>
-          </a:p>
-          <a:p>
-            <a:pPr eaLnBrk="1" hangingPunct="1"/>
-            <a:r>
-              <a:rPr lang="en-US" sz="3200" dirty="0">
-                <a:latin typeface="Avenir Book" panose="02000503020000020003" pitchFamily="2" charset="0"/>
-                <a:ea typeface="Cambria Math" panose="02040503050406030204" pitchFamily="18" charset="0"/>
-              </a:rPr>
-              <a:t>Zoom out to 100% to preview what this will look like on your printed poster.</a:t>
-            </a:r>
           </a:p>
         </p:txBody>
       </p:sp>
@@ -8274,8 +8310,8 @@
           </a:graphicData>
         </a:graphic>
       </p:graphicFrame>
-      <mc:AlternateContent xmlns:mc="http://schemas.openxmlformats.org/markup-compatibility/2006">
-        <mc:Choice xmlns:a14="http://schemas.microsoft.com/office/drawing/2010/main" Requires="a14">
+      <mc:AlternateContent xmlns:mc="http://schemas.openxmlformats.org/markup-compatibility/2006" xmlns:a14="http://schemas.microsoft.com/office/drawing/2010/main">
+        <mc:Choice Requires="a14">
           <p:sp>
             <p:nvSpPr>
               <p:cNvPr id="11" name="Text Box 190"/>
@@ -8434,7 +8470,7 @@
                       <m:box>
                         <m:boxPr>
                           <m:ctrlPr>
-                            <a:rPr lang="en-US" sz="3200">
+                            <a:rPr lang="en-US" sz="3200" i="1">
                               <a:latin typeface="Cambria Math" panose="02040503050406030204" pitchFamily="18" charset="0"/>
                               <a:ea typeface="Cambria Math" panose="02040503050406030204" pitchFamily="18" charset="0"/>
                             </a:rPr>
@@ -8444,7 +8480,7 @@
                           <m:f>
                             <m:fPr>
                               <m:ctrlPr>
-                                <a:rPr lang="en-US" sz="3200">
+                                <a:rPr lang="en-US" sz="3200" i="1">
                                   <a:latin typeface="Cambria Math" panose="02040503050406030204" pitchFamily="18" charset="0"/>
                                   <a:ea typeface="Cambria Math" panose="02040503050406030204" pitchFamily="18" charset="0"/>
                                 </a:rPr>
@@ -8528,7 +8564,7 @@
                       <m:box>
                         <m:boxPr>
                           <m:ctrlPr>
-                            <a:rPr lang="en-US" sz="3200">
+                            <a:rPr lang="en-US" sz="3200" i="1">
                               <a:latin typeface="Cambria Math" panose="02040503050406030204" pitchFamily="18" charset="0"/>
                               <a:ea typeface="Cambria Math" panose="02040503050406030204" pitchFamily="18" charset="0"/>
                             </a:rPr>
@@ -8538,7 +8574,7 @@
                           <m:f>
                             <m:fPr>
                               <m:ctrlPr>
-                                <a:rPr lang="en-US" sz="3200">
+                                <a:rPr lang="en-US" sz="3200" i="1">
                                   <a:latin typeface="Cambria Math" panose="02040503050406030204" pitchFamily="18" charset="0"/>
                                   <a:ea typeface="Cambria Math" panose="02040503050406030204" pitchFamily="18" charset="0"/>
                                 </a:rPr>
@@ -8684,7 +8720,7 @@
             </p:txBody>
           </p:sp>
         </mc:Choice>
-        <mc:Fallback>
+        <mc:Fallback xmlns="">
           <p:sp>
             <p:nvSpPr>
               <p:cNvPr id="11" name="Text Box 190"/>

--- a/miscellaneous/presentations/20200813_surf_poster_pres.pptx
+++ b/miscellaneous/presentations/20200813_surf_poster_pres.pptx
@@ -4,6 +4,9 @@
   <p:sldMasterIdLst>
     <p:sldMasterId id="2147483651" r:id="rId1"/>
   </p:sldMasterIdLst>
+  <p:notesMasterIdLst>
+    <p:notesMasterId r:id="rId3"/>
+  </p:notesMasterIdLst>
   <p:sldIdLst>
     <p:sldId id="256" r:id="rId2"/>
   </p:sldIdLst>
@@ -1125,6 +1128,439 @@
 </cs:chartStyle>
 </file>
 
+<file path=ppt/notesMasters/notesMaster1.xml><?xml version="1.0" encoding="utf-8"?>
+<p:notesMaster xmlns:a="http://schemas.openxmlformats.org/drawingml/2006/main" xmlns:r="http://schemas.openxmlformats.org/officeDocument/2006/relationships" xmlns:p="http://schemas.openxmlformats.org/presentationml/2006/main">
+  <p:cSld>
+    <p:bg>
+      <p:bgRef idx="1001">
+        <a:schemeClr val="bg1"/>
+      </p:bgRef>
+    </p:bg>
+    <p:spTree>
+      <p:nvGrpSpPr>
+        <p:cNvPr id="1" name=""/>
+        <p:cNvGrpSpPr/>
+        <p:nvPr/>
+      </p:nvGrpSpPr>
+      <p:grpSpPr>
+        <a:xfrm>
+          <a:off x="0" y="0"/>
+          <a:ext cx="0" cy="0"/>
+          <a:chOff x="0" y="0"/>
+          <a:chExt cx="0" cy="0"/>
+        </a:xfrm>
+      </p:grpSpPr>
+      <p:sp>
+        <p:nvSpPr>
+          <p:cNvPr id="2" name="Header Placeholder 1"/>
+          <p:cNvSpPr>
+            <a:spLocks noGrp="1"/>
+          </p:cNvSpPr>
+          <p:nvPr>
+            <p:ph type="hdr" sz="quarter"/>
+          </p:nvPr>
+        </p:nvSpPr>
+        <p:spPr>
+          <a:xfrm>
+            <a:off x="0" y="0"/>
+            <a:ext cx="3035300" cy="465138"/>
+          </a:xfrm>
+          <a:prstGeom prst="rect">
+            <a:avLst/>
+          </a:prstGeom>
+        </p:spPr>
+        <p:txBody>
+          <a:bodyPr vert="horz" lIns="91440" tIns="45720" rIns="91440" bIns="45720" rtlCol="0"/>
+          <a:lstStyle>
+            <a:lvl1pPr algn="l">
+              <a:defRPr sz="1200"/>
+            </a:lvl1pPr>
+          </a:lstStyle>
+          <a:p>
+            <a:endParaRPr lang="en-US"/>
+          </a:p>
+        </p:txBody>
+      </p:sp>
+      <p:sp>
+        <p:nvSpPr>
+          <p:cNvPr id="3" name="Date Placeholder 2"/>
+          <p:cNvSpPr>
+            <a:spLocks noGrp="1"/>
+          </p:cNvSpPr>
+          <p:nvPr>
+            <p:ph type="dt" idx="1"/>
+          </p:nvPr>
+        </p:nvSpPr>
+        <p:spPr>
+          <a:xfrm>
+            <a:off x="3967163" y="0"/>
+            <a:ext cx="3035300" cy="465138"/>
+          </a:xfrm>
+          <a:prstGeom prst="rect">
+            <a:avLst/>
+          </a:prstGeom>
+        </p:spPr>
+        <p:txBody>
+          <a:bodyPr vert="horz" lIns="91440" tIns="45720" rIns="91440" bIns="45720" rtlCol="0"/>
+          <a:lstStyle>
+            <a:lvl1pPr algn="r">
+              <a:defRPr sz="1200"/>
+            </a:lvl1pPr>
+          </a:lstStyle>
+          <a:p>
+            <a:fld id="{D0122DAE-40C7-2D42-B6C8-B9C4D6CB2DF1}" type="datetimeFigureOut">
+              <a:rPr lang="en-US" smtClean="0"/>
+              <a:t>8/16/20</a:t>
+            </a:fld>
+            <a:endParaRPr lang="en-US"/>
+          </a:p>
+        </p:txBody>
+      </p:sp>
+      <p:sp>
+        <p:nvSpPr>
+          <p:cNvPr id="4" name="Slide Image Placeholder 3"/>
+          <p:cNvSpPr>
+            <a:spLocks noGrp="1" noRot="1" noChangeAspect="1"/>
+          </p:cNvSpPr>
+          <p:nvPr>
+            <p:ph type="sldImg" idx="2"/>
+          </p:nvPr>
+        </p:nvSpPr>
+        <p:spPr>
+          <a:xfrm>
+            <a:off x="1933575" y="1162050"/>
+            <a:ext cx="3136900" cy="3135313"/>
+          </a:xfrm>
+          <a:prstGeom prst="rect">
+            <a:avLst/>
+          </a:prstGeom>
+          <a:noFill/>
+          <a:ln w="12700">
+            <a:solidFill>
+              <a:prstClr val="black"/>
+            </a:solidFill>
+          </a:ln>
+        </p:spPr>
+        <p:txBody>
+          <a:bodyPr vert="horz" lIns="91440" tIns="45720" rIns="91440" bIns="45720" rtlCol="0" anchor="ctr"/>
+          <a:lstStyle/>
+          <a:p>
+            <a:endParaRPr lang="en-US"/>
+          </a:p>
+        </p:txBody>
+      </p:sp>
+      <p:sp>
+        <p:nvSpPr>
+          <p:cNvPr id="5" name="Notes Placeholder 4"/>
+          <p:cNvSpPr>
+            <a:spLocks noGrp="1"/>
+          </p:cNvSpPr>
+          <p:nvPr>
+            <p:ph type="body" sz="quarter" idx="3"/>
+          </p:nvPr>
+        </p:nvSpPr>
+        <p:spPr>
+          <a:xfrm>
+            <a:off x="700088" y="4470400"/>
+            <a:ext cx="5603875" cy="3659188"/>
+          </a:xfrm>
+          <a:prstGeom prst="rect">
+            <a:avLst/>
+          </a:prstGeom>
+        </p:spPr>
+        <p:txBody>
+          <a:bodyPr vert="horz" lIns="91440" tIns="45720" rIns="91440" bIns="45720" rtlCol="0"/>
+          <a:lstStyle/>
+          <a:p>
+            <a:pPr lvl="0"/>
+            <a:r>
+              <a:rPr lang="en-US"/>
+              <a:t>Click to edit Master text styles</a:t>
+            </a:r>
+          </a:p>
+          <a:p>
+            <a:pPr lvl="1"/>
+            <a:r>
+              <a:rPr lang="en-US"/>
+              <a:t>Second level</a:t>
+            </a:r>
+          </a:p>
+          <a:p>
+            <a:pPr lvl="2"/>
+            <a:r>
+              <a:rPr lang="en-US"/>
+              <a:t>Third level</a:t>
+            </a:r>
+          </a:p>
+          <a:p>
+            <a:pPr lvl="3"/>
+            <a:r>
+              <a:rPr lang="en-US"/>
+              <a:t>Fourth level</a:t>
+            </a:r>
+          </a:p>
+          <a:p>
+            <a:pPr lvl="4"/>
+            <a:r>
+              <a:rPr lang="en-US"/>
+              <a:t>Fifth level</a:t>
+            </a:r>
+          </a:p>
+        </p:txBody>
+      </p:sp>
+      <p:sp>
+        <p:nvSpPr>
+          <p:cNvPr id="6" name="Footer Placeholder 5"/>
+          <p:cNvSpPr>
+            <a:spLocks noGrp="1"/>
+          </p:cNvSpPr>
+          <p:nvPr>
+            <p:ph type="ftr" sz="quarter" idx="4"/>
+          </p:nvPr>
+        </p:nvSpPr>
+        <p:spPr>
+          <a:xfrm>
+            <a:off x="0" y="8824913"/>
+            <a:ext cx="3035300" cy="465137"/>
+          </a:xfrm>
+          <a:prstGeom prst="rect">
+            <a:avLst/>
+          </a:prstGeom>
+        </p:spPr>
+        <p:txBody>
+          <a:bodyPr vert="horz" lIns="91440" tIns="45720" rIns="91440" bIns="45720" rtlCol="0" anchor="b"/>
+          <a:lstStyle>
+            <a:lvl1pPr algn="l">
+              <a:defRPr sz="1200"/>
+            </a:lvl1pPr>
+          </a:lstStyle>
+          <a:p>
+            <a:endParaRPr lang="en-US"/>
+          </a:p>
+        </p:txBody>
+      </p:sp>
+      <p:sp>
+        <p:nvSpPr>
+          <p:cNvPr id="7" name="Slide Number Placeholder 6"/>
+          <p:cNvSpPr>
+            <a:spLocks noGrp="1"/>
+          </p:cNvSpPr>
+          <p:nvPr>
+            <p:ph type="sldNum" sz="quarter" idx="5"/>
+          </p:nvPr>
+        </p:nvSpPr>
+        <p:spPr>
+          <a:xfrm>
+            <a:off x="3967163" y="8824913"/>
+            <a:ext cx="3035300" cy="465137"/>
+          </a:xfrm>
+          <a:prstGeom prst="rect">
+            <a:avLst/>
+          </a:prstGeom>
+        </p:spPr>
+        <p:txBody>
+          <a:bodyPr vert="horz" lIns="91440" tIns="45720" rIns="91440" bIns="45720" rtlCol="0" anchor="b"/>
+          <a:lstStyle>
+            <a:lvl1pPr algn="r">
+              <a:defRPr sz="1200"/>
+            </a:lvl1pPr>
+          </a:lstStyle>
+          <a:p>
+            <a:fld id="{8C42C4BF-8D8E-4548-BFC9-FF95F2FD7865}" type="slidenum">
+              <a:rPr lang="en-US" smtClean="0"/>
+              <a:t>‹#›</a:t>
+            </a:fld>
+            <a:endParaRPr lang="en-US"/>
+          </a:p>
+        </p:txBody>
+      </p:sp>
+    </p:spTree>
+    <p:extLst>
+      <p:ext uri="{BB962C8B-B14F-4D97-AF65-F5344CB8AC3E}">
+        <p14:creationId xmlns:p14="http://schemas.microsoft.com/office/powerpoint/2010/main" val="1182167895"/>
+      </p:ext>
+    </p:extLst>
+  </p:cSld>
+  <p:clrMap bg1="lt1" tx1="dk1" bg2="lt2" tx2="dk2" accent1="accent1" accent2="accent2" accent3="accent3" accent4="accent4" accent5="accent5" accent6="accent6" hlink="hlink" folHlink="folHlink"/>
+  <p:notesStyle>
+    <a:lvl1pPr marL="0" algn="l" defTabSz="914400" rtl="0" eaLnBrk="1" latinLnBrk="0" hangingPunct="1">
+      <a:defRPr sz="1200" kern="1200">
+        <a:solidFill>
+          <a:schemeClr val="tx1"/>
+        </a:solidFill>
+        <a:latin typeface="+mn-lt"/>
+        <a:ea typeface="+mn-ea"/>
+        <a:cs typeface="+mn-cs"/>
+      </a:defRPr>
+    </a:lvl1pPr>
+    <a:lvl2pPr marL="457200" algn="l" defTabSz="914400" rtl="0" eaLnBrk="1" latinLnBrk="0" hangingPunct="1">
+      <a:defRPr sz="1200" kern="1200">
+        <a:solidFill>
+          <a:schemeClr val="tx1"/>
+        </a:solidFill>
+        <a:latin typeface="+mn-lt"/>
+        <a:ea typeface="+mn-ea"/>
+        <a:cs typeface="+mn-cs"/>
+      </a:defRPr>
+    </a:lvl2pPr>
+    <a:lvl3pPr marL="914400" algn="l" defTabSz="914400" rtl="0" eaLnBrk="1" latinLnBrk="0" hangingPunct="1">
+      <a:defRPr sz="1200" kern="1200">
+        <a:solidFill>
+          <a:schemeClr val="tx1"/>
+        </a:solidFill>
+        <a:latin typeface="+mn-lt"/>
+        <a:ea typeface="+mn-ea"/>
+        <a:cs typeface="+mn-cs"/>
+      </a:defRPr>
+    </a:lvl3pPr>
+    <a:lvl4pPr marL="1371600" algn="l" defTabSz="914400" rtl="0" eaLnBrk="1" latinLnBrk="0" hangingPunct="1">
+      <a:defRPr sz="1200" kern="1200">
+        <a:solidFill>
+          <a:schemeClr val="tx1"/>
+        </a:solidFill>
+        <a:latin typeface="+mn-lt"/>
+        <a:ea typeface="+mn-ea"/>
+        <a:cs typeface="+mn-cs"/>
+      </a:defRPr>
+    </a:lvl4pPr>
+    <a:lvl5pPr marL="1828800" algn="l" defTabSz="914400" rtl="0" eaLnBrk="1" latinLnBrk="0" hangingPunct="1">
+      <a:defRPr sz="1200" kern="1200">
+        <a:solidFill>
+          <a:schemeClr val="tx1"/>
+        </a:solidFill>
+        <a:latin typeface="+mn-lt"/>
+        <a:ea typeface="+mn-ea"/>
+        <a:cs typeface="+mn-cs"/>
+      </a:defRPr>
+    </a:lvl5pPr>
+    <a:lvl6pPr marL="2286000" algn="l" defTabSz="914400" rtl="0" eaLnBrk="1" latinLnBrk="0" hangingPunct="1">
+      <a:defRPr sz="1200" kern="1200">
+        <a:solidFill>
+          <a:schemeClr val="tx1"/>
+        </a:solidFill>
+        <a:latin typeface="+mn-lt"/>
+        <a:ea typeface="+mn-ea"/>
+        <a:cs typeface="+mn-cs"/>
+      </a:defRPr>
+    </a:lvl6pPr>
+    <a:lvl7pPr marL="2743200" algn="l" defTabSz="914400" rtl="0" eaLnBrk="1" latinLnBrk="0" hangingPunct="1">
+      <a:defRPr sz="1200" kern="1200">
+        <a:solidFill>
+          <a:schemeClr val="tx1"/>
+        </a:solidFill>
+        <a:latin typeface="+mn-lt"/>
+        <a:ea typeface="+mn-ea"/>
+        <a:cs typeface="+mn-cs"/>
+      </a:defRPr>
+    </a:lvl7pPr>
+    <a:lvl8pPr marL="3200400" algn="l" defTabSz="914400" rtl="0" eaLnBrk="1" latinLnBrk="0" hangingPunct="1">
+      <a:defRPr sz="1200" kern="1200">
+        <a:solidFill>
+          <a:schemeClr val="tx1"/>
+        </a:solidFill>
+        <a:latin typeface="+mn-lt"/>
+        <a:ea typeface="+mn-ea"/>
+        <a:cs typeface="+mn-cs"/>
+      </a:defRPr>
+    </a:lvl8pPr>
+    <a:lvl9pPr marL="3657600" algn="l" defTabSz="914400" rtl="0" eaLnBrk="1" latinLnBrk="0" hangingPunct="1">
+      <a:defRPr sz="1200" kern="1200">
+        <a:solidFill>
+          <a:schemeClr val="tx1"/>
+        </a:solidFill>
+        <a:latin typeface="+mn-lt"/>
+        <a:ea typeface="+mn-ea"/>
+        <a:cs typeface="+mn-cs"/>
+      </a:defRPr>
+    </a:lvl9pPr>
+  </p:notesStyle>
+</p:notesMaster>
+</file>
+
+<file path=ppt/notesSlides/notesSlide1.xml><?xml version="1.0" encoding="utf-8"?>
+<p:notes xmlns:a="http://schemas.openxmlformats.org/drawingml/2006/main" xmlns:r="http://schemas.openxmlformats.org/officeDocument/2006/relationships" xmlns:p="http://schemas.openxmlformats.org/presentationml/2006/main">
+  <p:cSld>
+    <p:spTree>
+      <p:nvGrpSpPr>
+        <p:cNvPr id="1" name=""/>
+        <p:cNvGrpSpPr/>
+        <p:nvPr/>
+      </p:nvGrpSpPr>
+      <p:grpSpPr>
+        <a:xfrm>
+          <a:off x="0" y="0"/>
+          <a:ext cx="0" cy="0"/>
+          <a:chOff x="0" y="0"/>
+          <a:chExt cx="0" cy="0"/>
+        </a:xfrm>
+      </p:grpSpPr>
+      <p:sp>
+        <p:nvSpPr>
+          <p:cNvPr id="2" name="Slide Image Placeholder 1"/>
+          <p:cNvSpPr>
+            <a:spLocks noGrp="1" noRot="1" noChangeAspect="1"/>
+          </p:cNvSpPr>
+          <p:nvPr>
+            <p:ph type="sldImg"/>
+          </p:nvPr>
+        </p:nvSpPr>
+        <p:spPr/>
+      </p:sp>
+      <p:sp>
+        <p:nvSpPr>
+          <p:cNvPr id="3" name="Notes Placeholder 2"/>
+          <p:cNvSpPr>
+            <a:spLocks noGrp="1"/>
+          </p:cNvSpPr>
+          <p:nvPr>
+            <p:ph type="body" idx="1"/>
+          </p:nvPr>
+        </p:nvSpPr>
+        <p:spPr/>
+        <p:txBody>
+          <a:bodyPr/>
+          <a:lstStyle/>
+          <a:p>
+            <a:endParaRPr lang="en-US" dirty="0"/>
+          </a:p>
+        </p:txBody>
+      </p:sp>
+      <p:sp>
+        <p:nvSpPr>
+          <p:cNvPr id="4" name="Slide Number Placeholder 3"/>
+          <p:cNvSpPr>
+            <a:spLocks noGrp="1"/>
+          </p:cNvSpPr>
+          <p:nvPr>
+            <p:ph type="sldNum" sz="quarter" idx="5"/>
+          </p:nvPr>
+        </p:nvSpPr>
+        <p:spPr/>
+        <p:txBody>
+          <a:bodyPr/>
+          <a:lstStyle/>
+          <a:p>
+            <a:fld id="{8C42C4BF-8D8E-4548-BFC9-FF95F2FD7865}" type="slidenum">
+              <a:rPr lang="en-US" smtClean="0"/>
+              <a:t>1</a:t>
+            </a:fld>
+            <a:endParaRPr lang="en-US"/>
+          </a:p>
+        </p:txBody>
+      </p:sp>
+    </p:spTree>
+    <p:extLst>
+      <p:ext uri="{BB962C8B-B14F-4D97-AF65-F5344CB8AC3E}">
+        <p14:creationId xmlns:p14="http://schemas.microsoft.com/office/powerpoint/2010/main" val="546912423"/>
+      </p:ext>
+    </p:extLst>
+  </p:cSld>
+  <p:clrMapOvr>
+    <a:masterClrMapping/>
+  </p:clrMapOvr>
+</p:notes>
+</file>
+
 <file path=ppt/slideLayouts/slideLayout1.xml><?xml version="1.0" encoding="utf-8"?>
 <p:sldLayout xmlns:a="http://schemas.openxmlformats.org/drawingml/2006/main" xmlns:r="http://schemas.openxmlformats.org/officeDocument/2006/relationships" xmlns:p="http://schemas.openxmlformats.org/presentationml/2006/main" type="title" preserve="1">
   <p:cSld name="Title Slide">
@@ -5988,7 +6424,7 @@
                 <a:latin typeface="Avenir Book" panose="02000503020000020003" pitchFamily="2" charset="0"/>
                 <a:ea typeface="Cambria Math" panose="02040503050406030204" pitchFamily="18" charset="0"/>
               </a:rPr>
-              <a:t>Modeling a Glucose Pathway and an ATP Synthase Mechanism shows ATP Life Extension in Synthetic Cells</a:t>
+              <a:t>Modeling a Glucose Pathway and an ATP Synthase Mechanism to show ATP Life Extension in Synthetic Cells</a:t>
             </a:r>
           </a:p>
         </p:txBody>
@@ -6519,7 +6955,7 @@
         <p:spPr>
           <a:xfrm>
             <a:off x="20116802" y="35623502"/>
-            <a:ext cx="3555192" cy="915629"/>
+            <a:ext cx="18108856" cy="915629"/>
           </a:xfrm>
           <a:prstGeom prst="rect">
             <a:avLst/>
@@ -6537,7 +6973,7 @@
                 <a:latin typeface="Avenir Book" panose="02000503020000020003" pitchFamily="2" charset="0"/>
                 <a:ea typeface="Cambria Math" panose="02040503050406030204" pitchFamily="18" charset="0"/>
               </a:rPr>
-              <a:t>References</a:t>
+              <a:t>References THANK YOU TO SAMEL KRON AND FELLOW</a:t>
             </a:r>
           </a:p>
         </p:txBody>
@@ -6553,7 +6989,7 @@
         <p:spPr bwMode="auto">
           <a:xfrm>
             <a:off x="1645920" y="6675120"/>
-            <a:ext cx="11704320" cy="8217610"/>
+            <a:ext cx="11704320" cy="7971389"/>
           </a:xfrm>
           <a:prstGeom prst="rect">
             <a:avLst/>
@@ -6674,7 +7110,7 @@
           </a:lstStyle>
           <a:p>
             <a:r>
-              <a:rPr lang="en-US" sz="3200" dirty="0">
+              <a:rPr lang="en-US" sz="3100" dirty="0">
                 <a:latin typeface="Avenir Book" panose="02000503020000020003" pitchFamily="2" charset="0"/>
               </a:rPr>
               <a:t>In synthetic cell protein synthesis, a common limiting factor is the energy supply for transcription and translation. By studying computational and mathematical models of various ATP regeneration mechanisms in synthetic cells, we aim to propose experimental methods for ATP life extension. We use available software tools to study two models. These allow us to develop and study mass action models by implementing simple chemical reaction networks. Our simulations show that a glucose metabolic pathway can extend lifetime of ATP up to about 60 hours. Integrating ATP synthase can also independently lengthen the lifetime of ATP to various times depending on the implemented proton gradient mechanism. To ensure prolonged synthetic cell protein synthesis, either the glucose pathway or ATP synthase mechanism can be used. In the future, it will be useful to perform wet-lab experiments in order to compare our model to data.</a:t>
@@ -6750,8 +7186,8 @@
         </p:nvSpPr>
         <p:spPr bwMode="auto">
           <a:xfrm>
-            <a:off x="14264640" y="16276320"/>
-            <a:ext cx="11704320" cy="9694937"/>
+            <a:off x="14264640" y="15648831"/>
+            <a:ext cx="11704320" cy="7540502"/>
           </a:xfrm>
           <a:prstGeom prst="rect">
             <a:avLst/>
@@ -6873,79 +7309,35 @@
           <a:p>
             <a:pPr eaLnBrk="1" hangingPunct="1"/>
             <a:r>
-              <a:rPr lang="en-US" sz="3200" dirty="0">
+              <a:rPr lang="en-US" sz="2600" dirty="0">
                 <a:latin typeface="Avenir Book" panose="02000503020000020003" pitchFamily="2" charset="0"/>
                 <a:ea typeface="Cambria Math" panose="02040503050406030204" pitchFamily="18" charset="0"/>
               </a:rPr>
-              <a:t>Click here to insert your Results text. Type it in or copy and paste from your Word document or other source.</a:t>
-            </a:r>
-          </a:p>
-          <a:p>
-            <a:pPr eaLnBrk="1" hangingPunct="1"/>
-            <a:endParaRPr lang="en-US" sz="3200" dirty="0">
-              <a:latin typeface="Avenir Book" panose="02000503020000020003" pitchFamily="2" charset="0"/>
-              <a:ea typeface="Cambria Math" panose="02040503050406030204" pitchFamily="18" charset="0"/>
-            </a:endParaRPr>
-          </a:p>
-          <a:p>
-            <a:pPr eaLnBrk="1" hangingPunct="1"/>
-            <a:r>
-              <a:rPr lang="en-US" sz="3200" dirty="0">
+              <a:t>In regards to the ATP rheostat model, we were able to show that ATP life extension can be achieved. First, we chose to implement an enzymatic mechanism by which every step of the pathway would follow, shown in Figure 3 below. After choosing parameters based on literature, we simulated the pathway by using BioCRNpyler, bioscrape, and </a:t>
+            </a:r>
+            <a:r>
+              <a:rPr lang="en-US" sz="2600" dirty="0" err="1">
                 <a:latin typeface="Avenir Book" panose="02000503020000020003" pitchFamily="2" charset="0"/>
                 <a:ea typeface="Cambria Math" panose="02040503050406030204" pitchFamily="18" charset="0"/>
               </a:rPr>
-              <a:t>This text box will automatically re-size to your text. To turn off that feature, right click inside this box and go to Format Shape, Text Box, Autofit, and select the “Do Not Autofit” radio button.</a:t>
-            </a:r>
-          </a:p>
-          <a:p>
-            <a:pPr eaLnBrk="1" hangingPunct="1"/>
-            <a:endParaRPr lang="en-US" sz="3200" dirty="0">
-              <a:latin typeface="Avenir Book" panose="02000503020000020003" pitchFamily="2" charset="0"/>
-              <a:ea typeface="Cambria Math" panose="02040503050406030204" pitchFamily="18" charset="0"/>
-            </a:endParaRPr>
-          </a:p>
-          <a:p>
-            <a:pPr eaLnBrk="1" hangingPunct="1"/>
-            <a:r>
-              <a:rPr lang="en-US" sz="3200" dirty="0">
+              <a:t>sbml</a:t>
+            </a:r>
+            <a:r>
+              <a:rPr lang="en-US" sz="2600" dirty="0">
                 <a:latin typeface="Avenir Book" panose="02000503020000020003" pitchFamily="2" charset="0"/>
                 <a:ea typeface="Cambria Math" panose="02040503050406030204" pitchFamily="18" charset="0"/>
               </a:rPr>
-              <a:t>To change the font style of this text box: Click on the border once to highlight the entire text box, then select a different font or font size that suits you. This text is Calibri 32pt and is easily read up to 5 feet away on a 44x44 poster.</a:t>
+              <a:t>. The simulations are shown in Figure 4 below. We can see that there is isobutanol production and glucose consumption, as expected (Fig 4a). There is also extended ATP lifetime when the rheostat is implemented compared to when we only model ATP hydrolysis (Fig 4b). The ATP use case is included in all simulations to represent ATP consumed by TX/TL.</a:t>
             </a:r>
           </a:p>
           <a:p>
             <a:pPr eaLnBrk="1" hangingPunct="1"/>
-            <a:endParaRPr lang="en-US" sz="3200" dirty="0">
-              <a:latin typeface="Avenir Book" panose="02000503020000020003" pitchFamily="2" charset="0"/>
-              <a:ea typeface="Cambria Math" panose="02040503050406030204" pitchFamily="18" charset="0"/>
-            </a:endParaRPr>
-          </a:p>
-          <a:p>
-            <a:pPr eaLnBrk="1" hangingPunct="1"/>
-            <a:r>
-              <a:rPr lang="en-US" sz="3200" dirty="0">
+            <a:r>
+              <a:rPr lang="en-US" sz="2600" dirty="0">
                 <a:latin typeface="Avenir Book" panose="02000503020000020003" pitchFamily="2" charset="0"/>
                 <a:ea typeface="Cambria Math" panose="02040503050406030204" pitchFamily="18" charset="0"/>
               </a:rPr>
-              <a:t>Zoom out to 100% to preview what this will look like on your printed poster.</a:t>
-            </a:r>
-          </a:p>
-          <a:p>
-            <a:pPr eaLnBrk="1" hangingPunct="1"/>
-            <a:endParaRPr lang="en-US" sz="3200" dirty="0">
-              <a:latin typeface="Avenir Book" panose="02000503020000020003" pitchFamily="2" charset="0"/>
-              <a:ea typeface="Cambria Math" panose="02040503050406030204" pitchFamily="18" charset="0"/>
-            </a:endParaRPr>
-          </a:p>
-          <a:p>
-            <a:pPr eaLnBrk="1" hangingPunct="1"/>
-            <a:r>
-              <a:rPr lang="en-US" sz="3200" dirty="0">
-                <a:latin typeface="Avenir Book" panose="02000503020000020003" pitchFamily="2" charset="0"/>
-                <a:ea typeface="Cambria Math" panose="02040503050406030204" pitchFamily="18" charset="0"/>
-              </a:rPr>
-              <a:t>Speaking of Results, yours will look better if you remember to run a spell-check on your poster! After you’ve added your content click on Review, Spelling, or press F7.</a:t>
+              <a:t>We are also able to show ATP life extension via the ATP synthase model. The three main components of this model are ATP synthesis via ATP synthase, proton gradient maintenance via a proton pump, and ATP use (that is representative of ATP consumed by TX/TL). When we compare the simulation with ATP synthase + ATP use vs ATP use only (Fig 5a), we see that there is a very short ATP life extension event. Then, when we include the proton pump, ATP is completely regenerated and can reach a higher steady state (Fig 5b). </a:t>
             </a:r>
           </a:p>
         </p:txBody>
@@ -6958,7 +7350,7 @@
         </p:nvSpPr>
         <p:spPr>
           <a:xfrm>
-            <a:off x="1645920" y="15453360"/>
+            <a:off x="1645920" y="14820536"/>
             <a:ext cx="11704320" cy="822960"/>
           </a:xfrm>
           <a:prstGeom prst="rect">
@@ -7156,7 +7548,7 @@
               <a:rPr lang="en-US" sz="2600" dirty="0">
                 <a:latin typeface="Avenir Book" panose="02000503020000020003" pitchFamily="2" charset="0"/>
               </a:rPr>
-              <a:t> In particular we used BioCRNpyler, bioscrape, autoReduce, SBML, and sub-</a:t>
+              <a:t> In particular, we used BioCRNpyler, bioscrape, autoReduce, SBML, and sub-</a:t>
             </a:r>
             <a:r>
               <a:rPr lang="en-US" sz="2600" dirty="0" err="1">
@@ -7168,19 +7560,7 @@
               <a:rPr lang="en-US" sz="2600" dirty="0">
                 <a:latin typeface="Avenir Book" panose="02000503020000020003" pitchFamily="2" charset="0"/>
               </a:rPr>
-              <a:t>. Various software packages, such as </a:t>
-            </a:r>
-            <a:r>
-              <a:rPr lang="en-US" sz="2600" dirty="0" err="1">
-                <a:latin typeface="Avenir Book" panose="02000503020000020003" pitchFamily="2" charset="0"/>
-              </a:rPr>
-              <a:t>BioCRNPyler</a:t>
-            </a:r>
-            <a:r>
-              <a:rPr lang="en-US" sz="2600" dirty="0">
-                <a:latin typeface="Avenir Book" panose="02000503020000020003" pitchFamily="2" charset="0"/>
-              </a:rPr>
-              <a:t>, bioscrape, and autoReduce are being actively developed by members of Murray Lab. Biocrnpyler is an object oriented framework (written in Python). Given simple descriptions, the software can generate chemical reaction networks, or CRNs. These are outputted as SBML files. SBML is a model representation format, which uses the language XML and commonly used in systems and synthetic biology. We then used bioscrape as a CRN simulator. Given an SBML file, bioscrape can solve the system and returns an output of results that can be simply visualized. Sub-</a:t>
+              <a:t>. Various software packages, such as BioCRNpyler, bioscrape, and autoReduce are being actively developed by members of Murray Lab. Biocrnpyler is an object-oriented framework (written in Python). Given simple descriptions, the software can generate chemical reaction networks, or CRNs. These are outputted as SBML files. SBML is a model representation format, which uses the language XML and commonly used in systems and synthetic biology. We then used bioscrape as a CRN simulator. Given an SBML file, bioscrape can solve the system and returns an output of results that can be simply visualized. Sub-</a:t>
             </a:r>
             <a:r>
               <a:rPr lang="en-US" sz="2600" dirty="0" err="1">
@@ -7305,8 +7685,8 @@
         </p:nvSpPr>
         <p:spPr bwMode="auto">
           <a:xfrm>
-            <a:off x="26883360" y="16276320"/>
-            <a:ext cx="11704320" cy="7725167"/>
+            <a:off x="26883360" y="15643296"/>
+            <a:ext cx="11704320" cy="6247840"/>
           </a:xfrm>
           <a:prstGeom prst="rect">
             <a:avLst/>
@@ -7432,58 +7812,49 @@
                 <a:latin typeface="Avenir Book" panose="02000503020000020003" pitchFamily="2" charset="0"/>
                 <a:ea typeface="Cambria Math" panose="02040503050406030204" pitchFamily="18" charset="0"/>
               </a:rPr>
-              <a:t>Click here to insert your Discussion text. Type it in or copy and paste from your Word document or other source.</a:t>
-            </a:r>
-          </a:p>
-          <a:p>
-            <a:pPr eaLnBrk="1" hangingPunct="1"/>
-            <a:endParaRPr lang="en-US" sz="3200" dirty="0">
-              <a:latin typeface="Avenir Book" panose="02000503020000020003" pitchFamily="2" charset="0"/>
-              <a:ea typeface="Cambria Math" panose="02040503050406030204" pitchFamily="18" charset="0"/>
-            </a:endParaRPr>
-          </a:p>
-          <a:p>
-            <a:pPr eaLnBrk="1" hangingPunct="1"/>
+              <a:t>It is important to combine these models with others, such as ssDNA export or liposome fusion models, to understand and confirm the effects ATP life extension may have. This was done with </a:t>
+            </a:r>
+            <a:r>
+              <a:rPr lang="en-US" sz="3200" dirty="0" err="1">
+                <a:latin typeface="Avenir Book" panose="02000503020000020003" pitchFamily="2" charset="0"/>
+                <a:ea typeface="Cambria Math" panose="02040503050406030204" pitchFamily="18" charset="0"/>
+              </a:rPr>
+              <a:t>Agrima</a:t>
+            </a:r>
             <a:r>
               <a:rPr lang="en-US" sz="3200" dirty="0">
                 <a:latin typeface="Avenir Book" panose="02000503020000020003" pitchFamily="2" charset="0"/>
                 <a:ea typeface="Cambria Math" panose="02040503050406030204" pitchFamily="18" charset="0"/>
               </a:rPr>
-              <a:t>This text box will automatically re-size to your text. To turn off that feature, right click inside this box and go to Format Shape, Text Box, Autofit, and select the “Do Not Autofit” radio button.</a:t>
-            </a:r>
-          </a:p>
-          <a:p>
-            <a:pPr eaLnBrk="1" hangingPunct="1"/>
-            <a:endParaRPr lang="en-US" sz="3200" dirty="0">
-              <a:latin typeface="Avenir Book" panose="02000503020000020003" pitchFamily="2" charset="0"/>
-              <a:ea typeface="Cambria Math" panose="02040503050406030204" pitchFamily="18" charset="0"/>
-            </a:endParaRPr>
-          </a:p>
-          <a:p>
-            <a:pPr eaLnBrk="1" hangingPunct="1"/>
+              <a:t> </a:t>
+            </a:r>
+            <a:r>
+              <a:rPr lang="en-US" sz="3200" dirty="0" err="1">
+                <a:latin typeface="Avenir Book" panose="02000503020000020003" pitchFamily="2" charset="0"/>
+                <a:ea typeface="Cambria Math" panose="02040503050406030204" pitchFamily="18" charset="0"/>
+              </a:rPr>
+              <a:t>Deedwania’s</a:t>
+            </a:r>
             <a:r>
               <a:rPr lang="en-US" sz="3200" dirty="0">
                 <a:latin typeface="Avenir Book" panose="02000503020000020003" pitchFamily="2" charset="0"/>
                 <a:ea typeface="Cambria Math" panose="02040503050406030204" pitchFamily="18" charset="0"/>
               </a:rPr>
-              <a:t>To change the font style of this text box: Click on the border once to highlight the entire text box, then select a different font or font size that suits you. This text is Calibri 32pt and is easily read up to 5 feet away on a 44x44 poster.</a:t>
-            </a:r>
-          </a:p>
-          <a:p>
-            <a:pPr eaLnBrk="1" hangingPunct="1"/>
-            <a:endParaRPr lang="en-US" sz="3200" dirty="0">
-              <a:latin typeface="Avenir Book" panose="02000503020000020003" pitchFamily="2" charset="0"/>
-              <a:ea typeface="Cambria Math" panose="02040503050406030204" pitchFamily="18" charset="0"/>
-            </a:endParaRPr>
-          </a:p>
-          <a:p>
-            <a:pPr eaLnBrk="1" hangingPunct="1"/>
+              <a:t> (IIT Delhi) single-stranded DNA (ssDNA) export model. Her model included the integration of a membrane protein (VirE2) by which ssDNA could be exported. We can see that when the ATP rheostat model is combined with the export model, there is more bound VirE2 and faster ssDNA export. We notice more significant effects when combined with the ATP synthase model since the self-sufficient capability of </a:t>
+            </a:r>
+            <a:r>
+              <a:rPr lang="en-US" sz="3200">
+                <a:latin typeface="Avenir Book" panose="02000503020000020003" pitchFamily="2" charset="0"/>
+                <a:ea typeface="Cambria Math" panose="02040503050406030204" pitchFamily="18" charset="0"/>
+              </a:rPr>
+              <a:t>this model ensure </a:t>
+            </a:r>
             <a:r>
               <a:rPr lang="en-US" sz="3200" dirty="0">
                 <a:latin typeface="Avenir Book" panose="02000503020000020003" pitchFamily="2" charset="0"/>
                 <a:ea typeface="Cambria Math" panose="02040503050406030204" pitchFamily="18" charset="0"/>
               </a:rPr>
-              <a:t>Zoom out to 100% to preview what this will look like on your printed poster.</a:t>
+              <a:t>a longer timeline of ATP life extension.</a:t>
             </a:r>
           </a:p>
         </p:txBody>
@@ -7496,7 +7867,7 @@
         </p:nvSpPr>
         <p:spPr>
           <a:xfrm>
-            <a:off x="26883360" y="15453360"/>
+            <a:off x="26883360" y="14820336"/>
             <a:ext cx="11704320" cy="822960"/>
           </a:xfrm>
           <a:prstGeom prst="rect">
@@ -7797,976 +8168,165 @@
           </a:p>
         </p:txBody>
       </p:sp>
-      <p:graphicFrame>
-        <p:nvGraphicFramePr>
-          <p:cNvPr id="44" name="Content Placeholder 114" descr="Sample table with 4 columns, 7 rows." title="Sample Table"/>
-          <p:cNvGraphicFramePr>
-            <a:graphicFrameLocks/>
-          </p:cNvGraphicFramePr>
-          <p:nvPr>
-            <p:extLst>
-              <p:ext uri="{D42A27DB-BD31-4B8C-83A1-F6EECF244321}">
-                <p14:modId xmlns:p14="http://schemas.microsoft.com/office/powerpoint/2010/main" val="194700409"/>
-              </p:ext>
-            </p:extLst>
-          </p:nvPr>
-        </p:nvGraphicFramePr>
-        <p:xfrm>
-          <a:off x="14328008" y="27647612"/>
-          <a:ext cx="11732392" cy="6648740"/>
-        </p:xfrm>
-        <a:graphic>
-          <a:graphicData uri="http://schemas.openxmlformats.org/drawingml/2006/table">
-            <a:tbl>
-              <a:tblPr firstRow="1" bandRow="1">
-                <a:tableStyleId>{F5AB1C69-6EDB-4FF4-983F-18BD219EF322}</a:tableStyleId>
-              </a:tblPr>
-              <a:tblGrid>
-                <a:gridCol w="2933098">
-                  <a:extLst>
-                    <a:ext uri="{9D8B030D-6E8A-4147-A177-3AD203B41FA5}">
-                      <a16:colId xmlns:a16="http://schemas.microsoft.com/office/drawing/2014/main" val="20000"/>
-                    </a:ext>
-                  </a:extLst>
-                </a:gridCol>
-                <a:gridCol w="2933098">
-                  <a:extLst>
-                    <a:ext uri="{9D8B030D-6E8A-4147-A177-3AD203B41FA5}">
-                      <a16:colId xmlns:a16="http://schemas.microsoft.com/office/drawing/2014/main" val="20001"/>
-                    </a:ext>
-                  </a:extLst>
-                </a:gridCol>
-                <a:gridCol w="2933098">
-                  <a:extLst>
-                    <a:ext uri="{9D8B030D-6E8A-4147-A177-3AD203B41FA5}">
-                      <a16:colId xmlns:a16="http://schemas.microsoft.com/office/drawing/2014/main" val="20002"/>
-                    </a:ext>
-                  </a:extLst>
-                </a:gridCol>
-                <a:gridCol w="2933098">
-                  <a:extLst>
-                    <a:ext uri="{9D8B030D-6E8A-4147-A177-3AD203B41FA5}">
-                      <a16:colId xmlns:a16="http://schemas.microsoft.com/office/drawing/2014/main" val="20003"/>
-                    </a:ext>
-                  </a:extLst>
-                </a:gridCol>
-              </a:tblGrid>
-              <a:tr h="949820">
-                <a:tc>
-                  <a:txBody>
-                    <a:bodyPr/>
-                    <a:lstStyle/>
-                    <a:p>
-                      <a:endParaRPr lang="en-US" sz="3200" dirty="0"/>
-                    </a:p>
-                  </a:txBody>
-                  <a:tcPr marL="111760" marR="111760" marT="41910" marB="41910" anchor="ctr">
-                    <a:solidFill>
-                      <a:schemeClr val="accent1">
-                        <a:lumMod val="75000"/>
-                      </a:schemeClr>
-                    </a:solidFill>
-                  </a:tcPr>
-                </a:tc>
-                <a:tc>
-                  <a:txBody>
-                    <a:bodyPr/>
-                    <a:lstStyle/>
-                    <a:p>
-                      <a:pPr algn="ctr"/>
-                      <a:r>
-                        <a:rPr lang="en-US" sz="3200" dirty="0"/>
-                        <a:t>Heading</a:t>
-                      </a:r>
-                    </a:p>
-                  </a:txBody>
-                  <a:tcPr marL="111760" marR="111760" marT="41910" marB="41910" anchor="ctr">
-                    <a:solidFill>
-                      <a:schemeClr val="accent1">
-                        <a:lumMod val="75000"/>
-                      </a:schemeClr>
-                    </a:solidFill>
-                  </a:tcPr>
-                </a:tc>
-                <a:tc>
-                  <a:txBody>
-                    <a:bodyPr/>
-                    <a:lstStyle/>
-                    <a:p>
-                      <a:pPr algn="ctr"/>
-                      <a:r>
-                        <a:rPr lang="en-US" sz="3200" dirty="0"/>
-                        <a:t>Heading</a:t>
-                      </a:r>
-                    </a:p>
-                  </a:txBody>
-                  <a:tcPr marL="111760" marR="111760" marT="41910" marB="41910" anchor="ctr">
-                    <a:solidFill>
-                      <a:schemeClr val="accent1">
-                        <a:lumMod val="75000"/>
-                      </a:schemeClr>
-                    </a:solidFill>
-                  </a:tcPr>
-                </a:tc>
-                <a:tc>
-                  <a:txBody>
-                    <a:bodyPr/>
-                    <a:lstStyle/>
-                    <a:p>
-                      <a:pPr algn="ctr"/>
-                      <a:r>
-                        <a:rPr lang="en-US" sz="3200" dirty="0"/>
-                        <a:t>Heading</a:t>
-                      </a:r>
-                    </a:p>
-                  </a:txBody>
-                  <a:tcPr marL="111760" marR="111760" marT="41910" marB="41910" anchor="ctr">
-                    <a:solidFill>
-                      <a:schemeClr val="accent1">
-                        <a:lumMod val="75000"/>
-                      </a:schemeClr>
-                    </a:solidFill>
-                  </a:tcPr>
-                </a:tc>
-                <a:extLst>
-                  <a:ext uri="{0D108BD9-81ED-4DB2-BD59-A6C34878D82A}">
-                    <a16:rowId xmlns:a16="http://schemas.microsoft.com/office/drawing/2014/main" val="10000"/>
-                  </a:ext>
-                </a:extLst>
-              </a:tr>
-              <a:tr h="949820">
-                <a:tc>
-                  <a:txBody>
-                    <a:bodyPr/>
-                    <a:lstStyle/>
-                    <a:p>
-                      <a:r>
-                        <a:rPr lang="en-US" sz="3200" dirty="0"/>
-                        <a:t>Item</a:t>
-                      </a:r>
-                    </a:p>
-                  </a:txBody>
-                  <a:tcPr marL="111760" marR="111760" marT="41910" marB="41910" anchor="ctr"/>
-                </a:tc>
-                <a:tc>
-                  <a:txBody>
-                    <a:bodyPr/>
-                    <a:lstStyle/>
-                    <a:p>
-                      <a:pPr algn="ctr"/>
-                      <a:r>
-                        <a:rPr lang="en-US" sz="3200" dirty="0"/>
-                        <a:t>800</a:t>
-                      </a:r>
-                    </a:p>
-                  </a:txBody>
-                  <a:tcPr marL="111760" marR="111760" marT="41910" marB="41910" anchor="ctr"/>
-                </a:tc>
-                <a:tc>
-                  <a:txBody>
-                    <a:bodyPr/>
-                    <a:lstStyle/>
-                    <a:p>
-                      <a:pPr algn="ctr"/>
-                      <a:r>
-                        <a:rPr lang="en-US" sz="3200" dirty="0"/>
-                        <a:t>790</a:t>
-                      </a:r>
-                    </a:p>
-                  </a:txBody>
-                  <a:tcPr marL="111760" marR="111760" marT="41910" marB="41910" anchor="ctr"/>
-                </a:tc>
-                <a:tc>
-                  <a:txBody>
-                    <a:bodyPr/>
-                    <a:lstStyle/>
-                    <a:p>
-                      <a:pPr algn="ctr"/>
-                      <a:r>
-                        <a:rPr lang="en-US" sz="3200" dirty="0"/>
-                        <a:t>4001</a:t>
-                      </a:r>
-                    </a:p>
-                  </a:txBody>
-                  <a:tcPr marL="111760" marR="111760" marT="41910" marB="41910" anchor="ctr"/>
-                </a:tc>
-                <a:extLst>
-                  <a:ext uri="{0D108BD9-81ED-4DB2-BD59-A6C34878D82A}">
-                    <a16:rowId xmlns:a16="http://schemas.microsoft.com/office/drawing/2014/main" val="10001"/>
-                  </a:ext>
-                </a:extLst>
-              </a:tr>
-              <a:tr h="949820">
-                <a:tc>
-                  <a:txBody>
-                    <a:bodyPr/>
-                    <a:lstStyle/>
-                    <a:p>
-                      <a:r>
-                        <a:rPr lang="en-US" sz="3200" dirty="0"/>
-                        <a:t>Item</a:t>
-                      </a:r>
-                    </a:p>
-                  </a:txBody>
-                  <a:tcPr marL="111760" marR="111760" marT="41910" marB="41910" anchor="ctr"/>
-                </a:tc>
-                <a:tc>
-                  <a:txBody>
-                    <a:bodyPr/>
-                    <a:lstStyle/>
-                    <a:p>
-                      <a:pPr algn="ctr"/>
-                      <a:r>
-                        <a:rPr lang="en-US" sz="3200" dirty="0"/>
-                        <a:t>356</a:t>
-                      </a:r>
-                    </a:p>
-                  </a:txBody>
-                  <a:tcPr marL="111760" marR="111760" marT="41910" marB="41910" anchor="ctr"/>
-                </a:tc>
-                <a:tc>
-                  <a:txBody>
-                    <a:bodyPr/>
-                    <a:lstStyle/>
-                    <a:p>
-                      <a:pPr algn="ctr"/>
-                      <a:r>
-                        <a:rPr lang="en-US" sz="3200" dirty="0"/>
-                        <a:t>856</a:t>
-                      </a:r>
-                    </a:p>
-                  </a:txBody>
-                  <a:tcPr marL="111760" marR="111760" marT="41910" marB="41910" anchor="ctr"/>
-                </a:tc>
-                <a:tc>
-                  <a:txBody>
-                    <a:bodyPr/>
-                    <a:lstStyle/>
-                    <a:p>
-                      <a:pPr algn="ctr"/>
-                      <a:r>
-                        <a:rPr lang="en-US" sz="3200" dirty="0"/>
-                        <a:t>290</a:t>
-                      </a:r>
-                    </a:p>
-                  </a:txBody>
-                  <a:tcPr marL="111760" marR="111760" marT="41910" marB="41910" anchor="ctr"/>
-                </a:tc>
-                <a:extLst>
-                  <a:ext uri="{0D108BD9-81ED-4DB2-BD59-A6C34878D82A}">
-                    <a16:rowId xmlns:a16="http://schemas.microsoft.com/office/drawing/2014/main" val="10002"/>
-                  </a:ext>
-                </a:extLst>
-              </a:tr>
-              <a:tr h="949820">
-                <a:tc>
-                  <a:txBody>
-                    <a:bodyPr/>
-                    <a:lstStyle/>
-                    <a:p>
-                      <a:r>
-                        <a:rPr lang="en-US" sz="3200" dirty="0"/>
-                        <a:t>Item</a:t>
-                      </a:r>
-                    </a:p>
-                  </a:txBody>
-                  <a:tcPr marL="111760" marR="111760" marT="41910" marB="41910" anchor="ctr"/>
-                </a:tc>
-                <a:tc>
-                  <a:txBody>
-                    <a:bodyPr/>
-                    <a:lstStyle/>
-                    <a:p>
-                      <a:pPr algn="ctr"/>
-                      <a:r>
-                        <a:rPr lang="en-US" sz="3200" dirty="0"/>
-                        <a:t>228</a:t>
-                      </a:r>
-                    </a:p>
-                  </a:txBody>
-                  <a:tcPr marL="111760" marR="111760" marT="41910" marB="41910" anchor="ctr"/>
-                </a:tc>
-                <a:tc>
-                  <a:txBody>
-                    <a:bodyPr/>
-                    <a:lstStyle/>
-                    <a:p>
-                      <a:pPr algn="ctr"/>
-                      <a:r>
-                        <a:rPr lang="en-US" sz="3200" dirty="0"/>
-                        <a:t>134</a:t>
-                      </a:r>
-                    </a:p>
-                  </a:txBody>
-                  <a:tcPr marL="111760" marR="111760" marT="41910" marB="41910" anchor="ctr"/>
-                </a:tc>
-                <a:tc>
-                  <a:txBody>
-                    <a:bodyPr/>
-                    <a:lstStyle/>
-                    <a:p>
-                      <a:pPr algn="ctr"/>
-                      <a:r>
-                        <a:rPr lang="en-US" sz="3200" dirty="0"/>
-                        <a:t>238</a:t>
-                      </a:r>
-                    </a:p>
-                  </a:txBody>
-                  <a:tcPr marL="111760" marR="111760" marT="41910" marB="41910" anchor="ctr"/>
-                </a:tc>
-                <a:extLst>
-                  <a:ext uri="{0D108BD9-81ED-4DB2-BD59-A6C34878D82A}">
-                    <a16:rowId xmlns:a16="http://schemas.microsoft.com/office/drawing/2014/main" val="10003"/>
-                  </a:ext>
-                </a:extLst>
-              </a:tr>
-              <a:tr h="949820">
-                <a:tc>
-                  <a:txBody>
-                    <a:bodyPr/>
-                    <a:lstStyle/>
-                    <a:p>
-                      <a:r>
-                        <a:rPr lang="en-US" sz="3200" dirty="0"/>
-                        <a:t>Item</a:t>
-                      </a:r>
-                    </a:p>
-                  </a:txBody>
-                  <a:tcPr marL="111760" marR="111760" marT="41910" marB="41910" anchor="ctr"/>
-                </a:tc>
-                <a:tc>
-                  <a:txBody>
-                    <a:bodyPr/>
-                    <a:lstStyle/>
-                    <a:p>
-                      <a:pPr algn="ctr"/>
-                      <a:r>
-                        <a:rPr lang="en-US" sz="3200" dirty="0"/>
-                        <a:t>954</a:t>
-                      </a:r>
-                    </a:p>
-                  </a:txBody>
-                  <a:tcPr marL="111760" marR="111760" marT="41910" marB="41910" anchor="ctr"/>
-                </a:tc>
-                <a:tc>
-                  <a:txBody>
-                    <a:bodyPr/>
-                    <a:lstStyle/>
-                    <a:p>
-                      <a:pPr algn="ctr"/>
-                      <a:r>
-                        <a:rPr lang="en-US" sz="3200" dirty="0"/>
-                        <a:t>875</a:t>
-                      </a:r>
-                    </a:p>
-                  </a:txBody>
-                  <a:tcPr marL="111760" marR="111760" marT="41910" marB="41910" anchor="ctr"/>
-                </a:tc>
-                <a:tc>
-                  <a:txBody>
-                    <a:bodyPr/>
-                    <a:lstStyle/>
-                    <a:p>
-                      <a:pPr algn="ctr"/>
-                      <a:r>
-                        <a:rPr lang="en-US" sz="3200" dirty="0"/>
-                        <a:t>976</a:t>
-                      </a:r>
-                    </a:p>
-                  </a:txBody>
-                  <a:tcPr marL="111760" marR="111760" marT="41910" marB="41910" anchor="ctr"/>
-                </a:tc>
-                <a:extLst>
-                  <a:ext uri="{0D108BD9-81ED-4DB2-BD59-A6C34878D82A}">
-                    <a16:rowId xmlns:a16="http://schemas.microsoft.com/office/drawing/2014/main" val="10004"/>
-                  </a:ext>
-                </a:extLst>
-              </a:tr>
-              <a:tr h="949820">
-                <a:tc>
-                  <a:txBody>
-                    <a:bodyPr/>
-                    <a:lstStyle/>
-                    <a:p>
-                      <a:r>
-                        <a:rPr lang="en-US" sz="3200" dirty="0"/>
-                        <a:t>Item</a:t>
-                      </a:r>
-                    </a:p>
-                  </a:txBody>
-                  <a:tcPr marL="111760" marR="111760" marT="41910" marB="41910" anchor="ctr"/>
-                </a:tc>
-                <a:tc>
-                  <a:txBody>
-                    <a:bodyPr/>
-                    <a:lstStyle/>
-                    <a:p>
-                      <a:pPr algn="ctr"/>
-                      <a:r>
-                        <a:rPr lang="en-US" sz="3200" dirty="0"/>
-                        <a:t>324</a:t>
-                      </a:r>
-                    </a:p>
-                  </a:txBody>
-                  <a:tcPr marL="111760" marR="111760" marT="41910" marB="41910" anchor="ctr"/>
-                </a:tc>
-                <a:tc>
-                  <a:txBody>
-                    <a:bodyPr/>
-                    <a:lstStyle/>
-                    <a:p>
-                      <a:pPr algn="ctr"/>
-                      <a:r>
-                        <a:rPr lang="en-US" sz="3200" dirty="0"/>
-                        <a:t>325</a:t>
-                      </a:r>
-                    </a:p>
-                  </a:txBody>
-                  <a:tcPr marL="111760" marR="111760" marT="41910" marB="41910" anchor="ctr"/>
-                </a:tc>
-                <a:tc>
-                  <a:txBody>
-                    <a:bodyPr/>
-                    <a:lstStyle/>
-                    <a:p>
-                      <a:pPr algn="ctr"/>
-                      <a:r>
-                        <a:rPr lang="en-US" sz="3200" dirty="0"/>
-                        <a:t>301</a:t>
-                      </a:r>
-                    </a:p>
-                  </a:txBody>
-                  <a:tcPr marL="111760" marR="111760" marT="41910" marB="41910" anchor="ctr"/>
-                </a:tc>
-                <a:extLst>
-                  <a:ext uri="{0D108BD9-81ED-4DB2-BD59-A6C34878D82A}">
-                    <a16:rowId xmlns:a16="http://schemas.microsoft.com/office/drawing/2014/main" val="10005"/>
-                  </a:ext>
-                </a:extLst>
-              </a:tr>
-              <a:tr h="949820">
-                <a:tc>
-                  <a:txBody>
-                    <a:bodyPr/>
-                    <a:lstStyle/>
-                    <a:p>
-                      <a:r>
-                        <a:rPr lang="en-US" sz="3200" b="1" dirty="0"/>
-                        <a:t>Total</a:t>
-                      </a:r>
-                    </a:p>
-                  </a:txBody>
-                  <a:tcPr marL="111760" marR="111760" marT="41910" marB="41910" anchor="ctr"/>
-                </a:tc>
-                <a:tc>
-                  <a:txBody>
-                    <a:bodyPr/>
-                    <a:lstStyle/>
-                    <a:p>
-                      <a:pPr algn="ctr"/>
-                      <a:r>
-                        <a:rPr lang="en-US" sz="3200" b="1" dirty="0"/>
-                        <a:t>199</a:t>
-                      </a:r>
-                    </a:p>
-                  </a:txBody>
-                  <a:tcPr marL="111760" marR="111760" marT="41910" marB="41910" anchor="ctr"/>
-                </a:tc>
-                <a:tc>
-                  <a:txBody>
-                    <a:bodyPr/>
-                    <a:lstStyle/>
-                    <a:p>
-                      <a:pPr algn="ctr"/>
-                      <a:r>
-                        <a:rPr lang="en-US" sz="3200" b="1" dirty="0"/>
-                        <a:t>137</a:t>
-                      </a:r>
-                    </a:p>
-                  </a:txBody>
-                  <a:tcPr marL="111760" marR="111760" marT="41910" marB="41910" anchor="ctr"/>
-                </a:tc>
-                <a:tc>
-                  <a:txBody>
-                    <a:bodyPr/>
-                    <a:lstStyle/>
-                    <a:p>
-                      <a:pPr algn="ctr"/>
-                      <a:r>
-                        <a:rPr lang="en-US" sz="3200" b="1" dirty="0"/>
-                        <a:t>186</a:t>
-                      </a:r>
-                    </a:p>
-                  </a:txBody>
-                  <a:tcPr marL="111760" marR="111760" marT="41910" marB="41910" anchor="ctr"/>
-                </a:tc>
-                <a:extLst>
-                  <a:ext uri="{0D108BD9-81ED-4DB2-BD59-A6C34878D82A}">
-                    <a16:rowId xmlns:a16="http://schemas.microsoft.com/office/drawing/2014/main" val="10006"/>
-                  </a:ext>
-                </a:extLst>
-              </a:tr>
-            </a:tbl>
-          </a:graphicData>
-        </a:graphic>
-      </p:graphicFrame>
-      <mc:AlternateContent xmlns:mc="http://schemas.openxmlformats.org/markup-compatibility/2006" xmlns:a14="http://schemas.microsoft.com/office/drawing/2010/main">
-        <mc:Choice Requires="a14">
-          <p:sp>
-            <p:nvSpPr>
-              <p:cNvPr id="11" name="Text Box 190"/>
-              <p:cNvSpPr txBox="1">
-                <a:spLocks noChangeArrowheads="1"/>
-              </p:cNvSpPr>
-              <p:nvPr/>
-            </p:nvSpPr>
-            <p:spPr bwMode="auto">
-              <a:xfrm>
-                <a:off x="1645920" y="16276320"/>
-                <a:ext cx="11704320" cy="13175506"/>
-              </a:xfrm>
-              <a:prstGeom prst="rect">
-                <a:avLst/>
-              </a:prstGeom>
-              <a:solidFill>
-                <a:schemeClr val="bg1"/>
-              </a:solidFill>
-              <a:ln w="12700">
-                <a:solidFill>
-                  <a:schemeClr val="accent1">
-                    <a:lumMod val="75000"/>
-                  </a:schemeClr>
-                </a:solidFill>
-              </a:ln>
-              <a:effectLst/>
-            </p:spPr>
-            <p:txBody>
-              <a:bodyPr lIns="167628" tIns="167628" rIns="167628" bIns="167628">
-                <a:spAutoFit/>
-              </a:bodyPr>
-              <a:lstStyle>
-                <a:lvl1pPr eaLnBrk="0" hangingPunct="0">
-                  <a:defRPr sz="2200">
-                    <a:solidFill>
-                      <a:schemeClr val="tx1"/>
-                    </a:solidFill>
-                    <a:latin typeface="Arial" charset="0"/>
-                  </a:defRPr>
-                </a:lvl1pPr>
-                <a:lvl2pPr marL="742950" indent="-285750" eaLnBrk="0" hangingPunct="0">
-                  <a:defRPr sz="2200">
-                    <a:solidFill>
-                      <a:schemeClr val="tx1"/>
-                    </a:solidFill>
-                    <a:latin typeface="Arial" charset="0"/>
-                  </a:defRPr>
-                </a:lvl2pPr>
-                <a:lvl3pPr marL="1143000" indent="-228600" eaLnBrk="0" hangingPunct="0">
-                  <a:defRPr sz="2200">
-                    <a:solidFill>
-                      <a:schemeClr val="tx1"/>
-                    </a:solidFill>
-                    <a:latin typeface="Arial" charset="0"/>
-                  </a:defRPr>
-                </a:lvl3pPr>
-                <a:lvl4pPr marL="1600200" indent="-228600" eaLnBrk="0" hangingPunct="0">
-                  <a:defRPr sz="2200">
-                    <a:solidFill>
-                      <a:schemeClr val="tx1"/>
-                    </a:solidFill>
-                    <a:latin typeface="Arial" charset="0"/>
-                  </a:defRPr>
-                </a:lvl4pPr>
-                <a:lvl5pPr marL="2057400" indent="-228600" eaLnBrk="0" hangingPunct="0">
-                  <a:defRPr sz="2200">
-                    <a:solidFill>
-                      <a:schemeClr val="tx1"/>
-                    </a:solidFill>
-                    <a:latin typeface="Arial" charset="0"/>
-                  </a:defRPr>
-                </a:lvl5pPr>
-                <a:lvl6pPr marL="2514600" indent="-228600" eaLnBrk="0" fontAlgn="base" hangingPunct="0">
-                  <a:spcBef>
-                    <a:spcPct val="0"/>
-                  </a:spcBef>
-                  <a:spcAft>
-                    <a:spcPct val="0"/>
-                  </a:spcAft>
-                  <a:defRPr sz="2200">
-                    <a:solidFill>
-                      <a:schemeClr val="tx1"/>
-                    </a:solidFill>
-                    <a:latin typeface="Arial" charset="0"/>
-                  </a:defRPr>
-                </a:lvl6pPr>
-                <a:lvl7pPr marL="2971800" indent="-228600" eaLnBrk="0" fontAlgn="base" hangingPunct="0">
-                  <a:spcBef>
-                    <a:spcPct val="0"/>
-                  </a:spcBef>
-                  <a:spcAft>
-                    <a:spcPct val="0"/>
-                  </a:spcAft>
-                  <a:defRPr sz="2200">
-                    <a:solidFill>
-                      <a:schemeClr val="tx1"/>
-                    </a:solidFill>
-                    <a:latin typeface="Arial" charset="0"/>
-                  </a:defRPr>
-                </a:lvl7pPr>
-                <a:lvl8pPr marL="3429000" indent="-228600" eaLnBrk="0" fontAlgn="base" hangingPunct="0">
-                  <a:spcBef>
-                    <a:spcPct val="0"/>
-                  </a:spcBef>
-                  <a:spcAft>
-                    <a:spcPct val="0"/>
-                  </a:spcAft>
-                  <a:defRPr sz="2200">
-                    <a:solidFill>
-                      <a:schemeClr val="tx1"/>
-                    </a:solidFill>
-                    <a:latin typeface="Arial" charset="0"/>
-                  </a:defRPr>
-                </a:lvl8pPr>
-                <a:lvl9pPr marL="3886200" indent="-228600" eaLnBrk="0" fontAlgn="base" hangingPunct="0">
-                  <a:spcBef>
-                    <a:spcPct val="0"/>
-                  </a:spcBef>
-                  <a:spcAft>
-                    <a:spcPct val="0"/>
-                  </a:spcAft>
-                  <a:defRPr sz="2200">
-                    <a:solidFill>
-                      <a:schemeClr val="tx1"/>
-                    </a:solidFill>
-                    <a:latin typeface="Arial" charset="0"/>
-                  </a:defRPr>
-                </a:lvl9pPr>
-              </a:lstStyle>
-              <a:p>
-                <a:pPr eaLnBrk="1" hangingPunct="1"/>
-                <a:r>
-                  <a:rPr lang="en-US" sz="3200" dirty="0">
-                    <a:latin typeface="Avenir Book" panose="02000503020000020003" pitchFamily="2" charset="0"/>
-                    <a:ea typeface="Cambria Math" panose="02040503050406030204" pitchFamily="18" charset="0"/>
-                  </a:rPr>
-                  <a:t>Genigraphics® has provided this template to assist in preparation of a medical or scientific research poster. The dimensions are set to 44” high by 44” wide but prints can be scaled up or down in size to any dimension with a 1:1 aspect ratio. For example, if you order a 40” x 40” poster using this template, we will print the file at 90.9% of its original size. The most critical factor is that your template and poster dimensions must be proportional:</a:t>
-                </a:r>
-              </a:p>
-              <a:p>
-                <a:pPr eaLnBrk="1" hangingPunct="1"/>
-                <a:endParaRPr lang="en-US" sz="3200" dirty="0">
-                  <a:latin typeface="Avenir Book" panose="02000503020000020003" pitchFamily="2" charset="0"/>
-                  <a:ea typeface="Cambria Math" panose="02040503050406030204" pitchFamily="18" charset="0"/>
-                </a:endParaRPr>
-              </a:p>
-              <a:p>
-                <a:pPr eaLnBrk="1" hangingPunct="1"/>
-                <a14:m>
-                  <m:oMathPara xmlns:m="http://schemas.openxmlformats.org/officeDocument/2006/math">
-                    <m:oMathParaPr>
-                      <m:jc m:val="centerGroup"/>
-                    </m:oMathParaPr>
-                    <m:oMath xmlns:m="http://schemas.openxmlformats.org/officeDocument/2006/math">
-                      <m:box>
-                        <m:boxPr>
-                          <m:ctrlPr>
-                            <a:rPr lang="en-US" sz="3200" i="1">
-                              <a:latin typeface="Cambria Math" panose="02040503050406030204" pitchFamily="18" charset="0"/>
-                              <a:ea typeface="Cambria Math" panose="02040503050406030204" pitchFamily="18" charset="0"/>
-                            </a:rPr>
-                          </m:ctrlPr>
-                        </m:boxPr>
-                        <m:e>
-                          <m:f>
-                            <m:fPr>
-                              <m:ctrlPr>
-                                <a:rPr lang="en-US" sz="3200" i="1">
-                                  <a:latin typeface="Cambria Math" panose="02040503050406030204" pitchFamily="18" charset="0"/>
-                                  <a:ea typeface="Cambria Math" panose="02040503050406030204" pitchFamily="18" charset="0"/>
-                                </a:rPr>
-                              </m:ctrlPr>
-                            </m:fPr>
-                            <m:num>
-                              <m:r>
-                                <m:rPr>
-                                  <m:sty m:val="p"/>
-                                </m:rPr>
-                                <a:rPr lang="en-US" sz="3200" b="0" i="0">
-                                  <a:latin typeface="Cambria Math" panose="02040503050406030204" pitchFamily="18" charset="0"/>
-                                  <a:ea typeface="Cambria Math" panose="02040503050406030204" pitchFamily="18" charset="0"/>
-                                </a:rPr>
-                                <m:t>template</m:t>
-                              </m:r>
-                              <m:r>
-                                <a:rPr lang="en-US" sz="3200" b="0" i="0">
-                                  <a:latin typeface="Cambria Math" panose="02040503050406030204" pitchFamily="18" charset="0"/>
-                                  <a:ea typeface="Cambria Math" panose="02040503050406030204" pitchFamily="18" charset="0"/>
-                                </a:rPr>
-                                <m:t> </m:t>
-                              </m:r>
-                              <m:r>
-                                <m:rPr>
-                                  <m:sty m:val="p"/>
-                                </m:rPr>
-                                <a:rPr lang="en-US" sz="3200" b="0" i="0">
-                                  <a:latin typeface="Cambria Math" panose="02040503050406030204" pitchFamily="18" charset="0"/>
-                                  <a:ea typeface="Cambria Math" panose="02040503050406030204" pitchFamily="18" charset="0"/>
-                                </a:rPr>
-                                <m:t>height</m:t>
-                              </m:r>
-                            </m:num>
-                            <m:den>
-                              <m:r>
-                                <m:rPr>
-                                  <m:sty m:val="p"/>
-                                </m:rPr>
-                                <a:rPr lang="en-US" sz="3200" b="0" i="0">
-                                  <a:latin typeface="Cambria Math" panose="02040503050406030204" pitchFamily="18" charset="0"/>
-                                  <a:ea typeface="Cambria Math" panose="02040503050406030204" pitchFamily="18" charset="0"/>
-                                </a:rPr>
-                                <m:t>template</m:t>
-                              </m:r>
-                              <m:r>
-                                <a:rPr lang="en-US" sz="3200" b="0" i="0">
-                                  <a:latin typeface="Cambria Math" panose="02040503050406030204" pitchFamily="18" charset="0"/>
-                                  <a:ea typeface="Cambria Math" panose="02040503050406030204" pitchFamily="18" charset="0"/>
-                                </a:rPr>
-                                <m:t> </m:t>
-                              </m:r>
-                              <m:r>
-                                <m:rPr>
-                                  <m:sty m:val="p"/>
-                                </m:rPr>
-                                <a:rPr lang="en-US" sz="3200" b="0" i="0">
-                                  <a:latin typeface="Cambria Math" panose="02040503050406030204" pitchFamily="18" charset="0"/>
-                                  <a:ea typeface="Cambria Math" panose="02040503050406030204" pitchFamily="18" charset="0"/>
-                                </a:rPr>
-                                <m:t>width</m:t>
-                              </m:r>
-                            </m:den>
-                          </m:f>
-                        </m:e>
-                      </m:box>
-                      <m:r>
-                        <a:rPr lang="en-US" sz="3200" b="0" i="0" smtClean="0">
-                          <a:latin typeface="Cambria Math" panose="02040503050406030204" pitchFamily="18" charset="0"/>
-                          <a:ea typeface="Cambria Math" panose="02040503050406030204" pitchFamily="18" charset="0"/>
-                        </a:rPr>
-                        <m:t> </m:t>
-                      </m:r>
-                      <m:r>
-                        <a:rPr lang="en-US" sz="3200" b="0" i="0">
-                          <a:latin typeface="Cambria Math" panose="02040503050406030204" pitchFamily="18" charset="0"/>
-                          <a:ea typeface="Cambria Math" panose="02040503050406030204" pitchFamily="18" charset="0"/>
-                        </a:rPr>
-                        <m:t>= </m:t>
-                      </m:r>
-                      <m:box>
-                        <m:boxPr>
-                          <m:ctrlPr>
-                            <a:rPr lang="en-US" sz="3200" i="1">
-                              <a:latin typeface="Cambria Math" panose="02040503050406030204" pitchFamily="18" charset="0"/>
-                              <a:ea typeface="Cambria Math" panose="02040503050406030204" pitchFamily="18" charset="0"/>
-                            </a:rPr>
-                          </m:ctrlPr>
-                        </m:boxPr>
-                        <m:e>
-                          <m:f>
-                            <m:fPr>
-                              <m:ctrlPr>
-                                <a:rPr lang="en-US" sz="3200" i="1">
-                                  <a:latin typeface="Cambria Math" panose="02040503050406030204" pitchFamily="18" charset="0"/>
-                                  <a:ea typeface="Cambria Math" panose="02040503050406030204" pitchFamily="18" charset="0"/>
-                                </a:rPr>
-                              </m:ctrlPr>
-                            </m:fPr>
-                            <m:num>
-                              <m:r>
-                                <m:rPr>
-                                  <m:sty m:val="p"/>
-                                </m:rPr>
-                                <a:rPr lang="en-US" sz="3200" b="0" i="0">
-                                  <a:latin typeface="Cambria Math" panose="02040503050406030204" pitchFamily="18" charset="0"/>
-                                  <a:ea typeface="Cambria Math" panose="02040503050406030204" pitchFamily="18" charset="0"/>
-                                </a:rPr>
-                                <m:t>desired</m:t>
-                              </m:r>
-                              <m:r>
-                                <a:rPr lang="en-US" sz="3200" b="0" i="0">
-                                  <a:latin typeface="Cambria Math" panose="02040503050406030204" pitchFamily="18" charset="0"/>
-                                  <a:ea typeface="Cambria Math" panose="02040503050406030204" pitchFamily="18" charset="0"/>
-                                </a:rPr>
-                                <m:t> </m:t>
-                              </m:r>
-                              <m:r>
-                                <m:rPr>
-                                  <m:sty m:val="p"/>
-                                </m:rPr>
-                                <a:rPr lang="en-US" sz="3200" b="0" i="0">
-                                  <a:latin typeface="Cambria Math" panose="02040503050406030204" pitchFamily="18" charset="0"/>
-                                  <a:ea typeface="Cambria Math" panose="02040503050406030204" pitchFamily="18" charset="0"/>
-                                </a:rPr>
-                                <m:t>print</m:t>
-                              </m:r>
-                              <m:r>
-                                <a:rPr lang="en-US" sz="3200" b="0" i="0">
-                                  <a:latin typeface="Cambria Math" panose="02040503050406030204" pitchFamily="18" charset="0"/>
-                                  <a:ea typeface="Cambria Math" panose="02040503050406030204" pitchFamily="18" charset="0"/>
-                                </a:rPr>
-                                <m:t> </m:t>
-                              </m:r>
-                              <m:r>
-                                <m:rPr>
-                                  <m:sty m:val="p"/>
-                                </m:rPr>
-                                <a:rPr lang="en-US" sz="3200" b="0" i="0">
-                                  <a:latin typeface="Cambria Math" panose="02040503050406030204" pitchFamily="18" charset="0"/>
-                                  <a:ea typeface="Cambria Math" panose="02040503050406030204" pitchFamily="18" charset="0"/>
-                                </a:rPr>
-                                <m:t>height</m:t>
-                              </m:r>
-                            </m:num>
-                            <m:den>
-                              <m:r>
-                                <m:rPr>
-                                  <m:sty m:val="p"/>
-                                </m:rPr>
-                                <a:rPr lang="en-US" sz="3200" b="0" i="0">
-                                  <a:latin typeface="Cambria Math" panose="02040503050406030204" pitchFamily="18" charset="0"/>
-                                  <a:ea typeface="Cambria Math" panose="02040503050406030204" pitchFamily="18" charset="0"/>
-                                </a:rPr>
-                                <m:t>desired</m:t>
-                              </m:r>
-                              <m:r>
-                                <a:rPr lang="en-US" sz="3200" b="0" i="0">
-                                  <a:latin typeface="Cambria Math" panose="02040503050406030204" pitchFamily="18" charset="0"/>
-                                  <a:ea typeface="Cambria Math" panose="02040503050406030204" pitchFamily="18" charset="0"/>
-                                </a:rPr>
-                                <m:t> </m:t>
-                              </m:r>
-                              <m:r>
-                                <m:rPr>
-                                  <m:sty m:val="p"/>
-                                </m:rPr>
-                                <a:rPr lang="en-US" sz="3200" b="0" i="0">
-                                  <a:latin typeface="Cambria Math" panose="02040503050406030204" pitchFamily="18" charset="0"/>
-                                  <a:ea typeface="Cambria Math" panose="02040503050406030204" pitchFamily="18" charset="0"/>
-                                </a:rPr>
-                                <m:t>print</m:t>
-                              </m:r>
-                              <m:r>
-                                <a:rPr lang="en-US" sz="3200" b="0" i="0">
-                                  <a:latin typeface="Cambria Math" panose="02040503050406030204" pitchFamily="18" charset="0"/>
-                                  <a:ea typeface="Cambria Math" panose="02040503050406030204" pitchFamily="18" charset="0"/>
-                                </a:rPr>
-                                <m:t> </m:t>
-                              </m:r>
-                              <m:r>
-                                <m:rPr>
-                                  <m:sty m:val="p"/>
-                                </m:rPr>
-                                <a:rPr lang="en-US" sz="3200" b="0" i="0">
-                                  <a:latin typeface="Cambria Math" panose="02040503050406030204" pitchFamily="18" charset="0"/>
-                                  <a:ea typeface="Cambria Math" panose="02040503050406030204" pitchFamily="18" charset="0"/>
-                                </a:rPr>
-                                <m:t>width</m:t>
-                              </m:r>
-                            </m:den>
-                          </m:f>
-                        </m:e>
-                      </m:box>
-                    </m:oMath>
-                  </m:oMathPara>
-                </a14:m>
-                <a:endParaRPr lang="en-US" sz="3200" dirty="0">
-                  <a:latin typeface="Avenir Book" panose="02000503020000020003" pitchFamily="2" charset="0"/>
-                  <a:ea typeface="Cambria Math" panose="02040503050406030204" pitchFamily="18" charset="0"/>
-                </a:endParaRPr>
-              </a:p>
-              <a:p>
-                <a:pPr eaLnBrk="1" hangingPunct="1"/>
-                <a:endParaRPr lang="en-US" sz="3200" dirty="0">
-                  <a:latin typeface="Avenir Book" panose="02000503020000020003" pitchFamily="2" charset="0"/>
-                  <a:ea typeface="Cambria Math" panose="02040503050406030204" pitchFamily="18" charset="0"/>
-                </a:endParaRPr>
-              </a:p>
-              <a:p>
-                <a:pPr eaLnBrk="1" hangingPunct="1"/>
-                <a:r>
-                  <a:rPr lang="en-US" sz="3200" dirty="0">
-                    <a:latin typeface="Avenir Book" panose="02000503020000020003" pitchFamily="2" charset="0"/>
-                    <a:ea typeface="Cambria Math" panose="02040503050406030204" pitchFamily="18" charset="0"/>
-                  </a:rPr>
-                  <a:t>Order your poster from Genigraphics and we will perform a free design review and advise you if we see anything that may be a concern for printing. We’ll even help tidy things up.</a:t>
-                </a:r>
-              </a:p>
-              <a:p>
-                <a:pPr eaLnBrk="1" hangingPunct="1"/>
-                <a:endParaRPr lang="en-US" sz="3200" dirty="0">
-                  <a:latin typeface="Avenir Book" panose="02000503020000020003" pitchFamily="2" charset="0"/>
-                  <a:ea typeface="Cambria Math" panose="02040503050406030204" pitchFamily="18" charset="0"/>
-                </a:endParaRPr>
-              </a:p>
-              <a:p>
-                <a:pPr eaLnBrk="1" hangingPunct="1"/>
-                <a:r>
-                  <a:rPr lang="en-US" sz="3200" dirty="0">
-                    <a:latin typeface="Avenir Book" panose="02000503020000020003" pitchFamily="2" charset="0"/>
-                    <a:ea typeface="Cambria Math" panose="02040503050406030204" pitchFamily="18" charset="0"/>
-                  </a:rPr>
-                  <a:t>We have more history with PowerPoint® than any other printing company. In fact, we helped Microsoft® design the software and we created all of the original color themes, templates, and clip art galleries. We know how to make your printed poster look just like it does on screen. Other printing companies and copy centers will blindly convert your file to another format prior to printing. This can result in text shifting, symbols changing, and altered colors. We know the secrets to avoid those issues. So choose Genigraphics for the most accurate reproduction available.</a:t>
-                </a:r>
-              </a:p>
-            </p:txBody>
-          </p:sp>
-        </mc:Choice>
-        <mc:Fallback xmlns="">
-          <p:sp>
-            <p:nvSpPr>
-              <p:cNvPr id="11" name="Text Box 190"/>
-              <p:cNvSpPr txBox="1">
-                <a:spLocks noRot="1" noChangeAspect="1" noMove="1" noResize="1" noEditPoints="1" noAdjustHandles="1" noChangeArrowheads="1" noChangeShapeType="1" noTextEdit="1"/>
-              </p:cNvSpPr>
-              <p:nvPr/>
-            </p:nvSpPr>
-            <p:spPr bwMode="auto">
-              <a:xfrm>
-                <a:off x="1645920" y="16276320"/>
-                <a:ext cx="11704320" cy="13175506"/>
-              </a:xfrm>
-              <a:prstGeom prst="rect">
-                <a:avLst/>
-              </a:prstGeom>
-              <a:blipFill>
-                <a:blip r:embed="rId2"/>
-                <a:stretch>
-                  <a:fillRect l="-650" r="-542"/>
-                </a:stretch>
-              </a:blipFill>
-              <a:ln w="12700">
-                <a:solidFill>
-                  <a:schemeClr val="accent1">
-                    <a:lumMod val="75000"/>
-                  </a:schemeClr>
-                </a:solidFill>
-              </a:ln>
-              <a:effectLst/>
-            </p:spPr>
-            <p:txBody>
-              <a:bodyPr/>
-              <a:lstStyle/>
-              <a:p>
-                <a:r>
-                  <a:rPr lang="en-US">
-                    <a:noFill/>
-                  </a:rPr>
-                  <a:t> </a:t>
-                </a:r>
-              </a:p>
-            </p:txBody>
-          </p:sp>
-        </mc:Fallback>
-      </mc:AlternateContent>
+      <p:sp>
+        <p:nvSpPr>
+          <p:cNvPr id="11" name="Text Box 190"/>
+          <p:cNvSpPr txBox="1">
+            <a:spLocks noChangeArrowheads="1"/>
+          </p:cNvSpPr>
+          <p:nvPr/>
+        </p:nvSpPr>
+        <p:spPr bwMode="auto">
+          <a:xfrm>
+            <a:off x="1645920" y="15643496"/>
+            <a:ext cx="11704320" cy="11941706"/>
+          </a:xfrm>
+          <a:prstGeom prst="rect">
+            <a:avLst/>
+          </a:prstGeom>
+          <a:solidFill>
+            <a:schemeClr val="bg1"/>
+          </a:solidFill>
+          <a:ln w="12700">
+            <a:solidFill>
+              <a:schemeClr val="accent1">
+                <a:lumMod val="75000"/>
+              </a:schemeClr>
+            </a:solidFill>
+          </a:ln>
+          <a:effectLst/>
+        </p:spPr>
+        <p:txBody>
+          <a:bodyPr lIns="167628" tIns="167628" rIns="167628" bIns="167628">
+            <a:spAutoFit/>
+          </a:bodyPr>
+          <a:lstStyle>
+            <a:lvl1pPr eaLnBrk="0" hangingPunct="0">
+              <a:defRPr sz="2200">
+                <a:solidFill>
+                  <a:schemeClr val="tx1"/>
+                </a:solidFill>
+                <a:latin typeface="Arial" charset="0"/>
+              </a:defRPr>
+            </a:lvl1pPr>
+            <a:lvl2pPr marL="742950" indent="-285750" eaLnBrk="0" hangingPunct="0">
+              <a:defRPr sz="2200">
+                <a:solidFill>
+                  <a:schemeClr val="tx1"/>
+                </a:solidFill>
+                <a:latin typeface="Arial" charset="0"/>
+              </a:defRPr>
+            </a:lvl2pPr>
+            <a:lvl3pPr marL="1143000" indent="-228600" eaLnBrk="0" hangingPunct="0">
+              <a:defRPr sz="2200">
+                <a:solidFill>
+                  <a:schemeClr val="tx1"/>
+                </a:solidFill>
+                <a:latin typeface="Arial" charset="0"/>
+              </a:defRPr>
+            </a:lvl3pPr>
+            <a:lvl4pPr marL="1600200" indent="-228600" eaLnBrk="0" hangingPunct="0">
+              <a:defRPr sz="2200">
+                <a:solidFill>
+                  <a:schemeClr val="tx1"/>
+                </a:solidFill>
+                <a:latin typeface="Arial" charset="0"/>
+              </a:defRPr>
+            </a:lvl4pPr>
+            <a:lvl5pPr marL="2057400" indent="-228600" eaLnBrk="0" hangingPunct="0">
+              <a:defRPr sz="2200">
+                <a:solidFill>
+                  <a:schemeClr val="tx1"/>
+                </a:solidFill>
+                <a:latin typeface="Arial" charset="0"/>
+              </a:defRPr>
+            </a:lvl5pPr>
+            <a:lvl6pPr marL="2514600" indent="-228600" eaLnBrk="0" fontAlgn="base" hangingPunct="0">
+              <a:spcBef>
+                <a:spcPct val="0"/>
+              </a:spcBef>
+              <a:spcAft>
+                <a:spcPct val="0"/>
+              </a:spcAft>
+              <a:defRPr sz="2200">
+                <a:solidFill>
+                  <a:schemeClr val="tx1"/>
+                </a:solidFill>
+                <a:latin typeface="Arial" charset="0"/>
+              </a:defRPr>
+            </a:lvl6pPr>
+            <a:lvl7pPr marL="2971800" indent="-228600" eaLnBrk="0" fontAlgn="base" hangingPunct="0">
+              <a:spcBef>
+                <a:spcPct val="0"/>
+              </a:spcBef>
+              <a:spcAft>
+                <a:spcPct val="0"/>
+              </a:spcAft>
+              <a:defRPr sz="2200">
+                <a:solidFill>
+                  <a:schemeClr val="tx1"/>
+                </a:solidFill>
+                <a:latin typeface="Arial" charset="0"/>
+              </a:defRPr>
+            </a:lvl7pPr>
+            <a:lvl8pPr marL="3429000" indent="-228600" eaLnBrk="0" fontAlgn="base" hangingPunct="0">
+              <a:spcBef>
+                <a:spcPct val="0"/>
+              </a:spcBef>
+              <a:spcAft>
+                <a:spcPct val="0"/>
+              </a:spcAft>
+              <a:defRPr sz="2200">
+                <a:solidFill>
+                  <a:schemeClr val="tx1"/>
+                </a:solidFill>
+                <a:latin typeface="Arial" charset="0"/>
+              </a:defRPr>
+            </a:lvl8pPr>
+            <a:lvl9pPr marL="3886200" indent="-228600" eaLnBrk="0" fontAlgn="base" hangingPunct="0">
+              <a:spcBef>
+                <a:spcPct val="0"/>
+              </a:spcBef>
+              <a:spcAft>
+                <a:spcPct val="0"/>
+              </a:spcAft>
+              <a:defRPr sz="2200">
+                <a:solidFill>
+                  <a:schemeClr val="tx1"/>
+                </a:solidFill>
+                <a:latin typeface="Arial" charset="0"/>
+              </a:defRPr>
+            </a:lvl9pPr>
+          </a:lstStyle>
+          <a:p>
+            <a:pPr eaLnBrk="1" hangingPunct="1"/>
+            <a:r>
+              <a:rPr lang="en-US" sz="2600" dirty="0">
+                <a:latin typeface="Avenir Book" panose="02000503020000020003" pitchFamily="2" charset="0"/>
+              </a:rPr>
+              <a:t>Synthetic biology focuses on the engineering of devices, pathways, networks, and systems that utilize tools which already exist in biology. There is a growing interest in the development and application of genetically-programmed synthetic cells for future use. These cell-free systems can be used as environments in which more complex engineered systems can be implemented and designed [9]. </a:t>
+            </a:r>
+          </a:p>
+          <a:p>
+            <a:pPr eaLnBrk="1" hangingPunct="1"/>
+            <a:r>
+              <a:rPr lang="en-US" sz="2600" dirty="0">
+                <a:latin typeface="Avenir Book" panose="02000503020000020003" pitchFamily="2" charset="0"/>
+              </a:rPr>
+              <a:t>When building synthetic cells, there are five main subsystems to be considered. These are: spatial organization, metabolic subsystems, sensing and signaling, regulation and computation, and actuation. The problem we have chosen to tackle involves the metabolic subsystems, specifically the power supply and energy lifetime [11]. We aim to extend the lifetimes of synthetic cells derived from liposomes by implementing an ATP life extension mechanism. This mechanism can be a biochemical ATP regeneration pathway, a directed transporter, etc. An efficient, longer-lasting method to provide energy required for internal reactions will allow us to carry out more complex, sustainable experiments. We will be able to broaden the range of possible research in synthetic cells if we can measure responses, production, etc. for longer time periods.</a:t>
+            </a:r>
+          </a:p>
+          <a:p>
+            <a:pPr eaLnBrk="1" hangingPunct="1"/>
+            <a:r>
+              <a:rPr lang="en-US" sz="2600" dirty="0">
+                <a:latin typeface="Avenir Book" panose="02000503020000020003" pitchFamily="2" charset="0"/>
+              </a:rPr>
+              <a:t>The two mechanisms we studied are an ATP rheostat mechanism and an ATP synthase mechanism. The ATP rheostat was published by James Bowie Lab at UCLA. It can maintain ATP concentrations for up to 70 hours in buffer. See Figure 1 below for the reaction pathway. We want to explore whether the rheostat can extend ATP levels in synthetic cells with TX/TL, a transcription/translation system that creates protein from linear DNA templates [1,6,7]. Secondly, we investigated an ATP synthase model. This is a membrane protein that synthesizes ATP from ADP and Pi when there is a proton gradient (protons flow into the liposome). We also include a proton pump that pumps out H+ ions so that we can maintain the proton gradient necessary for ATP synthesis. A schematic shown below in Figure 2. </a:t>
+            </a:r>
+          </a:p>
+        </p:txBody>
+      </p:sp>
       <p:sp>
         <p:nvSpPr>
           <p:cNvPr id="45" name="Rectangle 44"/>
@@ -8775,7 +8335,7 @@
         </p:nvSpPr>
         <p:spPr>
           <a:xfrm>
-            <a:off x="14264640" y="15453360"/>
+            <a:off x="14264640" y="14825871"/>
             <a:ext cx="11704320" cy="822960"/>
           </a:xfrm>
           <a:prstGeom prst="rect">
@@ -8825,111 +8385,6 @@
           </a:p>
         </p:txBody>
       </p:sp>
-      <p:pic>
-        <p:nvPicPr>
-          <p:cNvPr id="49" name="Picture 178" descr="Picture1"/>
-          <p:cNvPicPr>
-            <a:picLocks noChangeAspect="1" noChangeArrowheads="1"/>
-          </p:cNvPicPr>
-          <p:nvPr/>
-        </p:nvPicPr>
-        <p:blipFill>
-          <a:blip r:embed="rId3">
-            <a:extLst>
-              <a:ext uri="{28A0092B-C50C-407E-A947-70E740481C1C}">
-                <a14:useLocalDpi xmlns:a14="http://schemas.microsoft.com/office/drawing/2010/main" val="0"/>
-              </a:ext>
-            </a:extLst>
-          </a:blip>
-          <a:srcRect/>
-          <a:stretch>
-            <a:fillRect/>
-          </a:stretch>
-        </p:blipFill>
-        <p:spPr bwMode="auto">
-          <a:xfrm>
-            <a:off x="2025649" y="30314901"/>
-            <a:ext cx="5029200" cy="3352605"/>
-          </a:xfrm>
-          <a:prstGeom prst="rect">
-            <a:avLst/>
-          </a:prstGeom>
-          <a:noFill/>
-          <a:ln w="9525">
-            <a:solidFill>
-              <a:schemeClr val="tx2">
-                <a:lumMod val="50000"/>
-              </a:schemeClr>
-            </a:solidFill>
-            <a:miter lim="800000"/>
-            <a:headEnd/>
-            <a:tailEnd/>
-          </a:ln>
-          <a:extLst>
-            <a:ext uri="{909E8E84-426E-40DD-AFC4-6F175D3DCCD1}">
-              <a14:hiddenFill xmlns:a14="http://schemas.microsoft.com/office/drawing/2010/main">
-                <a:solidFill>
-                  <a:srgbClr val="FFFFFF"/>
-                </a:solidFill>
-              </a14:hiddenFill>
-            </a:ext>
-          </a:extLst>
-        </p:spPr>
-      </p:pic>
-      <p:pic>
-        <p:nvPicPr>
-          <p:cNvPr id="50" name="Picture 179" descr="Picture2"/>
-          <p:cNvPicPr>
-            <a:picLocks noChangeAspect="1" noChangeArrowheads="1"/>
-          </p:cNvPicPr>
-          <p:nvPr/>
-        </p:nvPicPr>
-        <p:blipFill>
-          <a:blip r:embed="rId4">
-            <a:extLst>
-              <a:ext uri="{28A0092B-C50C-407E-A947-70E740481C1C}">
-                <a14:useLocalDpi xmlns:a14="http://schemas.microsoft.com/office/drawing/2010/main" val="0"/>
-              </a:ext>
-            </a:extLst>
-          </a:blip>
-          <a:srcRect/>
-          <a:stretch>
-            <a:fillRect/>
-          </a:stretch>
-        </p:blipFill>
-        <p:spPr bwMode="auto">
-          <a:xfrm>
-            <a:off x="8172450" y="30314900"/>
-            <a:ext cx="5029200" cy="3352606"/>
-          </a:xfrm>
-          <a:prstGeom prst="rect">
-            <a:avLst/>
-          </a:prstGeom>
-          <a:noFill/>
-          <a:ln>
-            <a:noFill/>
-          </a:ln>
-          <a:extLst>
-            <a:ext uri="{909E8E84-426E-40DD-AFC4-6F175D3DCCD1}">
-              <a14:hiddenFill xmlns:a14="http://schemas.microsoft.com/office/drawing/2010/main">
-                <a:solidFill>
-                  <a:srgbClr val="FFFFFF"/>
-                </a:solidFill>
-              </a14:hiddenFill>
-            </a:ext>
-            <a:ext uri="{91240B29-F687-4F45-9708-019B960494DF}">
-              <a14:hiddenLine xmlns:a14="http://schemas.microsoft.com/office/drawing/2010/main" w="9525">
-                <a:solidFill>
-                  <a:srgbClr val="000000"/>
-                </a:solidFill>
-                <a:miter lim="800000"/>
-                <a:headEnd/>
-                <a:tailEnd/>
-              </a14:hiddenLine>
-            </a:ext>
-          </a:extLst>
-        </p:spPr>
-      </p:pic>
       <p:sp>
         <p:nvSpPr>
           <p:cNvPr id="51" name="Text Box 180"/>
@@ -8940,8 +8395,8 @@
         </p:nvSpPr>
         <p:spPr bwMode="auto">
           <a:xfrm>
-            <a:off x="2025652" y="33877251"/>
-            <a:ext cx="5019888" cy="515520"/>
+            <a:off x="1449561" y="33767272"/>
+            <a:ext cx="5670548" cy="1377294"/>
           </a:xfrm>
           <a:prstGeom prst="rect">
             <a:avLst/>
@@ -8981,7 +8436,7 @@
           </a:extLst>
         </p:spPr>
         <p:txBody>
-          <a:bodyPr wrap="none" lIns="83814" tIns="41907" rIns="83814" bIns="41907">
+          <a:bodyPr wrap="square" lIns="83814" tIns="41907" rIns="83814" bIns="41907">
             <a:spAutoFit/>
           </a:bodyPr>
           <a:lstStyle>
@@ -9089,7 +8544,7 @@
                 <a:latin typeface="Avenir Book" panose="02000503020000020003" pitchFamily="2" charset="0"/>
                 <a:ea typeface="Cambria Math" panose="02040503050406030204" pitchFamily="18" charset="0"/>
               </a:rPr>
-              <a:t>Figure 1. Label in 28pt Calibri.</a:t>
+              <a:t>Figure 1. Entire Rheostat pathway as shown in the Opgenorth et al paper [7].</a:t>
             </a:r>
           </a:p>
         </p:txBody>
@@ -9104,8 +8559,8 @@
         </p:nvSpPr>
         <p:spPr bwMode="auto">
           <a:xfrm>
-            <a:off x="8172452" y="33877251"/>
-            <a:ext cx="5019888" cy="515520"/>
+            <a:off x="7403846" y="33336385"/>
+            <a:ext cx="5540356" cy="1808181"/>
           </a:xfrm>
           <a:prstGeom prst="rect">
             <a:avLst/>
@@ -9145,7 +8600,7 @@
           </a:extLst>
         </p:spPr>
         <p:txBody>
-          <a:bodyPr wrap="none" lIns="83814" tIns="41907" rIns="83814" bIns="41907">
+          <a:bodyPr wrap="square" lIns="83814" tIns="41907" rIns="83814" bIns="41907">
             <a:spAutoFit/>
           </a:bodyPr>
           <a:lstStyle>
@@ -9253,171 +8708,7 @@
                 <a:latin typeface="Avenir Book" panose="02000503020000020003" pitchFamily="2" charset="0"/>
                 <a:ea typeface="Cambria Math" panose="02040503050406030204" pitchFamily="18" charset="0"/>
               </a:rPr>
-              <a:t>Figure 2. Label in 28pt Calibri.</a:t>
-            </a:r>
-          </a:p>
-        </p:txBody>
-      </p:sp>
-      <p:sp>
-        <p:nvSpPr>
-          <p:cNvPr id="53" name="Text Box 180"/>
-          <p:cNvSpPr txBox="1">
-            <a:spLocks noChangeArrowheads="1"/>
-          </p:cNvSpPr>
-          <p:nvPr/>
-        </p:nvSpPr>
-        <p:spPr bwMode="auto">
-          <a:xfrm>
-            <a:off x="14022523" y="26971432"/>
-            <a:ext cx="4859844" cy="515520"/>
-          </a:xfrm>
-          <a:prstGeom prst="rect">
-            <a:avLst/>
-          </a:prstGeom>
-          <a:noFill/>
-          <a:ln>
-            <a:noFill/>
-          </a:ln>
-          <a:effectLst/>
-          <a:extLst>
-            <a:ext uri="{909E8E84-426E-40DD-AFC4-6F175D3DCCD1}">
-              <a14:hiddenFill xmlns:a14="http://schemas.microsoft.com/office/drawing/2010/main">
-                <a:solidFill>
-                  <a:schemeClr val="accent1"/>
-                </a:solidFill>
-              </a14:hiddenFill>
-            </a:ext>
-            <a:ext uri="{91240B29-F687-4F45-9708-019B960494DF}">
-              <a14:hiddenLine xmlns:a14="http://schemas.microsoft.com/office/drawing/2010/main" w="9525">
-                <a:solidFill>
-                  <a:schemeClr val="tx1"/>
-                </a:solidFill>
-                <a:miter lim="800000"/>
-                <a:headEnd/>
-                <a:tailEnd/>
-              </a14:hiddenLine>
-            </a:ext>
-            <a:ext uri="{AF507438-7753-43E0-B8FC-AC1667EBCBE1}">
-              <a14:hiddenEffects xmlns:a14="http://schemas.microsoft.com/office/drawing/2010/main">
-                <a:effectLst>
-                  <a:outerShdw dist="35921" dir="2700000" algn="ctr" rotWithShape="0">
-                    <a:schemeClr val="bg2"/>
-                  </a:outerShdw>
-                </a:effectLst>
-              </a14:hiddenEffects>
-            </a:ext>
-          </a:extLst>
-        </p:spPr>
-        <p:txBody>
-          <a:bodyPr wrap="none" lIns="83814" tIns="41907" rIns="83814" bIns="41907">
-            <a:spAutoFit/>
-          </a:bodyPr>
-          <a:lstStyle>
-            <a:lvl1pPr defTabSz="4389438" eaLnBrk="0" hangingPunct="0">
-              <a:defRPr sz="2200">
-                <a:solidFill>
-                  <a:schemeClr val="tx1"/>
-                </a:solidFill>
-                <a:latin typeface="Arial" charset="0"/>
-              </a:defRPr>
-            </a:lvl1pPr>
-            <a:lvl2pPr marL="742950" indent="-285750" defTabSz="4389438" eaLnBrk="0" hangingPunct="0">
-              <a:defRPr sz="2200">
-                <a:solidFill>
-                  <a:schemeClr val="tx1"/>
-                </a:solidFill>
-                <a:latin typeface="Arial" charset="0"/>
-              </a:defRPr>
-            </a:lvl2pPr>
-            <a:lvl3pPr marL="1143000" indent="-228600" defTabSz="4389438" eaLnBrk="0" hangingPunct="0">
-              <a:defRPr sz="2200">
-                <a:solidFill>
-                  <a:schemeClr val="tx1"/>
-                </a:solidFill>
-                <a:latin typeface="Arial" charset="0"/>
-              </a:defRPr>
-            </a:lvl3pPr>
-            <a:lvl4pPr marL="1600200" indent="-228600" defTabSz="4389438" eaLnBrk="0" hangingPunct="0">
-              <a:defRPr sz="2200">
-                <a:solidFill>
-                  <a:schemeClr val="tx1"/>
-                </a:solidFill>
-                <a:latin typeface="Arial" charset="0"/>
-              </a:defRPr>
-            </a:lvl4pPr>
-            <a:lvl5pPr marL="2057400" indent="-228600" defTabSz="4389438" eaLnBrk="0" hangingPunct="0">
-              <a:defRPr sz="2200">
-                <a:solidFill>
-                  <a:schemeClr val="tx1"/>
-                </a:solidFill>
-                <a:latin typeface="Arial" charset="0"/>
-              </a:defRPr>
-            </a:lvl5pPr>
-            <a:lvl6pPr marL="2514600" indent="-228600" defTabSz="4389438" eaLnBrk="0" fontAlgn="base" hangingPunct="0">
-              <a:spcBef>
-                <a:spcPct val="0"/>
-              </a:spcBef>
-              <a:spcAft>
-                <a:spcPct val="0"/>
-              </a:spcAft>
-              <a:defRPr sz="2200">
-                <a:solidFill>
-                  <a:schemeClr val="tx1"/>
-                </a:solidFill>
-                <a:latin typeface="Arial" charset="0"/>
-              </a:defRPr>
-            </a:lvl6pPr>
-            <a:lvl7pPr marL="2971800" indent="-228600" defTabSz="4389438" eaLnBrk="0" fontAlgn="base" hangingPunct="0">
-              <a:spcBef>
-                <a:spcPct val="0"/>
-              </a:spcBef>
-              <a:spcAft>
-                <a:spcPct val="0"/>
-              </a:spcAft>
-              <a:defRPr sz="2200">
-                <a:solidFill>
-                  <a:schemeClr val="tx1"/>
-                </a:solidFill>
-                <a:latin typeface="Arial" charset="0"/>
-              </a:defRPr>
-            </a:lvl7pPr>
-            <a:lvl8pPr marL="3429000" indent="-228600" defTabSz="4389438" eaLnBrk="0" fontAlgn="base" hangingPunct="0">
-              <a:spcBef>
-                <a:spcPct val="0"/>
-              </a:spcBef>
-              <a:spcAft>
-                <a:spcPct val="0"/>
-              </a:spcAft>
-              <a:defRPr sz="2200">
-                <a:solidFill>
-                  <a:schemeClr val="tx1"/>
-                </a:solidFill>
-                <a:latin typeface="Arial" charset="0"/>
-              </a:defRPr>
-            </a:lvl8pPr>
-            <a:lvl9pPr marL="3886200" indent="-228600" defTabSz="4389438" eaLnBrk="0" fontAlgn="base" hangingPunct="0">
-              <a:spcBef>
-                <a:spcPct val="0"/>
-              </a:spcBef>
-              <a:spcAft>
-                <a:spcPct val="0"/>
-              </a:spcAft>
-              <a:defRPr sz="2200">
-                <a:solidFill>
-                  <a:schemeClr val="tx1"/>
-                </a:solidFill>
-                <a:latin typeface="Arial" charset="0"/>
-              </a:defRPr>
-            </a:lvl9pPr>
-          </a:lstStyle>
-          <a:p>
-            <a:pPr algn="ctr" eaLnBrk="1" hangingPunct="1"/>
-            <a:r>
-              <a:rPr lang="en-US" sz="2800" dirty="0">
-                <a:latin typeface="Avenir Book" panose="02000503020000020003" pitchFamily="2" charset="0"/>
-                <a:ea typeface="Cambria Math" panose="02040503050406030204" pitchFamily="18" charset="0"/>
-              </a:rPr>
-              <a:t>Table 1. Label in 28pt Calibri.</a:t>
+              <a:t>Figure 2. ATP Synthase (purple) Model schematic. We include a proton pump (green) to maintain the proton gradient</a:t>
             </a:r>
           </a:p>
         </p:txBody>
@@ -9603,7 +8894,7 @@
             <a:avLst/>
           </a:prstGeom>
           <a:blipFill dpi="0" rotWithShape="1">
-            <a:blip r:embed="rId5">
+            <a:blip r:embed="rId3">
               <a:lum bright="70000" contrast="-70000"/>
             </a:blip>
             <a:srcRect/>
@@ -9674,7 +8965,7 @@
             <a:avLst/>
           </a:prstGeom>
           <a:blipFill dpi="0" rotWithShape="1">
-            <a:blip r:embed="rId5">
+            <a:blip r:embed="rId3">
               <a:lum bright="70000" contrast="-70000"/>
             </a:blip>
             <a:srcRect/>
@@ -9752,10 +9043,1508 @@
         </p:xfrm>
         <a:graphic>
           <a:graphicData uri="http://schemas.openxmlformats.org/drawingml/2006/chart">
-            <c:chart xmlns:c="http://schemas.openxmlformats.org/drawingml/2006/chart" xmlns:r="http://schemas.openxmlformats.org/officeDocument/2006/relationships" r:id="rId6"/>
+            <c:chart xmlns:c="http://schemas.openxmlformats.org/drawingml/2006/chart" xmlns:r="http://schemas.openxmlformats.org/officeDocument/2006/relationships" r:id="rId4"/>
           </a:graphicData>
         </a:graphic>
       </p:graphicFrame>
+      <p:pic>
+        <p:nvPicPr>
+          <p:cNvPr id="38" name="Content Placeholder 4" descr="A close up of a map&#10;&#10;Description automatically generated">
+            <a:extLst>
+              <a:ext uri="{FF2B5EF4-FFF2-40B4-BE49-F238E27FC236}">
+                <a16:creationId xmlns:a16="http://schemas.microsoft.com/office/drawing/2014/main" id="{207D8F08-7127-C24B-8CAC-5AB012895F2C}"/>
+              </a:ext>
+            </a:extLst>
+          </p:cNvPr>
+          <p:cNvPicPr>
+            <a:picLocks noChangeAspect="1"/>
+          </p:cNvPicPr>
+          <p:nvPr/>
+        </p:nvPicPr>
+        <p:blipFill>
+          <a:blip r:embed="rId5"/>
+          <a:stretch>
+            <a:fillRect/>
+          </a:stretch>
+        </p:blipFill>
+        <p:spPr>
+          <a:xfrm>
+            <a:off x="2747199" y="27912526"/>
+            <a:ext cx="2453349" cy="5645954"/>
+          </a:xfrm>
+          <a:prstGeom prst="rect">
+            <a:avLst/>
+          </a:prstGeom>
+        </p:spPr>
+      </p:pic>
+      <p:pic>
+        <p:nvPicPr>
+          <p:cNvPr id="39" name="Picture 38" descr="A close up of text on a white background&#10;&#10;Description automatically generated">
+            <a:extLst>
+              <a:ext uri="{FF2B5EF4-FFF2-40B4-BE49-F238E27FC236}">
+                <a16:creationId xmlns:a16="http://schemas.microsoft.com/office/drawing/2014/main" id="{980FFAC9-771D-E24C-808E-A79BB5422D77}"/>
+              </a:ext>
+            </a:extLst>
+          </p:cNvPr>
+          <p:cNvPicPr>
+            <a:picLocks noChangeAspect="1"/>
+          </p:cNvPicPr>
+          <p:nvPr/>
+        </p:nvPicPr>
+        <p:blipFill rotWithShape="1">
+          <a:blip r:embed="rId6"/>
+          <a:srcRect t="2418" b="3839"/>
+          <a:stretch/>
+        </p:blipFill>
+        <p:spPr>
+          <a:xfrm>
+            <a:off x="7304480" y="27829834"/>
+            <a:ext cx="5540356" cy="5305783"/>
+          </a:xfrm>
+          <a:prstGeom prst="rect">
+            <a:avLst/>
+          </a:prstGeom>
+        </p:spPr>
+      </p:pic>
+      <p:grpSp>
+        <p:nvGrpSpPr>
+          <p:cNvPr id="23" name="Group 22">
+            <a:extLst>
+              <a:ext uri="{FF2B5EF4-FFF2-40B4-BE49-F238E27FC236}">
+                <a16:creationId xmlns:a16="http://schemas.microsoft.com/office/drawing/2014/main" id="{96EFE115-F37B-3F40-B699-3BEB1A3C0CC2}"/>
+              </a:ext>
+            </a:extLst>
+          </p:cNvPr>
+          <p:cNvGrpSpPr/>
+          <p:nvPr/>
+        </p:nvGrpSpPr>
+        <p:grpSpPr>
+          <a:xfrm>
+            <a:off x="14693316" y="25547526"/>
+            <a:ext cx="10041319" cy="4130608"/>
+            <a:chOff x="14264640" y="29831543"/>
+            <a:chExt cx="10041319" cy="4130608"/>
+          </a:xfrm>
+        </p:grpSpPr>
+        <p:pic>
+          <p:nvPicPr>
+            <p:cNvPr id="20" name="Picture 19" descr="A close up of a map&#10;&#10;Description automatically generated">
+              <a:extLst>
+                <a:ext uri="{FF2B5EF4-FFF2-40B4-BE49-F238E27FC236}">
+                  <a16:creationId xmlns:a16="http://schemas.microsoft.com/office/drawing/2014/main" id="{DE33E90A-BA1E-7C4C-B80A-2515440CC9F2}"/>
+                </a:ext>
+              </a:extLst>
+            </p:cNvPr>
+            <p:cNvPicPr>
+              <a:picLocks noChangeAspect="1"/>
+            </p:cNvPicPr>
+            <p:nvPr/>
+          </p:nvPicPr>
+          <p:blipFill>
+            <a:blip r:embed="rId7">
+              <a:extLst>
+                <a:ext uri="{28A0092B-C50C-407E-A947-70E740481C1C}">
+                  <a14:useLocalDpi xmlns:a14="http://schemas.microsoft.com/office/drawing/2010/main" val="0"/>
+                </a:ext>
+              </a:extLst>
+            </a:blip>
+            <a:stretch>
+              <a:fillRect/>
+            </a:stretch>
+          </p:blipFill>
+          <p:spPr>
+            <a:xfrm>
+              <a:off x="14264640" y="30070182"/>
+              <a:ext cx="4937760" cy="2743200"/>
+            </a:xfrm>
+            <a:prstGeom prst="rect">
+              <a:avLst/>
+            </a:prstGeom>
+          </p:spPr>
+        </p:pic>
+        <p:pic>
+          <p:nvPicPr>
+            <p:cNvPr id="22" name="Picture 21" descr="A close up of a piece of paper&#10;&#10;Description automatically generated">
+              <a:extLst>
+                <a:ext uri="{FF2B5EF4-FFF2-40B4-BE49-F238E27FC236}">
+                  <a16:creationId xmlns:a16="http://schemas.microsoft.com/office/drawing/2014/main" id="{7B822957-A7B6-1A4E-9C98-7D78F0EFBD16}"/>
+                </a:ext>
+              </a:extLst>
+            </p:cNvPr>
+            <p:cNvPicPr>
+              <a:picLocks noChangeAspect="1"/>
+            </p:cNvPicPr>
+            <p:nvPr/>
+          </p:nvPicPr>
+          <p:blipFill>
+            <a:blip r:embed="rId8">
+              <a:extLst>
+                <a:ext uri="{28A0092B-C50C-407E-A947-70E740481C1C}">
+                  <a14:useLocalDpi xmlns:a14="http://schemas.microsoft.com/office/drawing/2010/main" val="0"/>
+                </a:ext>
+              </a:extLst>
+            </a:blip>
+            <a:stretch>
+              <a:fillRect/>
+            </a:stretch>
+          </p:blipFill>
+          <p:spPr>
+            <a:xfrm>
+              <a:off x="19368199" y="30070182"/>
+              <a:ext cx="4937760" cy="2743200"/>
+            </a:xfrm>
+            <a:prstGeom prst="rect">
+              <a:avLst/>
+            </a:prstGeom>
+          </p:spPr>
+        </p:pic>
+        <p:sp>
+          <p:nvSpPr>
+            <p:cNvPr id="46" name="Text Box 181">
+              <a:extLst>
+                <a:ext uri="{FF2B5EF4-FFF2-40B4-BE49-F238E27FC236}">
+                  <a16:creationId xmlns:a16="http://schemas.microsoft.com/office/drawing/2014/main" id="{217C5ED6-DEA8-A64F-8AF4-CC8998CBF32A}"/>
+                </a:ext>
+              </a:extLst>
+            </p:cNvPr>
+            <p:cNvSpPr txBox="1">
+              <a:spLocks noChangeArrowheads="1"/>
+            </p:cNvSpPr>
+            <p:nvPr/>
+          </p:nvSpPr>
+          <p:spPr bwMode="auto">
+            <a:xfrm>
+              <a:off x="14572329" y="32769523"/>
+              <a:ext cx="9733629" cy="1192628"/>
+            </a:xfrm>
+            <a:prstGeom prst="rect">
+              <a:avLst/>
+            </a:prstGeom>
+            <a:noFill/>
+            <a:ln>
+              <a:noFill/>
+            </a:ln>
+            <a:effectLst/>
+            <a:extLst>
+              <a:ext uri="{909E8E84-426E-40DD-AFC4-6F175D3DCCD1}">
+                <a14:hiddenFill xmlns:a14="http://schemas.microsoft.com/office/drawing/2010/main">
+                  <a:solidFill>
+                    <a:schemeClr val="accent1"/>
+                  </a:solidFill>
+                </a14:hiddenFill>
+              </a:ext>
+              <a:ext uri="{91240B29-F687-4F45-9708-019B960494DF}">
+                <a14:hiddenLine xmlns:a14="http://schemas.microsoft.com/office/drawing/2010/main" w="9525">
+                  <a:solidFill>
+                    <a:schemeClr val="tx1"/>
+                  </a:solidFill>
+                  <a:miter lim="800000"/>
+                  <a:headEnd/>
+                  <a:tailEnd/>
+                </a14:hiddenLine>
+              </a:ext>
+              <a:ext uri="{AF507438-7753-43E0-B8FC-AC1667EBCBE1}">
+                <a14:hiddenEffects xmlns:a14="http://schemas.microsoft.com/office/drawing/2010/main">
+                  <a:effectLst>
+                    <a:outerShdw dist="35921" dir="2700000" algn="ctr" rotWithShape="0">
+                      <a:schemeClr val="bg2"/>
+                    </a:outerShdw>
+                  </a:effectLst>
+                </a14:hiddenEffects>
+              </a:ext>
+            </a:extLst>
+          </p:spPr>
+          <p:txBody>
+            <a:bodyPr wrap="square" lIns="83814" tIns="41907" rIns="83814" bIns="41907">
+              <a:spAutoFit/>
+            </a:bodyPr>
+            <a:lstStyle>
+              <a:lvl1pPr defTabSz="4389438" eaLnBrk="0" hangingPunct="0">
+                <a:defRPr sz="2200">
+                  <a:solidFill>
+                    <a:schemeClr val="tx1"/>
+                  </a:solidFill>
+                  <a:latin typeface="Arial" charset="0"/>
+                </a:defRPr>
+              </a:lvl1pPr>
+              <a:lvl2pPr marL="742950" indent="-285750" defTabSz="4389438" eaLnBrk="0" hangingPunct="0">
+                <a:defRPr sz="2200">
+                  <a:solidFill>
+                    <a:schemeClr val="tx1"/>
+                  </a:solidFill>
+                  <a:latin typeface="Arial" charset="0"/>
+                </a:defRPr>
+              </a:lvl2pPr>
+              <a:lvl3pPr marL="1143000" indent="-228600" defTabSz="4389438" eaLnBrk="0" hangingPunct="0">
+                <a:defRPr sz="2200">
+                  <a:solidFill>
+                    <a:schemeClr val="tx1"/>
+                  </a:solidFill>
+                  <a:latin typeface="Arial" charset="0"/>
+                </a:defRPr>
+              </a:lvl3pPr>
+              <a:lvl4pPr marL="1600200" indent="-228600" defTabSz="4389438" eaLnBrk="0" hangingPunct="0">
+                <a:defRPr sz="2200">
+                  <a:solidFill>
+                    <a:schemeClr val="tx1"/>
+                  </a:solidFill>
+                  <a:latin typeface="Arial" charset="0"/>
+                </a:defRPr>
+              </a:lvl4pPr>
+              <a:lvl5pPr marL="2057400" indent="-228600" defTabSz="4389438" eaLnBrk="0" hangingPunct="0">
+                <a:defRPr sz="2200">
+                  <a:solidFill>
+                    <a:schemeClr val="tx1"/>
+                  </a:solidFill>
+                  <a:latin typeface="Arial" charset="0"/>
+                </a:defRPr>
+              </a:lvl5pPr>
+              <a:lvl6pPr marL="2514600" indent="-228600" defTabSz="4389438" eaLnBrk="0" fontAlgn="base" hangingPunct="0">
+                <a:spcBef>
+                  <a:spcPct val="0"/>
+                </a:spcBef>
+                <a:spcAft>
+                  <a:spcPct val="0"/>
+                </a:spcAft>
+                <a:defRPr sz="2200">
+                  <a:solidFill>
+                    <a:schemeClr val="tx1"/>
+                  </a:solidFill>
+                  <a:latin typeface="Arial" charset="0"/>
+                </a:defRPr>
+              </a:lvl6pPr>
+              <a:lvl7pPr marL="2971800" indent="-228600" defTabSz="4389438" eaLnBrk="0" fontAlgn="base" hangingPunct="0">
+                <a:spcBef>
+                  <a:spcPct val="0"/>
+                </a:spcBef>
+                <a:spcAft>
+                  <a:spcPct val="0"/>
+                </a:spcAft>
+                <a:defRPr sz="2200">
+                  <a:solidFill>
+                    <a:schemeClr val="tx1"/>
+                  </a:solidFill>
+                  <a:latin typeface="Arial" charset="0"/>
+                </a:defRPr>
+              </a:lvl7pPr>
+              <a:lvl8pPr marL="3429000" indent="-228600" defTabSz="4389438" eaLnBrk="0" fontAlgn="base" hangingPunct="0">
+                <a:spcBef>
+                  <a:spcPct val="0"/>
+                </a:spcBef>
+                <a:spcAft>
+                  <a:spcPct val="0"/>
+                </a:spcAft>
+                <a:defRPr sz="2200">
+                  <a:solidFill>
+                    <a:schemeClr val="tx1"/>
+                  </a:solidFill>
+                  <a:latin typeface="Arial" charset="0"/>
+                </a:defRPr>
+              </a:lvl8pPr>
+              <a:lvl9pPr marL="3886200" indent="-228600" defTabSz="4389438" eaLnBrk="0" fontAlgn="base" hangingPunct="0">
+                <a:spcBef>
+                  <a:spcPct val="0"/>
+                </a:spcBef>
+                <a:spcAft>
+                  <a:spcPct val="0"/>
+                </a:spcAft>
+                <a:defRPr sz="2200">
+                  <a:solidFill>
+                    <a:schemeClr val="tx1"/>
+                  </a:solidFill>
+                  <a:latin typeface="Arial" charset="0"/>
+                </a:defRPr>
+              </a:lvl9pPr>
+            </a:lstStyle>
+            <a:p>
+              <a:pPr eaLnBrk="1" hangingPunct="1"/>
+              <a:r>
+                <a:rPr lang="en-US" sz="2400" dirty="0">
+                  <a:latin typeface="Avenir Book" panose="02000503020000020003" pitchFamily="2" charset="0"/>
+                  <a:ea typeface="Cambria Math" panose="02040503050406030204" pitchFamily="18" charset="0"/>
+                </a:rPr>
+                <a:t>Figure 4. Simulations of the ATP rheostat pathway. We see stoichiometric production of isobutanol (4a) and extended ATP production with the rheostat (4b). </a:t>
+              </a:r>
+            </a:p>
+          </p:txBody>
+        </p:sp>
+        <p:sp>
+          <p:nvSpPr>
+            <p:cNvPr id="47" name="Text Box 181">
+              <a:extLst>
+                <a:ext uri="{FF2B5EF4-FFF2-40B4-BE49-F238E27FC236}">
+                  <a16:creationId xmlns:a16="http://schemas.microsoft.com/office/drawing/2014/main" id="{E43F2A79-1803-E648-80E1-22E70033554F}"/>
+                </a:ext>
+              </a:extLst>
+            </p:cNvPr>
+            <p:cNvSpPr txBox="1">
+              <a:spLocks noChangeArrowheads="1"/>
+            </p:cNvSpPr>
+            <p:nvPr/>
+          </p:nvSpPr>
+          <p:spPr bwMode="auto">
+            <a:xfrm>
+              <a:off x="14283149" y="29831543"/>
+              <a:ext cx="578359" cy="327730"/>
+            </a:xfrm>
+            <a:prstGeom prst="rect">
+              <a:avLst/>
+            </a:prstGeom>
+            <a:noFill/>
+            <a:ln>
+              <a:noFill/>
+            </a:ln>
+            <a:effectLst/>
+            <a:extLst>
+              <a:ext uri="{909E8E84-426E-40DD-AFC4-6F175D3DCCD1}">
+                <a14:hiddenFill xmlns:a14="http://schemas.microsoft.com/office/drawing/2010/main">
+                  <a:solidFill>
+                    <a:schemeClr val="accent1"/>
+                  </a:solidFill>
+                </a14:hiddenFill>
+              </a:ext>
+              <a:ext uri="{91240B29-F687-4F45-9708-019B960494DF}">
+                <a14:hiddenLine xmlns:a14="http://schemas.microsoft.com/office/drawing/2010/main" w="9525">
+                  <a:solidFill>
+                    <a:schemeClr val="tx1"/>
+                  </a:solidFill>
+                  <a:miter lim="800000"/>
+                  <a:headEnd/>
+                  <a:tailEnd/>
+                </a14:hiddenLine>
+              </a:ext>
+              <a:ext uri="{AF507438-7753-43E0-B8FC-AC1667EBCBE1}">
+                <a14:hiddenEffects xmlns:a14="http://schemas.microsoft.com/office/drawing/2010/main">
+                  <a:effectLst>
+                    <a:outerShdw dist="35921" dir="2700000" algn="ctr" rotWithShape="0">
+                      <a:schemeClr val="bg2"/>
+                    </a:outerShdw>
+                  </a:effectLst>
+                </a14:hiddenEffects>
+              </a:ext>
+            </a:extLst>
+          </p:spPr>
+          <p:txBody>
+            <a:bodyPr wrap="square" lIns="83814" tIns="41907" rIns="83814" bIns="41907">
+              <a:spAutoFit/>
+            </a:bodyPr>
+            <a:lstStyle>
+              <a:lvl1pPr defTabSz="4389438" eaLnBrk="0" hangingPunct="0">
+                <a:defRPr sz="2200">
+                  <a:solidFill>
+                    <a:schemeClr val="tx1"/>
+                  </a:solidFill>
+                  <a:latin typeface="Arial" charset="0"/>
+                </a:defRPr>
+              </a:lvl1pPr>
+              <a:lvl2pPr marL="742950" indent="-285750" defTabSz="4389438" eaLnBrk="0" hangingPunct="0">
+                <a:defRPr sz="2200">
+                  <a:solidFill>
+                    <a:schemeClr val="tx1"/>
+                  </a:solidFill>
+                  <a:latin typeface="Arial" charset="0"/>
+                </a:defRPr>
+              </a:lvl2pPr>
+              <a:lvl3pPr marL="1143000" indent="-228600" defTabSz="4389438" eaLnBrk="0" hangingPunct="0">
+                <a:defRPr sz="2200">
+                  <a:solidFill>
+                    <a:schemeClr val="tx1"/>
+                  </a:solidFill>
+                  <a:latin typeface="Arial" charset="0"/>
+                </a:defRPr>
+              </a:lvl3pPr>
+              <a:lvl4pPr marL="1600200" indent="-228600" defTabSz="4389438" eaLnBrk="0" hangingPunct="0">
+                <a:defRPr sz="2200">
+                  <a:solidFill>
+                    <a:schemeClr val="tx1"/>
+                  </a:solidFill>
+                  <a:latin typeface="Arial" charset="0"/>
+                </a:defRPr>
+              </a:lvl4pPr>
+              <a:lvl5pPr marL="2057400" indent="-228600" defTabSz="4389438" eaLnBrk="0" hangingPunct="0">
+                <a:defRPr sz="2200">
+                  <a:solidFill>
+                    <a:schemeClr val="tx1"/>
+                  </a:solidFill>
+                  <a:latin typeface="Arial" charset="0"/>
+                </a:defRPr>
+              </a:lvl5pPr>
+              <a:lvl6pPr marL="2514600" indent="-228600" defTabSz="4389438" eaLnBrk="0" fontAlgn="base" hangingPunct="0">
+                <a:spcBef>
+                  <a:spcPct val="0"/>
+                </a:spcBef>
+                <a:spcAft>
+                  <a:spcPct val="0"/>
+                </a:spcAft>
+                <a:defRPr sz="2200">
+                  <a:solidFill>
+                    <a:schemeClr val="tx1"/>
+                  </a:solidFill>
+                  <a:latin typeface="Arial" charset="0"/>
+                </a:defRPr>
+              </a:lvl6pPr>
+              <a:lvl7pPr marL="2971800" indent="-228600" defTabSz="4389438" eaLnBrk="0" fontAlgn="base" hangingPunct="0">
+                <a:spcBef>
+                  <a:spcPct val="0"/>
+                </a:spcBef>
+                <a:spcAft>
+                  <a:spcPct val="0"/>
+                </a:spcAft>
+                <a:defRPr sz="2200">
+                  <a:solidFill>
+                    <a:schemeClr val="tx1"/>
+                  </a:solidFill>
+                  <a:latin typeface="Arial" charset="0"/>
+                </a:defRPr>
+              </a:lvl7pPr>
+              <a:lvl8pPr marL="3429000" indent="-228600" defTabSz="4389438" eaLnBrk="0" fontAlgn="base" hangingPunct="0">
+                <a:spcBef>
+                  <a:spcPct val="0"/>
+                </a:spcBef>
+                <a:spcAft>
+                  <a:spcPct val="0"/>
+                </a:spcAft>
+                <a:defRPr sz="2200">
+                  <a:solidFill>
+                    <a:schemeClr val="tx1"/>
+                  </a:solidFill>
+                  <a:latin typeface="Arial" charset="0"/>
+                </a:defRPr>
+              </a:lvl8pPr>
+              <a:lvl9pPr marL="3886200" indent="-228600" defTabSz="4389438" eaLnBrk="0" fontAlgn="base" hangingPunct="0">
+                <a:spcBef>
+                  <a:spcPct val="0"/>
+                </a:spcBef>
+                <a:spcAft>
+                  <a:spcPct val="0"/>
+                </a:spcAft>
+                <a:defRPr sz="2200">
+                  <a:solidFill>
+                    <a:schemeClr val="tx1"/>
+                  </a:solidFill>
+                  <a:latin typeface="Arial" charset="0"/>
+                </a:defRPr>
+              </a:lvl9pPr>
+            </a:lstStyle>
+            <a:p>
+              <a:pPr eaLnBrk="1" hangingPunct="1"/>
+              <a:r>
+                <a:rPr lang="en-US" sz="1600" dirty="0">
+                  <a:latin typeface="Avenir Book" panose="02000503020000020003" pitchFamily="2" charset="0"/>
+                  <a:ea typeface="Cambria Math" panose="02040503050406030204" pitchFamily="18" charset="0"/>
+                </a:rPr>
+                <a:t>4a</a:t>
+              </a:r>
+              <a:endParaRPr lang="en-US" sz="2800" dirty="0">
+                <a:latin typeface="Avenir Book" panose="02000503020000020003" pitchFamily="2" charset="0"/>
+                <a:ea typeface="Cambria Math" panose="02040503050406030204" pitchFamily="18" charset="0"/>
+              </a:endParaRPr>
+            </a:p>
+          </p:txBody>
+        </p:sp>
+        <p:sp>
+          <p:nvSpPr>
+            <p:cNvPr id="48" name="Text Box 181">
+              <a:extLst>
+                <a:ext uri="{FF2B5EF4-FFF2-40B4-BE49-F238E27FC236}">
+                  <a16:creationId xmlns:a16="http://schemas.microsoft.com/office/drawing/2014/main" id="{43F875F2-F64E-8240-B968-D1F4E45C21D0}"/>
+                </a:ext>
+              </a:extLst>
+            </p:cNvPr>
+            <p:cNvSpPr txBox="1">
+              <a:spLocks noChangeArrowheads="1"/>
+            </p:cNvSpPr>
+            <p:nvPr/>
+          </p:nvSpPr>
+          <p:spPr bwMode="auto">
+            <a:xfrm>
+              <a:off x="19368199" y="29846017"/>
+              <a:ext cx="578359" cy="327730"/>
+            </a:xfrm>
+            <a:prstGeom prst="rect">
+              <a:avLst/>
+            </a:prstGeom>
+            <a:noFill/>
+            <a:ln>
+              <a:noFill/>
+            </a:ln>
+            <a:effectLst/>
+            <a:extLst>
+              <a:ext uri="{909E8E84-426E-40DD-AFC4-6F175D3DCCD1}">
+                <a14:hiddenFill xmlns:a14="http://schemas.microsoft.com/office/drawing/2010/main">
+                  <a:solidFill>
+                    <a:schemeClr val="accent1"/>
+                  </a:solidFill>
+                </a14:hiddenFill>
+              </a:ext>
+              <a:ext uri="{91240B29-F687-4F45-9708-019B960494DF}">
+                <a14:hiddenLine xmlns:a14="http://schemas.microsoft.com/office/drawing/2010/main" w="9525">
+                  <a:solidFill>
+                    <a:schemeClr val="tx1"/>
+                  </a:solidFill>
+                  <a:miter lim="800000"/>
+                  <a:headEnd/>
+                  <a:tailEnd/>
+                </a14:hiddenLine>
+              </a:ext>
+              <a:ext uri="{AF507438-7753-43E0-B8FC-AC1667EBCBE1}">
+                <a14:hiddenEffects xmlns:a14="http://schemas.microsoft.com/office/drawing/2010/main">
+                  <a:effectLst>
+                    <a:outerShdw dist="35921" dir="2700000" algn="ctr" rotWithShape="0">
+                      <a:schemeClr val="bg2"/>
+                    </a:outerShdw>
+                  </a:effectLst>
+                </a14:hiddenEffects>
+              </a:ext>
+            </a:extLst>
+          </p:spPr>
+          <p:txBody>
+            <a:bodyPr wrap="square" lIns="83814" tIns="41907" rIns="83814" bIns="41907">
+              <a:spAutoFit/>
+            </a:bodyPr>
+            <a:lstStyle>
+              <a:lvl1pPr defTabSz="4389438" eaLnBrk="0" hangingPunct="0">
+                <a:defRPr sz="2200">
+                  <a:solidFill>
+                    <a:schemeClr val="tx1"/>
+                  </a:solidFill>
+                  <a:latin typeface="Arial" charset="0"/>
+                </a:defRPr>
+              </a:lvl1pPr>
+              <a:lvl2pPr marL="742950" indent="-285750" defTabSz="4389438" eaLnBrk="0" hangingPunct="0">
+                <a:defRPr sz="2200">
+                  <a:solidFill>
+                    <a:schemeClr val="tx1"/>
+                  </a:solidFill>
+                  <a:latin typeface="Arial" charset="0"/>
+                </a:defRPr>
+              </a:lvl2pPr>
+              <a:lvl3pPr marL="1143000" indent="-228600" defTabSz="4389438" eaLnBrk="0" hangingPunct="0">
+                <a:defRPr sz="2200">
+                  <a:solidFill>
+                    <a:schemeClr val="tx1"/>
+                  </a:solidFill>
+                  <a:latin typeface="Arial" charset="0"/>
+                </a:defRPr>
+              </a:lvl3pPr>
+              <a:lvl4pPr marL="1600200" indent="-228600" defTabSz="4389438" eaLnBrk="0" hangingPunct="0">
+                <a:defRPr sz="2200">
+                  <a:solidFill>
+                    <a:schemeClr val="tx1"/>
+                  </a:solidFill>
+                  <a:latin typeface="Arial" charset="0"/>
+                </a:defRPr>
+              </a:lvl4pPr>
+              <a:lvl5pPr marL="2057400" indent="-228600" defTabSz="4389438" eaLnBrk="0" hangingPunct="0">
+                <a:defRPr sz="2200">
+                  <a:solidFill>
+                    <a:schemeClr val="tx1"/>
+                  </a:solidFill>
+                  <a:latin typeface="Arial" charset="0"/>
+                </a:defRPr>
+              </a:lvl5pPr>
+              <a:lvl6pPr marL="2514600" indent="-228600" defTabSz="4389438" eaLnBrk="0" fontAlgn="base" hangingPunct="0">
+                <a:spcBef>
+                  <a:spcPct val="0"/>
+                </a:spcBef>
+                <a:spcAft>
+                  <a:spcPct val="0"/>
+                </a:spcAft>
+                <a:defRPr sz="2200">
+                  <a:solidFill>
+                    <a:schemeClr val="tx1"/>
+                  </a:solidFill>
+                  <a:latin typeface="Arial" charset="0"/>
+                </a:defRPr>
+              </a:lvl6pPr>
+              <a:lvl7pPr marL="2971800" indent="-228600" defTabSz="4389438" eaLnBrk="0" fontAlgn="base" hangingPunct="0">
+                <a:spcBef>
+                  <a:spcPct val="0"/>
+                </a:spcBef>
+                <a:spcAft>
+                  <a:spcPct val="0"/>
+                </a:spcAft>
+                <a:defRPr sz="2200">
+                  <a:solidFill>
+                    <a:schemeClr val="tx1"/>
+                  </a:solidFill>
+                  <a:latin typeface="Arial" charset="0"/>
+                </a:defRPr>
+              </a:lvl7pPr>
+              <a:lvl8pPr marL="3429000" indent="-228600" defTabSz="4389438" eaLnBrk="0" fontAlgn="base" hangingPunct="0">
+                <a:spcBef>
+                  <a:spcPct val="0"/>
+                </a:spcBef>
+                <a:spcAft>
+                  <a:spcPct val="0"/>
+                </a:spcAft>
+                <a:defRPr sz="2200">
+                  <a:solidFill>
+                    <a:schemeClr val="tx1"/>
+                  </a:solidFill>
+                  <a:latin typeface="Arial" charset="0"/>
+                </a:defRPr>
+              </a:lvl8pPr>
+              <a:lvl9pPr marL="3886200" indent="-228600" defTabSz="4389438" eaLnBrk="0" fontAlgn="base" hangingPunct="0">
+                <a:spcBef>
+                  <a:spcPct val="0"/>
+                </a:spcBef>
+                <a:spcAft>
+                  <a:spcPct val="0"/>
+                </a:spcAft>
+                <a:defRPr sz="2200">
+                  <a:solidFill>
+                    <a:schemeClr val="tx1"/>
+                  </a:solidFill>
+                  <a:latin typeface="Arial" charset="0"/>
+                </a:defRPr>
+              </a:lvl9pPr>
+            </a:lstStyle>
+            <a:p>
+              <a:pPr eaLnBrk="1" hangingPunct="1"/>
+              <a:r>
+                <a:rPr lang="en-US" sz="1600" dirty="0">
+                  <a:latin typeface="Avenir Book" panose="02000503020000020003" pitchFamily="2" charset="0"/>
+                  <a:ea typeface="Cambria Math" panose="02040503050406030204" pitchFamily="18" charset="0"/>
+                </a:rPr>
+                <a:t>4b</a:t>
+              </a:r>
+              <a:endParaRPr lang="en-US" sz="2800" dirty="0">
+                <a:latin typeface="Avenir Book" panose="02000503020000020003" pitchFamily="2" charset="0"/>
+                <a:ea typeface="Cambria Math" panose="02040503050406030204" pitchFamily="18" charset="0"/>
+              </a:endParaRPr>
+            </a:p>
+          </p:txBody>
+        </p:sp>
+      </p:grpSp>
+      <p:grpSp>
+        <p:nvGrpSpPr>
+          <p:cNvPr id="28" name="Group 27">
+            <a:extLst>
+              <a:ext uri="{FF2B5EF4-FFF2-40B4-BE49-F238E27FC236}">
+                <a16:creationId xmlns:a16="http://schemas.microsoft.com/office/drawing/2014/main" id="{2A6F6C47-C66A-FD48-AA14-004CEEBAE924}"/>
+              </a:ext>
+            </a:extLst>
+          </p:cNvPr>
+          <p:cNvGrpSpPr/>
+          <p:nvPr/>
+        </p:nvGrpSpPr>
+        <p:grpSpPr>
+          <a:xfrm>
+            <a:off x="17626813" y="23390899"/>
+            <a:ext cx="4937760" cy="2054936"/>
+            <a:chOff x="15625268" y="29069201"/>
+            <a:chExt cx="4937760" cy="2054936"/>
+          </a:xfrm>
+        </p:grpSpPr>
+        <p:pic>
+          <p:nvPicPr>
+            <p:cNvPr id="54" name="Content Placeholder 6" descr="enzymes&#10;">
+              <a:extLst>
+                <a:ext uri="{FF2B5EF4-FFF2-40B4-BE49-F238E27FC236}">
+                  <a16:creationId xmlns:a16="http://schemas.microsoft.com/office/drawing/2014/main" id="{6E4D01AC-45E2-0649-AC76-F54CF66981D9}"/>
+                </a:ext>
+              </a:extLst>
+            </p:cNvPr>
+            <p:cNvPicPr/>
+            <p:nvPr/>
+          </p:nvPicPr>
+          <p:blipFill rotWithShape="1">
+            <a:blip r:embed="rId9">
+              <a:extLst>
+                <a:ext uri="{28A0092B-C50C-407E-A947-70E740481C1C}">
+                  <a14:useLocalDpi xmlns:a14="http://schemas.microsoft.com/office/drawing/2010/main" val="0"/>
+                </a:ext>
+              </a:extLst>
+            </a:blip>
+            <a:srcRect b="61861"/>
+            <a:stretch/>
+          </p:blipFill>
+          <p:spPr>
+            <a:xfrm>
+              <a:off x="15625268" y="29069201"/>
+              <a:ext cx="4937760" cy="1412039"/>
+            </a:xfrm>
+            <a:prstGeom prst="rect">
+              <a:avLst/>
+            </a:prstGeom>
+            <a:ln>
+              <a:solidFill>
+                <a:schemeClr val="tx1"/>
+              </a:solidFill>
+            </a:ln>
+          </p:spPr>
+        </p:pic>
+        <p:sp>
+          <p:nvSpPr>
+            <p:cNvPr id="55" name="Text Box 181">
+              <a:extLst>
+                <a:ext uri="{FF2B5EF4-FFF2-40B4-BE49-F238E27FC236}">
+                  <a16:creationId xmlns:a16="http://schemas.microsoft.com/office/drawing/2014/main" id="{CC5CFF8C-3EE4-CF4D-8169-FF1B7AE0221C}"/>
+                </a:ext>
+              </a:extLst>
+            </p:cNvPr>
+            <p:cNvSpPr txBox="1">
+              <a:spLocks noChangeArrowheads="1"/>
+            </p:cNvSpPr>
+            <p:nvPr/>
+          </p:nvSpPr>
+          <p:spPr bwMode="auto">
+            <a:xfrm>
+              <a:off x="15625268" y="30731728"/>
+              <a:ext cx="4937760" cy="392409"/>
+            </a:xfrm>
+            <a:prstGeom prst="rect">
+              <a:avLst/>
+            </a:prstGeom>
+            <a:noFill/>
+            <a:ln>
+              <a:noFill/>
+            </a:ln>
+            <a:effectLst/>
+            <a:extLst>
+              <a:ext uri="{909E8E84-426E-40DD-AFC4-6F175D3DCCD1}">
+                <a14:hiddenFill xmlns:a14="http://schemas.microsoft.com/office/drawing/2010/main">
+                  <a:solidFill>
+                    <a:schemeClr val="accent1"/>
+                  </a:solidFill>
+                </a14:hiddenFill>
+              </a:ext>
+              <a:ext uri="{91240B29-F687-4F45-9708-019B960494DF}">
+                <a14:hiddenLine xmlns:a14="http://schemas.microsoft.com/office/drawing/2010/main" w="9525">
+                  <a:solidFill>
+                    <a:schemeClr val="tx1"/>
+                  </a:solidFill>
+                  <a:miter lim="800000"/>
+                  <a:headEnd/>
+                  <a:tailEnd/>
+                </a14:hiddenLine>
+              </a:ext>
+              <a:ext uri="{AF507438-7753-43E0-B8FC-AC1667EBCBE1}">
+                <a14:hiddenEffects xmlns:a14="http://schemas.microsoft.com/office/drawing/2010/main">
+                  <a:effectLst>
+                    <a:outerShdw dist="35921" dir="2700000" algn="ctr" rotWithShape="0">
+                      <a:schemeClr val="bg2"/>
+                    </a:outerShdw>
+                  </a:effectLst>
+                </a14:hiddenEffects>
+              </a:ext>
+            </a:extLst>
+          </p:spPr>
+          <p:txBody>
+            <a:bodyPr wrap="square" lIns="83814" tIns="41907" rIns="83814" bIns="41907">
+              <a:spAutoFit/>
+            </a:bodyPr>
+            <a:lstStyle>
+              <a:lvl1pPr defTabSz="4389438" eaLnBrk="0" hangingPunct="0">
+                <a:defRPr sz="2200">
+                  <a:solidFill>
+                    <a:schemeClr val="tx1"/>
+                  </a:solidFill>
+                  <a:latin typeface="Arial" charset="0"/>
+                </a:defRPr>
+              </a:lvl1pPr>
+              <a:lvl2pPr marL="742950" indent="-285750" defTabSz="4389438" eaLnBrk="0" hangingPunct="0">
+                <a:defRPr sz="2200">
+                  <a:solidFill>
+                    <a:schemeClr val="tx1"/>
+                  </a:solidFill>
+                  <a:latin typeface="Arial" charset="0"/>
+                </a:defRPr>
+              </a:lvl2pPr>
+              <a:lvl3pPr marL="1143000" indent="-228600" defTabSz="4389438" eaLnBrk="0" hangingPunct="0">
+                <a:defRPr sz="2200">
+                  <a:solidFill>
+                    <a:schemeClr val="tx1"/>
+                  </a:solidFill>
+                  <a:latin typeface="Arial" charset="0"/>
+                </a:defRPr>
+              </a:lvl3pPr>
+              <a:lvl4pPr marL="1600200" indent="-228600" defTabSz="4389438" eaLnBrk="0" hangingPunct="0">
+                <a:defRPr sz="2200">
+                  <a:solidFill>
+                    <a:schemeClr val="tx1"/>
+                  </a:solidFill>
+                  <a:latin typeface="Arial" charset="0"/>
+                </a:defRPr>
+              </a:lvl4pPr>
+              <a:lvl5pPr marL="2057400" indent="-228600" defTabSz="4389438" eaLnBrk="0" hangingPunct="0">
+                <a:defRPr sz="2200">
+                  <a:solidFill>
+                    <a:schemeClr val="tx1"/>
+                  </a:solidFill>
+                  <a:latin typeface="Arial" charset="0"/>
+                </a:defRPr>
+              </a:lvl5pPr>
+              <a:lvl6pPr marL="2514600" indent="-228600" defTabSz="4389438" eaLnBrk="0" fontAlgn="base" hangingPunct="0">
+                <a:spcBef>
+                  <a:spcPct val="0"/>
+                </a:spcBef>
+                <a:spcAft>
+                  <a:spcPct val="0"/>
+                </a:spcAft>
+                <a:defRPr sz="2200">
+                  <a:solidFill>
+                    <a:schemeClr val="tx1"/>
+                  </a:solidFill>
+                  <a:latin typeface="Arial" charset="0"/>
+                </a:defRPr>
+              </a:lvl6pPr>
+              <a:lvl7pPr marL="2971800" indent="-228600" defTabSz="4389438" eaLnBrk="0" fontAlgn="base" hangingPunct="0">
+                <a:spcBef>
+                  <a:spcPct val="0"/>
+                </a:spcBef>
+                <a:spcAft>
+                  <a:spcPct val="0"/>
+                </a:spcAft>
+                <a:defRPr sz="2200">
+                  <a:solidFill>
+                    <a:schemeClr val="tx1"/>
+                  </a:solidFill>
+                  <a:latin typeface="Arial" charset="0"/>
+                </a:defRPr>
+              </a:lvl7pPr>
+              <a:lvl8pPr marL="3429000" indent="-228600" defTabSz="4389438" eaLnBrk="0" fontAlgn="base" hangingPunct="0">
+                <a:spcBef>
+                  <a:spcPct val="0"/>
+                </a:spcBef>
+                <a:spcAft>
+                  <a:spcPct val="0"/>
+                </a:spcAft>
+                <a:defRPr sz="2200">
+                  <a:solidFill>
+                    <a:schemeClr val="tx1"/>
+                  </a:solidFill>
+                  <a:latin typeface="Arial" charset="0"/>
+                </a:defRPr>
+              </a:lvl8pPr>
+              <a:lvl9pPr marL="3886200" indent="-228600" defTabSz="4389438" eaLnBrk="0" fontAlgn="base" hangingPunct="0">
+                <a:spcBef>
+                  <a:spcPct val="0"/>
+                </a:spcBef>
+                <a:spcAft>
+                  <a:spcPct val="0"/>
+                </a:spcAft>
+                <a:defRPr sz="2200">
+                  <a:solidFill>
+                    <a:schemeClr val="tx1"/>
+                  </a:solidFill>
+                  <a:latin typeface="Arial" charset="0"/>
+                </a:defRPr>
+              </a:lvl9pPr>
+            </a:lstStyle>
+            <a:p>
+              <a:pPr eaLnBrk="1" hangingPunct="1"/>
+              <a:r>
+                <a:rPr lang="en-US" sz="2000" dirty="0">
+                  <a:latin typeface="Avenir Book" panose="02000503020000020003" pitchFamily="2" charset="0"/>
+                  <a:ea typeface="Cambria Math" panose="02040503050406030204" pitchFamily="18" charset="0"/>
+                </a:rPr>
+                <a:t>Figure 3. Chosen Enzymatic Mechanism.</a:t>
+              </a:r>
+            </a:p>
+          </p:txBody>
+        </p:sp>
+      </p:grpSp>
+      <p:grpSp>
+        <p:nvGrpSpPr>
+          <p:cNvPr id="29" name="Group 28">
+            <a:extLst>
+              <a:ext uri="{FF2B5EF4-FFF2-40B4-BE49-F238E27FC236}">
+                <a16:creationId xmlns:a16="http://schemas.microsoft.com/office/drawing/2014/main" id="{DC88ABCA-27CB-B043-BBCE-43110FD448E0}"/>
+              </a:ext>
+            </a:extLst>
+          </p:cNvPr>
+          <p:cNvGrpSpPr/>
+          <p:nvPr/>
+        </p:nvGrpSpPr>
+        <p:grpSpPr>
+          <a:xfrm>
+            <a:off x="14920606" y="29867815"/>
+            <a:ext cx="9913704" cy="5427243"/>
+            <a:chOff x="14754640" y="25375156"/>
+            <a:chExt cx="9913704" cy="5142743"/>
+          </a:xfrm>
+        </p:grpSpPr>
+        <p:pic>
+          <p:nvPicPr>
+            <p:cNvPr id="56" name="Picture 55" descr="A close up of a map&#10;&#10;Description automatically generated">
+              <a:extLst>
+                <a:ext uri="{FF2B5EF4-FFF2-40B4-BE49-F238E27FC236}">
+                  <a16:creationId xmlns:a16="http://schemas.microsoft.com/office/drawing/2014/main" id="{C9656AC4-33DD-DF40-B58D-1CF0B43DC12F}"/>
+                </a:ext>
+              </a:extLst>
+            </p:cNvPr>
+            <p:cNvPicPr>
+              <a:picLocks noChangeAspect="1"/>
+            </p:cNvPicPr>
+            <p:nvPr/>
+          </p:nvPicPr>
+          <p:blipFill>
+            <a:blip r:embed="rId10"/>
+            <a:stretch>
+              <a:fillRect/>
+            </a:stretch>
+          </p:blipFill>
+          <p:spPr>
+            <a:xfrm>
+              <a:off x="14858940" y="25799246"/>
+              <a:ext cx="4114800" cy="3200400"/>
+            </a:xfrm>
+            <a:prstGeom prst="rect">
+              <a:avLst/>
+            </a:prstGeom>
+          </p:spPr>
+        </p:pic>
+        <p:pic>
+          <p:nvPicPr>
+            <p:cNvPr id="57" name="Picture 56" descr="A close up of a map&#10;&#10;Description automatically generated">
+              <a:extLst>
+                <a:ext uri="{FF2B5EF4-FFF2-40B4-BE49-F238E27FC236}">
+                  <a16:creationId xmlns:a16="http://schemas.microsoft.com/office/drawing/2014/main" id="{B34CAA61-8FA0-BE46-AB38-AEDA279824F7}"/>
+                </a:ext>
+              </a:extLst>
+            </p:cNvPr>
+            <p:cNvPicPr>
+              <a:picLocks noChangeAspect="1"/>
+            </p:cNvPicPr>
+            <p:nvPr/>
+          </p:nvPicPr>
+          <p:blipFill>
+            <a:blip r:embed="rId11"/>
+            <a:stretch>
+              <a:fillRect/>
+            </a:stretch>
+          </p:blipFill>
+          <p:spPr>
+            <a:xfrm>
+              <a:off x="19827620" y="25799246"/>
+              <a:ext cx="4114800" cy="3200400"/>
+            </a:xfrm>
+            <a:prstGeom prst="rect">
+              <a:avLst/>
+            </a:prstGeom>
+          </p:spPr>
+        </p:pic>
+        <p:sp>
+          <p:nvSpPr>
+            <p:cNvPr id="58" name="Text Box 181">
+              <a:extLst>
+                <a:ext uri="{FF2B5EF4-FFF2-40B4-BE49-F238E27FC236}">
+                  <a16:creationId xmlns:a16="http://schemas.microsoft.com/office/drawing/2014/main" id="{8851B0A8-0533-5543-802F-3898F2066D40}"/>
+                </a:ext>
+              </a:extLst>
+            </p:cNvPr>
+            <p:cNvSpPr txBox="1">
+              <a:spLocks noChangeArrowheads="1"/>
+            </p:cNvSpPr>
+            <p:nvPr/>
+          </p:nvSpPr>
+          <p:spPr bwMode="auto">
+            <a:xfrm>
+              <a:off x="14934715" y="29325271"/>
+              <a:ext cx="9733629" cy="1192628"/>
+            </a:xfrm>
+            <a:prstGeom prst="rect">
+              <a:avLst/>
+            </a:prstGeom>
+            <a:noFill/>
+            <a:ln>
+              <a:noFill/>
+            </a:ln>
+            <a:effectLst/>
+            <a:extLst>
+              <a:ext uri="{909E8E84-426E-40DD-AFC4-6F175D3DCCD1}">
+                <a14:hiddenFill xmlns:a14="http://schemas.microsoft.com/office/drawing/2010/main">
+                  <a:solidFill>
+                    <a:schemeClr val="accent1"/>
+                  </a:solidFill>
+                </a14:hiddenFill>
+              </a:ext>
+              <a:ext uri="{91240B29-F687-4F45-9708-019B960494DF}">
+                <a14:hiddenLine xmlns:a14="http://schemas.microsoft.com/office/drawing/2010/main" w="9525">
+                  <a:solidFill>
+                    <a:schemeClr val="tx1"/>
+                  </a:solidFill>
+                  <a:miter lim="800000"/>
+                  <a:headEnd/>
+                  <a:tailEnd/>
+                </a14:hiddenLine>
+              </a:ext>
+              <a:ext uri="{AF507438-7753-43E0-B8FC-AC1667EBCBE1}">
+                <a14:hiddenEffects xmlns:a14="http://schemas.microsoft.com/office/drawing/2010/main">
+                  <a:effectLst>
+                    <a:outerShdw dist="35921" dir="2700000" algn="ctr" rotWithShape="0">
+                      <a:schemeClr val="bg2"/>
+                    </a:outerShdw>
+                  </a:effectLst>
+                </a14:hiddenEffects>
+              </a:ext>
+            </a:extLst>
+          </p:spPr>
+          <p:txBody>
+            <a:bodyPr wrap="square" lIns="83814" tIns="41907" rIns="83814" bIns="41907">
+              <a:spAutoFit/>
+            </a:bodyPr>
+            <a:lstStyle>
+              <a:lvl1pPr defTabSz="4389438" eaLnBrk="0" hangingPunct="0">
+                <a:defRPr sz="2200">
+                  <a:solidFill>
+                    <a:schemeClr val="tx1"/>
+                  </a:solidFill>
+                  <a:latin typeface="Arial" charset="0"/>
+                </a:defRPr>
+              </a:lvl1pPr>
+              <a:lvl2pPr marL="742950" indent="-285750" defTabSz="4389438" eaLnBrk="0" hangingPunct="0">
+                <a:defRPr sz="2200">
+                  <a:solidFill>
+                    <a:schemeClr val="tx1"/>
+                  </a:solidFill>
+                  <a:latin typeface="Arial" charset="0"/>
+                </a:defRPr>
+              </a:lvl2pPr>
+              <a:lvl3pPr marL="1143000" indent="-228600" defTabSz="4389438" eaLnBrk="0" hangingPunct="0">
+                <a:defRPr sz="2200">
+                  <a:solidFill>
+                    <a:schemeClr val="tx1"/>
+                  </a:solidFill>
+                  <a:latin typeface="Arial" charset="0"/>
+                </a:defRPr>
+              </a:lvl3pPr>
+              <a:lvl4pPr marL="1600200" indent="-228600" defTabSz="4389438" eaLnBrk="0" hangingPunct="0">
+                <a:defRPr sz="2200">
+                  <a:solidFill>
+                    <a:schemeClr val="tx1"/>
+                  </a:solidFill>
+                  <a:latin typeface="Arial" charset="0"/>
+                </a:defRPr>
+              </a:lvl4pPr>
+              <a:lvl5pPr marL="2057400" indent="-228600" defTabSz="4389438" eaLnBrk="0" hangingPunct="0">
+                <a:defRPr sz="2200">
+                  <a:solidFill>
+                    <a:schemeClr val="tx1"/>
+                  </a:solidFill>
+                  <a:latin typeface="Arial" charset="0"/>
+                </a:defRPr>
+              </a:lvl5pPr>
+              <a:lvl6pPr marL="2514600" indent="-228600" defTabSz="4389438" eaLnBrk="0" fontAlgn="base" hangingPunct="0">
+                <a:spcBef>
+                  <a:spcPct val="0"/>
+                </a:spcBef>
+                <a:spcAft>
+                  <a:spcPct val="0"/>
+                </a:spcAft>
+                <a:defRPr sz="2200">
+                  <a:solidFill>
+                    <a:schemeClr val="tx1"/>
+                  </a:solidFill>
+                  <a:latin typeface="Arial" charset="0"/>
+                </a:defRPr>
+              </a:lvl6pPr>
+              <a:lvl7pPr marL="2971800" indent="-228600" defTabSz="4389438" eaLnBrk="0" fontAlgn="base" hangingPunct="0">
+                <a:spcBef>
+                  <a:spcPct val="0"/>
+                </a:spcBef>
+                <a:spcAft>
+                  <a:spcPct val="0"/>
+                </a:spcAft>
+                <a:defRPr sz="2200">
+                  <a:solidFill>
+                    <a:schemeClr val="tx1"/>
+                  </a:solidFill>
+                  <a:latin typeface="Arial" charset="0"/>
+                </a:defRPr>
+              </a:lvl7pPr>
+              <a:lvl8pPr marL="3429000" indent="-228600" defTabSz="4389438" eaLnBrk="0" fontAlgn="base" hangingPunct="0">
+                <a:spcBef>
+                  <a:spcPct val="0"/>
+                </a:spcBef>
+                <a:spcAft>
+                  <a:spcPct val="0"/>
+                </a:spcAft>
+                <a:defRPr sz="2200">
+                  <a:solidFill>
+                    <a:schemeClr val="tx1"/>
+                  </a:solidFill>
+                  <a:latin typeface="Arial" charset="0"/>
+                </a:defRPr>
+              </a:lvl8pPr>
+              <a:lvl9pPr marL="3886200" indent="-228600" defTabSz="4389438" eaLnBrk="0" fontAlgn="base" hangingPunct="0">
+                <a:spcBef>
+                  <a:spcPct val="0"/>
+                </a:spcBef>
+                <a:spcAft>
+                  <a:spcPct val="0"/>
+                </a:spcAft>
+                <a:defRPr sz="2200">
+                  <a:solidFill>
+                    <a:schemeClr val="tx1"/>
+                  </a:solidFill>
+                  <a:latin typeface="Arial" charset="0"/>
+                </a:defRPr>
+              </a:lvl9pPr>
+            </a:lstStyle>
+            <a:p>
+              <a:pPr eaLnBrk="1" hangingPunct="1"/>
+              <a:r>
+                <a:rPr lang="en-US" sz="2400" dirty="0">
+                  <a:latin typeface="Avenir Book" panose="02000503020000020003" pitchFamily="2" charset="0"/>
+                  <a:ea typeface="Cambria Math" panose="02040503050406030204" pitchFamily="18" charset="0"/>
+                </a:rPr>
+                <a:t>Figure 5. Simulations of the ATP synthase model. Without the proton pump, there is not enough regeneration (5a). When the proton gradient is maintained, we see a higher steady state of ATP (5b).</a:t>
+              </a:r>
+            </a:p>
+          </p:txBody>
+        </p:sp>
+        <p:sp>
+          <p:nvSpPr>
+            <p:cNvPr id="59" name="Text Box 181">
+              <a:extLst>
+                <a:ext uri="{FF2B5EF4-FFF2-40B4-BE49-F238E27FC236}">
+                  <a16:creationId xmlns:a16="http://schemas.microsoft.com/office/drawing/2014/main" id="{E112BC73-C608-9548-AFBE-0BDE648CD0CE}"/>
+                </a:ext>
+              </a:extLst>
+            </p:cNvPr>
+            <p:cNvSpPr txBox="1">
+              <a:spLocks noChangeArrowheads="1"/>
+            </p:cNvSpPr>
+            <p:nvPr/>
+          </p:nvSpPr>
+          <p:spPr bwMode="auto">
+            <a:xfrm>
+              <a:off x="14754640" y="25375156"/>
+              <a:ext cx="578359" cy="327730"/>
+            </a:xfrm>
+            <a:prstGeom prst="rect">
+              <a:avLst/>
+            </a:prstGeom>
+            <a:noFill/>
+            <a:ln>
+              <a:noFill/>
+            </a:ln>
+            <a:effectLst/>
+            <a:extLst>
+              <a:ext uri="{909E8E84-426E-40DD-AFC4-6F175D3DCCD1}">
+                <a14:hiddenFill xmlns:a14="http://schemas.microsoft.com/office/drawing/2010/main">
+                  <a:solidFill>
+                    <a:schemeClr val="accent1"/>
+                  </a:solidFill>
+                </a14:hiddenFill>
+              </a:ext>
+              <a:ext uri="{91240B29-F687-4F45-9708-019B960494DF}">
+                <a14:hiddenLine xmlns:a14="http://schemas.microsoft.com/office/drawing/2010/main" w="9525">
+                  <a:solidFill>
+                    <a:schemeClr val="tx1"/>
+                  </a:solidFill>
+                  <a:miter lim="800000"/>
+                  <a:headEnd/>
+                  <a:tailEnd/>
+                </a14:hiddenLine>
+              </a:ext>
+              <a:ext uri="{AF507438-7753-43E0-B8FC-AC1667EBCBE1}">
+                <a14:hiddenEffects xmlns:a14="http://schemas.microsoft.com/office/drawing/2010/main">
+                  <a:effectLst>
+                    <a:outerShdw dist="35921" dir="2700000" algn="ctr" rotWithShape="0">
+                      <a:schemeClr val="bg2"/>
+                    </a:outerShdw>
+                  </a:effectLst>
+                </a14:hiddenEffects>
+              </a:ext>
+            </a:extLst>
+          </p:spPr>
+          <p:txBody>
+            <a:bodyPr wrap="square" lIns="83814" tIns="41907" rIns="83814" bIns="41907">
+              <a:spAutoFit/>
+            </a:bodyPr>
+            <a:lstStyle>
+              <a:lvl1pPr defTabSz="4389438" eaLnBrk="0" hangingPunct="0">
+                <a:defRPr sz="2200">
+                  <a:solidFill>
+                    <a:schemeClr val="tx1"/>
+                  </a:solidFill>
+                  <a:latin typeface="Arial" charset="0"/>
+                </a:defRPr>
+              </a:lvl1pPr>
+              <a:lvl2pPr marL="742950" indent="-285750" defTabSz="4389438" eaLnBrk="0" hangingPunct="0">
+                <a:defRPr sz="2200">
+                  <a:solidFill>
+                    <a:schemeClr val="tx1"/>
+                  </a:solidFill>
+                  <a:latin typeface="Arial" charset="0"/>
+                </a:defRPr>
+              </a:lvl2pPr>
+              <a:lvl3pPr marL="1143000" indent="-228600" defTabSz="4389438" eaLnBrk="0" hangingPunct="0">
+                <a:defRPr sz="2200">
+                  <a:solidFill>
+                    <a:schemeClr val="tx1"/>
+                  </a:solidFill>
+                  <a:latin typeface="Arial" charset="0"/>
+                </a:defRPr>
+              </a:lvl3pPr>
+              <a:lvl4pPr marL="1600200" indent="-228600" defTabSz="4389438" eaLnBrk="0" hangingPunct="0">
+                <a:defRPr sz="2200">
+                  <a:solidFill>
+                    <a:schemeClr val="tx1"/>
+                  </a:solidFill>
+                  <a:latin typeface="Arial" charset="0"/>
+                </a:defRPr>
+              </a:lvl4pPr>
+              <a:lvl5pPr marL="2057400" indent="-228600" defTabSz="4389438" eaLnBrk="0" hangingPunct="0">
+                <a:defRPr sz="2200">
+                  <a:solidFill>
+                    <a:schemeClr val="tx1"/>
+                  </a:solidFill>
+                  <a:latin typeface="Arial" charset="0"/>
+                </a:defRPr>
+              </a:lvl5pPr>
+              <a:lvl6pPr marL="2514600" indent="-228600" defTabSz="4389438" eaLnBrk="0" fontAlgn="base" hangingPunct="0">
+                <a:spcBef>
+                  <a:spcPct val="0"/>
+                </a:spcBef>
+                <a:spcAft>
+                  <a:spcPct val="0"/>
+                </a:spcAft>
+                <a:defRPr sz="2200">
+                  <a:solidFill>
+                    <a:schemeClr val="tx1"/>
+                  </a:solidFill>
+                  <a:latin typeface="Arial" charset="0"/>
+                </a:defRPr>
+              </a:lvl6pPr>
+              <a:lvl7pPr marL="2971800" indent="-228600" defTabSz="4389438" eaLnBrk="0" fontAlgn="base" hangingPunct="0">
+                <a:spcBef>
+                  <a:spcPct val="0"/>
+                </a:spcBef>
+                <a:spcAft>
+                  <a:spcPct val="0"/>
+                </a:spcAft>
+                <a:defRPr sz="2200">
+                  <a:solidFill>
+                    <a:schemeClr val="tx1"/>
+                  </a:solidFill>
+                  <a:latin typeface="Arial" charset="0"/>
+                </a:defRPr>
+              </a:lvl7pPr>
+              <a:lvl8pPr marL="3429000" indent="-228600" defTabSz="4389438" eaLnBrk="0" fontAlgn="base" hangingPunct="0">
+                <a:spcBef>
+                  <a:spcPct val="0"/>
+                </a:spcBef>
+                <a:spcAft>
+                  <a:spcPct val="0"/>
+                </a:spcAft>
+                <a:defRPr sz="2200">
+                  <a:solidFill>
+                    <a:schemeClr val="tx1"/>
+                  </a:solidFill>
+                  <a:latin typeface="Arial" charset="0"/>
+                </a:defRPr>
+              </a:lvl8pPr>
+              <a:lvl9pPr marL="3886200" indent="-228600" defTabSz="4389438" eaLnBrk="0" fontAlgn="base" hangingPunct="0">
+                <a:spcBef>
+                  <a:spcPct val="0"/>
+                </a:spcBef>
+                <a:spcAft>
+                  <a:spcPct val="0"/>
+                </a:spcAft>
+                <a:defRPr sz="2200">
+                  <a:solidFill>
+                    <a:schemeClr val="tx1"/>
+                  </a:solidFill>
+                  <a:latin typeface="Arial" charset="0"/>
+                </a:defRPr>
+              </a:lvl9pPr>
+            </a:lstStyle>
+            <a:p>
+              <a:pPr eaLnBrk="1" hangingPunct="1"/>
+              <a:r>
+                <a:rPr lang="en-US" sz="1600" dirty="0">
+                  <a:latin typeface="Avenir Book" panose="02000503020000020003" pitchFamily="2" charset="0"/>
+                  <a:ea typeface="Cambria Math" panose="02040503050406030204" pitchFamily="18" charset="0"/>
+                </a:rPr>
+                <a:t>5a</a:t>
+              </a:r>
+              <a:endParaRPr lang="en-US" sz="2800" dirty="0">
+                <a:latin typeface="Avenir Book" panose="02000503020000020003" pitchFamily="2" charset="0"/>
+                <a:ea typeface="Cambria Math" panose="02040503050406030204" pitchFamily="18" charset="0"/>
+              </a:endParaRPr>
+            </a:p>
+          </p:txBody>
+        </p:sp>
+        <p:sp>
+          <p:nvSpPr>
+            <p:cNvPr id="60" name="Text Box 181">
+              <a:extLst>
+                <a:ext uri="{FF2B5EF4-FFF2-40B4-BE49-F238E27FC236}">
+                  <a16:creationId xmlns:a16="http://schemas.microsoft.com/office/drawing/2014/main" id="{85B4C05B-461D-5E4A-A078-D4AC84A5E9ED}"/>
+                </a:ext>
+              </a:extLst>
+            </p:cNvPr>
+            <p:cNvSpPr txBox="1">
+              <a:spLocks noChangeArrowheads="1"/>
+            </p:cNvSpPr>
+            <p:nvPr/>
+          </p:nvSpPr>
+          <p:spPr bwMode="auto">
+            <a:xfrm>
+              <a:off x="19801529" y="25393951"/>
+              <a:ext cx="578359" cy="327730"/>
+            </a:xfrm>
+            <a:prstGeom prst="rect">
+              <a:avLst/>
+            </a:prstGeom>
+            <a:noFill/>
+            <a:ln>
+              <a:noFill/>
+            </a:ln>
+            <a:effectLst/>
+            <a:extLst>
+              <a:ext uri="{909E8E84-426E-40DD-AFC4-6F175D3DCCD1}">
+                <a14:hiddenFill xmlns:a14="http://schemas.microsoft.com/office/drawing/2010/main">
+                  <a:solidFill>
+                    <a:schemeClr val="accent1"/>
+                  </a:solidFill>
+                </a14:hiddenFill>
+              </a:ext>
+              <a:ext uri="{91240B29-F687-4F45-9708-019B960494DF}">
+                <a14:hiddenLine xmlns:a14="http://schemas.microsoft.com/office/drawing/2010/main" w="9525">
+                  <a:solidFill>
+                    <a:schemeClr val="tx1"/>
+                  </a:solidFill>
+                  <a:miter lim="800000"/>
+                  <a:headEnd/>
+                  <a:tailEnd/>
+                </a14:hiddenLine>
+              </a:ext>
+              <a:ext uri="{AF507438-7753-43E0-B8FC-AC1667EBCBE1}">
+                <a14:hiddenEffects xmlns:a14="http://schemas.microsoft.com/office/drawing/2010/main">
+                  <a:effectLst>
+                    <a:outerShdw dist="35921" dir="2700000" algn="ctr" rotWithShape="0">
+                      <a:schemeClr val="bg2"/>
+                    </a:outerShdw>
+                  </a:effectLst>
+                </a14:hiddenEffects>
+              </a:ext>
+            </a:extLst>
+          </p:spPr>
+          <p:txBody>
+            <a:bodyPr wrap="square" lIns="83814" tIns="41907" rIns="83814" bIns="41907">
+              <a:spAutoFit/>
+            </a:bodyPr>
+            <a:lstStyle>
+              <a:lvl1pPr defTabSz="4389438" eaLnBrk="0" hangingPunct="0">
+                <a:defRPr sz="2200">
+                  <a:solidFill>
+                    <a:schemeClr val="tx1"/>
+                  </a:solidFill>
+                  <a:latin typeface="Arial" charset="0"/>
+                </a:defRPr>
+              </a:lvl1pPr>
+              <a:lvl2pPr marL="742950" indent="-285750" defTabSz="4389438" eaLnBrk="0" hangingPunct="0">
+                <a:defRPr sz="2200">
+                  <a:solidFill>
+                    <a:schemeClr val="tx1"/>
+                  </a:solidFill>
+                  <a:latin typeface="Arial" charset="0"/>
+                </a:defRPr>
+              </a:lvl2pPr>
+              <a:lvl3pPr marL="1143000" indent="-228600" defTabSz="4389438" eaLnBrk="0" hangingPunct="0">
+                <a:defRPr sz="2200">
+                  <a:solidFill>
+                    <a:schemeClr val="tx1"/>
+                  </a:solidFill>
+                  <a:latin typeface="Arial" charset="0"/>
+                </a:defRPr>
+              </a:lvl3pPr>
+              <a:lvl4pPr marL="1600200" indent="-228600" defTabSz="4389438" eaLnBrk="0" hangingPunct="0">
+                <a:defRPr sz="2200">
+                  <a:solidFill>
+                    <a:schemeClr val="tx1"/>
+                  </a:solidFill>
+                  <a:latin typeface="Arial" charset="0"/>
+                </a:defRPr>
+              </a:lvl4pPr>
+              <a:lvl5pPr marL="2057400" indent="-228600" defTabSz="4389438" eaLnBrk="0" hangingPunct="0">
+                <a:defRPr sz="2200">
+                  <a:solidFill>
+                    <a:schemeClr val="tx1"/>
+                  </a:solidFill>
+                  <a:latin typeface="Arial" charset="0"/>
+                </a:defRPr>
+              </a:lvl5pPr>
+              <a:lvl6pPr marL="2514600" indent="-228600" defTabSz="4389438" eaLnBrk="0" fontAlgn="base" hangingPunct="0">
+                <a:spcBef>
+                  <a:spcPct val="0"/>
+                </a:spcBef>
+                <a:spcAft>
+                  <a:spcPct val="0"/>
+                </a:spcAft>
+                <a:defRPr sz="2200">
+                  <a:solidFill>
+                    <a:schemeClr val="tx1"/>
+                  </a:solidFill>
+                  <a:latin typeface="Arial" charset="0"/>
+                </a:defRPr>
+              </a:lvl6pPr>
+              <a:lvl7pPr marL="2971800" indent="-228600" defTabSz="4389438" eaLnBrk="0" fontAlgn="base" hangingPunct="0">
+                <a:spcBef>
+                  <a:spcPct val="0"/>
+                </a:spcBef>
+                <a:spcAft>
+                  <a:spcPct val="0"/>
+                </a:spcAft>
+                <a:defRPr sz="2200">
+                  <a:solidFill>
+                    <a:schemeClr val="tx1"/>
+                  </a:solidFill>
+                  <a:latin typeface="Arial" charset="0"/>
+                </a:defRPr>
+              </a:lvl7pPr>
+              <a:lvl8pPr marL="3429000" indent="-228600" defTabSz="4389438" eaLnBrk="0" fontAlgn="base" hangingPunct="0">
+                <a:spcBef>
+                  <a:spcPct val="0"/>
+                </a:spcBef>
+                <a:spcAft>
+                  <a:spcPct val="0"/>
+                </a:spcAft>
+                <a:defRPr sz="2200">
+                  <a:solidFill>
+                    <a:schemeClr val="tx1"/>
+                  </a:solidFill>
+                  <a:latin typeface="Arial" charset="0"/>
+                </a:defRPr>
+              </a:lvl8pPr>
+              <a:lvl9pPr marL="3886200" indent="-228600" defTabSz="4389438" eaLnBrk="0" fontAlgn="base" hangingPunct="0">
+                <a:spcBef>
+                  <a:spcPct val="0"/>
+                </a:spcBef>
+                <a:spcAft>
+                  <a:spcPct val="0"/>
+                </a:spcAft>
+                <a:defRPr sz="2200">
+                  <a:solidFill>
+                    <a:schemeClr val="tx1"/>
+                  </a:solidFill>
+                  <a:latin typeface="Arial" charset="0"/>
+                </a:defRPr>
+              </a:lvl9pPr>
+            </a:lstStyle>
+            <a:p>
+              <a:pPr eaLnBrk="1" hangingPunct="1"/>
+              <a:r>
+                <a:rPr lang="en-US" sz="1600" dirty="0">
+                  <a:latin typeface="Avenir Book" panose="02000503020000020003" pitchFamily="2" charset="0"/>
+                  <a:ea typeface="Cambria Math" panose="02040503050406030204" pitchFamily="18" charset="0"/>
+                </a:rPr>
+                <a:t>5b</a:t>
+              </a:r>
+              <a:endParaRPr lang="en-US" sz="2800" dirty="0">
+                <a:latin typeface="Avenir Book" panose="02000503020000020003" pitchFamily="2" charset="0"/>
+                <a:ea typeface="Cambria Math" panose="02040503050406030204" pitchFamily="18" charset="0"/>
+              </a:endParaRPr>
+            </a:p>
+          </p:txBody>
+        </p:sp>
+      </p:grpSp>
     </p:spTree>
     <p:extLst>
       <p:ext uri="{BB962C8B-B14F-4D97-AF65-F5344CB8AC3E}">
@@ -10062,4 +10851,299 @@
     </a:ext>
   </a:extLst>
 </a:theme>
+</file>
+
+<file path=ppt/theme/theme2.xml><?xml version="1.0" encoding="utf-8"?>
+<a:theme xmlns:a="http://schemas.openxmlformats.org/drawingml/2006/main" name="Office Theme">
+  <a:themeElements>
+    <a:clrScheme name="Office">
+      <a:dk1>
+        <a:sysClr val="windowText" lastClr="000000"/>
+      </a:dk1>
+      <a:lt1>
+        <a:sysClr val="window" lastClr="FFFFFF"/>
+      </a:lt1>
+      <a:dk2>
+        <a:srgbClr val="44546A"/>
+      </a:dk2>
+      <a:lt2>
+        <a:srgbClr val="E7E6E6"/>
+      </a:lt2>
+      <a:accent1>
+        <a:srgbClr val="4472C4"/>
+      </a:accent1>
+      <a:accent2>
+        <a:srgbClr val="ED7D31"/>
+      </a:accent2>
+      <a:accent3>
+        <a:srgbClr val="A5A5A5"/>
+      </a:accent3>
+      <a:accent4>
+        <a:srgbClr val="FFC000"/>
+      </a:accent4>
+      <a:accent5>
+        <a:srgbClr val="5B9BD5"/>
+      </a:accent5>
+      <a:accent6>
+        <a:srgbClr val="70AD47"/>
+      </a:accent6>
+      <a:hlink>
+        <a:srgbClr val="0563C1"/>
+      </a:hlink>
+      <a:folHlink>
+        <a:srgbClr val="954F72"/>
+      </a:folHlink>
+    </a:clrScheme>
+    <a:fontScheme name="Office">
+      <a:majorFont>
+        <a:latin typeface="Calibri Light" panose="020F0302020204030204"/>
+        <a:ea typeface=""/>
+        <a:cs typeface=""/>
+        <a:font script="Jpan" typeface="游ゴシック Light"/>
+        <a:font script="Hang" typeface="맑은 고딕"/>
+        <a:font script="Hans" typeface="等线 Light"/>
+        <a:font script="Hant" typeface="新細明體"/>
+        <a:font script="Arab" typeface="Times New Roman"/>
+        <a:font script="Hebr" typeface="Times New Roman"/>
+        <a:font script="Thai" typeface="Angsana New"/>
+        <a:font script="Ethi" typeface="Nyala"/>
+        <a:font script="Beng" typeface="Vrinda"/>
+        <a:font script="Gujr" typeface="Shruti"/>
+        <a:font script="Khmr" typeface="MoolBoran"/>
+        <a:font script="Knda" typeface="Tunga"/>
+        <a:font script="Guru" typeface="Raavi"/>
+        <a:font script="Cans" typeface="Euphemia"/>
+        <a:font script="Cher" typeface="Plantagenet Cherokee"/>
+        <a:font script="Yiii" typeface="Microsoft Yi Baiti"/>
+        <a:font script="Tibt" typeface="Microsoft Himalaya"/>
+        <a:font script="Thaa" typeface="MV Boli"/>
+        <a:font script="Deva" typeface="Mangal"/>
+        <a:font script="Telu" typeface="Gautami"/>
+        <a:font script="Taml" typeface="Latha"/>
+        <a:font script="Syrc" typeface="Estrangelo Edessa"/>
+        <a:font script="Orya" typeface="Kalinga"/>
+        <a:font script="Mlym" typeface="Kartika"/>
+        <a:font script="Laoo" typeface="DokChampa"/>
+        <a:font script="Sinh" typeface="Iskoola Pota"/>
+        <a:font script="Mong" typeface="Mongolian Baiti"/>
+        <a:font script="Viet" typeface="Times New Roman"/>
+        <a:font script="Uigh" typeface="Microsoft Uighur"/>
+        <a:font script="Geor" typeface="Sylfaen"/>
+        <a:font script="Armn" typeface="Arial"/>
+        <a:font script="Bugi" typeface="Leelawadee UI"/>
+        <a:font script="Bopo" typeface="Microsoft JhengHei"/>
+        <a:font script="Java" typeface="Javanese Text"/>
+        <a:font script="Lisu" typeface="Segoe UI"/>
+        <a:font script="Mymr" typeface="Myanmar Text"/>
+        <a:font script="Nkoo" typeface="Ebrima"/>
+        <a:font script="Olck" typeface="Nirmala UI"/>
+        <a:font script="Osma" typeface="Ebrima"/>
+        <a:font script="Phag" typeface="Phagspa"/>
+        <a:font script="Syrn" typeface="Estrangelo Edessa"/>
+        <a:font script="Syrj" typeface="Estrangelo Edessa"/>
+        <a:font script="Syre" typeface="Estrangelo Edessa"/>
+        <a:font script="Sora" typeface="Nirmala UI"/>
+        <a:font script="Tale" typeface="Microsoft Tai Le"/>
+        <a:font script="Talu" typeface="Microsoft New Tai Lue"/>
+        <a:font script="Tfng" typeface="Ebrima"/>
+      </a:majorFont>
+      <a:minorFont>
+        <a:latin typeface="Calibri" panose="020F0502020204030204"/>
+        <a:ea typeface=""/>
+        <a:cs typeface=""/>
+        <a:font script="Jpan" typeface="游ゴシック"/>
+        <a:font script="Hang" typeface="맑은 고딕"/>
+        <a:font script="Hans" typeface="等线"/>
+        <a:font script="Hant" typeface="新細明體"/>
+        <a:font script="Arab" typeface="Arial"/>
+        <a:font script="Hebr" typeface="Arial"/>
+        <a:font script="Thai" typeface="Cordia New"/>
+        <a:font script="Ethi" typeface="Nyala"/>
+        <a:font script="Beng" typeface="Vrinda"/>
+        <a:font script="Gujr" typeface="Shruti"/>
+        <a:font script="Khmr" typeface="DaunPenh"/>
+        <a:font script="Knda" typeface="Tunga"/>
+        <a:font script="Guru" typeface="Raavi"/>
+        <a:font script="Cans" typeface="Euphemia"/>
+        <a:font script="Cher" typeface="Plantagenet Cherokee"/>
+        <a:font script="Yiii" typeface="Microsoft Yi Baiti"/>
+        <a:font script="Tibt" typeface="Microsoft Himalaya"/>
+        <a:font script="Thaa" typeface="MV Boli"/>
+        <a:font script="Deva" typeface="Mangal"/>
+        <a:font script="Telu" typeface="Gautami"/>
+        <a:font script="Taml" typeface="Latha"/>
+        <a:font script="Syrc" typeface="Estrangelo Edessa"/>
+        <a:font script="Orya" typeface="Kalinga"/>
+        <a:font script="Mlym" typeface="Kartika"/>
+        <a:font script="Laoo" typeface="DokChampa"/>
+        <a:font script="Sinh" typeface="Iskoola Pota"/>
+        <a:font script="Mong" typeface="Mongolian Baiti"/>
+        <a:font script="Viet" typeface="Arial"/>
+        <a:font script="Uigh" typeface="Microsoft Uighur"/>
+        <a:font script="Geor" typeface="Sylfaen"/>
+        <a:font script="Armn" typeface="Arial"/>
+        <a:font script="Bugi" typeface="Leelawadee UI"/>
+        <a:font script="Bopo" typeface="Microsoft JhengHei"/>
+        <a:font script="Java" typeface="Javanese Text"/>
+        <a:font script="Lisu" typeface="Segoe UI"/>
+        <a:font script="Mymr" typeface="Myanmar Text"/>
+        <a:font script="Nkoo" typeface="Ebrima"/>
+        <a:font script="Olck" typeface="Nirmala UI"/>
+        <a:font script="Osma" typeface="Ebrima"/>
+        <a:font script="Phag" typeface="Phagspa"/>
+        <a:font script="Syrn" typeface="Estrangelo Edessa"/>
+        <a:font script="Syrj" typeface="Estrangelo Edessa"/>
+        <a:font script="Syre" typeface="Estrangelo Edessa"/>
+        <a:font script="Sora" typeface="Nirmala UI"/>
+        <a:font script="Tale" typeface="Microsoft Tai Le"/>
+        <a:font script="Talu" typeface="Microsoft New Tai Lue"/>
+        <a:font script="Tfng" typeface="Ebrima"/>
+      </a:minorFont>
+    </a:fontScheme>
+    <a:fmtScheme name="Office">
+      <a:fillStyleLst>
+        <a:solidFill>
+          <a:schemeClr val="phClr"/>
+        </a:solidFill>
+        <a:gradFill rotWithShape="1">
+          <a:gsLst>
+            <a:gs pos="0">
+              <a:schemeClr val="phClr">
+                <a:lumMod val="110000"/>
+                <a:satMod val="105000"/>
+                <a:tint val="67000"/>
+              </a:schemeClr>
+            </a:gs>
+            <a:gs pos="50000">
+              <a:schemeClr val="phClr">
+                <a:lumMod val="105000"/>
+                <a:satMod val="103000"/>
+                <a:tint val="73000"/>
+              </a:schemeClr>
+            </a:gs>
+            <a:gs pos="100000">
+              <a:schemeClr val="phClr">
+                <a:lumMod val="105000"/>
+                <a:satMod val="109000"/>
+                <a:tint val="81000"/>
+              </a:schemeClr>
+            </a:gs>
+          </a:gsLst>
+          <a:lin ang="5400000" scaled="0"/>
+        </a:gradFill>
+        <a:gradFill rotWithShape="1">
+          <a:gsLst>
+            <a:gs pos="0">
+              <a:schemeClr val="phClr">
+                <a:satMod val="103000"/>
+                <a:lumMod val="102000"/>
+                <a:tint val="94000"/>
+              </a:schemeClr>
+            </a:gs>
+            <a:gs pos="50000">
+              <a:schemeClr val="phClr">
+                <a:satMod val="110000"/>
+                <a:lumMod val="100000"/>
+                <a:shade val="100000"/>
+              </a:schemeClr>
+            </a:gs>
+            <a:gs pos="100000">
+              <a:schemeClr val="phClr">
+                <a:lumMod val="99000"/>
+                <a:satMod val="120000"/>
+                <a:shade val="78000"/>
+              </a:schemeClr>
+            </a:gs>
+          </a:gsLst>
+          <a:lin ang="5400000" scaled="0"/>
+        </a:gradFill>
+      </a:fillStyleLst>
+      <a:lnStyleLst>
+        <a:ln w="6350" cap="flat" cmpd="sng" algn="ctr">
+          <a:solidFill>
+            <a:schemeClr val="phClr"/>
+          </a:solidFill>
+          <a:prstDash val="solid"/>
+          <a:miter lim="800000"/>
+        </a:ln>
+        <a:ln w="12700" cap="flat" cmpd="sng" algn="ctr">
+          <a:solidFill>
+            <a:schemeClr val="phClr"/>
+          </a:solidFill>
+          <a:prstDash val="solid"/>
+          <a:miter lim="800000"/>
+        </a:ln>
+        <a:ln w="19050" cap="flat" cmpd="sng" algn="ctr">
+          <a:solidFill>
+            <a:schemeClr val="phClr"/>
+          </a:solidFill>
+          <a:prstDash val="solid"/>
+          <a:miter lim="800000"/>
+        </a:ln>
+      </a:lnStyleLst>
+      <a:effectStyleLst>
+        <a:effectStyle>
+          <a:effectLst/>
+        </a:effectStyle>
+        <a:effectStyle>
+          <a:effectLst/>
+        </a:effectStyle>
+        <a:effectStyle>
+          <a:effectLst>
+            <a:outerShdw blurRad="57150" dist="19050" dir="5400000" algn="ctr" rotWithShape="0">
+              <a:srgbClr val="000000">
+                <a:alpha val="63000"/>
+              </a:srgbClr>
+            </a:outerShdw>
+          </a:effectLst>
+        </a:effectStyle>
+      </a:effectStyleLst>
+      <a:bgFillStyleLst>
+        <a:solidFill>
+          <a:schemeClr val="phClr"/>
+        </a:solidFill>
+        <a:solidFill>
+          <a:schemeClr val="phClr">
+            <a:tint val="95000"/>
+            <a:satMod val="170000"/>
+          </a:schemeClr>
+        </a:solidFill>
+        <a:gradFill rotWithShape="1">
+          <a:gsLst>
+            <a:gs pos="0">
+              <a:schemeClr val="phClr">
+                <a:tint val="93000"/>
+                <a:satMod val="150000"/>
+                <a:shade val="98000"/>
+                <a:lumMod val="102000"/>
+              </a:schemeClr>
+            </a:gs>
+            <a:gs pos="50000">
+              <a:schemeClr val="phClr">
+                <a:tint val="98000"/>
+                <a:satMod val="130000"/>
+                <a:shade val="90000"/>
+                <a:lumMod val="103000"/>
+              </a:schemeClr>
+            </a:gs>
+            <a:gs pos="100000">
+              <a:schemeClr val="phClr">
+                <a:shade val="63000"/>
+                <a:satMod val="120000"/>
+              </a:schemeClr>
+            </a:gs>
+          </a:gsLst>
+          <a:lin ang="5400000" scaled="0"/>
+        </a:gradFill>
+      </a:bgFillStyleLst>
+    </a:fmtScheme>
+  </a:themeElements>
+  <a:objectDefaults/>
+  <a:extraClrSchemeLst/>
+  <a:extLst>
+    <a:ext uri="{05A4C25C-085E-4340-85A3-A5531E510DB2}">
+      <thm15:themeFamily xmlns:thm15="http://schemas.microsoft.com/office/thememl/2012/main" name="Office Theme" id="{62F939B6-93AF-4DB8-9C6B-D6C7DFDC589F}" vid="{4A3C46E8-61CC-4603-A589-7422A47A8E4A}"/>
+    </a:ext>
+  </a:extLst>
+</a:theme>
 </file>
--- a/miscellaneous/presentations/20200813_surf_poster_pres.pptx
+++ b/miscellaneous/presentations/20200813_surf_poster_pres.pptx
@@ -126,1008 +126,6 @@
 </p:presentation>
 </file>
 
-<file path=ppt/charts/chart1.xml><?xml version="1.0" encoding="utf-8"?>
-<c:chartSpace xmlns:c="http://schemas.openxmlformats.org/drawingml/2006/chart" xmlns:a="http://schemas.openxmlformats.org/drawingml/2006/main" xmlns:r="http://schemas.openxmlformats.org/officeDocument/2006/relationships" xmlns:c16r2="http://schemas.microsoft.com/office/drawing/2015/06/chart">
-  <c:date1904 val="0"/>
-  <c:lang val="en-US"/>
-  <c:roundedCorners val="0"/>
-  <mc:AlternateContent xmlns:mc="http://schemas.openxmlformats.org/markup-compatibility/2006">
-    <mc:Choice xmlns:c14="http://schemas.microsoft.com/office/drawing/2007/8/2/chart" Requires="c14">
-      <c14:style val="102"/>
-    </mc:Choice>
-    <mc:Fallback>
-      <c:style val="2"/>
-    </mc:Fallback>
-  </mc:AlternateContent>
-  <c:chart>
-    <c:title>
-      <c:overlay val="0"/>
-      <c:spPr>
-        <a:noFill/>
-        <a:ln>
-          <a:noFill/>
-        </a:ln>
-        <a:effectLst/>
-      </c:spPr>
-      <c:txPr>
-        <a:bodyPr rot="0" spcFirstLastPara="1" vertOverflow="ellipsis" vert="horz" wrap="square" anchor="ctr" anchorCtr="1"/>
-        <a:lstStyle/>
-        <a:p>
-          <a:pPr>
-            <a:defRPr sz="3360" b="0" i="0" u="none" strike="noStrike" kern="1200" spc="0" baseline="0">
-              <a:solidFill>
-                <a:schemeClr val="tx1">
-                  <a:lumMod val="65000"/>
-                  <a:lumOff val="35000"/>
-                </a:schemeClr>
-              </a:solidFill>
-              <a:latin typeface="+mn-lt"/>
-              <a:ea typeface="+mn-ea"/>
-              <a:cs typeface="+mn-cs"/>
-            </a:defRPr>
-          </a:pPr>
-          <a:endParaRPr lang="en-US"/>
-        </a:p>
-      </c:txPr>
-    </c:title>
-    <c:autoTitleDeleted val="0"/>
-    <c:plotArea>
-      <c:layout/>
-      <c:barChart>
-        <c:barDir val="col"/>
-        <c:grouping val="clustered"/>
-        <c:varyColors val="0"/>
-        <c:ser>
-          <c:idx val="0"/>
-          <c:order val="0"/>
-          <c:tx>
-            <c:strRef>
-              <c:f>Sheet1!$B$1</c:f>
-              <c:strCache>
-                <c:ptCount val="1"/>
-                <c:pt idx="0">
-                  <c:v>Series 1</c:v>
-                </c:pt>
-              </c:strCache>
-            </c:strRef>
-          </c:tx>
-          <c:spPr>
-            <a:solidFill>
-              <a:schemeClr val="accent1">
-                <a:lumMod val="75000"/>
-              </a:schemeClr>
-            </a:solidFill>
-            <a:ln>
-              <a:noFill/>
-            </a:ln>
-            <a:effectLst/>
-          </c:spPr>
-          <c:invertIfNegative val="0"/>
-          <c:cat>
-            <c:strRef>
-              <c:f>Sheet1!$A$2:$A$5</c:f>
-              <c:strCache>
-                <c:ptCount val="4"/>
-                <c:pt idx="0">
-                  <c:v>Category 1</c:v>
-                </c:pt>
-                <c:pt idx="1">
-                  <c:v>Category 2</c:v>
-                </c:pt>
-                <c:pt idx="2">
-                  <c:v>Category 3</c:v>
-                </c:pt>
-                <c:pt idx="3">
-                  <c:v>Category 4</c:v>
-                </c:pt>
-              </c:strCache>
-            </c:strRef>
-          </c:cat>
-          <c:val>
-            <c:numRef>
-              <c:f>Sheet1!$B$2:$B$5</c:f>
-              <c:numCache>
-                <c:formatCode>General</c:formatCode>
-                <c:ptCount val="4"/>
-                <c:pt idx="0">
-                  <c:v>4.3</c:v>
-                </c:pt>
-                <c:pt idx="1">
-                  <c:v>2.5</c:v>
-                </c:pt>
-                <c:pt idx="2">
-                  <c:v>3.5</c:v>
-                </c:pt>
-                <c:pt idx="3">
-                  <c:v>4.5</c:v>
-                </c:pt>
-              </c:numCache>
-            </c:numRef>
-          </c:val>
-          <c:extLst>
-            <c:ext xmlns:c16="http://schemas.microsoft.com/office/drawing/2014/chart" uri="{C3380CC4-5D6E-409C-BE32-E72D297353CC}">
-              <c16:uniqueId val="{00000000-9C2A-4024-9B8F-8CA5FE586B63}"/>
-            </c:ext>
-          </c:extLst>
-        </c:ser>
-        <c:ser>
-          <c:idx val="1"/>
-          <c:order val="1"/>
-          <c:tx>
-            <c:strRef>
-              <c:f>Sheet1!$C$1</c:f>
-              <c:strCache>
-                <c:ptCount val="1"/>
-                <c:pt idx="0">
-                  <c:v>Series 2</c:v>
-                </c:pt>
-              </c:strCache>
-            </c:strRef>
-          </c:tx>
-          <c:spPr>
-            <a:solidFill>
-              <a:schemeClr val="accent2"/>
-            </a:solidFill>
-            <a:ln>
-              <a:noFill/>
-            </a:ln>
-            <a:effectLst/>
-          </c:spPr>
-          <c:invertIfNegative val="0"/>
-          <c:cat>
-            <c:strRef>
-              <c:f>Sheet1!$A$2:$A$5</c:f>
-              <c:strCache>
-                <c:ptCount val="4"/>
-                <c:pt idx="0">
-                  <c:v>Category 1</c:v>
-                </c:pt>
-                <c:pt idx="1">
-                  <c:v>Category 2</c:v>
-                </c:pt>
-                <c:pt idx="2">
-                  <c:v>Category 3</c:v>
-                </c:pt>
-                <c:pt idx="3">
-                  <c:v>Category 4</c:v>
-                </c:pt>
-              </c:strCache>
-            </c:strRef>
-          </c:cat>
-          <c:val>
-            <c:numRef>
-              <c:f>Sheet1!$C$2:$C$5</c:f>
-              <c:numCache>
-                <c:formatCode>General</c:formatCode>
-                <c:ptCount val="4"/>
-                <c:pt idx="0">
-                  <c:v>2.4</c:v>
-                </c:pt>
-                <c:pt idx="1">
-                  <c:v>4.4000000000000004</c:v>
-                </c:pt>
-                <c:pt idx="2">
-                  <c:v>1.8</c:v>
-                </c:pt>
-                <c:pt idx="3">
-                  <c:v>2.8</c:v>
-                </c:pt>
-              </c:numCache>
-            </c:numRef>
-          </c:val>
-          <c:extLst>
-            <c:ext xmlns:c16="http://schemas.microsoft.com/office/drawing/2014/chart" uri="{C3380CC4-5D6E-409C-BE32-E72D297353CC}">
-              <c16:uniqueId val="{00000001-9C2A-4024-9B8F-8CA5FE586B63}"/>
-            </c:ext>
-          </c:extLst>
-        </c:ser>
-        <c:ser>
-          <c:idx val="2"/>
-          <c:order val="2"/>
-          <c:tx>
-            <c:strRef>
-              <c:f>Sheet1!$D$1</c:f>
-              <c:strCache>
-                <c:ptCount val="1"/>
-                <c:pt idx="0">
-                  <c:v>Series 3</c:v>
-                </c:pt>
-              </c:strCache>
-            </c:strRef>
-          </c:tx>
-          <c:spPr>
-            <a:solidFill>
-              <a:schemeClr val="accent5"/>
-            </a:solidFill>
-            <a:ln>
-              <a:noFill/>
-            </a:ln>
-            <a:effectLst/>
-          </c:spPr>
-          <c:invertIfNegative val="0"/>
-          <c:cat>
-            <c:strRef>
-              <c:f>Sheet1!$A$2:$A$5</c:f>
-              <c:strCache>
-                <c:ptCount val="4"/>
-                <c:pt idx="0">
-                  <c:v>Category 1</c:v>
-                </c:pt>
-                <c:pt idx="1">
-                  <c:v>Category 2</c:v>
-                </c:pt>
-                <c:pt idx="2">
-                  <c:v>Category 3</c:v>
-                </c:pt>
-                <c:pt idx="3">
-                  <c:v>Category 4</c:v>
-                </c:pt>
-              </c:strCache>
-            </c:strRef>
-          </c:cat>
-          <c:val>
-            <c:numRef>
-              <c:f>Sheet1!$D$2:$D$5</c:f>
-              <c:numCache>
-                <c:formatCode>General</c:formatCode>
-                <c:ptCount val="4"/>
-                <c:pt idx="0">
-                  <c:v>2</c:v>
-                </c:pt>
-                <c:pt idx="1">
-                  <c:v>2</c:v>
-                </c:pt>
-                <c:pt idx="2">
-                  <c:v>3</c:v>
-                </c:pt>
-                <c:pt idx="3">
-                  <c:v>5</c:v>
-                </c:pt>
-              </c:numCache>
-            </c:numRef>
-          </c:val>
-          <c:extLst>
-            <c:ext xmlns:c16="http://schemas.microsoft.com/office/drawing/2014/chart" uri="{C3380CC4-5D6E-409C-BE32-E72D297353CC}">
-              <c16:uniqueId val="{00000002-9C2A-4024-9B8F-8CA5FE586B63}"/>
-            </c:ext>
-          </c:extLst>
-        </c:ser>
-        <c:dLbls>
-          <c:showLegendKey val="0"/>
-          <c:showVal val="0"/>
-          <c:showCatName val="0"/>
-          <c:showSerName val="0"/>
-          <c:showPercent val="0"/>
-          <c:showBubbleSize val="0"/>
-        </c:dLbls>
-        <c:gapWidth val="219"/>
-        <c:overlap val="-27"/>
-        <c:axId val="551219048"/>
-        <c:axId val="551223312"/>
-      </c:barChart>
-      <c:catAx>
-        <c:axId val="551219048"/>
-        <c:scaling>
-          <c:orientation val="minMax"/>
-        </c:scaling>
-        <c:delete val="0"/>
-        <c:axPos val="b"/>
-        <c:numFmt formatCode="General" sourceLinked="1"/>
-        <c:majorTickMark val="none"/>
-        <c:minorTickMark val="none"/>
-        <c:tickLblPos val="nextTo"/>
-        <c:spPr>
-          <a:noFill/>
-          <a:ln w="9525" cap="flat" cmpd="sng" algn="ctr">
-            <a:solidFill>
-              <a:schemeClr val="tx1">
-                <a:lumMod val="15000"/>
-                <a:lumOff val="85000"/>
-              </a:schemeClr>
-            </a:solidFill>
-            <a:round/>
-          </a:ln>
-          <a:effectLst/>
-        </c:spPr>
-        <c:txPr>
-          <a:bodyPr rot="-60000000" spcFirstLastPara="1" vertOverflow="ellipsis" vert="horz" wrap="square" anchor="ctr" anchorCtr="1"/>
-          <a:lstStyle/>
-          <a:p>
-            <a:pPr>
-              <a:defRPr sz="2800" b="0" i="0" u="none" strike="noStrike" kern="1200" baseline="0">
-                <a:solidFill>
-                  <a:schemeClr val="tx1">
-                    <a:lumMod val="65000"/>
-                    <a:lumOff val="35000"/>
-                  </a:schemeClr>
-                </a:solidFill>
-                <a:latin typeface="+mn-lt"/>
-                <a:ea typeface="+mn-ea"/>
-                <a:cs typeface="+mn-cs"/>
-              </a:defRPr>
-            </a:pPr>
-            <a:endParaRPr lang="en-US"/>
-          </a:p>
-        </c:txPr>
-        <c:crossAx val="551223312"/>
-        <c:crosses val="autoZero"/>
-        <c:auto val="1"/>
-        <c:lblAlgn val="ctr"/>
-        <c:lblOffset val="100"/>
-        <c:noMultiLvlLbl val="0"/>
-      </c:catAx>
-      <c:valAx>
-        <c:axId val="551223312"/>
-        <c:scaling>
-          <c:orientation val="minMax"/>
-        </c:scaling>
-        <c:delete val="0"/>
-        <c:axPos val="l"/>
-        <c:majorGridlines>
-          <c:spPr>
-            <a:ln w="9525" cap="flat" cmpd="sng" algn="ctr">
-              <a:solidFill>
-                <a:schemeClr val="tx1">
-                  <a:lumMod val="15000"/>
-                  <a:lumOff val="85000"/>
-                </a:schemeClr>
-              </a:solidFill>
-              <a:round/>
-            </a:ln>
-            <a:effectLst/>
-          </c:spPr>
-        </c:majorGridlines>
-        <c:numFmt formatCode="General" sourceLinked="1"/>
-        <c:majorTickMark val="none"/>
-        <c:minorTickMark val="none"/>
-        <c:tickLblPos val="nextTo"/>
-        <c:spPr>
-          <a:noFill/>
-          <a:ln>
-            <a:noFill/>
-          </a:ln>
-          <a:effectLst/>
-        </c:spPr>
-        <c:txPr>
-          <a:bodyPr rot="-60000000" spcFirstLastPara="1" vertOverflow="ellipsis" vert="horz" wrap="square" anchor="ctr" anchorCtr="1"/>
-          <a:lstStyle/>
-          <a:p>
-            <a:pPr>
-              <a:defRPr sz="2800" b="0" i="0" u="none" strike="noStrike" kern="1200" baseline="0">
-                <a:solidFill>
-                  <a:schemeClr val="tx1">
-                    <a:lumMod val="65000"/>
-                    <a:lumOff val="35000"/>
-                  </a:schemeClr>
-                </a:solidFill>
-                <a:latin typeface="+mn-lt"/>
-                <a:ea typeface="+mn-ea"/>
-                <a:cs typeface="+mn-cs"/>
-              </a:defRPr>
-            </a:pPr>
-            <a:endParaRPr lang="en-US"/>
-          </a:p>
-        </c:txPr>
-        <c:crossAx val="551219048"/>
-        <c:crosses val="autoZero"/>
-        <c:crossBetween val="between"/>
-      </c:valAx>
-      <c:spPr>
-        <a:noFill/>
-        <a:ln>
-          <a:noFill/>
-        </a:ln>
-        <a:effectLst/>
-      </c:spPr>
-    </c:plotArea>
-    <c:legend>
-      <c:legendPos val="b"/>
-      <c:overlay val="0"/>
-      <c:spPr>
-        <a:noFill/>
-        <a:ln>
-          <a:noFill/>
-        </a:ln>
-        <a:effectLst/>
-      </c:spPr>
-      <c:txPr>
-        <a:bodyPr rot="0" spcFirstLastPara="1" vertOverflow="ellipsis" vert="horz" wrap="square" anchor="ctr" anchorCtr="1"/>
-        <a:lstStyle/>
-        <a:p>
-          <a:pPr>
-            <a:defRPr sz="2800" b="0" i="0" u="none" strike="noStrike" kern="1200" baseline="0">
-              <a:solidFill>
-                <a:schemeClr val="tx1">
-                  <a:lumMod val="65000"/>
-                  <a:lumOff val="35000"/>
-                </a:schemeClr>
-              </a:solidFill>
-              <a:latin typeface="+mn-lt"/>
-              <a:ea typeface="+mn-ea"/>
-              <a:cs typeface="+mn-cs"/>
-            </a:defRPr>
-          </a:pPr>
-          <a:endParaRPr lang="en-US"/>
-        </a:p>
-      </c:txPr>
-    </c:legend>
-    <c:plotVisOnly val="1"/>
-    <c:dispBlanksAs val="gap"/>
-    <c:extLst>
-      <c:ext xmlns:c16r3="http://schemas.microsoft.com/office/drawing/2017/03/chart" uri="{56B9EC1D-385E-4148-901F-78D8002777C0}">
-        <c16r3:dataDisplayOptions16>
-          <c16r3:dispNaAsBlank val="1"/>
-        </c16r3:dataDisplayOptions16>
-      </c:ext>
-    </c:extLst>
-    <c:showDLblsOverMax val="0"/>
-  </c:chart>
-  <c:spPr>
-    <a:noFill/>
-    <a:ln>
-      <a:noFill/>
-    </a:ln>
-    <a:effectLst/>
-  </c:spPr>
-  <c:txPr>
-    <a:bodyPr/>
-    <a:lstStyle/>
-    <a:p>
-      <a:pPr>
-        <a:defRPr sz="2800"/>
-      </a:pPr>
-      <a:endParaRPr lang="en-US"/>
-    </a:p>
-  </c:txPr>
-  <c:externalData r:id="rId3">
-    <c:autoUpdate val="0"/>
-  </c:externalData>
-</c:chartSpace>
-</file>
-
-<file path=ppt/charts/colors1.xml><?xml version="1.0" encoding="utf-8"?>
-<cs:colorStyle xmlns:cs="http://schemas.microsoft.com/office/drawing/2012/chartStyle" xmlns:a="http://schemas.openxmlformats.org/drawingml/2006/main" meth="cycle" id="10">
-  <a:schemeClr val="accent1"/>
-  <a:schemeClr val="accent2"/>
-  <a:schemeClr val="accent3"/>
-  <a:schemeClr val="accent4"/>
-  <a:schemeClr val="accent5"/>
-  <a:schemeClr val="accent6"/>
-  <cs:variation/>
-  <cs:variation>
-    <a:lumMod val="60000"/>
-  </cs:variation>
-  <cs:variation>
-    <a:lumMod val="80000"/>
-    <a:lumOff val="20000"/>
-  </cs:variation>
-  <cs:variation>
-    <a:lumMod val="80000"/>
-  </cs:variation>
-  <cs:variation>
-    <a:lumMod val="60000"/>
-    <a:lumOff val="40000"/>
-  </cs:variation>
-  <cs:variation>
-    <a:lumMod val="50000"/>
-  </cs:variation>
-  <cs:variation>
-    <a:lumMod val="70000"/>
-    <a:lumOff val="30000"/>
-  </cs:variation>
-  <cs:variation>
-    <a:lumMod val="70000"/>
-  </cs:variation>
-  <cs:variation>
-    <a:lumMod val="50000"/>
-    <a:lumOff val="50000"/>
-  </cs:variation>
-</cs:colorStyle>
-</file>
-
-<file path=ppt/charts/style1.xml><?xml version="1.0" encoding="utf-8"?>
-<cs:chartStyle xmlns:cs="http://schemas.microsoft.com/office/drawing/2012/chartStyle" xmlns:a="http://schemas.openxmlformats.org/drawingml/2006/main" id="201">
-  <cs:axisTitle>
-    <cs:lnRef idx="0"/>
-    <cs:fillRef idx="0"/>
-    <cs:effectRef idx="0"/>
-    <cs:fontRef idx="minor">
-      <a:schemeClr val="tx1">
-        <a:lumMod val="65000"/>
-        <a:lumOff val="35000"/>
-      </a:schemeClr>
-    </cs:fontRef>
-    <cs:defRPr sz="1330" kern="1200"/>
-  </cs:axisTitle>
-  <cs:categoryAxis>
-    <cs:lnRef idx="0"/>
-    <cs:fillRef idx="0"/>
-    <cs:effectRef idx="0"/>
-    <cs:fontRef idx="minor">
-      <a:schemeClr val="tx1">
-        <a:lumMod val="65000"/>
-        <a:lumOff val="35000"/>
-      </a:schemeClr>
-    </cs:fontRef>
-    <cs:spPr>
-      <a:ln w="9525" cap="flat" cmpd="sng" algn="ctr">
-        <a:solidFill>
-          <a:schemeClr val="tx1">
-            <a:lumMod val="15000"/>
-            <a:lumOff val="85000"/>
-          </a:schemeClr>
-        </a:solidFill>
-        <a:round/>
-      </a:ln>
-    </cs:spPr>
-    <cs:defRPr sz="1197" kern="1200"/>
-  </cs:categoryAxis>
-  <cs:chartArea mods="allowNoFillOverride allowNoLineOverride">
-    <cs:lnRef idx="0"/>
-    <cs:fillRef idx="0"/>
-    <cs:effectRef idx="0"/>
-    <cs:fontRef idx="minor">
-      <a:schemeClr val="tx1"/>
-    </cs:fontRef>
-    <cs:spPr>
-      <a:solidFill>
-        <a:schemeClr val="bg1"/>
-      </a:solidFill>
-      <a:ln w="9525" cap="flat" cmpd="sng" algn="ctr">
-        <a:solidFill>
-          <a:schemeClr val="tx1">
-            <a:lumMod val="15000"/>
-            <a:lumOff val="85000"/>
-          </a:schemeClr>
-        </a:solidFill>
-        <a:round/>
-      </a:ln>
-    </cs:spPr>
-    <cs:defRPr sz="1330" kern="1200"/>
-  </cs:chartArea>
-  <cs:dataLabel>
-    <cs:lnRef idx="0"/>
-    <cs:fillRef idx="0"/>
-    <cs:effectRef idx="0"/>
-    <cs:fontRef idx="minor">
-      <a:schemeClr val="tx1">
-        <a:lumMod val="75000"/>
-        <a:lumOff val="25000"/>
-      </a:schemeClr>
-    </cs:fontRef>
-    <cs:defRPr sz="1197" kern="1200"/>
-  </cs:dataLabel>
-  <cs:dataLabelCallout>
-    <cs:lnRef idx="0"/>
-    <cs:fillRef idx="0"/>
-    <cs:effectRef idx="0"/>
-    <cs:fontRef idx="minor">
-      <a:schemeClr val="dk1">
-        <a:lumMod val="65000"/>
-        <a:lumOff val="35000"/>
-      </a:schemeClr>
-    </cs:fontRef>
-    <cs:spPr>
-      <a:solidFill>
-        <a:schemeClr val="lt1"/>
-      </a:solidFill>
-      <a:ln>
-        <a:solidFill>
-          <a:schemeClr val="dk1">
-            <a:lumMod val="25000"/>
-            <a:lumOff val="75000"/>
-          </a:schemeClr>
-        </a:solidFill>
-      </a:ln>
-    </cs:spPr>
-    <cs:defRPr sz="1197" kern="1200"/>
-    <cs:bodyPr rot="0" spcFirstLastPara="1" vertOverflow="clip" horzOverflow="clip" vert="horz" wrap="square" lIns="36576" tIns="18288" rIns="36576" bIns="18288" anchor="ctr" anchorCtr="1">
-      <a:spAutoFit/>
-    </cs:bodyPr>
-  </cs:dataLabelCallout>
-  <cs:dataPoint>
-    <cs:lnRef idx="0"/>
-    <cs:fillRef idx="1">
-      <cs:styleClr val="auto"/>
-    </cs:fillRef>
-    <cs:effectRef idx="0"/>
-    <cs:fontRef idx="minor">
-      <a:schemeClr val="tx1"/>
-    </cs:fontRef>
-  </cs:dataPoint>
-  <cs:dataPoint3D>
-    <cs:lnRef idx="0"/>
-    <cs:fillRef idx="1">
-      <cs:styleClr val="auto"/>
-    </cs:fillRef>
-    <cs:effectRef idx="0"/>
-    <cs:fontRef idx="minor">
-      <a:schemeClr val="tx1"/>
-    </cs:fontRef>
-  </cs:dataPoint3D>
-  <cs:dataPointLine>
-    <cs:lnRef idx="0">
-      <cs:styleClr val="auto"/>
-    </cs:lnRef>
-    <cs:fillRef idx="1"/>
-    <cs:effectRef idx="0"/>
-    <cs:fontRef idx="minor">
-      <a:schemeClr val="tx1"/>
-    </cs:fontRef>
-    <cs:spPr>
-      <a:ln w="28575" cap="rnd">
-        <a:solidFill>
-          <a:schemeClr val="phClr"/>
-        </a:solidFill>
-        <a:round/>
-      </a:ln>
-    </cs:spPr>
-  </cs:dataPointLine>
-  <cs:dataPointMarker>
-    <cs:lnRef idx="0">
-      <cs:styleClr val="auto"/>
-    </cs:lnRef>
-    <cs:fillRef idx="1">
-      <cs:styleClr val="auto"/>
-    </cs:fillRef>
-    <cs:effectRef idx="0"/>
-    <cs:fontRef idx="minor">
-      <a:schemeClr val="tx1"/>
-    </cs:fontRef>
-    <cs:spPr>
-      <a:ln w="9525">
-        <a:solidFill>
-          <a:schemeClr val="phClr"/>
-        </a:solidFill>
-      </a:ln>
-    </cs:spPr>
-  </cs:dataPointMarker>
-  <cs:dataPointMarkerLayout symbol="circle" size="5"/>
-  <cs:dataPointWireframe>
-    <cs:lnRef idx="0">
-      <cs:styleClr val="auto"/>
-    </cs:lnRef>
-    <cs:fillRef idx="1"/>
-    <cs:effectRef idx="0"/>
-    <cs:fontRef idx="minor">
-      <a:schemeClr val="tx1"/>
-    </cs:fontRef>
-    <cs:spPr>
-      <a:ln w="9525" cap="rnd">
-        <a:solidFill>
-          <a:schemeClr val="phClr"/>
-        </a:solidFill>
-        <a:round/>
-      </a:ln>
-    </cs:spPr>
-  </cs:dataPointWireframe>
-  <cs:dataTable>
-    <cs:lnRef idx="0"/>
-    <cs:fillRef idx="0"/>
-    <cs:effectRef idx="0"/>
-    <cs:fontRef idx="minor">
-      <a:schemeClr val="tx1">
-        <a:lumMod val="65000"/>
-        <a:lumOff val="35000"/>
-      </a:schemeClr>
-    </cs:fontRef>
-    <cs:spPr>
-      <a:noFill/>
-      <a:ln w="9525" cap="flat" cmpd="sng" algn="ctr">
-        <a:solidFill>
-          <a:schemeClr val="tx1">
-            <a:lumMod val="15000"/>
-            <a:lumOff val="85000"/>
-          </a:schemeClr>
-        </a:solidFill>
-        <a:round/>
-      </a:ln>
-    </cs:spPr>
-    <cs:defRPr sz="1197" kern="1200"/>
-  </cs:dataTable>
-  <cs:downBar>
-    <cs:lnRef idx="0"/>
-    <cs:fillRef idx="0"/>
-    <cs:effectRef idx="0"/>
-    <cs:fontRef idx="minor">
-      <a:schemeClr val="dk1"/>
-    </cs:fontRef>
-    <cs:spPr>
-      <a:solidFill>
-        <a:schemeClr val="dk1">
-          <a:lumMod val="65000"/>
-          <a:lumOff val="35000"/>
-        </a:schemeClr>
-      </a:solidFill>
-      <a:ln w="9525">
-        <a:solidFill>
-          <a:schemeClr val="tx1">
-            <a:lumMod val="65000"/>
-            <a:lumOff val="35000"/>
-          </a:schemeClr>
-        </a:solidFill>
-      </a:ln>
-    </cs:spPr>
-  </cs:downBar>
-  <cs:dropLine>
-    <cs:lnRef idx="0"/>
-    <cs:fillRef idx="0"/>
-    <cs:effectRef idx="0"/>
-    <cs:fontRef idx="minor">
-      <a:schemeClr val="tx1"/>
-    </cs:fontRef>
-    <cs:spPr>
-      <a:ln w="9525" cap="flat" cmpd="sng" algn="ctr">
-        <a:solidFill>
-          <a:schemeClr val="tx1">
-            <a:lumMod val="35000"/>
-            <a:lumOff val="65000"/>
-          </a:schemeClr>
-        </a:solidFill>
-        <a:round/>
-      </a:ln>
-    </cs:spPr>
-  </cs:dropLine>
-  <cs:errorBar>
-    <cs:lnRef idx="0"/>
-    <cs:fillRef idx="0"/>
-    <cs:effectRef idx="0"/>
-    <cs:fontRef idx="minor">
-      <a:schemeClr val="tx1"/>
-    </cs:fontRef>
-    <cs:spPr>
-      <a:ln w="9525" cap="flat" cmpd="sng" algn="ctr">
-        <a:solidFill>
-          <a:schemeClr val="tx1">
-            <a:lumMod val="65000"/>
-            <a:lumOff val="35000"/>
-          </a:schemeClr>
-        </a:solidFill>
-        <a:round/>
-      </a:ln>
-    </cs:spPr>
-  </cs:errorBar>
-  <cs:floor>
-    <cs:lnRef idx="0"/>
-    <cs:fillRef idx="0"/>
-    <cs:effectRef idx="0"/>
-    <cs:fontRef idx="minor">
-      <a:schemeClr val="tx1"/>
-    </cs:fontRef>
-    <cs:spPr>
-      <a:noFill/>
-      <a:ln>
-        <a:noFill/>
-      </a:ln>
-    </cs:spPr>
-  </cs:floor>
-  <cs:gridlineMajor>
-    <cs:lnRef idx="0"/>
-    <cs:fillRef idx="0"/>
-    <cs:effectRef idx="0"/>
-    <cs:fontRef idx="minor">
-      <a:schemeClr val="tx1"/>
-    </cs:fontRef>
-    <cs:spPr>
-      <a:ln w="9525" cap="flat" cmpd="sng" algn="ctr">
-        <a:solidFill>
-          <a:schemeClr val="tx1">
-            <a:lumMod val="15000"/>
-            <a:lumOff val="85000"/>
-          </a:schemeClr>
-        </a:solidFill>
-        <a:round/>
-      </a:ln>
-    </cs:spPr>
-  </cs:gridlineMajor>
-  <cs:gridlineMinor>
-    <cs:lnRef idx="0"/>
-    <cs:fillRef idx="0"/>
-    <cs:effectRef idx="0"/>
-    <cs:fontRef idx="minor">
-      <a:schemeClr val="tx1"/>
-    </cs:fontRef>
-    <cs:spPr>
-      <a:ln w="9525" cap="flat" cmpd="sng" algn="ctr">
-        <a:solidFill>
-          <a:schemeClr val="tx1">
-            <a:lumMod val="5000"/>
-            <a:lumOff val="95000"/>
-          </a:schemeClr>
-        </a:solidFill>
-        <a:round/>
-      </a:ln>
-    </cs:spPr>
-  </cs:gridlineMinor>
-  <cs:hiLoLine>
-    <cs:lnRef idx="0"/>
-    <cs:fillRef idx="0"/>
-    <cs:effectRef idx="0"/>
-    <cs:fontRef idx="minor">
-      <a:schemeClr val="tx1"/>
-    </cs:fontRef>
-    <cs:spPr>
-      <a:ln w="9525" cap="flat" cmpd="sng" algn="ctr">
-        <a:solidFill>
-          <a:schemeClr val="tx1">
-            <a:lumMod val="75000"/>
-            <a:lumOff val="25000"/>
-          </a:schemeClr>
-        </a:solidFill>
-        <a:round/>
-      </a:ln>
-    </cs:spPr>
-  </cs:hiLoLine>
-  <cs:leaderLine>
-    <cs:lnRef idx="0"/>
-    <cs:fillRef idx="0"/>
-    <cs:effectRef idx="0"/>
-    <cs:fontRef idx="minor">
-      <a:schemeClr val="tx1"/>
-    </cs:fontRef>
-    <cs:spPr>
-      <a:ln w="9525" cap="flat" cmpd="sng" algn="ctr">
-        <a:solidFill>
-          <a:schemeClr val="tx1">
-            <a:lumMod val="35000"/>
-            <a:lumOff val="65000"/>
-          </a:schemeClr>
-        </a:solidFill>
-        <a:round/>
-      </a:ln>
-    </cs:spPr>
-  </cs:leaderLine>
-  <cs:legend>
-    <cs:lnRef idx="0"/>
-    <cs:fillRef idx="0"/>
-    <cs:effectRef idx="0"/>
-    <cs:fontRef idx="minor">
-      <a:schemeClr val="tx1">
-        <a:lumMod val="65000"/>
-        <a:lumOff val="35000"/>
-      </a:schemeClr>
-    </cs:fontRef>
-    <cs:defRPr sz="1197" kern="1200"/>
-  </cs:legend>
-  <cs:plotArea mods="allowNoFillOverride allowNoLineOverride">
-    <cs:lnRef idx="0"/>
-    <cs:fillRef idx="0"/>
-    <cs:effectRef idx="0"/>
-    <cs:fontRef idx="minor">
-      <a:schemeClr val="tx1"/>
-    </cs:fontRef>
-  </cs:plotArea>
-  <cs:plotArea3D mods="allowNoFillOverride allowNoLineOverride">
-    <cs:lnRef idx="0"/>
-    <cs:fillRef idx="0"/>
-    <cs:effectRef idx="0"/>
-    <cs:fontRef idx="minor">
-      <a:schemeClr val="tx1"/>
-    </cs:fontRef>
-  </cs:plotArea3D>
-  <cs:seriesAxis>
-    <cs:lnRef idx="0"/>
-    <cs:fillRef idx="0"/>
-    <cs:effectRef idx="0"/>
-    <cs:fontRef idx="minor">
-      <a:schemeClr val="tx1">
-        <a:lumMod val="65000"/>
-        <a:lumOff val="35000"/>
-      </a:schemeClr>
-    </cs:fontRef>
-    <cs:defRPr sz="1197" kern="1200"/>
-  </cs:seriesAxis>
-  <cs:seriesLine>
-    <cs:lnRef idx="0"/>
-    <cs:fillRef idx="0"/>
-    <cs:effectRef idx="0"/>
-    <cs:fontRef idx="minor">
-      <a:schemeClr val="tx1"/>
-    </cs:fontRef>
-    <cs:spPr>
-      <a:ln w="9525" cap="flat" cmpd="sng" algn="ctr">
-        <a:solidFill>
-          <a:schemeClr val="tx1">
-            <a:lumMod val="35000"/>
-            <a:lumOff val="65000"/>
-          </a:schemeClr>
-        </a:solidFill>
-        <a:round/>
-      </a:ln>
-    </cs:spPr>
-  </cs:seriesLine>
-  <cs:title>
-    <cs:lnRef idx="0"/>
-    <cs:fillRef idx="0"/>
-    <cs:effectRef idx="0"/>
-    <cs:fontRef idx="minor">
-      <a:schemeClr val="tx1">
-        <a:lumMod val="65000"/>
-        <a:lumOff val="35000"/>
-      </a:schemeClr>
-    </cs:fontRef>
-    <cs:defRPr sz="1862" b="0" kern="1200" spc="0" baseline="0"/>
-  </cs:title>
-  <cs:trendline>
-    <cs:lnRef idx="0">
-      <cs:styleClr val="auto"/>
-    </cs:lnRef>
-    <cs:fillRef idx="0"/>
-    <cs:effectRef idx="0"/>
-    <cs:fontRef idx="minor">
-      <a:schemeClr val="tx1"/>
-    </cs:fontRef>
-    <cs:spPr>
-      <a:ln w="19050" cap="rnd">
-        <a:solidFill>
-          <a:schemeClr val="phClr"/>
-        </a:solidFill>
-        <a:prstDash val="sysDot"/>
-      </a:ln>
-    </cs:spPr>
-  </cs:trendline>
-  <cs:trendlineLabel>
-    <cs:lnRef idx="0"/>
-    <cs:fillRef idx="0"/>
-    <cs:effectRef idx="0"/>
-    <cs:fontRef idx="minor">
-      <a:schemeClr val="tx1">
-        <a:lumMod val="65000"/>
-        <a:lumOff val="35000"/>
-      </a:schemeClr>
-    </cs:fontRef>
-    <cs:defRPr sz="1197" kern="1200"/>
-  </cs:trendlineLabel>
-  <cs:upBar>
-    <cs:lnRef idx="0"/>
-    <cs:fillRef idx="0"/>
-    <cs:effectRef idx="0"/>
-    <cs:fontRef idx="minor">
-      <a:schemeClr val="dk1"/>
-    </cs:fontRef>
-    <cs:spPr>
-      <a:solidFill>
-        <a:schemeClr val="lt1"/>
-      </a:solidFill>
-      <a:ln w="9525">
-        <a:solidFill>
-          <a:schemeClr val="tx1">
-            <a:lumMod val="15000"/>
-            <a:lumOff val="85000"/>
-          </a:schemeClr>
-        </a:solidFill>
-      </a:ln>
-    </cs:spPr>
-  </cs:upBar>
-  <cs:valueAxis>
-    <cs:lnRef idx="0"/>
-    <cs:fillRef idx="0"/>
-    <cs:effectRef idx="0"/>
-    <cs:fontRef idx="minor">
-      <a:schemeClr val="tx1">
-        <a:lumMod val="65000"/>
-        <a:lumOff val="35000"/>
-      </a:schemeClr>
-    </cs:fontRef>
-    <cs:defRPr sz="1197" kern="1200"/>
-  </cs:valueAxis>
-  <cs:wall>
-    <cs:lnRef idx="0"/>
-    <cs:fillRef idx="0"/>
-    <cs:effectRef idx="0"/>
-    <cs:fontRef idx="minor">
-      <a:schemeClr val="tx1"/>
-    </cs:fontRef>
-    <cs:spPr>
-      <a:noFill/>
-      <a:ln>
-        <a:noFill/>
-      </a:ln>
-    </cs:spPr>
-  </cs:wall>
-</cs:chartStyle>
-</file>
-
 <file path=ppt/notesMasters/notesMaster1.xml><?xml version="1.0" encoding="utf-8"?>
 <p:notesMaster xmlns:a="http://schemas.openxmlformats.org/drawingml/2006/main" xmlns:r="http://schemas.openxmlformats.org/officeDocument/2006/relationships" xmlns:p="http://schemas.openxmlformats.org/presentationml/2006/main">
   <p:cSld>
@@ -1210,7 +208,7 @@
           <a:p>
             <a:fld id="{D0122DAE-40C7-2D42-B6C8-B9C4D6CB2DF1}" type="datetimeFigureOut">
               <a:rPr lang="en-US" smtClean="0"/>
-              <a:t>8/16/20</a:t>
+              <a:t>8/17/20</a:t>
             </a:fld>
             <a:endParaRPr lang="en-US"/>
           </a:p>
@@ -1708,7 +706,7 @@
           <a:p>
             <a:fld id="{985D6BDF-9D0E-4E2B-85B8-D8F4790360C9}" type="datetimeFigureOut">
               <a:rPr lang="en-US" smtClean="0"/>
-              <a:t>8/15/20</a:t>
+              <a:t>8/17/20</a:t>
             </a:fld>
             <a:endParaRPr lang="en-US" dirty="0"/>
           </a:p>
@@ -1906,7 +904,7 @@
           <a:p>
             <a:fld id="{985D6BDF-9D0E-4E2B-85B8-D8F4790360C9}" type="datetimeFigureOut">
               <a:rPr lang="en-US" smtClean="0"/>
-              <a:t>8/15/20</a:t>
+              <a:t>8/17/20</a:t>
             </a:fld>
             <a:endParaRPr lang="en-US" dirty="0"/>
           </a:p>
@@ -2114,7 +1112,7 @@
           <a:p>
             <a:fld id="{985D6BDF-9D0E-4E2B-85B8-D8F4790360C9}" type="datetimeFigureOut">
               <a:rPr lang="en-US" smtClean="0"/>
-              <a:t>8/15/20</a:t>
+              <a:t>8/17/20</a:t>
             </a:fld>
             <a:endParaRPr lang="en-US" dirty="0"/>
           </a:p>
@@ -3795,7 +2793,7 @@
           <a:p>
             <a:fld id="{985D6BDF-9D0E-4E2B-85B8-D8F4790360C9}" type="datetimeFigureOut">
               <a:rPr lang="en-US" smtClean="0"/>
-              <a:t>8/15/20</a:t>
+              <a:t>8/17/20</a:t>
             </a:fld>
             <a:endParaRPr lang="en-US" dirty="0"/>
           </a:p>
@@ -4070,7 +3068,7 @@
           <a:p>
             <a:fld id="{985D6BDF-9D0E-4E2B-85B8-D8F4790360C9}" type="datetimeFigureOut">
               <a:rPr lang="en-US" smtClean="0"/>
-              <a:t>8/15/20</a:t>
+              <a:t>8/17/20</a:t>
             </a:fld>
             <a:endParaRPr lang="en-US" dirty="0"/>
           </a:p>
@@ -4335,7 +3333,7 @@
           <a:p>
             <a:fld id="{985D6BDF-9D0E-4E2B-85B8-D8F4790360C9}" type="datetimeFigureOut">
               <a:rPr lang="en-US" smtClean="0"/>
-              <a:t>8/15/20</a:t>
+              <a:t>8/17/20</a:t>
             </a:fld>
             <a:endParaRPr lang="en-US" dirty="0"/>
           </a:p>
@@ -4747,7 +3745,7 @@
           <a:p>
             <a:fld id="{985D6BDF-9D0E-4E2B-85B8-D8F4790360C9}" type="datetimeFigureOut">
               <a:rPr lang="en-US" smtClean="0"/>
-              <a:t>8/15/20</a:t>
+              <a:t>8/17/20</a:t>
             </a:fld>
             <a:endParaRPr lang="en-US" dirty="0"/>
           </a:p>
@@ -4888,7 +3886,7 @@
           <a:p>
             <a:fld id="{985D6BDF-9D0E-4E2B-85B8-D8F4790360C9}" type="datetimeFigureOut">
               <a:rPr lang="en-US" smtClean="0"/>
-              <a:t>8/15/20</a:t>
+              <a:t>8/17/20</a:t>
             </a:fld>
             <a:endParaRPr lang="en-US" dirty="0"/>
           </a:p>
@@ -5001,7 +3999,7 @@
           <a:p>
             <a:fld id="{985D6BDF-9D0E-4E2B-85B8-D8F4790360C9}" type="datetimeFigureOut">
               <a:rPr lang="en-US" smtClean="0"/>
-              <a:t>8/15/20</a:t>
+              <a:t>8/17/20</a:t>
             </a:fld>
             <a:endParaRPr lang="en-US" dirty="0"/>
           </a:p>
@@ -5312,7 +4310,7 @@
           <a:p>
             <a:fld id="{985D6BDF-9D0E-4E2B-85B8-D8F4790360C9}" type="datetimeFigureOut">
               <a:rPr lang="en-US" smtClean="0"/>
-              <a:t>8/15/20</a:t>
+              <a:t>8/17/20</a:t>
             </a:fld>
             <a:endParaRPr lang="en-US" dirty="0"/>
           </a:p>
@@ -5600,7 +4598,7 @@
           <a:p>
             <a:fld id="{985D6BDF-9D0E-4E2B-85B8-D8F4790360C9}" type="datetimeFigureOut">
               <a:rPr lang="en-US" smtClean="0"/>
-              <a:t>8/15/20</a:t>
+              <a:t>8/17/20</a:t>
             </a:fld>
             <a:endParaRPr lang="en-US" dirty="0"/>
           </a:p>
@@ -5841,7 +4839,7 @@
           <a:p>
             <a:fld id="{985D6BDF-9D0E-4E2B-85B8-D8F4790360C9}" type="datetimeFigureOut">
               <a:rPr lang="en-US" smtClean="0"/>
-              <a:t>8/15/20</a:t>
+              <a:t>8/17/20</a:t>
             </a:fld>
             <a:endParaRPr lang="en-US" dirty="0"/>
           </a:p>
@@ -7337,7 +6335,7 @@
                 <a:latin typeface="Avenir Book" panose="02000503020000020003" pitchFamily="2" charset="0"/>
                 <a:ea typeface="Cambria Math" panose="02040503050406030204" pitchFamily="18" charset="0"/>
               </a:rPr>
-              <a:t>We are also able to show ATP life extension via the ATP synthase model. The three main components of this model are ATP synthesis via ATP synthase, proton gradient maintenance via a proton pump, and ATP use (that is representative of ATP consumed by TX/TL). When we compare the simulation with ATP synthase + ATP use vs ATP use only (Fig 5a), we see that there is a very short ATP life extension event. Then, when we include the proton pump, ATP is completely regenerated and can reach a higher steady state (Fig 5b). </a:t>
+              <a:t>We are also able to show ATP life extension via the ATP synthase model. The three main components of this model are ATP synthesis via ATP synthase, proton gradient maintenance via a proton pump, and ATP use (that is representative of ATP consumed by TX/TL). When we compare the simulation with ATP synthase + ATP use vs ATP use only (Fig 5a), we see that there is practically no ATP life extension (the lines completely overlap). Then, when we include the proton pump, ATP is completely regenerated and can reach a higher steady state (Fig 5b). </a:t>
             </a:r>
           </a:p>
         </p:txBody>
@@ -7686,7 +6684,7 @@
         <p:spPr bwMode="auto">
           <a:xfrm>
             <a:off x="26883360" y="15643296"/>
-            <a:ext cx="11704320" cy="6247840"/>
+            <a:ext cx="11704320" cy="9202495"/>
           </a:xfrm>
           <a:prstGeom prst="rect">
             <a:avLst/>
@@ -7840,21 +6838,55 @@
                 <a:latin typeface="Avenir Book" panose="02000503020000020003" pitchFamily="2" charset="0"/>
                 <a:ea typeface="Cambria Math" panose="02040503050406030204" pitchFamily="18" charset="0"/>
               </a:rPr>
-              <a:t> (IIT Delhi) single-stranded DNA (ssDNA) export model. Her model included the integration of a membrane protein (VirE2) by which ssDNA could be exported. We can see that when the ATP rheostat model is combined with the export model, there is more bound VirE2 and faster ssDNA export. We notice more significant effects when combined with the ATP synthase model since the self-sufficient capability of </a:t>
-            </a:r>
-            <a:r>
-              <a:rPr lang="en-US" sz="3200">
-                <a:latin typeface="Avenir Book" panose="02000503020000020003" pitchFamily="2" charset="0"/>
-                <a:ea typeface="Cambria Math" panose="02040503050406030204" pitchFamily="18" charset="0"/>
-              </a:rPr>
-              <a:t>this model ensure </a:t>
-            </a:r>
+              <a:t> (IIT Delhi) single-stranded DNA (ssDNA) export model. Her model included the integration of a membrane protein (VirE2) by which ssDNA could be exported. We notice that when both the ATP rheostat model is combined with the export model, there is more bound VirE2 and faster ssDNA export (Fig 6b). We notice more significant effects when combined with the ATP synthase model since the self-sufficient capability of this model ensure a longer timeline of ATP life extension (Fig 6c). </a:t>
+            </a:r>
+          </a:p>
+          <a:p>
+            <a:pPr eaLnBrk="1" hangingPunct="1"/>
             <a:r>
               <a:rPr lang="en-US" sz="3200" dirty="0">
                 <a:latin typeface="Avenir Book" panose="02000503020000020003" pitchFamily="2" charset="0"/>
                 <a:ea typeface="Cambria Math" panose="02040503050406030204" pitchFamily="18" charset="0"/>
               </a:rPr>
-              <a:t>a longer timeline of ATP life extension.</a:t>
+              <a:t>We also investigated how the ATP synthase model may be effected by different temperatures – A collaboration with </a:t>
+            </a:r>
+            <a:r>
+              <a:rPr lang="en-US" sz="3200" dirty="0" err="1">
+                <a:latin typeface="Avenir Book" panose="02000503020000020003" pitchFamily="2" charset="0"/>
+                <a:ea typeface="Cambria Math" panose="02040503050406030204" pitchFamily="18" charset="0"/>
+              </a:rPr>
+              <a:t>Ayush</a:t>
+            </a:r>
+            <a:r>
+              <a:rPr lang="en-US" sz="3200" dirty="0">
+                <a:latin typeface="Avenir Book" panose="02000503020000020003" pitchFamily="2" charset="0"/>
+                <a:ea typeface="Cambria Math" panose="02040503050406030204" pitchFamily="18" charset="0"/>
+              </a:rPr>
+              <a:t> Venkatesh </a:t>
+            </a:r>
+            <a:r>
+              <a:rPr lang="en-US" sz="3200" dirty="0" err="1">
+                <a:latin typeface="Avenir Book" panose="02000503020000020003" pitchFamily="2" charset="0"/>
+                <a:ea typeface="Cambria Math" panose="02040503050406030204" pitchFamily="18" charset="0"/>
+              </a:rPr>
+              <a:t>Bindlish’s</a:t>
+            </a:r>
+            <a:r>
+              <a:rPr lang="en-US" sz="3200" dirty="0">
+                <a:latin typeface="Avenir Book" panose="02000503020000020003" pitchFamily="2" charset="0"/>
+                <a:ea typeface="Cambria Math" panose="02040503050406030204" pitchFamily="18" charset="0"/>
+              </a:rPr>
+              <a:t> Model (IIT Delhi). Results are shown in Figure 7. </a:t>
+            </a:r>
+          </a:p>
+          <a:p>
+            <a:pPr eaLnBrk="1" hangingPunct="1"/>
+            <a:r>
+              <a:rPr lang="en-US" sz="3200" dirty="0">
+                <a:latin typeface="Avenir Book" panose="02000503020000020003" pitchFamily="2" charset="0"/>
+                <a:ea typeface="Cambria Math" panose="02040503050406030204" pitchFamily="18" charset="0"/>
+              </a:rPr>
+              <a:t>Going forward, it will be useful to validate and test these claims with experiments.</a:t>
             </a:r>
           </a:p>
         </p:txBody>
@@ -7928,7 +6960,7 @@
         <p:spPr bwMode="auto">
           <a:xfrm>
             <a:off x="26883360" y="25968960"/>
-            <a:ext cx="11704320" cy="7725167"/>
+            <a:ext cx="11704320" cy="830972"/>
           </a:xfrm>
           <a:prstGeom prst="rect">
             <a:avLst/>
@@ -8050,63 +7082,16 @@
           <a:p>
             <a:pPr eaLnBrk="1" hangingPunct="1"/>
             <a:r>
-              <a:rPr lang="en-US" sz="3200" dirty="0">
+              <a:rPr lang="en-US" sz="3200">
                 <a:latin typeface="Avenir Book" panose="02000503020000020003" pitchFamily="2" charset="0"/>
                 <a:ea typeface="Cambria Math" panose="02040503050406030204" pitchFamily="18" charset="0"/>
               </a:rPr>
-              <a:t>Click here to insert your Conclusions text. Type it in or copy and paste from your Word document or other source.</a:t>
-            </a:r>
-          </a:p>
-          <a:p>
-            <a:pPr eaLnBrk="1" hangingPunct="1"/>
+              <a:t>In conclusion, we can </a:t>
+            </a:r>
             <a:endParaRPr lang="en-US" sz="3200" dirty="0">
               <a:latin typeface="Avenir Book" panose="02000503020000020003" pitchFamily="2" charset="0"/>
               <a:ea typeface="Cambria Math" panose="02040503050406030204" pitchFamily="18" charset="0"/>
             </a:endParaRPr>
-          </a:p>
-          <a:p>
-            <a:pPr eaLnBrk="1" hangingPunct="1"/>
-            <a:r>
-              <a:rPr lang="en-US" sz="3200" dirty="0">
-                <a:latin typeface="Avenir Book" panose="02000503020000020003" pitchFamily="2" charset="0"/>
-                <a:ea typeface="Cambria Math" panose="02040503050406030204" pitchFamily="18" charset="0"/>
-              </a:rPr>
-              <a:t>This text box will automatically re-size to your text. To turn off that feature, right click inside this box and go to Format Shape, Text Box, Autofit, and select the “Do Not Autofit” radio button.</a:t>
-            </a:r>
-          </a:p>
-          <a:p>
-            <a:pPr eaLnBrk="1" hangingPunct="1"/>
-            <a:endParaRPr lang="en-US" sz="3200" dirty="0">
-              <a:latin typeface="Avenir Book" panose="02000503020000020003" pitchFamily="2" charset="0"/>
-              <a:ea typeface="Cambria Math" panose="02040503050406030204" pitchFamily="18" charset="0"/>
-            </a:endParaRPr>
-          </a:p>
-          <a:p>
-            <a:pPr eaLnBrk="1" hangingPunct="1"/>
-            <a:r>
-              <a:rPr lang="en-US" sz="3200" dirty="0">
-                <a:latin typeface="Avenir Book" panose="02000503020000020003" pitchFamily="2" charset="0"/>
-                <a:ea typeface="Cambria Math" panose="02040503050406030204" pitchFamily="18" charset="0"/>
-              </a:rPr>
-              <a:t>To change the font style of this text box: Click on the border once to highlight the entire text box, then select a different font or font size that suits you. This text is Calibri 32pt and is easily read up to 5 feet away on a 44x44 poster.</a:t>
-            </a:r>
-          </a:p>
-          <a:p>
-            <a:pPr eaLnBrk="1" hangingPunct="1"/>
-            <a:endParaRPr lang="en-US" sz="3200" dirty="0">
-              <a:latin typeface="Avenir Book" panose="02000503020000020003" pitchFamily="2" charset="0"/>
-              <a:ea typeface="Cambria Math" panose="02040503050406030204" pitchFamily="18" charset="0"/>
-            </a:endParaRPr>
-          </a:p>
-          <a:p>
-            <a:pPr eaLnBrk="1" hangingPunct="1"/>
-            <a:r>
-              <a:rPr lang="en-US" sz="3200" dirty="0">
-                <a:latin typeface="Avenir Book" panose="02000503020000020003" pitchFamily="2" charset="0"/>
-                <a:ea typeface="Cambria Math" panose="02040503050406030204" pitchFamily="18" charset="0"/>
-              </a:rPr>
-              <a:t>Zoom out to 100% to preview what this will look like on your printed poster.</a:t>
-            </a:r>
           </a:p>
         </p:txBody>
       </p:sp>
@@ -8709,170 +7694,6 @@
                 <a:ea typeface="Cambria Math" panose="02040503050406030204" pitchFamily="18" charset="0"/>
               </a:rPr>
               <a:t>Figure 2. ATP Synthase (purple) Model schematic. We include a proton pump (green) to maintain the proton gradient</a:t>
-            </a:r>
-          </a:p>
-        </p:txBody>
-      </p:sp>
-      <p:sp>
-        <p:nvSpPr>
-          <p:cNvPr id="37" name="Text Box 180"/>
-          <p:cNvSpPr txBox="1">
-            <a:spLocks noChangeArrowheads="1"/>
-          </p:cNvSpPr>
-          <p:nvPr/>
-        </p:nvSpPr>
-        <p:spPr bwMode="auto">
-          <a:xfrm>
-            <a:off x="26722883" y="14173200"/>
-            <a:ext cx="4877285" cy="515520"/>
-          </a:xfrm>
-          <a:prstGeom prst="rect">
-            <a:avLst/>
-          </a:prstGeom>
-          <a:noFill/>
-          <a:ln>
-            <a:noFill/>
-          </a:ln>
-          <a:effectLst/>
-          <a:extLst>
-            <a:ext uri="{909E8E84-426E-40DD-AFC4-6F175D3DCCD1}">
-              <a14:hiddenFill xmlns:a14="http://schemas.microsoft.com/office/drawing/2010/main">
-                <a:solidFill>
-                  <a:schemeClr val="accent1"/>
-                </a:solidFill>
-              </a14:hiddenFill>
-            </a:ext>
-            <a:ext uri="{91240B29-F687-4F45-9708-019B960494DF}">
-              <a14:hiddenLine xmlns:a14="http://schemas.microsoft.com/office/drawing/2010/main" w="9525">
-                <a:solidFill>
-                  <a:schemeClr val="tx1"/>
-                </a:solidFill>
-                <a:miter lim="800000"/>
-                <a:headEnd/>
-                <a:tailEnd/>
-              </a14:hiddenLine>
-            </a:ext>
-            <a:ext uri="{AF507438-7753-43E0-B8FC-AC1667EBCBE1}">
-              <a14:hiddenEffects xmlns:a14="http://schemas.microsoft.com/office/drawing/2010/main">
-                <a:effectLst>
-                  <a:outerShdw dist="35921" dir="2700000" algn="ctr" rotWithShape="0">
-                    <a:schemeClr val="bg2"/>
-                  </a:outerShdw>
-                </a:effectLst>
-              </a14:hiddenEffects>
-            </a:ext>
-          </a:extLst>
-        </p:spPr>
-        <p:txBody>
-          <a:bodyPr wrap="none" lIns="83814" tIns="41907" rIns="83814" bIns="41907">
-            <a:spAutoFit/>
-          </a:bodyPr>
-          <a:lstStyle>
-            <a:lvl1pPr defTabSz="4389438" eaLnBrk="0" hangingPunct="0">
-              <a:defRPr sz="2200">
-                <a:solidFill>
-                  <a:schemeClr val="tx1"/>
-                </a:solidFill>
-                <a:latin typeface="Arial" charset="0"/>
-              </a:defRPr>
-            </a:lvl1pPr>
-            <a:lvl2pPr marL="742950" indent="-285750" defTabSz="4389438" eaLnBrk="0" hangingPunct="0">
-              <a:defRPr sz="2200">
-                <a:solidFill>
-                  <a:schemeClr val="tx1"/>
-                </a:solidFill>
-                <a:latin typeface="Arial" charset="0"/>
-              </a:defRPr>
-            </a:lvl2pPr>
-            <a:lvl3pPr marL="1143000" indent="-228600" defTabSz="4389438" eaLnBrk="0" hangingPunct="0">
-              <a:defRPr sz="2200">
-                <a:solidFill>
-                  <a:schemeClr val="tx1"/>
-                </a:solidFill>
-                <a:latin typeface="Arial" charset="0"/>
-              </a:defRPr>
-            </a:lvl3pPr>
-            <a:lvl4pPr marL="1600200" indent="-228600" defTabSz="4389438" eaLnBrk="0" hangingPunct="0">
-              <a:defRPr sz="2200">
-                <a:solidFill>
-                  <a:schemeClr val="tx1"/>
-                </a:solidFill>
-                <a:latin typeface="Arial" charset="0"/>
-              </a:defRPr>
-            </a:lvl4pPr>
-            <a:lvl5pPr marL="2057400" indent="-228600" defTabSz="4389438" eaLnBrk="0" hangingPunct="0">
-              <a:defRPr sz="2200">
-                <a:solidFill>
-                  <a:schemeClr val="tx1"/>
-                </a:solidFill>
-                <a:latin typeface="Arial" charset="0"/>
-              </a:defRPr>
-            </a:lvl5pPr>
-            <a:lvl6pPr marL="2514600" indent="-228600" defTabSz="4389438" eaLnBrk="0" fontAlgn="base" hangingPunct="0">
-              <a:spcBef>
-                <a:spcPct val="0"/>
-              </a:spcBef>
-              <a:spcAft>
-                <a:spcPct val="0"/>
-              </a:spcAft>
-              <a:defRPr sz="2200">
-                <a:solidFill>
-                  <a:schemeClr val="tx1"/>
-                </a:solidFill>
-                <a:latin typeface="Arial" charset="0"/>
-              </a:defRPr>
-            </a:lvl6pPr>
-            <a:lvl7pPr marL="2971800" indent="-228600" defTabSz="4389438" eaLnBrk="0" fontAlgn="base" hangingPunct="0">
-              <a:spcBef>
-                <a:spcPct val="0"/>
-              </a:spcBef>
-              <a:spcAft>
-                <a:spcPct val="0"/>
-              </a:spcAft>
-              <a:defRPr sz="2200">
-                <a:solidFill>
-                  <a:schemeClr val="tx1"/>
-                </a:solidFill>
-                <a:latin typeface="Arial" charset="0"/>
-              </a:defRPr>
-            </a:lvl7pPr>
-            <a:lvl8pPr marL="3429000" indent="-228600" defTabSz="4389438" eaLnBrk="0" fontAlgn="base" hangingPunct="0">
-              <a:spcBef>
-                <a:spcPct val="0"/>
-              </a:spcBef>
-              <a:spcAft>
-                <a:spcPct val="0"/>
-              </a:spcAft>
-              <a:defRPr sz="2200">
-                <a:solidFill>
-                  <a:schemeClr val="tx1"/>
-                </a:solidFill>
-                <a:latin typeface="Arial" charset="0"/>
-              </a:defRPr>
-            </a:lvl8pPr>
-            <a:lvl9pPr marL="3886200" indent="-228600" defTabSz="4389438" eaLnBrk="0" fontAlgn="base" hangingPunct="0">
-              <a:spcBef>
-                <a:spcPct val="0"/>
-              </a:spcBef>
-              <a:spcAft>
-                <a:spcPct val="0"/>
-              </a:spcAft>
-              <a:defRPr sz="2200">
-                <a:solidFill>
-                  <a:schemeClr val="tx1"/>
-                </a:solidFill>
-                <a:latin typeface="Arial" charset="0"/>
-              </a:defRPr>
-            </a:lvl9pPr>
-          </a:lstStyle>
-          <a:p>
-            <a:pPr algn="ctr" eaLnBrk="1" hangingPunct="1"/>
-            <a:r>
-              <a:rPr lang="en-US" sz="2800" dirty="0">
-                <a:latin typeface="Avenir Book" panose="02000503020000020003" pitchFamily="2" charset="0"/>
-                <a:ea typeface="Cambria Math" panose="02040503050406030204" pitchFamily="18" charset="0"/>
-              </a:rPr>
-              <a:t>Chart 1. Label in 28pt Calibri.</a:t>
             </a:r>
           </a:p>
         </p:txBody>
@@ -9019,34 +7840,6 @@
           </a:p>
         </p:txBody>
       </p:sp>
-      <p:graphicFrame>
-        <p:nvGraphicFramePr>
-          <p:cNvPr id="7" name="Chart 6">
-            <a:extLst>
-              <a:ext uri="{FF2B5EF4-FFF2-40B4-BE49-F238E27FC236}">
-                <a16:creationId xmlns:a16="http://schemas.microsoft.com/office/drawing/2014/main" id="{BDE82497-42F6-495D-8190-57BD5FE8396B}"/>
-              </a:ext>
-            </a:extLst>
-          </p:cNvPr>
-          <p:cNvGraphicFramePr/>
-          <p:nvPr>
-            <p:extLst>
-              <p:ext uri="{D42A27DB-BD31-4B8C-83A1-F6EECF244321}">
-                <p14:modId xmlns:p14="http://schemas.microsoft.com/office/powerpoint/2010/main" val="2432932450"/>
-              </p:ext>
-            </p:extLst>
-          </p:nvPr>
-        </p:nvGraphicFramePr>
-        <p:xfrm>
-          <a:off x="26883360" y="5852159"/>
-          <a:ext cx="11704320" cy="8271153"/>
-        </p:xfrm>
-        <a:graphic>
-          <a:graphicData uri="http://schemas.openxmlformats.org/drawingml/2006/chart">
-            <c:chart xmlns:c="http://schemas.openxmlformats.org/drawingml/2006/chart" xmlns:r="http://schemas.openxmlformats.org/officeDocument/2006/relationships" r:id="rId4"/>
-          </a:graphicData>
-        </a:graphic>
-      </p:graphicFrame>
       <p:pic>
         <p:nvPicPr>
           <p:cNvPr id="38" name="Content Placeholder 4" descr="A close up of a map&#10;&#10;Description automatically generated">
@@ -9062,7 +7855,7 @@
           <p:nvPr/>
         </p:nvPicPr>
         <p:blipFill>
-          <a:blip r:embed="rId5"/>
+          <a:blip r:embed="rId4"/>
           <a:stretch>
             <a:fillRect/>
           </a:stretch>
@@ -9092,7 +7885,7 @@
           <p:nvPr/>
         </p:nvPicPr>
         <p:blipFill rotWithShape="1">
-          <a:blip r:embed="rId6"/>
+          <a:blip r:embed="rId5"/>
           <a:srcRect t="2418" b="3839"/>
           <a:stretch/>
         </p:blipFill>
@@ -9141,7 +7934,7 @@
             <p:nvPr/>
           </p:nvPicPr>
           <p:blipFill>
-            <a:blip r:embed="rId7">
+            <a:blip r:embed="rId6">
               <a:extLst>
                 <a:ext uri="{28A0092B-C50C-407E-A947-70E740481C1C}">
                   <a14:useLocalDpi xmlns:a14="http://schemas.microsoft.com/office/drawing/2010/main" val="0"/>
@@ -9177,7 +7970,7 @@
             <p:nvPr/>
           </p:nvPicPr>
           <p:blipFill>
-            <a:blip r:embed="rId8">
+            <a:blip r:embed="rId7">
               <a:extLst>
                 <a:ext uri="{28A0092B-C50C-407E-A947-70E740481C1C}">
                   <a14:useLocalDpi xmlns:a14="http://schemas.microsoft.com/office/drawing/2010/main" val="0"/>
@@ -9750,7 +8543,7 @@
             <p:nvPr/>
           </p:nvPicPr>
           <p:blipFill rotWithShape="1">
-            <a:blip r:embed="rId9">
+            <a:blip r:embed="rId8">
               <a:extLst>
                 <a:ext uri="{28A0092B-C50C-407E-A947-70E740481C1C}">
                   <a14:useLocalDpi xmlns:a14="http://schemas.microsoft.com/office/drawing/2010/main" val="0"/>
@@ -9966,66 +8759,6 @@
             <a:chExt cx="9913704" cy="5142743"/>
           </a:xfrm>
         </p:grpSpPr>
-        <p:pic>
-          <p:nvPicPr>
-            <p:cNvPr id="56" name="Picture 55" descr="A close up of a map&#10;&#10;Description automatically generated">
-              <a:extLst>
-                <a:ext uri="{FF2B5EF4-FFF2-40B4-BE49-F238E27FC236}">
-                  <a16:creationId xmlns:a16="http://schemas.microsoft.com/office/drawing/2014/main" id="{C9656AC4-33DD-DF40-B58D-1CF0B43DC12F}"/>
-                </a:ext>
-              </a:extLst>
-            </p:cNvPr>
-            <p:cNvPicPr>
-              <a:picLocks noChangeAspect="1"/>
-            </p:cNvPicPr>
-            <p:nvPr/>
-          </p:nvPicPr>
-          <p:blipFill>
-            <a:blip r:embed="rId10"/>
-            <a:stretch>
-              <a:fillRect/>
-            </a:stretch>
-          </p:blipFill>
-          <p:spPr>
-            <a:xfrm>
-              <a:off x="14858940" y="25799246"/>
-              <a:ext cx="4114800" cy="3200400"/>
-            </a:xfrm>
-            <a:prstGeom prst="rect">
-              <a:avLst/>
-            </a:prstGeom>
-          </p:spPr>
-        </p:pic>
-        <p:pic>
-          <p:nvPicPr>
-            <p:cNvPr id="57" name="Picture 56" descr="A close up of a map&#10;&#10;Description automatically generated">
-              <a:extLst>
-                <a:ext uri="{FF2B5EF4-FFF2-40B4-BE49-F238E27FC236}">
-                  <a16:creationId xmlns:a16="http://schemas.microsoft.com/office/drawing/2014/main" id="{B34CAA61-8FA0-BE46-AB38-AEDA279824F7}"/>
-                </a:ext>
-              </a:extLst>
-            </p:cNvPr>
-            <p:cNvPicPr>
-              <a:picLocks noChangeAspect="1"/>
-            </p:cNvPicPr>
-            <p:nvPr/>
-          </p:nvPicPr>
-          <p:blipFill>
-            <a:blip r:embed="rId11"/>
-            <a:stretch>
-              <a:fillRect/>
-            </a:stretch>
-          </p:blipFill>
-          <p:spPr>
-            <a:xfrm>
-              <a:off x="19827620" y="25799246"/>
-              <a:ext cx="4114800" cy="3200400"/>
-            </a:xfrm>
-            <a:prstGeom prst="rect">
-              <a:avLst/>
-            </a:prstGeom>
-          </p:spPr>
-        </p:pic>
         <p:sp>
           <p:nvSpPr>
             <p:cNvPr id="58" name="Text Box 181">
@@ -10541,6 +9274,953 @@
                 <a:latin typeface="Avenir Book" panose="02000503020000020003" pitchFamily="2" charset="0"/>
                 <a:ea typeface="Cambria Math" panose="02040503050406030204" pitchFamily="18" charset="0"/>
               </a:endParaRPr>
+            </a:p>
+          </p:txBody>
+        </p:sp>
+      </p:grpSp>
+      <p:sp>
+        <p:nvSpPr>
+          <p:cNvPr id="17" name="TextBox 16">
+            <a:extLst>
+              <a:ext uri="{FF2B5EF4-FFF2-40B4-BE49-F238E27FC236}">
+                <a16:creationId xmlns:a16="http://schemas.microsoft.com/office/drawing/2014/main" id="{7EE6C876-5643-0142-8E67-37E35A8E0DE9}"/>
+              </a:ext>
+            </a:extLst>
+          </p:cNvPr>
+          <p:cNvSpPr txBox="1"/>
+          <p:nvPr/>
+        </p:nvSpPr>
+        <p:spPr>
+          <a:xfrm>
+            <a:off x="30202864" y="6858560"/>
+            <a:ext cx="185332" cy="1066800"/>
+          </a:xfrm>
+          <a:prstGeom prst="rect">
+            <a:avLst/>
+          </a:prstGeom>
+          <a:solidFill>
+            <a:schemeClr val="bg1"/>
+          </a:solidFill>
+        </p:spPr>
+        <p:txBody>
+          <a:bodyPr wrap="square" rtlCol="0">
+            <a:spAutoFit/>
+          </a:bodyPr>
+          <a:lstStyle/>
+          <a:p>
+            <a:endParaRPr lang="en-US" dirty="0"/>
+          </a:p>
+        </p:txBody>
+      </p:sp>
+      <p:pic>
+        <p:nvPicPr>
+          <p:cNvPr id="53" name="Picture 52" descr="A screenshot of a cell phone&#10;&#10;Description automatically generated">
+            <a:extLst>
+              <a:ext uri="{FF2B5EF4-FFF2-40B4-BE49-F238E27FC236}">
+                <a16:creationId xmlns:a16="http://schemas.microsoft.com/office/drawing/2014/main" id="{5CE8EB38-8AB1-C94A-A645-3EC1E9582683}"/>
+              </a:ext>
+            </a:extLst>
+          </p:cNvPr>
+          <p:cNvPicPr>
+            <a:picLocks noChangeAspect="1"/>
+          </p:cNvPicPr>
+          <p:nvPr/>
+        </p:nvPicPr>
+        <p:blipFill>
+          <a:blip r:embed="rId9"/>
+          <a:stretch>
+            <a:fillRect/>
+          </a:stretch>
+        </p:blipFill>
+        <p:spPr>
+          <a:xfrm>
+            <a:off x="15428220" y="30317022"/>
+            <a:ext cx="4338175" cy="3374136"/>
+          </a:xfrm>
+          <a:prstGeom prst="rect">
+            <a:avLst/>
+          </a:prstGeom>
+        </p:spPr>
+      </p:pic>
+      <p:pic>
+        <p:nvPicPr>
+          <p:cNvPr id="61" name="Picture 60" descr="A close up of a map&#10;&#10;Description automatically generated">
+            <a:extLst>
+              <a:ext uri="{FF2B5EF4-FFF2-40B4-BE49-F238E27FC236}">
+                <a16:creationId xmlns:a16="http://schemas.microsoft.com/office/drawing/2014/main" id="{C8E4831D-234E-6E4F-940D-7532739007AE}"/>
+              </a:ext>
+            </a:extLst>
+          </p:cNvPr>
+          <p:cNvPicPr>
+            <a:picLocks noChangeAspect="1"/>
+          </p:cNvPicPr>
+          <p:nvPr/>
+        </p:nvPicPr>
+        <p:blipFill>
+          <a:blip r:embed="rId10"/>
+          <a:stretch>
+            <a:fillRect/>
+          </a:stretch>
+        </p:blipFill>
+        <p:spPr>
+          <a:xfrm>
+            <a:off x="20239474" y="30317022"/>
+            <a:ext cx="4220610" cy="3282696"/>
+          </a:xfrm>
+          <a:prstGeom prst="rect">
+            <a:avLst/>
+          </a:prstGeom>
+        </p:spPr>
+      </p:pic>
+      <p:sp>
+        <p:nvSpPr>
+          <p:cNvPr id="18" name="TextBox 17">
+            <a:extLst>
+              <a:ext uri="{FF2B5EF4-FFF2-40B4-BE49-F238E27FC236}">
+                <a16:creationId xmlns:a16="http://schemas.microsoft.com/office/drawing/2014/main" id="{75A2B7C1-D945-8148-BE50-06D9A2CB308A}"/>
+              </a:ext>
+            </a:extLst>
+          </p:cNvPr>
+          <p:cNvSpPr txBox="1"/>
+          <p:nvPr/>
+        </p:nvSpPr>
+        <p:spPr>
+          <a:xfrm>
+            <a:off x="26883360" y="6125653"/>
+            <a:ext cx="1920240" cy="253916"/>
+          </a:xfrm>
+          <a:prstGeom prst="rect">
+            <a:avLst/>
+          </a:prstGeom>
+          <a:solidFill>
+            <a:schemeClr val="bg1"/>
+          </a:solidFill>
+        </p:spPr>
+        <p:txBody>
+          <a:bodyPr wrap="square" rtlCol="0">
+            <a:spAutoFit/>
+          </a:bodyPr>
+          <a:lstStyle/>
+          <a:p>
+            <a:r>
+              <a:rPr lang="en-US" sz="1050" dirty="0">
+                <a:latin typeface="Avenir Book" panose="02000503020000020003" pitchFamily="2" charset="0"/>
+              </a:rPr>
+              <a:t>ssDNA export original</a:t>
+            </a:r>
+          </a:p>
+        </p:txBody>
+      </p:sp>
+      <p:sp>
+        <p:nvSpPr>
+          <p:cNvPr id="62" name="TextBox 61">
+            <a:extLst>
+              <a:ext uri="{FF2B5EF4-FFF2-40B4-BE49-F238E27FC236}">
+                <a16:creationId xmlns:a16="http://schemas.microsoft.com/office/drawing/2014/main" id="{F6EE586C-0906-8E48-A2CD-9872F8CE89DF}"/>
+              </a:ext>
+            </a:extLst>
+          </p:cNvPr>
+          <p:cNvSpPr txBox="1"/>
+          <p:nvPr/>
+        </p:nvSpPr>
+        <p:spPr>
+          <a:xfrm>
+            <a:off x="30388196" y="6100344"/>
+            <a:ext cx="2454004" cy="253916"/>
+          </a:xfrm>
+          <a:prstGeom prst="rect">
+            <a:avLst/>
+          </a:prstGeom>
+          <a:solidFill>
+            <a:schemeClr val="bg1"/>
+          </a:solidFill>
+        </p:spPr>
+        <p:txBody>
+          <a:bodyPr wrap="square" rtlCol="0">
+            <a:spAutoFit/>
+          </a:bodyPr>
+          <a:lstStyle/>
+          <a:p>
+            <a:r>
+              <a:rPr lang="en-US" sz="1050" dirty="0">
+                <a:latin typeface="Avenir Book" panose="02000503020000020003" pitchFamily="2" charset="0"/>
+              </a:rPr>
+              <a:t>ssDNA export with ATP Rheostat</a:t>
+            </a:r>
+          </a:p>
+        </p:txBody>
+      </p:sp>
+      <p:sp>
+        <p:nvSpPr>
+          <p:cNvPr id="63" name="TextBox 62">
+            <a:extLst>
+              <a:ext uri="{FF2B5EF4-FFF2-40B4-BE49-F238E27FC236}">
+                <a16:creationId xmlns:a16="http://schemas.microsoft.com/office/drawing/2014/main" id="{B47DDB47-BFB2-A748-956C-B04F4CD369A9}"/>
+              </a:ext>
+            </a:extLst>
+          </p:cNvPr>
+          <p:cNvSpPr txBox="1"/>
+          <p:nvPr/>
+        </p:nvSpPr>
+        <p:spPr>
+          <a:xfrm>
+            <a:off x="34061400" y="6100344"/>
+            <a:ext cx="3291840" cy="253916"/>
+          </a:xfrm>
+          <a:prstGeom prst="rect">
+            <a:avLst/>
+          </a:prstGeom>
+          <a:solidFill>
+            <a:schemeClr val="bg1"/>
+          </a:solidFill>
+        </p:spPr>
+        <p:txBody>
+          <a:bodyPr wrap="square" rtlCol="0">
+            <a:spAutoFit/>
+          </a:bodyPr>
+          <a:lstStyle/>
+          <a:p>
+            <a:r>
+              <a:rPr lang="en-US" sz="1050" dirty="0">
+                <a:latin typeface="Avenir Book" panose="02000503020000020003" pitchFamily="2" charset="0"/>
+              </a:rPr>
+              <a:t>ssDNA export with ATP Synthase and Proton Pump</a:t>
+            </a:r>
+          </a:p>
+        </p:txBody>
+      </p:sp>
+      <p:grpSp>
+        <p:nvGrpSpPr>
+          <p:cNvPr id="19" name="Group 18">
+            <a:extLst>
+              <a:ext uri="{FF2B5EF4-FFF2-40B4-BE49-F238E27FC236}">
+                <a16:creationId xmlns:a16="http://schemas.microsoft.com/office/drawing/2014/main" id="{52CAD185-3AAC-C041-8B9C-52C89B9D32B1}"/>
+              </a:ext>
+            </a:extLst>
+          </p:cNvPr>
+          <p:cNvGrpSpPr/>
+          <p:nvPr/>
+        </p:nvGrpSpPr>
+        <p:grpSpPr>
+          <a:xfrm>
+            <a:off x="26574234" y="5521265"/>
+            <a:ext cx="11779140" cy="5104223"/>
+            <a:chOff x="26574234" y="5521265"/>
+            <a:chExt cx="11779140" cy="5104223"/>
+          </a:xfrm>
+        </p:grpSpPr>
+        <p:sp>
+          <p:nvSpPr>
+            <p:cNvPr id="37" name="Text Box 180"/>
+            <p:cNvSpPr txBox="1">
+              <a:spLocks noChangeArrowheads="1"/>
+            </p:cNvSpPr>
+            <p:nvPr/>
+          </p:nvSpPr>
+          <p:spPr bwMode="auto">
+            <a:xfrm>
+              <a:off x="26649054" y="9063528"/>
+              <a:ext cx="11704320" cy="1561960"/>
+            </a:xfrm>
+            <a:prstGeom prst="rect">
+              <a:avLst/>
+            </a:prstGeom>
+            <a:noFill/>
+            <a:ln>
+              <a:noFill/>
+            </a:ln>
+            <a:effectLst/>
+            <a:extLst>
+              <a:ext uri="{909E8E84-426E-40DD-AFC4-6F175D3DCCD1}">
+                <a14:hiddenFill xmlns:a14="http://schemas.microsoft.com/office/drawing/2010/main">
+                  <a:solidFill>
+                    <a:schemeClr val="accent1"/>
+                  </a:solidFill>
+                </a14:hiddenFill>
+              </a:ext>
+              <a:ext uri="{91240B29-F687-4F45-9708-019B960494DF}">
+                <a14:hiddenLine xmlns:a14="http://schemas.microsoft.com/office/drawing/2010/main" w="9525">
+                  <a:solidFill>
+                    <a:schemeClr val="tx1"/>
+                  </a:solidFill>
+                  <a:miter lim="800000"/>
+                  <a:headEnd/>
+                  <a:tailEnd/>
+                </a14:hiddenLine>
+              </a:ext>
+              <a:ext uri="{AF507438-7753-43E0-B8FC-AC1667EBCBE1}">
+                <a14:hiddenEffects xmlns:a14="http://schemas.microsoft.com/office/drawing/2010/main">
+                  <a:effectLst>
+                    <a:outerShdw dist="35921" dir="2700000" algn="ctr" rotWithShape="0">
+                      <a:schemeClr val="bg2"/>
+                    </a:outerShdw>
+                  </a:effectLst>
+                </a14:hiddenEffects>
+              </a:ext>
+            </a:extLst>
+          </p:spPr>
+          <p:txBody>
+            <a:bodyPr wrap="square" lIns="83814" tIns="41907" rIns="83814" bIns="41907">
+              <a:spAutoFit/>
+            </a:bodyPr>
+            <a:lstStyle>
+              <a:lvl1pPr defTabSz="4389438" eaLnBrk="0" hangingPunct="0">
+                <a:defRPr sz="2200">
+                  <a:solidFill>
+                    <a:schemeClr val="tx1"/>
+                  </a:solidFill>
+                  <a:latin typeface="Arial" charset="0"/>
+                </a:defRPr>
+              </a:lvl1pPr>
+              <a:lvl2pPr marL="742950" indent="-285750" defTabSz="4389438" eaLnBrk="0" hangingPunct="0">
+                <a:defRPr sz="2200">
+                  <a:solidFill>
+                    <a:schemeClr val="tx1"/>
+                  </a:solidFill>
+                  <a:latin typeface="Arial" charset="0"/>
+                </a:defRPr>
+              </a:lvl2pPr>
+              <a:lvl3pPr marL="1143000" indent="-228600" defTabSz="4389438" eaLnBrk="0" hangingPunct="0">
+                <a:defRPr sz="2200">
+                  <a:solidFill>
+                    <a:schemeClr val="tx1"/>
+                  </a:solidFill>
+                  <a:latin typeface="Arial" charset="0"/>
+                </a:defRPr>
+              </a:lvl3pPr>
+              <a:lvl4pPr marL="1600200" indent="-228600" defTabSz="4389438" eaLnBrk="0" hangingPunct="0">
+                <a:defRPr sz="2200">
+                  <a:solidFill>
+                    <a:schemeClr val="tx1"/>
+                  </a:solidFill>
+                  <a:latin typeface="Arial" charset="0"/>
+                </a:defRPr>
+              </a:lvl4pPr>
+              <a:lvl5pPr marL="2057400" indent="-228600" defTabSz="4389438" eaLnBrk="0" hangingPunct="0">
+                <a:defRPr sz="2200">
+                  <a:solidFill>
+                    <a:schemeClr val="tx1"/>
+                  </a:solidFill>
+                  <a:latin typeface="Arial" charset="0"/>
+                </a:defRPr>
+              </a:lvl5pPr>
+              <a:lvl6pPr marL="2514600" indent="-228600" defTabSz="4389438" eaLnBrk="0" fontAlgn="base" hangingPunct="0">
+                <a:spcBef>
+                  <a:spcPct val="0"/>
+                </a:spcBef>
+                <a:spcAft>
+                  <a:spcPct val="0"/>
+                </a:spcAft>
+                <a:defRPr sz="2200">
+                  <a:solidFill>
+                    <a:schemeClr val="tx1"/>
+                  </a:solidFill>
+                  <a:latin typeface="Arial" charset="0"/>
+                </a:defRPr>
+              </a:lvl6pPr>
+              <a:lvl7pPr marL="2971800" indent="-228600" defTabSz="4389438" eaLnBrk="0" fontAlgn="base" hangingPunct="0">
+                <a:spcBef>
+                  <a:spcPct val="0"/>
+                </a:spcBef>
+                <a:spcAft>
+                  <a:spcPct val="0"/>
+                </a:spcAft>
+                <a:defRPr sz="2200">
+                  <a:solidFill>
+                    <a:schemeClr val="tx1"/>
+                  </a:solidFill>
+                  <a:latin typeface="Arial" charset="0"/>
+                </a:defRPr>
+              </a:lvl7pPr>
+              <a:lvl8pPr marL="3429000" indent="-228600" defTabSz="4389438" eaLnBrk="0" fontAlgn="base" hangingPunct="0">
+                <a:spcBef>
+                  <a:spcPct val="0"/>
+                </a:spcBef>
+                <a:spcAft>
+                  <a:spcPct val="0"/>
+                </a:spcAft>
+                <a:defRPr sz="2200">
+                  <a:solidFill>
+                    <a:schemeClr val="tx1"/>
+                  </a:solidFill>
+                  <a:latin typeface="Arial" charset="0"/>
+                </a:defRPr>
+              </a:lvl8pPr>
+              <a:lvl9pPr marL="3886200" indent="-228600" defTabSz="4389438" eaLnBrk="0" fontAlgn="base" hangingPunct="0">
+                <a:spcBef>
+                  <a:spcPct val="0"/>
+                </a:spcBef>
+                <a:spcAft>
+                  <a:spcPct val="0"/>
+                </a:spcAft>
+                <a:defRPr sz="2200">
+                  <a:solidFill>
+                    <a:schemeClr val="tx1"/>
+                  </a:solidFill>
+                  <a:latin typeface="Arial" charset="0"/>
+                </a:defRPr>
+              </a:lvl9pPr>
+            </a:lstStyle>
+            <a:p>
+              <a:pPr eaLnBrk="1" hangingPunct="1"/>
+              <a:r>
+                <a:rPr lang="en-US" sz="2400" dirty="0">
+                  <a:latin typeface="Avenir Book" panose="02000503020000020003" pitchFamily="2" charset="0"/>
+                  <a:ea typeface="Cambria Math" panose="02040503050406030204" pitchFamily="18" charset="0"/>
+                </a:rPr>
+                <a:t>Figure 6. Combination of ssDNA export and ATP life extension models. 6a) Original ssDNA export model. 6b) ssDNA export model with ATP Rheostat shows quicker ssDNA export and more bound VirE2. 6c) ssDNA export model with entire ATP synthase model shows quicker ssDNA export than original and more bound VirE2.</a:t>
+              </a:r>
+            </a:p>
+          </p:txBody>
+        </p:sp>
+        <p:pic>
+          <p:nvPicPr>
+            <p:cNvPr id="3" name="Picture 2" descr="A close up of a map&#10;&#10;Description automatically generated">
+              <a:extLst>
+                <a:ext uri="{FF2B5EF4-FFF2-40B4-BE49-F238E27FC236}">
+                  <a16:creationId xmlns:a16="http://schemas.microsoft.com/office/drawing/2014/main" id="{A2AF8A7D-91BD-A748-AABE-0692C3894B53}"/>
+                </a:ext>
+              </a:extLst>
+            </p:cNvPr>
+            <p:cNvPicPr>
+              <a:picLocks noChangeAspect="1"/>
+            </p:cNvPicPr>
+            <p:nvPr/>
+          </p:nvPicPr>
+          <p:blipFill>
+            <a:blip r:embed="rId11">
+              <a:extLst>
+                <a:ext uri="{28A0092B-C50C-407E-A947-70E740481C1C}">
+                  <a14:useLocalDpi xmlns:a14="http://schemas.microsoft.com/office/drawing/2010/main" val="0"/>
+                </a:ext>
+              </a:extLst>
+            </a:blip>
+            <a:stretch>
+              <a:fillRect/>
+            </a:stretch>
+          </p:blipFill>
+          <p:spPr>
+            <a:xfrm>
+              <a:off x="26615297" y="6125653"/>
+              <a:ext cx="3526971" cy="2743200"/>
+            </a:xfrm>
+            <a:prstGeom prst="rect">
+              <a:avLst/>
+            </a:prstGeom>
+          </p:spPr>
+        </p:pic>
+        <p:pic>
+          <p:nvPicPr>
+            <p:cNvPr id="8" name="Picture 7" descr="A close up of a map&#10;&#10;Description automatically generated">
+              <a:extLst>
+                <a:ext uri="{FF2B5EF4-FFF2-40B4-BE49-F238E27FC236}">
+                  <a16:creationId xmlns:a16="http://schemas.microsoft.com/office/drawing/2014/main" id="{0E5FC2E3-78A4-D041-96D3-CAF68111D46F}"/>
+                </a:ext>
+              </a:extLst>
+            </p:cNvPr>
+            <p:cNvPicPr>
+              <a:picLocks noChangeAspect="1"/>
+            </p:cNvPicPr>
+            <p:nvPr/>
+          </p:nvPicPr>
+          <p:blipFill>
+            <a:blip r:embed="rId12">
+              <a:extLst>
+                <a:ext uri="{28A0092B-C50C-407E-A947-70E740481C1C}">
+                  <a14:useLocalDpi xmlns:a14="http://schemas.microsoft.com/office/drawing/2010/main" val="0"/>
+                </a:ext>
+              </a:extLst>
+            </a:blip>
+            <a:stretch>
+              <a:fillRect/>
+            </a:stretch>
+          </p:blipFill>
+          <p:spPr>
+            <a:xfrm>
+              <a:off x="33779106" y="6125653"/>
+              <a:ext cx="3526971" cy="2743200"/>
+            </a:xfrm>
+            <a:prstGeom prst="rect">
+              <a:avLst/>
+            </a:prstGeom>
+          </p:spPr>
+        </p:pic>
+        <p:pic>
+          <p:nvPicPr>
+            <p:cNvPr id="49" name="Picture 48" descr="A close up of a map&#10;&#10;Description automatically generated">
+              <a:extLst>
+                <a:ext uri="{FF2B5EF4-FFF2-40B4-BE49-F238E27FC236}">
+                  <a16:creationId xmlns:a16="http://schemas.microsoft.com/office/drawing/2014/main" id="{5C201627-AF2B-DF47-93E9-5AA62B044DED}"/>
+                </a:ext>
+              </a:extLst>
+            </p:cNvPr>
+            <p:cNvPicPr>
+              <a:picLocks noChangeAspect="1"/>
+            </p:cNvPicPr>
+            <p:nvPr/>
+          </p:nvPicPr>
+          <p:blipFill>
+            <a:blip r:embed="rId13"/>
+            <a:stretch>
+              <a:fillRect/>
+            </a:stretch>
+          </p:blipFill>
+          <p:spPr>
+            <a:xfrm>
+              <a:off x="30236160" y="6125653"/>
+              <a:ext cx="3291840" cy="2743200"/>
+            </a:xfrm>
+            <a:prstGeom prst="rect">
+              <a:avLst/>
+            </a:prstGeom>
+          </p:spPr>
+        </p:pic>
+        <p:sp>
+          <p:nvSpPr>
+            <p:cNvPr id="64" name="TextBox 63">
+              <a:extLst>
+                <a:ext uri="{FF2B5EF4-FFF2-40B4-BE49-F238E27FC236}">
+                  <a16:creationId xmlns:a16="http://schemas.microsoft.com/office/drawing/2014/main" id="{14153557-282F-9540-8ED7-E68EDBCFB99F}"/>
+                </a:ext>
+              </a:extLst>
+            </p:cNvPr>
+            <p:cNvSpPr txBox="1"/>
+            <p:nvPr/>
+          </p:nvSpPr>
+          <p:spPr>
+            <a:xfrm>
+              <a:off x="26574234" y="5559229"/>
+              <a:ext cx="603955" cy="461665"/>
+            </a:xfrm>
+            <a:prstGeom prst="rect">
+              <a:avLst/>
+            </a:prstGeom>
+            <a:solidFill>
+              <a:schemeClr val="bg1"/>
+            </a:solidFill>
+          </p:spPr>
+          <p:txBody>
+            <a:bodyPr wrap="square" rtlCol="0">
+              <a:spAutoFit/>
+            </a:bodyPr>
+            <a:lstStyle/>
+            <a:p>
+              <a:r>
+                <a:rPr lang="en-US" sz="2400" dirty="0">
+                  <a:latin typeface="Avenir Book" panose="02000503020000020003" pitchFamily="2" charset="0"/>
+                </a:rPr>
+                <a:t>6a</a:t>
+              </a:r>
+            </a:p>
+          </p:txBody>
+        </p:sp>
+        <p:sp>
+          <p:nvSpPr>
+            <p:cNvPr id="65" name="TextBox 64">
+              <a:extLst>
+                <a:ext uri="{FF2B5EF4-FFF2-40B4-BE49-F238E27FC236}">
+                  <a16:creationId xmlns:a16="http://schemas.microsoft.com/office/drawing/2014/main" id="{B39FC60D-8F13-A047-98E4-41DFA83BE824}"/>
+                </a:ext>
+              </a:extLst>
+            </p:cNvPr>
+            <p:cNvSpPr txBox="1"/>
+            <p:nvPr/>
+          </p:nvSpPr>
+          <p:spPr>
+            <a:xfrm>
+              <a:off x="30184650" y="5521265"/>
+              <a:ext cx="603955" cy="461665"/>
+            </a:xfrm>
+            <a:prstGeom prst="rect">
+              <a:avLst/>
+            </a:prstGeom>
+            <a:solidFill>
+              <a:schemeClr val="bg1"/>
+            </a:solidFill>
+          </p:spPr>
+          <p:txBody>
+            <a:bodyPr wrap="square" rtlCol="0">
+              <a:spAutoFit/>
+            </a:bodyPr>
+            <a:lstStyle/>
+            <a:p>
+              <a:r>
+                <a:rPr lang="en-US" sz="2400" dirty="0">
+                  <a:latin typeface="Avenir Book" panose="02000503020000020003" pitchFamily="2" charset="0"/>
+                </a:rPr>
+                <a:t>6b</a:t>
+              </a:r>
+            </a:p>
+          </p:txBody>
+        </p:sp>
+        <p:sp>
+          <p:nvSpPr>
+            <p:cNvPr id="66" name="TextBox 65">
+              <a:extLst>
+                <a:ext uri="{FF2B5EF4-FFF2-40B4-BE49-F238E27FC236}">
+                  <a16:creationId xmlns:a16="http://schemas.microsoft.com/office/drawing/2014/main" id="{89C888CC-9CCE-5F4A-B5D0-6EE5F73BBA81}"/>
+                </a:ext>
+              </a:extLst>
+            </p:cNvPr>
+            <p:cNvSpPr txBox="1"/>
+            <p:nvPr/>
+          </p:nvSpPr>
+          <p:spPr>
+            <a:xfrm>
+              <a:off x="33868175" y="5521265"/>
+              <a:ext cx="603955" cy="461665"/>
+            </a:xfrm>
+            <a:prstGeom prst="rect">
+              <a:avLst/>
+            </a:prstGeom>
+            <a:solidFill>
+              <a:schemeClr val="bg1"/>
+            </a:solidFill>
+          </p:spPr>
+          <p:txBody>
+            <a:bodyPr wrap="square" rtlCol="0">
+              <a:spAutoFit/>
+            </a:bodyPr>
+            <a:lstStyle/>
+            <a:p>
+              <a:r>
+                <a:rPr lang="en-US" sz="2400" dirty="0">
+                  <a:latin typeface="Avenir Book" panose="02000503020000020003" pitchFamily="2" charset="0"/>
+                </a:rPr>
+                <a:t>6c</a:t>
+              </a:r>
+              <a:endParaRPr lang="en-US" sz="1400" dirty="0">
+                <a:latin typeface="Avenir Book" panose="02000503020000020003" pitchFamily="2" charset="0"/>
+              </a:endParaRPr>
+            </a:p>
+          </p:txBody>
+        </p:sp>
+      </p:grpSp>
+      <p:grpSp>
+        <p:nvGrpSpPr>
+          <p:cNvPr id="21" name="Group 20">
+            <a:extLst>
+              <a:ext uri="{FF2B5EF4-FFF2-40B4-BE49-F238E27FC236}">
+                <a16:creationId xmlns:a16="http://schemas.microsoft.com/office/drawing/2014/main" id="{FCA347E7-C5C3-0648-8696-F85247C233D0}"/>
+              </a:ext>
+            </a:extLst>
+          </p:cNvPr>
+          <p:cNvGrpSpPr/>
+          <p:nvPr/>
+        </p:nvGrpSpPr>
+        <p:grpSpPr>
+          <a:xfrm>
+            <a:off x="26931225" y="10803726"/>
+            <a:ext cx="10635375" cy="3942278"/>
+            <a:chOff x="26931225" y="10803726"/>
+            <a:chExt cx="10635375" cy="3942278"/>
+          </a:xfrm>
+        </p:grpSpPr>
+        <p:pic>
+          <p:nvPicPr>
+            <p:cNvPr id="68" name="Picture 67" descr="A screenshot of a cell phone&#10;&#10;Description automatically generated">
+              <a:extLst>
+                <a:ext uri="{FF2B5EF4-FFF2-40B4-BE49-F238E27FC236}">
+                  <a16:creationId xmlns:a16="http://schemas.microsoft.com/office/drawing/2014/main" id="{1BF02E4B-481E-2E4E-99A5-5FFAD7BE38BC}"/>
+                </a:ext>
+              </a:extLst>
+            </p:cNvPr>
+            <p:cNvPicPr>
+              <a:picLocks noChangeAspect="1"/>
+            </p:cNvPicPr>
+            <p:nvPr/>
+          </p:nvPicPr>
+          <p:blipFill>
+            <a:blip r:embed="rId14"/>
+            <a:stretch>
+              <a:fillRect/>
+            </a:stretch>
+          </p:blipFill>
+          <p:spPr>
+            <a:xfrm>
+              <a:off x="27606171" y="10803726"/>
+              <a:ext cx="3879669" cy="3017520"/>
+            </a:xfrm>
+            <a:prstGeom prst="rect">
+              <a:avLst/>
+            </a:prstGeom>
+          </p:spPr>
+        </p:pic>
+        <p:pic>
+          <p:nvPicPr>
+            <p:cNvPr id="69" name="Picture 68" descr="A close up of a map&#10;&#10;Description automatically generated">
+              <a:extLst>
+                <a:ext uri="{FF2B5EF4-FFF2-40B4-BE49-F238E27FC236}">
+                  <a16:creationId xmlns:a16="http://schemas.microsoft.com/office/drawing/2014/main" id="{DC8B1A1D-D66B-944B-B92D-63055E55C15C}"/>
+                </a:ext>
+              </a:extLst>
+            </p:cNvPr>
+            <p:cNvPicPr>
+              <a:picLocks noChangeAspect="1"/>
+            </p:cNvPicPr>
+            <p:nvPr/>
+          </p:nvPicPr>
+          <p:blipFill>
+            <a:blip r:embed="rId15"/>
+            <a:stretch>
+              <a:fillRect/>
+            </a:stretch>
+          </p:blipFill>
+          <p:spPr>
+            <a:xfrm>
+              <a:off x="32308800" y="10803726"/>
+              <a:ext cx="3879669" cy="3017520"/>
+            </a:xfrm>
+            <a:prstGeom prst="rect">
+              <a:avLst/>
+            </a:prstGeom>
+          </p:spPr>
+        </p:pic>
+        <p:sp>
+          <p:nvSpPr>
+            <p:cNvPr id="70" name="Text Box 180">
+              <a:extLst>
+                <a:ext uri="{FF2B5EF4-FFF2-40B4-BE49-F238E27FC236}">
+                  <a16:creationId xmlns:a16="http://schemas.microsoft.com/office/drawing/2014/main" id="{FDD0D7F3-867D-4849-8462-5967AE899138}"/>
+                </a:ext>
+              </a:extLst>
+            </p:cNvPr>
+            <p:cNvSpPr txBox="1">
+              <a:spLocks noChangeArrowheads="1"/>
+            </p:cNvSpPr>
+            <p:nvPr/>
+          </p:nvSpPr>
+          <p:spPr bwMode="auto">
+            <a:xfrm>
+              <a:off x="27191573" y="13922708"/>
+              <a:ext cx="10375027" cy="823296"/>
+            </a:xfrm>
+            <a:prstGeom prst="rect">
+              <a:avLst/>
+            </a:prstGeom>
+            <a:noFill/>
+            <a:ln>
+              <a:noFill/>
+            </a:ln>
+            <a:effectLst/>
+            <a:extLst>
+              <a:ext uri="{909E8E84-426E-40DD-AFC4-6F175D3DCCD1}">
+                <a14:hiddenFill xmlns:a14="http://schemas.microsoft.com/office/drawing/2010/main">
+                  <a:solidFill>
+                    <a:schemeClr val="accent1"/>
+                  </a:solidFill>
+                </a14:hiddenFill>
+              </a:ext>
+              <a:ext uri="{91240B29-F687-4F45-9708-019B960494DF}">
+                <a14:hiddenLine xmlns:a14="http://schemas.microsoft.com/office/drawing/2010/main" w="9525">
+                  <a:solidFill>
+                    <a:schemeClr val="tx1"/>
+                  </a:solidFill>
+                  <a:miter lim="800000"/>
+                  <a:headEnd/>
+                  <a:tailEnd/>
+                </a14:hiddenLine>
+              </a:ext>
+              <a:ext uri="{AF507438-7753-43E0-B8FC-AC1667EBCBE1}">
+                <a14:hiddenEffects xmlns:a14="http://schemas.microsoft.com/office/drawing/2010/main">
+                  <a:effectLst>
+                    <a:outerShdw dist="35921" dir="2700000" algn="ctr" rotWithShape="0">
+                      <a:schemeClr val="bg2"/>
+                    </a:outerShdw>
+                  </a:effectLst>
+                </a14:hiddenEffects>
+              </a:ext>
+            </a:extLst>
+          </p:spPr>
+          <p:txBody>
+            <a:bodyPr wrap="square" lIns="83814" tIns="41907" rIns="83814" bIns="41907">
+              <a:spAutoFit/>
+            </a:bodyPr>
+            <a:lstStyle>
+              <a:lvl1pPr defTabSz="4389438" eaLnBrk="0" hangingPunct="0">
+                <a:defRPr sz="2200">
+                  <a:solidFill>
+                    <a:schemeClr val="tx1"/>
+                  </a:solidFill>
+                  <a:latin typeface="Arial" charset="0"/>
+                </a:defRPr>
+              </a:lvl1pPr>
+              <a:lvl2pPr marL="742950" indent="-285750" defTabSz="4389438" eaLnBrk="0" hangingPunct="0">
+                <a:defRPr sz="2200">
+                  <a:solidFill>
+                    <a:schemeClr val="tx1"/>
+                  </a:solidFill>
+                  <a:latin typeface="Arial" charset="0"/>
+                </a:defRPr>
+              </a:lvl2pPr>
+              <a:lvl3pPr marL="1143000" indent="-228600" defTabSz="4389438" eaLnBrk="0" hangingPunct="0">
+                <a:defRPr sz="2200">
+                  <a:solidFill>
+                    <a:schemeClr val="tx1"/>
+                  </a:solidFill>
+                  <a:latin typeface="Arial" charset="0"/>
+                </a:defRPr>
+              </a:lvl3pPr>
+              <a:lvl4pPr marL="1600200" indent="-228600" defTabSz="4389438" eaLnBrk="0" hangingPunct="0">
+                <a:defRPr sz="2200">
+                  <a:solidFill>
+                    <a:schemeClr val="tx1"/>
+                  </a:solidFill>
+                  <a:latin typeface="Arial" charset="0"/>
+                </a:defRPr>
+              </a:lvl4pPr>
+              <a:lvl5pPr marL="2057400" indent="-228600" defTabSz="4389438" eaLnBrk="0" hangingPunct="0">
+                <a:defRPr sz="2200">
+                  <a:solidFill>
+                    <a:schemeClr val="tx1"/>
+                  </a:solidFill>
+                  <a:latin typeface="Arial" charset="0"/>
+                </a:defRPr>
+              </a:lvl5pPr>
+              <a:lvl6pPr marL="2514600" indent="-228600" defTabSz="4389438" eaLnBrk="0" fontAlgn="base" hangingPunct="0">
+                <a:spcBef>
+                  <a:spcPct val="0"/>
+                </a:spcBef>
+                <a:spcAft>
+                  <a:spcPct val="0"/>
+                </a:spcAft>
+                <a:defRPr sz="2200">
+                  <a:solidFill>
+                    <a:schemeClr val="tx1"/>
+                  </a:solidFill>
+                  <a:latin typeface="Arial" charset="0"/>
+                </a:defRPr>
+              </a:lvl6pPr>
+              <a:lvl7pPr marL="2971800" indent="-228600" defTabSz="4389438" eaLnBrk="0" fontAlgn="base" hangingPunct="0">
+                <a:spcBef>
+                  <a:spcPct val="0"/>
+                </a:spcBef>
+                <a:spcAft>
+                  <a:spcPct val="0"/>
+                </a:spcAft>
+                <a:defRPr sz="2200">
+                  <a:solidFill>
+                    <a:schemeClr val="tx1"/>
+                  </a:solidFill>
+                  <a:latin typeface="Arial" charset="0"/>
+                </a:defRPr>
+              </a:lvl7pPr>
+              <a:lvl8pPr marL="3429000" indent="-228600" defTabSz="4389438" eaLnBrk="0" fontAlgn="base" hangingPunct="0">
+                <a:spcBef>
+                  <a:spcPct val="0"/>
+                </a:spcBef>
+                <a:spcAft>
+                  <a:spcPct val="0"/>
+                </a:spcAft>
+                <a:defRPr sz="2200">
+                  <a:solidFill>
+                    <a:schemeClr val="tx1"/>
+                  </a:solidFill>
+                  <a:latin typeface="Arial" charset="0"/>
+                </a:defRPr>
+              </a:lvl8pPr>
+              <a:lvl9pPr marL="3886200" indent="-228600" defTabSz="4389438" eaLnBrk="0" fontAlgn="base" hangingPunct="0">
+                <a:spcBef>
+                  <a:spcPct val="0"/>
+                </a:spcBef>
+                <a:spcAft>
+                  <a:spcPct val="0"/>
+                </a:spcAft>
+                <a:defRPr sz="2200">
+                  <a:solidFill>
+                    <a:schemeClr val="tx1"/>
+                  </a:solidFill>
+                  <a:latin typeface="Arial" charset="0"/>
+                </a:defRPr>
+              </a:lvl9pPr>
+            </a:lstStyle>
+            <a:p>
+              <a:pPr eaLnBrk="1" hangingPunct="1"/>
+              <a:r>
+                <a:rPr lang="en-US" sz="2400" dirty="0">
+                  <a:latin typeface="Avenir Book" panose="02000503020000020003" pitchFamily="2" charset="0"/>
+                  <a:ea typeface="Cambria Math" panose="02040503050406030204" pitchFamily="18" charset="0"/>
+                </a:rPr>
+                <a:t>Figure 7. Different temperatures affects the amount of bound protein (7a) and ATP regeneration timescale (7b) of the ATP synthase model.</a:t>
+              </a:r>
+            </a:p>
+          </p:txBody>
+        </p:sp>
+        <p:sp>
+          <p:nvSpPr>
+            <p:cNvPr id="71" name="TextBox 70">
+              <a:extLst>
+                <a:ext uri="{FF2B5EF4-FFF2-40B4-BE49-F238E27FC236}">
+                  <a16:creationId xmlns:a16="http://schemas.microsoft.com/office/drawing/2014/main" id="{6F823266-3F58-E144-A41E-3B04389801FB}"/>
+                </a:ext>
+              </a:extLst>
+            </p:cNvPr>
+            <p:cNvSpPr txBox="1"/>
+            <p:nvPr/>
+          </p:nvSpPr>
+          <p:spPr>
+            <a:xfrm>
+              <a:off x="26931225" y="10825169"/>
+              <a:ext cx="674946" cy="523220"/>
+            </a:xfrm>
+            <a:prstGeom prst="rect">
+              <a:avLst/>
+            </a:prstGeom>
+            <a:solidFill>
+              <a:schemeClr val="bg1"/>
+            </a:solidFill>
+          </p:spPr>
+          <p:txBody>
+            <a:bodyPr wrap="square" rtlCol="0">
+              <a:spAutoFit/>
+            </a:bodyPr>
+            <a:lstStyle/>
+            <a:p>
+              <a:r>
+                <a:rPr lang="en-US" sz="2800" dirty="0">
+                  <a:latin typeface="Avenir Book" panose="02000503020000020003" pitchFamily="2" charset="0"/>
+                </a:rPr>
+                <a:t>7a</a:t>
+              </a:r>
+            </a:p>
+          </p:txBody>
+        </p:sp>
+        <p:sp>
+          <p:nvSpPr>
+            <p:cNvPr id="72" name="TextBox 71">
+              <a:extLst>
+                <a:ext uri="{FF2B5EF4-FFF2-40B4-BE49-F238E27FC236}">
+                  <a16:creationId xmlns:a16="http://schemas.microsoft.com/office/drawing/2014/main" id="{4F8F2F7B-4291-5843-A21A-C442A80DBF19}"/>
+                </a:ext>
+              </a:extLst>
+            </p:cNvPr>
+            <p:cNvSpPr txBox="1"/>
+            <p:nvPr/>
+          </p:nvSpPr>
+          <p:spPr>
+            <a:xfrm>
+              <a:off x="31529665" y="10836946"/>
+              <a:ext cx="674946" cy="523220"/>
+            </a:xfrm>
+            <a:prstGeom prst="rect">
+              <a:avLst/>
+            </a:prstGeom>
+            <a:solidFill>
+              <a:schemeClr val="bg1"/>
+            </a:solidFill>
+          </p:spPr>
+          <p:txBody>
+            <a:bodyPr wrap="square" rtlCol="0">
+              <a:spAutoFit/>
+            </a:bodyPr>
+            <a:lstStyle/>
+            <a:p>
+              <a:r>
+                <a:rPr lang="en-US" sz="2800" dirty="0">
+                  <a:latin typeface="Avenir Book" panose="02000503020000020003" pitchFamily="2" charset="0"/>
+                </a:rPr>
+                <a:t>7b</a:t>
+              </a:r>
             </a:p>
           </p:txBody>
         </p:sp>

--- a/miscellaneous/presentations/20200813_surf_poster_pres.pptx
+++ b/miscellaneous/presentations/20200813_surf_poster_pres.pptx
@@ -208,7 +208,7 @@
           <a:p>
             <a:fld id="{D0122DAE-40C7-2D42-B6C8-B9C4D6CB2DF1}" type="datetimeFigureOut">
               <a:rPr lang="en-US" smtClean="0"/>
-              <a:t>8/17/20</a:t>
+              <a:t>8/18/20</a:t>
             </a:fld>
             <a:endParaRPr lang="en-US"/>
           </a:p>
@@ -706,7 +706,7 @@
           <a:p>
             <a:fld id="{985D6BDF-9D0E-4E2B-85B8-D8F4790360C9}" type="datetimeFigureOut">
               <a:rPr lang="en-US" smtClean="0"/>
-              <a:t>8/17/20</a:t>
+              <a:t>8/18/20</a:t>
             </a:fld>
             <a:endParaRPr lang="en-US" dirty="0"/>
           </a:p>
@@ -904,7 +904,7 @@
           <a:p>
             <a:fld id="{985D6BDF-9D0E-4E2B-85B8-D8F4790360C9}" type="datetimeFigureOut">
               <a:rPr lang="en-US" smtClean="0"/>
-              <a:t>8/17/20</a:t>
+              <a:t>8/18/20</a:t>
             </a:fld>
             <a:endParaRPr lang="en-US" dirty="0"/>
           </a:p>
@@ -1112,7 +1112,7 @@
           <a:p>
             <a:fld id="{985D6BDF-9D0E-4E2B-85B8-D8F4790360C9}" type="datetimeFigureOut">
               <a:rPr lang="en-US" smtClean="0"/>
-              <a:t>8/17/20</a:t>
+              <a:t>8/18/20</a:t>
             </a:fld>
             <a:endParaRPr lang="en-US" dirty="0"/>
           </a:p>
@@ -2793,7 +2793,7 @@
           <a:p>
             <a:fld id="{985D6BDF-9D0E-4E2B-85B8-D8F4790360C9}" type="datetimeFigureOut">
               <a:rPr lang="en-US" smtClean="0"/>
-              <a:t>8/17/20</a:t>
+              <a:t>8/18/20</a:t>
             </a:fld>
             <a:endParaRPr lang="en-US" dirty="0"/>
           </a:p>
@@ -3068,7 +3068,7 @@
           <a:p>
             <a:fld id="{985D6BDF-9D0E-4E2B-85B8-D8F4790360C9}" type="datetimeFigureOut">
               <a:rPr lang="en-US" smtClean="0"/>
-              <a:t>8/17/20</a:t>
+              <a:t>8/18/20</a:t>
             </a:fld>
             <a:endParaRPr lang="en-US" dirty="0"/>
           </a:p>
@@ -3333,7 +3333,7 @@
           <a:p>
             <a:fld id="{985D6BDF-9D0E-4E2B-85B8-D8F4790360C9}" type="datetimeFigureOut">
               <a:rPr lang="en-US" smtClean="0"/>
-              <a:t>8/17/20</a:t>
+              <a:t>8/18/20</a:t>
             </a:fld>
             <a:endParaRPr lang="en-US" dirty="0"/>
           </a:p>
@@ -3745,7 +3745,7 @@
           <a:p>
             <a:fld id="{985D6BDF-9D0E-4E2B-85B8-D8F4790360C9}" type="datetimeFigureOut">
               <a:rPr lang="en-US" smtClean="0"/>
-              <a:t>8/17/20</a:t>
+              <a:t>8/18/20</a:t>
             </a:fld>
             <a:endParaRPr lang="en-US" dirty="0"/>
           </a:p>
@@ -3886,7 +3886,7 @@
           <a:p>
             <a:fld id="{985D6BDF-9D0E-4E2B-85B8-D8F4790360C9}" type="datetimeFigureOut">
               <a:rPr lang="en-US" smtClean="0"/>
-              <a:t>8/17/20</a:t>
+              <a:t>8/18/20</a:t>
             </a:fld>
             <a:endParaRPr lang="en-US" dirty="0"/>
           </a:p>
@@ -3999,7 +3999,7 @@
           <a:p>
             <a:fld id="{985D6BDF-9D0E-4E2B-85B8-D8F4790360C9}" type="datetimeFigureOut">
               <a:rPr lang="en-US" smtClean="0"/>
-              <a:t>8/17/20</a:t>
+              <a:t>8/18/20</a:t>
             </a:fld>
             <a:endParaRPr lang="en-US" dirty="0"/>
           </a:p>
@@ -4310,7 +4310,7 @@
           <a:p>
             <a:fld id="{985D6BDF-9D0E-4E2B-85B8-D8F4790360C9}" type="datetimeFigureOut">
               <a:rPr lang="en-US" smtClean="0"/>
-              <a:t>8/17/20</a:t>
+              <a:t>8/18/20</a:t>
             </a:fld>
             <a:endParaRPr lang="en-US" dirty="0"/>
           </a:p>
@@ -4598,7 +4598,7 @@
           <a:p>
             <a:fld id="{985D6BDF-9D0E-4E2B-85B8-D8F4790360C9}" type="datetimeFigureOut">
               <a:rPr lang="en-US" smtClean="0"/>
-              <a:t>8/17/20</a:t>
+              <a:t>8/18/20</a:t>
             </a:fld>
             <a:endParaRPr lang="en-US" dirty="0"/>
           </a:p>
@@ -4839,7 +4839,7 @@
           <a:p>
             <a:fld id="{985D6BDF-9D0E-4E2B-85B8-D8F4790360C9}" type="datetimeFigureOut">
               <a:rPr lang="en-US" smtClean="0"/>
-              <a:t>8/17/20</a:t>
+              <a:t>8/18/20</a:t>
             </a:fld>
             <a:endParaRPr lang="en-US" dirty="0"/>
           </a:p>
@@ -5422,7 +5422,7 @@
                 <a:latin typeface="Avenir Book" panose="02000503020000020003" pitchFamily="2" charset="0"/>
                 <a:ea typeface="Cambria Math" panose="02040503050406030204" pitchFamily="18" charset="0"/>
               </a:rPr>
-              <a:t>Modeling a Glucose Pathway and an ATP Synthase Mechanism to show ATP Life Extension in Synthetic Cells</a:t>
+              <a:t>Modeling a Glucose Pathway and an ATP Synthase Mechanism shows ATP Life Extension in Synthetic Cells</a:t>
             </a:r>
           </a:p>
         </p:txBody>
@@ -5437,7 +5437,7 @@
         </p:nvSpPr>
         <p:spPr bwMode="auto">
           <a:xfrm>
-            <a:off x="6705600" y="2487169"/>
+            <a:off x="6639420" y="2752187"/>
             <a:ext cx="26822400" cy="2095500"/>
           </a:xfrm>
           <a:prstGeom prst="rect">
@@ -5694,8 +5694,8 @@
         </p:nvSpPr>
         <p:spPr>
           <a:xfrm>
-            <a:off x="1645920" y="36713158"/>
-            <a:ext cx="2638915" cy="2546845"/>
+            <a:off x="15321018" y="36614294"/>
+            <a:ext cx="4292830" cy="2054402"/>
           </a:xfrm>
           <a:prstGeom prst="rect">
             <a:avLst/>
@@ -5718,7 +5718,7 @@
                 <a:latin typeface="Avenir Book" panose="02000503020000020003" pitchFamily="2" charset="0"/>
                 <a:ea typeface="Cambria Math" panose="02040503050406030204" pitchFamily="18" charset="0"/>
               </a:rPr>
-              <a:t>[name]</a:t>
+              <a:t>Ankita Roychoudhury</a:t>
             </a:r>
           </a:p>
           <a:p>
@@ -5727,7 +5727,7 @@
                 <a:latin typeface="Avenir Book" panose="02000503020000020003" pitchFamily="2" charset="0"/>
                 <a:ea typeface="Cambria Math" panose="02040503050406030204" pitchFamily="18" charset="0"/>
               </a:rPr>
-              <a:t>[organization]</a:t>
+              <a:t>Caltech</a:t>
             </a:r>
           </a:p>
           <a:p>
@@ -5735,9 +5735,14 @@
               <a:rPr lang="en-US" sz="3200" dirty="0">
                 <a:latin typeface="Avenir Book" panose="02000503020000020003" pitchFamily="2" charset="0"/>
                 <a:ea typeface="Cambria Math" panose="02040503050406030204" pitchFamily="18" charset="0"/>
-              </a:rPr>
-              <a:t>[address]</a:t>
-            </a:r>
+                <a:hlinkClick r:id="rId3"/>
+              </a:rPr>
+              <a:t>aroychou@caltech.edu</a:t>
+            </a:r>
+            <a:endParaRPr lang="en-US" sz="3200" dirty="0">
+              <a:latin typeface="Avenir Book" panose="02000503020000020003" pitchFamily="2" charset="0"/>
+              <a:ea typeface="Cambria Math" panose="02040503050406030204" pitchFamily="18" charset="0"/>
+            </a:endParaRPr>
           </a:p>
           <a:p>
             <a:r>
@@ -5745,16 +5750,7 @@
                 <a:latin typeface="Avenir Book" panose="02000503020000020003" pitchFamily="2" charset="0"/>
                 <a:ea typeface="Cambria Math" panose="02040503050406030204" pitchFamily="18" charset="0"/>
               </a:rPr>
-              <a:t>[email]</a:t>
-            </a:r>
-          </a:p>
-          <a:p>
-            <a:r>
-              <a:rPr lang="en-US" sz="3200" dirty="0">
-                <a:latin typeface="Avenir Book" panose="02000503020000020003" pitchFamily="2" charset="0"/>
-                <a:ea typeface="Cambria Math" panose="02040503050406030204" pitchFamily="18" charset="0"/>
-              </a:rPr>
-              <a:t>[phone]</a:t>
+              <a:t>203-584-4466</a:t>
             </a:r>
           </a:p>
         </p:txBody>
@@ -5767,7 +5763,7 @@
         </p:nvSpPr>
         <p:spPr>
           <a:xfrm>
-            <a:off x="1645920" y="35623502"/>
+            <a:off x="15321018" y="35524638"/>
             <a:ext cx="2607433" cy="915629"/>
           </a:xfrm>
           <a:prstGeom prst="rect">
@@ -5799,8 +5795,8 @@
         </p:nvSpPr>
         <p:spPr>
           <a:xfrm>
-            <a:off x="20116800" y="36713159"/>
-            <a:ext cx="17881600" cy="2631477"/>
+            <a:off x="22305150" y="36494127"/>
+            <a:ext cx="17881600" cy="3616362"/>
           </a:xfrm>
           <a:prstGeom prst="rect">
             <a:avLst/>
@@ -5813,134 +5809,463 @@
           </a:bodyPr>
           <a:lstStyle/>
           <a:p>
-            <a:pPr marL="419070" indent="-419070">
-              <a:buFont typeface="+mj-lt"/>
-              <a:buAutoNum type="arabicPeriod"/>
-            </a:pPr>
+            <a:pPr lvl="0" fontAlgn="base"/>
+            <a:r>
+              <a:rPr lang="en-US" sz="1600" dirty="0">
+                <a:latin typeface="Avenir Book" panose="02000503020000020003" pitchFamily="2" charset="0"/>
+              </a:rPr>
+              <a:t>1) R. M. Murray. SURF 2020: Genetically Programmed Synthetic Cells and Multi-Cellular Machines. </a:t>
+            </a:r>
+          </a:p>
+          <a:p>
+            <a:r>
+              <a:rPr lang="en-US" sz="1600" u="sng" dirty="0">
+                <a:solidFill>
+                  <a:srgbClr val="0070C0"/>
+                </a:solidFill>
+                <a:latin typeface="Avenir Book" panose="02000503020000020003" pitchFamily="2" charset="0"/>
+              </a:rPr>
+              <a:t>https://</a:t>
+            </a:r>
+            <a:r>
+              <a:rPr lang="en-US" sz="1600" u="sng" dirty="0" err="1">
+                <a:solidFill>
+                  <a:srgbClr val="0070C0"/>
+                </a:solidFill>
+                <a:latin typeface="Avenir Book" panose="02000503020000020003" pitchFamily="2" charset="0"/>
+              </a:rPr>
+              <a:t>www.cds.caltech.edu</a:t>
+            </a:r>
+            <a:r>
+              <a:rPr lang="en-US" sz="1600" u="sng" dirty="0">
+                <a:solidFill>
+                  <a:srgbClr val="0070C0"/>
+                </a:solidFill>
+                <a:latin typeface="Avenir Book" panose="02000503020000020003" pitchFamily="2" charset="0"/>
+              </a:rPr>
+              <a:t>/~</a:t>
+            </a:r>
+            <a:r>
+              <a:rPr lang="en-US" sz="1600" u="sng" dirty="0" err="1">
+                <a:solidFill>
+                  <a:srgbClr val="0070C0"/>
+                </a:solidFill>
+                <a:latin typeface="Avenir Book" panose="02000503020000020003" pitchFamily="2" charset="0"/>
+              </a:rPr>
+              <a:t>murray</a:t>
+            </a:r>
+            <a:r>
+              <a:rPr lang="en-US" sz="1600" u="sng" dirty="0">
+                <a:solidFill>
+                  <a:srgbClr val="0070C0"/>
+                </a:solidFill>
+                <a:latin typeface="Avenir Book" panose="02000503020000020003" pitchFamily="2" charset="0"/>
+              </a:rPr>
+              <a:t>/wiki/SURF_2020:_Synthetic_Cell</a:t>
+            </a:r>
+            <a:r>
+              <a:rPr lang="en-US" sz="1600" dirty="0">
+                <a:solidFill>
+                  <a:srgbClr val="0070C0"/>
+                </a:solidFill>
+                <a:latin typeface="Avenir Book" panose="02000503020000020003" pitchFamily="2" charset="0"/>
+              </a:rPr>
+              <a:t> </a:t>
+            </a:r>
+            <a:r>
+              <a:rPr lang="en-US" sz="1600" dirty="0">
+                <a:solidFill>
+                  <a:srgbClr val="0070C0"/>
+                </a:solidFill>
+                <a:latin typeface="Avenir Book" panose="02000503020000020003" pitchFamily="2" charset="0"/>
+                <a:ea typeface="Cambria Math" panose="02040503050406030204" pitchFamily="18" charset="0"/>
+              </a:rPr>
+              <a:t>  </a:t>
+            </a:r>
+          </a:p>
+          <a:p>
             <a:r>
               <a:rPr lang="en-US" sz="1600" dirty="0">
                 <a:latin typeface="Avenir Book" panose="02000503020000020003" pitchFamily="2" charset="0"/>
                 <a:ea typeface="Cambria Math" panose="02040503050406030204" pitchFamily="18" charset="0"/>
               </a:rPr>
-              <a:t> </a:t>
-            </a:r>
-          </a:p>
-          <a:p>
-            <a:pPr marL="419070" indent="-419070">
-              <a:buFont typeface="+mj-lt"/>
-              <a:buAutoNum type="arabicPeriod"/>
-            </a:pPr>
+              <a:t>2) </a:t>
+            </a:r>
+            <a:r>
+              <a:rPr lang="en-US" sz="1600" dirty="0">
+                <a:latin typeface="Avenir Book" panose="02000503020000020003" pitchFamily="2" charset="0"/>
+              </a:rPr>
+              <a:t>Murray, Richard, </a:t>
+            </a:r>
+            <a:r>
+              <a:rPr lang="en-US" sz="1600" i="1" dirty="0">
+                <a:latin typeface="Avenir Book" panose="02000503020000020003" pitchFamily="2" charset="0"/>
+              </a:rPr>
+              <a:t>Towards Genetically-Programmed Synthetic Cells and Multi-Cellular Machines</a:t>
+            </a:r>
+            <a:r>
+              <a:rPr lang="en-US" sz="1600" dirty="0">
+                <a:latin typeface="Avenir Book" panose="02000503020000020003" pitchFamily="2" charset="0"/>
+              </a:rPr>
+              <a:t>, July 2017. </a:t>
+            </a:r>
+            <a:r>
+              <a:rPr lang="en-US" sz="1600" dirty="0">
+                <a:latin typeface="Avenir Book" panose="02000503020000020003" pitchFamily="2" charset="0"/>
+                <a:hlinkClick r:id="rId4"/>
+              </a:rPr>
+              <a:t>http://www.cds.caltech.edu/~murray/talks/murray_buildacell-pasadena_24Jul17.pdf</a:t>
+            </a:r>
+            <a:r>
+              <a:rPr lang="en-US" sz="1600" dirty="0">
+                <a:latin typeface="Avenir Book" panose="02000503020000020003" pitchFamily="2" charset="0"/>
+              </a:rPr>
+              <a:t>. PowerPoint Presentation. </a:t>
+            </a:r>
+          </a:p>
+          <a:p>
             <a:r>
               <a:rPr lang="en-US" sz="1600" dirty="0">
                 <a:latin typeface="Avenir Book" panose="02000503020000020003" pitchFamily="2" charset="0"/>
                 <a:ea typeface="Cambria Math" panose="02040503050406030204" pitchFamily="18" charset="0"/>
               </a:rPr>
-              <a:t> </a:t>
-            </a:r>
-          </a:p>
-          <a:p>
-            <a:pPr marL="419070" indent="-419070">
-              <a:buFont typeface="+mj-lt"/>
-              <a:buAutoNum type="arabicPeriod"/>
-            </a:pPr>
+              <a:t>3)</a:t>
+            </a:r>
             <a:r>
               <a:rPr lang="en-US" sz="1600" dirty="0">
                 <a:latin typeface="Avenir Book" panose="02000503020000020003" pitchFamily="2" charset="0"/>
-                <a:ea typeface="Cambria Math" panose="02040503050406030204" pitchFamily="18" charset="0"/>
-              </a:rPr>
-              <a:t> </a:t>
-            </a:r>
-          </a:p>
-          <a:p>
-            <a:pPr marL="419070" indent="-419070">
-              <a:buFont typeface="+mj-lt"/>
-              <a:buAutoNum type="arabicPeriod"/>
-            </a:pPr>
+              </a:rPr>
+              <a:t> Arbor Biosciences.  The </a:t>
+            </a:r>
+            <a:r>
+              <a:rPr lang="en-US" sz="1600" dirty="0" err="1">
+                <a:latin typeface="Avenir Book" panose="02000503020000020003" pitchFamily="2" charset="0"/>
+              </a:rPr>
+              <a:t>myTXTL</a:t>
+            </a:r>
             <a:r>
               <a:rPr lang="en-US" sz="1600" dirty="0">
                 <a:latin typeface="Avenir Book" panose="02000503020000020003" pitchFamily="2" charset="0"/>
-                <a:ea typeface="Cambria Math" panose="02040503050406030204" pitchFamily="18" charset="0"/>
-              </a:rPr>
-              <a:t> </a:t>
-            </a:r>
-          </a:p>
-          <a:p>
-            <a:pPr marL="419070" indent="-419070">
-              <a:buFont typeface="+mj-lt"/>
-              <a:buAutoNum type="arabicPeriod"/>
-            </a:pPr>
+              </a:rPr>
+              <a:t> system is a comprehensive solution for protein engineering and synthetic biology applications. </a:t>
+            </a:r>
+            <a:r>
+              <a:rPr lang="en-US" sz="1600" i="1" dirty="0" err="1">
+                <a:latin typeface="Avenir Book" panose="02000503020000020003" pitchFamily="2" charset="0"/>
+              </a:rPr>
+              <a:t>myTXTL</a:t>
+            </a:r>
+            <a:r>
+              <a:rPr lang="en-US" sz="1600" i="1" dirty="0">
+                <a:latin typeface="Avenir Book" panose="02000503020000020003" pitchFamily="2" charset="0"/>
+              </a:rPr>
+              <a:t> – Cell-Free Expression</a:t>
+            </a:r>
             <a:r>
               <a:rPr lang="en-US" sz="1600" dirty="0">
                 <a:latin typeface="Avenir Book" panose="02000503020000020003" pitchFamily="2" charset="0"/>
-                <a:ea typeface="Cambria Math" panose="02040503050406030204" pitchFamily="18" charset="0"/>
-              </a:rPr>
-              <a:t> </a:t>
-            </a:r>
-          </a:p>
-          <a:p>
-            <a:pPr marL="419070" indent="-419070">
-              <a:buFont typeface="+mj-lt"/>
-              <a:buAutoNum type="arabicPeriod"/>
-            </a:pPr>
+              </a:rPr>
+              <a:t>, 2014.</a:t>
+            </a:r>
+          </a:p>
+          <a:p>
             <a:r>
               <a:rPr lang="en-US" sz="1600" dirty="0">
                 <a:latin typeface="Avenir Book" panose="02000503020000020003" pitchFamily="2" charset="0"/>
-                <a:ea typeface="Cambria Math" panose="02040503050406030204" pitchFamily="18" charset="0"/>
-              </a:rPr>
-              <a:t> </a:t>
-            </a:r>
-          </a:p>
-          <a:p>
-            <a:pPr marL="419070" indent="-419070">
-              <a:buFont typeface="+mj-lt"/>
-              <a:buAutoNum type="arabicPeriod"/>
-            </a:pPr>
+              </a:rPr>
+              <a:t>4) Ortega. </a:t>
+            </a:r>
+            <a:r>
+              <a:rPr lang="en-US" sz="1600" dirty="0" err="1">
+                <a:latin typeface="Avenir Book" panose="02000503020000020003" pitchFamily="2" charset="0"/>
+              </a:rPr>
+              <a:t>Biocircuits</a:t>
+            </a:r>
             <a:r>
               <a:rPr lang="en-US" sz="1600" dirty="0">
                 <a:latin typeface="Avenir Book" panose="02000503020000020003" pitchFamily="2" charset="0"/>
-                <a:ea typeface="Cambria Math" panose="02040503050406030204" pitchFamily="18" charset="0"/>
-              </a:rPr>
-              <a:t> </a:t>
-            </a:r>
-          </a:p>
-          <a:p>
-            <a:pPr marL="419070" indent="-419070">
-              <a:buFont typeface="+mj-lt"/>
-              <a:buAutoNum type="arabicPeriod"/>
-            </a:pPr>
+              </a:rPr>
+              <a:t> TX TL Life Extension Project Presentation. June 2018. </a:t>
+            </a:r>
+          </a:p>
+          <a:p>
             <a:r>
               <a:rPr lang="en-US" sz="1600" dirty="0">
                 <a:latin typeface="Avenir Book" panose="02000503020000020003" pitchFamily="2" charset="0"/>
-                <a:ea typeface="Cambria Math" panose="02040503050406030204" pitchFamily="18" charset="0"/>
-              </a:rPr>
-              <a:t> </a:t>
-            </a:r>
-          </a:p>
-          <a:p>
-            <a:pPr marL="419070" indent="-419070">
-              <a:buFont typeface="+mj-lt"/>
-              <a:buAutoNum type="arabicPeriod"/>
-            </a:pPr>
+              </a:rPr>
+              <a:t>5) P. H. Opgenworth, T. P. </a:t>
+            </a:r>
+            <a:r>
+              <a:rPr lang="en-US" sz="1600" dirty="0" err="1">
+                <a:latin typeface="Avenir Book" panose="02000503020000020003" pitchFamily="2" charset="0"/>
+              </a:rPr>
+              <a:t>Korman</a:t>
+            </a:r>
             <a:r>
               <a:rPr lang="en-US" sz="1600" dirty="0">
                 <a:latin typeface="Avenir Book" panose="02000503020000020003" pitchFamily="2" charset="0"/>
-                <a:ea typeface="Cambria Math" panose="02040503050406030204" pitchFamily="18" charset="0"/>
-              </a:rPr>
-              <a:t> </a:t>
-            </a:r>
-          </a:p>
-          <a:p>
-            <a:pPr marL="419070" indent="-419070">
-              <a:buFont typeface="+mj-lt"/>
-              <a:buAutoNum type="arabicPeriod"/>
-            </a:pPr>
+              </a:rPr>
+              <a:t>, L. </a:t>
+            </a:r>
+            <a:r>
+              <a:rPr lang="en-US" sz="1600" dirty="0" err="1">
+                <a:latin typeface="Avenir Book" panose="02000503020000020003" pitchFamily="2" charset="0"/>
+              </a:rPr>
+              <a:t>Iancu</a:t>
+            </a:r>
             <a:r>
               <a:rPr lang="en-US" sz="1600" dirty="0">
                 <a:latin typeface="Avenir Book" panose="02000503020000020003" pitchFamily="2" charset="0"/>
-                <a:ea typeface="Cambria Math" panose="02040503050406030204" pitchFamily="18" charset="0"/>
+              </a:rPr>
+              <a:t>, and J. U. Bowie. A molecular rheostat maintains ATP levels to drive a synthetic biochemistry system. </a:t>
+            </a:r>
+            <a:r>
+              <a:rPr lang="en-US" sz="1600" i="1" dirty="0">
+                <a:latin typeface="Avenir Book" panose="02000503020000020003" pitchFamily="2" charset="0"/>
+              </a:rPr>
+              <a:t>Nature Chemical Biology</a:t>
+            </a:r>
+            <a:r>
+              <a:rPr lang="en-US" sz="1600" dirty="0">
+                <a:latin typeface="Avenir Book" panose="02000503020000020003" pitchFamily="2" charset="0"/>
+              </a:rPr>
+              <a:t>, 2017.</a:t>
+            </a:r>
+          </a:p>
+          <a:p>
+            <a:r>
+              <a:rPr lang="en-US" sz="1600" dirty="0">
+                <a:latin typeface="Avenir Book" panose="02000503020000020003" pitchFamily="2" charset="0"/>
+              </a:rPr>
+              <a:t>6) </a:t>
+            </a:r>
+            <a:r>
+              <a:rPr lang="en-US" sz="1600" dirty="0" err="1">
+                <a:latin typeface="Avenir Book" panose="02000503020000020003" pitchFamily="2" charset="0"/>
+              </a:rPr>
+              <a:t>Ayush</a:t>
+            </a:r>
+            <a:r>
+              <a:rPr lang="en-US" sz="1600" dirty="0">
+                <a:latin typeface="Avenir Book" panose="02000503020000020003" pitchFamily="2" charset="0"/>
+              </a:rPr>
+              <a:t> Pandey, R. Murray, </a:t>
+            </a:r>
+            <a:r>
+              <a:rPr lang="en-US" sz="1600" i="1" dirty="0">
+                <a:latin typeface="Avenir Book" panose="02000503020000020003" pitchFamily="2" charset="0"/>
+              </a:rPr>
+              <a:t>AutoReduce</a:t>
+            </a:r>
+            <a:r>
+              <a:rPr lang="en-US" sz="1600" dirty="0">
+                <a:latin typeface="Avenir Book" panose="02000503020000020003" pitchFamily="2" charset="0"/>
+              </a:rPr>
+              <a:t>, </a:t>
+            </a:r>
+            <a:r>
+              <a:rPr lang="en-US" sz="1600" dirty="0">
+                <a:latin typeface="Avenir Book" panose="02000503020000020003" pitchFamily="2" charset="0"/>
+                <a:hlinkClick r:id="rId5"/>
+              </a:rPr>
+              <a:t>https://github.com/ayush9pandey/autoReduce</a:t>
+            </a:r>
+            <a:r>
+              <a:rPr lang="en-US" sz="1600" dirty="0">
+                <a:latin typeface="Avenir Book" panose="02000503020000020003" pitchFamily="2" charset="0"/>
               </a:rPr>
               <a:t>  </a:t>
             </a:r>
+          </a:p>
+          <a:p>
+            <a:r>
+              <a:rPr lang="en-US" sz="1600" dirty="0">
+                <a:latin typeface="Avenir Book" panose="02000503020000020003" pitchFamily="2" charset="0"/>
+              </a:rPr>
+              <a:t>7) William Poole, A. Pandey, A. </a:t>
+            </a:r>
+            <a:r>
+              <a:rPr lang="en-US" sz="1600" dirty="0" err="1">
+                <a:latin typeface="Avenir Book" panose="02000503020000020003" pitchFamily="2" charset="0"/>
+              </a:rPr>
+              <a:t>Shur</a:t>
+            </a:r>
+            <a:r>
+              <a:rPr lang="en-US" sz="1600" dirty="0">
+                <a:latin typeface="Avenir Book" panose="02000503020000020003" pitchFamily="2" charset="0"/>
+              </a:rPr>
+              <a:t>, Z. </a:t>
+            </a:r>
+            <a:r>
+              <a:rPr lang="en-US" sz="1600" dirty="0" err="1">
+                <a:latin typeface="Avenir Book" panose="02000503020000020003" pitchFamily="2" charset="0"/>
+              </a:rPr>
+              <a:t>Tuza</a:t>
+            </a:r>
+            <a:r>
+              <a:rPr lang="en-US" sz="1600" dirty="0">
+                <a:latin typeface="Avenir Book" panose="02000503020000020003" pitchFamily="2" charset="0"/>
+              </a:rPr>
+              <a:t>, R. Murray. BioCRNpyler: Compiling Chemical Reaction Networks from Biomolecular Parts in Diverse Contexts. </a:t>
+            </a:r>
+            <a:r>
+              <a:rPr lang="en-US" sz="1600" i="1" dirty="0" err="1">
+                <a:latin typeface="Avenir Book" panose="02000503020000020003" pitchFamily="2" charset="0"/>
+              </a:rPr>
+              <a:t>Biorxiv</a:t>
+            </a:r>
+            <a:r>
+              <a:rPr lang="en-US" sz="1600" dirty="0">
+                <a:latin typeface="Avenir Book" panose="02000503020000020003" pitchFamily="2" charset="0"/>
+              </a:rPr>
+              <a:t>. 2020.</a:t>
+            </a:r>
+          </a:p>
+          <a:p>
+            <a:r>
+              <a:rPr lang="en-US" sz="1600" dirty="0">
+                <a:latin typeface="Avenir Book" panose="02000503020000020003" pitchFamily="2" charset="0"/>
+              </a:rPr>
+              <a:t>8) Anand Swaminathan, W. Poole, V. Hsiao, R. Murray. Fast and flexible simulation and parameter estimation for synthetic biology using bioscrape. </a:t>
+            </a:r>
+            <a:r>
+              <a:rPr lang="en-US" sz="1600" i="1" dirty="0" err="1">
+                <a:latin typeface="Avenir Book" panose="02000503020000020003" pitchFamily="2" charset="0"/>
+              </a:rPr>
+              <a:t>Biorxiv</a:t>
+            </a:r>
+            <a:r>
+              <a:rPr lang="en-US" sz="1600" dirty="0">
+                <a:latin typeface="Avenir Book" panose="02000503020000020003" pitchFamily="2" charset="0"/>
+              </a:rPr>
+              <a:t>. 2019.</a:t>
+            </a:r>
+          </a:p>
+          <a:p>
+            <a:r>
+              <a:rPr lang="en-US" sz="1600" dirty="0">
+                <a:latin typeface="Avenir Book" panose="02000503020000020003" pitchFamily="2" charset="0"/>
+              </a:rPr>
+              <a:t>9) </a:t>
+            </a:r>
+            <a:r>
+              <a:rPr lang="en-US" sz="1600" dirty="0" err="1">
+                <a:latin typeface="Avenir Book" panose="02000503020000020003" pitchFamily="2" charset="0"/>
+              </a:rPr>
+              <a:t>Ayush</a:t>
+            </a:r>
+            <a:r>
+              <a:rPr lang="en-US" sz="1600" dirty="0">
+                <a:latin typeface="Avenir Book" panose="02000503020000020003" pitchFamily="2" charset="0"/>
+              </a:rPr>
+              <a:t> Pandey, W. Poole, Z. </a:t>
+            </a:r>
+            <a:r>
+              <a:rPr lang="en-US" sz="1600" dirty="0" err="1">
+                <a:latin typeface="Avenir Book" panose="02000503020000020003" pitchFamily="2" charset="0"/>
+              </a:rPr>
+              <a:t>Tuza</a:t>
+            </a:r>
+            <a:r>
+              <a:rPr lang="en-US" sz="1600" dirty="0">
+                <a:latin typeface="Avenir Book" panose="02000503020000020003" pitchFamily="2" charset="0"/>
+              </a:rPr>
+              <a:t>, </a:t>
+            </a:r>
+            <a:r>
+              <a:rPr lang="en-US" sz="1600" i="1" dirty="0">
+                <a:latin typeface="Avenir Book" panose="02000503020000020003" pitchFamily="2" charset="0"/>
+              </a:rPr>
+              <a:t>sub-</a:t>
+            </a:r>
+            <a:r>
+              <a:rPr lang="en-US" sz="1600" i="1" dirty="0" err="1">
+                <a:latin typeface="Avenir Book" panose="02000503020000020003" pitchFamily="2" charset="0"/>
+              </a:rPr>
+              <a:t>sbml</a:t>
+            </a:r>
+            <a:r>
+              <a:rPr lang="en-US" sz="1600" i="1" dirty="0">
+                <a:latin typeface="Avenir Book" panose="02000503020000020003" pitchFamily="2" charset="0"/>
+              </a:rPr>
+              <a:t>, </a:t>
+            </a:r>
+            <a:r>
+              <a:rPr lang="en-US" sz="1600" dirty="0">
+                <a:latin typeface="Avenir Book" panose="02000503020000020003" pitchFamily="2" charset="0"/>
+                <a:hlinkClick r:id="rId6"/>
+              </a:rPr>
+              <a:t>https://github.com/BuildACell/subsbml</a:t>
+            </a:r>
+            <a:endParaRPr lang="en-US" sz="1600" dirty="0">
+              <a:latin typeface="Avenir Book" panose="02000503020000020003" pitchFamily="2" charset="0"/>
+            </a:endParaRPr>
+          </a:p>
+          <a:p>
+            <a:r>
+              <a:rPr lang="en-US" sz="1600" dirty="0">
+                <a:latin typeface="Avenir Book" panose="02000503020000020003" pitchFamily="2" charset="0"/>
+              </a:rPr>
+              <a:t>10) </a:t>
+            </a:r>
+            <a:r>
+              <a:rPr lang="en-US" sz="1600" dirty="0" err="1">
+                <a:latin typeface="Avenir Book" panose="02000503020000020003" pitchFamily="2" charset="0"/>
+              </a:rPr>
+              <a:t>Agrima</a:t>
+            </a:r>
+            <a:r>
+              <a:rPr lang="en-US" sz="1600" dirty="0">
+                <a:latin typeface="Avenir Book" panose="02000503020000020003" pitchFamily="2" charset="0"/>
+              </a:rPr>
+              <a:t> </a:t>
+            </a:r>
+            <a:r>
+              <a:rPr lang="en-US" sz="1600" dirty="0" err="1">
+                <a:latin typeface="Avenir Book" panose="02000503020000020003" pitchFamily="2" charset="0"/>
+              </a:rPr>
+              <a:t>Deedwania</a:t>
+            </a:r>
+            <a:r>
+              <a:rPr lang="en-US" sz="1600" dirty="0">
+                <a:latin typeface="Avenir Book" panose="02000503020000020003" pitchFamily="2" charset="0"/>
+              </a:rPr>
+              <a:t>, </a:t>
+            </a:r>
+            <a:r>
+              <a:rPr lang="en-US" sz="1600" dirty="0">
+                <a:latin typeface="Avenir Book" panose="02000503020000020003" pitchFamily="2" charset="0"/>
+                <a:hlinkClick r:id="rId7"/>
+              </a:rPr>
+              <a:t>https://github.com/agrimadeedwania</a:t>
+            </a:r>
+            <a:endParaRPr lang="en-US" sz="1600" dirty="0">
+              <a:latin typeface="Avenir Book" panose="02000503020000020003" pitchFamily="2" charset="0"/>
+            </a:endParaRPr>
+          </a:p>
+          <a:p>
+            <a:r>
+              <a:rPr lang="en-US" sz="1600" dirty="0">
+                <a:latin typeface="Avenir Book" panose="02000503020000020003" pitchFamily="2" charset="0"/>
+              </a:rPr>
+              <a:t>11) Ankita Roychoudhury, </a:t>
+            </a:r>
+            <a:r>
+              <a:rPr lang="en-US" sz="1600" dirty="0">
+                <a:latin typeface="Avenir Book" panose="02000503020000020003" pitchFamily="2" charset="0"/>
+                <a:hlinkClick r:id="rId8"/>
+              </a:rPr>
+              <a:t>https://github.com/AnkitaRoychoudhury/ug_murray</a:t>
+            </a:r>
+            <a:endParaRPr lang="en-US" sz="1600" dirty="0">
+              <a:latin typeface="Avenir Book" panose="02000503020000020003" pitchFamily="2" charset="0"/>
+            </a:endParaRPr>
+          </a:p>
+          <a:p>
+            <a:endParaRPr lang="en-US" sz="1600" dirty="0">
+              <a:latin typeface="Avenir Book" panose="02000503020000020003" pitchFamily="2" charset="0"/>
+              <a:ea typeface="Cambria Math" panose="02040503050406030204" pitchFamily="18" charset="0"/>
+            </a:endParaRPr>
           </a:p>
         </p:txBody>
       </p:sp>
@@ -5952,8 +6277,8 @@
         </p:nvSpPr>
         <p:spPr>
           <a:xfrm>
-            <a:off x="20116802" y="35623502"/>
-            <a:ext cx="18108856" cy="915629"/>
+            <a:off x="22320530" y="35463476"/>
+            <a:ext cx="3553589" cy="915629"/>
           </a:xfrm>
           <a:prstGeom prst="rect">
             <a:avLst/>
@@ -5971,7 +6296,7 @@
                 <a:latin typeface="Avenir Book" panose="02000503020000020003" pitchFamily="2" charset="0"/>
                 <a:ea typeface="Cambria Math" panose="02040503050406030204" pitchFamily="18" charset="0"/>
               </a:rPr>
-              <a:t>References THANK YOU TO SAMEL KRON AND FELLOW</a:t>
+              <a:t>References</a:t>
             </a:r>
           </a:p>
         </p:txBody>
@@ -5987,7 +6312,7 @@
         <p:spPr bwMode="auto">
           <a:xfrm>
             <a:off x="1645920" y="6675120"/>
-            <a:ext cx="11704320" cy="7971389"/>
+            <a:ext cx="11704320" cy="7725167"/>
           </a:xfrm>
           <a:prstGeom prst="rect">
             <a:avLst/>
@@ -6108,10 +6433,10 @@
           </a:lstStyle>
           <a:p>
             <a:r>
-              <a:rPr lang="en-US" sz="3100" dirty="0">
+              <a:rPr lang="en-US" sz="3000" dirty="0">
                 <a:latin typeface="Avenir Book" panose="02000503020000020003" pitchFamily="2" charset="0"/>
               </a:rPr>
-              <a:t>In synthetic cell protein synthesis, a common limiting factor is the energy supply for transcription and translation. By studying computational and mathematical models of various ATP regeneration mechanisms in synthetic cells, we aim to propose experimental methods for ATP life extension. We use available software tools to study two models. These allow us to develop and study mass action models by implementing simple chemical reaction networks. Our simulations show that a glucose metabolic pathway can extend lifetime of ATP up to about 60 hours. Integrating ATP synthase can also independently lengthen the lifetime of ATP to various times depending on the implemented proton gradient mechanism. To ensure prolonged synthetic cell protein synthesis, either the glucose pathway or ATP synthase mechanism can be used. In the future, it will be useful to perform wet-lab experiments in order to compare our model to data.</a:t>
+              <a:t>In synthetic cell protein synthesis, a potential limiting factor is the energy supply for transcription and translation. By computationally studying mathematical models of various ATP regeneration mechanisms in synthetic cells, we aim to propose experimental methods for ATP life extension. We use available software tools to study two models. These allow us to develop and study mass-action models by implementing simple chemical reaction networks. Our simulations show that a glucose metabolic pathway can extend lifetime of ATP up to about 60 hours. Integrating ATP synthase can also lengthen the lifetime of ATP to various times depending on the implemented proton gradient mechanism. These simulations will help us understand if ATP is truly the limiting factor. To ensure prolonged synthetic cell protein synthesis, either the glucose pathway or ATP synthase mechanism can be used. In the future, it will be useful to perform wet-lab experiments in order to compare our model to data.</a:t>
             </a:r>
           </a:p>
         </p:txBody>
@@ -6185,7 +6510,7 @@
         <p:spPr bwMode="auto">
           <a:xfrm>
             <a:off x="14264640" y="15648831"/>
-            <a:ext cx="11704320" cy="7540502"/>
+            <a:ext cx="11704320" cy="9110162"/>
           </a:xfrm>
           <a:prstGeom prst="rect">
             <a:avLst/>
@@ -6307,35 +6632,41 @@
           <a:p>
             <a:pPr eaLnBrk="1" hangingPunct="1"/>
             <a:r>
-              <a:rPr lang="en-US" sz="2600" dirty="0">
+              <a:rPr lang="en-US" sz="3000" i="1" dirty="0">
                 <a:latin typeface="Avenir Book" panose="02000503020000020003" pitchFamily="2" charset="0"/>
                 <a:ea typeface="Cambria Math" panose="02040503050406030204" pitchFamily="18" charset="0"/>
               </a:rPr>
-              <a:t>In regards to the ATP rheostat model, we were able to show that ATP life extension can be achieved. First, we chose to implement an enzymatic mechanism by which every step of the pathway would follow, shown in Figure 3 below. After choosing parameters based on literature, we simulated the pathway by using BioCRNpyler, bioscrape, and </a:t>
-            </a:r>
-            <a:r>
-              <a:rPr lang="en-US" sz="2600" dirty="0" err="1">
+              <a:t>ATP Life Extension can be modeled with BioCRNpyler and Bioscrape</a:t>
+            </a:r>
+          </a:p>
+          <a:p>
+            <a:pPr eaLnBrk="1" hangingPunct="1"/>
+            <a:r>
+              <a:rPr lang="en-US" sz="3000" dirty="0">
                 <a:latin typeface="Avenir Book" panose="02000503020000020003" pitchFamily="2" charset="0"/>
                 <a:ea typeface="Cambria Math" panose="02040503050406030204" pitchFamily="18" charset="0"/>
               </a:rPr>
-              <a:t>sbml</a:t>
-            </a:r>
-            <a:r>
-              <a:rPr lang="en-US" sz="2600" dirty="0">
+              <a:t>For both models, we were able to show that ATP life extension can be achieved. After choosing parameters based on literature for the ATP rheostat, we simulated the pathway, shown in Figure 6 below. We note that there is isobutanol production and glucose consumption, as expected (Fig 6a). The lifetime of ATP is extended when the rheostat is implemented compared to when we only model ATP use (Fig 6b). The ATP use case is included in all simulations to represent ATP consumed by TX/TL.</a:t>
+            </a:r>
+          </a:p>
+          <a:p>
+            <a:pPr eaLnBrk="1" hangingPunct="1"/>
+            <a:r>
+              <a:rPr lang="en-US" sz="3000" dirty="0">
                 <a:latin typeface="Avenir Book" panose="02000503020000020003" pitchFamily="2" charset="0"/>
                 <a:ea typeface="Cambria Math" panose="02040503050406030204" pitchFamily="18" charset="0"/>
               </a:rPr>
-              <a:t>. The simulations are shown in Figure 4 below. We can see that there is isobutanol production and glucose consumption, as expected (Fig 4a). There is also extended ATP lifetime when the rheostat is implemented compared to when we only model ATP hydrolysis (Fig 4b). The ATP use case is included in all simulations to represent ATP consumed by TX/TL.</a:t>
+              <a:t>The three main components of this ATP synthase are ATP synthesis via ATP synthase, proton gradient maintenance via a proton pump, and ATP use. When we include the proton pump, ATP is completely regenerated and can reach a higher steady state (Fig 7 ab), confirming that a proton gradient is necessary for the success of the ATP synthase model.</a:t>
             </a:r>
           </a:p>
           <a:p>
             <a:pPr eaLnBrk="1" hangingPunct="1"/>
             <a:r>
-              <a:rPr lang="en-US" sz="2600" dirty="0">
+              <a:rPr lang="en-US" sz="3000" dirty="0">
                 <a:latin typeface="Avenir Book" panose="02000503020000020003" pitchFamily="2" charset="0"/>
                 <a:ea typeface="Cambria Math" panose="02040503050406030204" pitchFamily="18" charset="0"/>
               </a:rPr>
-              <a:t>We are also able to show ATP life extension via the ATP synthase model. The three main components of this model are ATP synthesis via ATP synthase, proton gradient maintenance via a proton pump, and ATP use (that is representative of ATP consumed by TX/TL). When we compare the simulation with ATP synthase + ATP use vs ATP use only (Fig 5a), we see that there is practically no ATP life extension (the lines completely overlap). Then, when we include the proton pump, ATP is completely regenerated and can reach a higher steady state (Fig 5b). </a:t>
+              <a:t>The ability to combine different models is one of the challenges of synthetic biology. Thus, we attempted to integrate our ATP life extension models with others, such as the one shown in Figure 8.</a:t>
             </a:r>
           </a:p>
         </p:txBody>
@@ -6348,7 +6679,7 @@
         </p:nvSpPr>
         <p:spPr>
           <a:xfrm>
-            <a:off x="1645920" y="14820536"/>
+            <a:off x="1645920" y="14847262"/>
             <a:ext cx="11704320" cy="822960"/>
           </a:xfrm>
           <a:prstGeom prst="rect">
@@ -6409,7 +6740,7 @@
         <p:spPr bwMode="auto">
           <a:xfrm>
             <a:off x="14264640" y="6675120"/>
-            <a:ext cx="11704320" cy="7940611"/>
+            <a:ext cx="11704320" cy="5639981"/>
           </a:xfrm>
           <a:prstGeom prst="rect">
             <a:avLst/>
@@ -6531,87 +6862,65 @@
           <a:p>
             <a:pPr eaLnBrk="1" hangingPunct="1"/>
             <a:r>
-              <a:rPr lang="en-US" sz="2600" dirty="0">
+              <a:rPr lang="en-US" sz="2650" i="1" dirty="0">
                 <a:latin typeface="Avenir Book" panose="02000503020000020003" pitchFamily="2" charset="0"/>
               </a:rPr>
+              <a:t>Different software packages were used for model simulation</a:t>
+            </a:r>
+          </a:p>
+          <a:p>
+            <a:pPr eaLnBrk="1" hangingPunct="1"/>
+            <a:r>
+              <a:rPr lang="en-US" sz="2650" dirty="0">
+                <a:latin typeface="Avenir Book" panose="02000503020000020003" pitchFamily="2" charset="0"/>
+              </a:rPr>
               <a:t>We used multiple software packages in order to test the hypothesis </a:t>
             </a:r>
             <a:r>
-              <a:rPr lang="en-US" sz="2600" i="1" dirty="0">
+              <a:rPr lang="en-US" sz="2650" i="1" dirty="0">
                 <a:latin typeface="Avenir Book" panose="02000503020000020003" pitchFamily="2" charset="0"/>
               </a:rPr>
               <a:t>in silico.</a:t>
             </a:r>
             <a:r>
-              <a:rPr lang="en-US" sz="2600" dirty="0">
+              <a:rPr lang="en-US" sz="2650" dirty="0">
                 <a:latin typeface="Avenir Book" panose="02000503020000020003" pitchFamily="2" charset="0"/>
               </a:rPr>
-              <a:t> In particular, we used BioCRNpyler, bioscrape, autoReduce, SBML, and sub-</a:t>
-            </a:r>
-            <a:r>
-              <a:rPr lang="en-US" sz="2600" dirty="0" err="1">
+              <a:t> In particular, we used BioCRNpyler, bioscrape, SBML, and sub-</a:t>
+            </a:r>
+            <a:r>
+              <a:rPr lang="en-US" sz="2650" dirty="0" err="1">
                 <a:latin typeface="Avenir Book" panose="02000503020000020003" pitchFamily="2" charset="0"/>
               </a:rPr>
               <a:t>sbml</a:t>
             </a:r>
             <a:r>
-              <a:rPr lang="en-US" sz="2600" dirty="0">
+              <a:rPr lang="en-US" sz="2650" dirty="0">
                 <a:latin typeface="Avenir Book" panose="02000503020000020003" pitchFamily="2" charset="0"/>
               </a:rPr>
-              <a:t>. Various software packages, such as BioCRNpyler, bioscrape, and autoReduce are being actively developed by members of Murray Lab. Biocrnpyler is an object-oriented framework (written in Python). Given simple descriptions, the software can generate chemical reaction networks, or CRNs. These are outputted as SBML files. SBML is a model representation format, which uses the language XML and commonly used in systems and synthetic biology. We then used bioscrape as a CRN simulator. Given an SBML file, bioscrape can solve the system and returns an output of results that can be simply visualized. Sub-</a:t>
-            </a:r>
-            <a:r>
-              <a:rPr lang="en-US" sz="2600" dirty="0" err="1">
+              <a:t> [7,8,9]. Biocrnpyler is an object-oriented framework (written in Python). Given simple descriptions, the software can generate chemical reaction networks (CRNs). These are outputted as SBML files. SBML is a model representation format, which uses the language XML and is commonly used in systems and synthetic biology. We then used bioscrape as a CRN simulator. Given an SBML file, bioscrape can solve the system and return an output of results that can be visualized. Sub-</a:t>
+            </a:r>
+            <a:r>
+              <a:rPr lang="en-US" sz="2650" dirty="0" err="1">
                 <a:latin typeface="Avenir Book" panose="02000503020000020003" pitchFamily="2" charset="0"/>
               </a:rPr>
               <a:t>sbml</a:t>
             </a:r>
             <a:r>
-              <a:rPr lang="en-US" sz="2600" dirty="0">
+              <a:rPr lang="en-US" sz="2650" dirty="0">
                 <a:latin typeface="Avenir Book" panose="02000503020000020003" pitchFamily="2" charset="0"/>
               </a:rPr>
-              <a:t> was also used because it can </a:t>
-            </a:r>
-            <a:r>
-              <a:rPr lang="en-US" sz="2600" dirty="0">
+              <a:t> was also used because it </a:t>
+            </a:r>
+            <a:r>
+              <a:rPr lang="en-US" sz="2650" dirty="0">
                 <a:latin typeface="Avenir Book" panose="02000503020000020003" pitchFamily="2" charset="0"/>
                 <a:ea typeface="Arial"/>
                 <a:cs typeface="Arial"/>
                 <a:sym typeface="Arial"/>
               </a:rPr>
-              <a:t>combine and model interactions between more than one SBML model. More specifically, sub-</a:t>
-            </a:r>
-            <a:r>
-              <a:rPr lang="en-US" sz="2600" dirty="0" err="1">
-                <a:latin typeface="Avenir Book" panose="02000503020000020003" pitchFamily="2" charset="0"/>
-                <a:ea typeface="Arial"/>
-                <a:cs typeface="Arial"/>
-                <a:sym typeface="Arial"/>
-              </a:rPr>
-              <a:t>sbml</a:t>
-            </a:r>
-            <a:r>
-              <a:rPr lang="en-US" sz="2600" dirty="0">
-                <a:latin typeface="Avenir Book" panose="02000503020000020003" pitchFamily="2" charset="0"/>
-                <a:ea typeface="Arial"/>
-                <a:cs typeface="Arial"/>
-                <a:sym typeface="Arial"/>
-              </a:rPr>
-              <a:t> allows for the creation of subsystems, the ability to combine multiple subsystems, and the ability to model interactions like the molecule transport and membrane diffusion. </a:t>
-            </a:r>
-          </a:p>
-          <a:p>
-            <a:pPr eaLnBrk="1" hangingPunct="1"/>
-            <a:r>
-              <a:rPr lang="en-US" sz="2600" dirty="0">
-                <a:latin typeface="Avenir Book" panose="02000503020000020003" pitchFamily="2" charset="0"/>
-              </a:rPr>
-              <a:t>AutoReduce is a Python-based tool that is used for model reduction of input-controlled biological circuits [15]. This tool helped with parameter extraction that is relevant to biological experiments with the assumptions made (such as time-scale separation with the quasi-steady state assumption).</a:t>
-            </a:r>
-            <a:endParaRPr lang="en-US" sz="2600" dirty="0">
-              <a:latin typeface="Avenir Book" panose="02000503020000020003" pitchFamily="2" charset="0"/>
-              <a:ea typeface="Cambria Math" panose="02040503050406030204" pitchFamily="18" charset="0"/>
-            </a:endParaRPr>
+              <a:t>allows for the creation of subsystems, the ability to combine multiple subsystems, and the ability to model interactions such as molecule transport and membrane diffusion. A typical workflow is shown in Figure 5. </a:t>
+            </a:r>
           </a:p>
         </p:txBody>
       </p:sp>
@@ -6673,9 +6982,333 @@
           </a:p>
         </p:txBody>
       </p:sp>
+      <p:grpSp>
+        <p:nvGrpSpPr>
+          <p:cNvPr id="108" name="Group 107">
+            <a:extLst>
+              <a:ext uri="{FF2B5EF4-FFF2-40B4-BE49-F238E27FC236}">
+                <a16:creationId xmlns:a16="http://schemas.microsoft.com/office/drawing/2014/main" id="{30749613-8470-084B-9BDD-8CC6295D6685}"/>
+              </a:ext>
+            </a:extLst>
+          </p:cNvPr>
+          <p:cNvGrpSpPr/>
+          <p:nvPr/>
+        </p:nvGrpSpPr>
+        <p:grpSpPr>
+          <a:xfrm>
+            <a:off x="26619747" y="12685682"/>
+            <a:ext cx="11704320" cy="7563242"/>
+            <a:chOff x="26883360" y="14820336"/>
+            <a:chExt cx="11704320" cy="7563242"/>
+          </a:xfrm>
+        </p:grpSpPr>
+        <p:sp>
+          <p:nvSpPr>
+            <p:cNvPr id="12" name="Text Box 191"/>
+            <p:cNvSpPr txBox="1">
+              <a:spLocks noChangeArrowheads="1"/>
+            </p:cNvSpPr>
+            <p:nvPr/>
+          </p:nvSpPr>
+          <p:spPr bwMode="auto">
+            <a:xfrm>
+              <a:off x="26883360" y="15643296"/>
+              <a:ext cx="11704320" cy="6740282"/>
+            </a:xfrm>
+            <a:prstGeom prst="rect">
+              <a:avLst/>
+            </a:prstGeom>
+            <a:solidFill>
+              <a:schemeClr val="bg1"/>
+            </a:solidFill>
+            <a:ln w="12700">
+              <a:solidFill>
+                <a:schemeClr val="accent1">
+                  <a:lumMod val="75000"/>
+                </a:schemeClr>
+              </a:solidFill>
+            </a:ln>
+            <a:effectLst/>
+          </p:spPr>
+          <p:txBody>
+            <a:bodyPr lIns="167628" tIns="167628" rIns="167628" bIns="167628">
+              <a:spAutoFit/>
+            </a:bodyPr>
+            <a:lstStyle>
+              <a:lvl1pPr eaLnBrk="0" hangingPunct="0">
+                <a:defRPr sz="2200">
+                  <a:solidFill>
+                    <a:schemeClr val="tx1"/>
+                  </a:solidFill>
+                  <a:latin typeface="Arial" charset="0"/>
+                </a:defRPr>
+              </a:lvl1pPr>
+              <a:lvl2pPr marL="742950" indent="-285750" eaLnBrk="0" hangingPunct="0">
+                <a:defRPr sz="2200">
+                  <a:solidFill>
+                    <a:schemeClr val="tx1"/>
+                  </a:solidFill>
+                  <a:latin typeface="Arial" charset="0"/>
+                </a:defRPr>
+              </a:lvl2pPr>
+              <a:lvl3pPr marL="1143000" indent="-228600" eaLnBrk="0" hangingPunct="0">
+                <a:defRPr sz="2200">
+                  <a:solidFill>
+                    <a:schemeClr val="tx1"/>
+                  </a:solidFill>
+                  <a:latin typeface="Arial" charset="0"/>
+                </a:defRPr>
+              </a:lvl3pPr>
+              <a:lvl4pPr marL="1600200" indent="-228600" eaLnBrk="0" hangingPunct="0">
+                <a:defRPr sz="2200">
+                  <a:solidFill>
+                    <a:schemeClr val="tx1"/>
+                  </a:solidFill>
+                  <a:latin typeface="Arial" charset="0"/>
+                </a:defRPr>
+              </a:lvl4pPr>
+              <a:lvl5pPr marL="2057400" indent="-228600" eaLnBrk="0" hangingPunct="0">
+                <a:defRPr sz="2200">
+                  <a:solidFill>
+                    <a:schemeClr val="tx1"/>
+                  </a:solidFill>
+                  <a:latin typeface="Arial" charset="0"/>
+                </a:defRPr>
+              </a:lvl5pPr>
+              <a:lvl6pPr marL="2514600" indent="-228600" eaLnBrk="0" fontAlgn="base" hangingPunct="0">
+                <a:spcBef>
+                  <a:spcPct val="0"/>
+                </a:spcBef>
+                <a:spcAft>
+                  <a:spcPct val="0"/>
+                </a:spcAft>
+                <a:defRPr sz="2200">
+                  <a:solidFill>
+                    <a:schemeClr val="tx1"/>
+                  </a:solidFill>
+                  <a:latin typeface="Arial" charset="0"/>
+                </a:defRPr>
+              </a:lvl6pPr>
+              <a:lvl7pPr marL="2971800" indent="-228600" eaLnBrk="0" fontAlgn="base" hangingPunct="0">
+                <a:spcBef>
+                  <a:spcPct val="0"/>
+                </a:spcBef>
+                <a:spcAft>
+                  <a:spcPct val="0"/>
+                </a:spcAft>
+                <a:defRPr sz="2200">
+                  <a:solidFill>
+                    <a:schemeClr val="tx1"/>
+                  </a:solidFill>
+                  <a:latin typeface="Arial" charset="0"/>
+                </a:defRPr>
+              </a:lvl7pPr>
+              <a:lvl8pPr marL="3429000" indent="-228600" eaLnBrk="0" fontAlgn="base" hangingPunct="0">
+                <a:spcBef>
+                  <a:spcPct val="0"/>
+                </a:spcBef>
+                <a:spcAft>
+                  <a:spcPct val="0"/>
+                </a:spcAft>
+                <a:defRPr sz="2200">
+                  <a:solidFill>
+                    <a:schemeClr val="tx1"/>
+                  </a:solidFill>
+                  <a:latin typeface="Arial" charset="0"/>
+                </a:defRPr>
+              </a:lvl8pPr>
+              <a:lvl9pPr marL="3886200" indent="-228600" eaLnBrk="0" fontAlgn="base" hangingPunct="0">
+                <a:spcBef>
+                  <a:spcPct val="0"/>
+                </a:spcBef>
+                <a:spcAft>
+                  <a:spcPct val="0"/>
+                </a:spcAft>
+                <a:defRPr sz="2200">
+                  <a:solidFill>
+                    <a:schemeClr val="tx1"/>
+                  </a:solidFill>
+                  <a:latin typeface="Arial" charset="0"/>
+                </a:defRPr>
+              </a:lvl9pPr>
+            </a:lstStyle>
+            <a:p>
+              <a:pPr eaLnBrk="1" hangingPunct="1"/>
+              <a:r>
+                <a:rPr lang="en-US" sz="3200" i="1" dirty="0">
+                  <a:latin typeface="Avenir Book" panose="02000503020000020003" pitchFamily="2" charset="0"/>
+                  <a:ea typeface="Cambria Math" panose="02040503050406030204" pitchFamily="18" charset="0"/>
+                </a:rPr>
+                <a:t>Our models can be integrated with others</a:t>
+              </a:r>
+            </a:p>
+            <a:p>
+              <a:pPr eaLnBrk="1" hangingPunct="1"/>
+              <a:r>
+                <a:rPr lang="en-US" sz="3200" dirty="0">
+                  <a:latin typeface="Avenir Book" panose="02000503020000020003" pitchFamily="2" charset="0"/>
+                  <a:ea typeface="Cambria Math" panose="02040503050406030204" pitchFamily="18" charset="0"/>
+                </a:rPr>
+                <a:t>It is important to combine these models with others to understand and confirm their effects. This was done with </a:t>
+              </a:r>
+              <a:r>
+                <a:rPr lang="en-US" sz="3200" dirty="0" err="1">
+                  <a:latin typeface="Avenir Book" panose="02000503020000020003" pitchFamily="2" charset="0"/>
+                  <a:ea typeface="Cambria Math" panose="02040503050406030204" pitchFamily="18" charset="0"/>
+                </a:rPr>
+                <a:t>Agrima</a:t>
+              </a:r>
+              <a:r>
+                <a:rPr lang="en-US" sz="3200" dirty="0">
+                  <a:latin typeface="Avenir Book" panose="02000503020000020003" pitchFamily="2" charset="0"/>
+                  <a:ea typeface="Cambria Math" panose="02040503050406030204" pitchFamily="18" charset="0"/>
+                </a:rPr>
+                <a:t> </a:t>
+              </a:r>
+              <a:r>
+                <a:rPr lang="en-US" sz="3200" dirty="0" err="1">
+                  <a:latin typeface="Avenir Book" panose="02000503020000020003" pitchFamily="2" charset="0"/>
+                  <a:ea typeface="Cambria Math" panose="02040503050406030204" pitchFamily="18" charset="0"/>
+                </a:rPr>
+                <a:t>Deedwania’s</a:t>
+              </a:r>
+              <a:r>
+                <a:rPr lang="en-US" sz="3200" dirty="0">
+                  <a:latin typeface="Avenir Book" panose="02000503020000020003" pitchFamily="2" charset="0"/>
+                  <a:ea typeface="Cambria Math" panose="02040503050406030204" pitchFamily="18" charset="0"/>
+                </a:rPr>
+                <a:t> (IIT Delhi) single-stranded DNA (ssDNA) export model [10], schematic shown in Figure 8. We notice that when both ATP regeneration models are separately combined with the export model, there is more bound VirE2 and faster ssDNA export (Fig 9 </a:t>
+              </a:r>
+              <a:r>
+                <a:rPr lang="en-US" sz="3200" dirty="0" err="1">
+                  <a:latin typeface="Avenir Book" panose="02000503020000020003" pitchFamily="2" charset="0"/>
+                  <a:ea typeface="Cambria Math" panose="02040503050406030204" pitchFamily="18" charset="0"/>
+                </a:rPr>
+                <a:t>bc</a:t>
+              </a:r>
+              <a:r>
+                <a:rPr lang="en-US" sz="3200" dirty="0">
+                  <a:latin typeface="Avenir Book" panose="02000503020000020003" pitchFamily="2" charset="0"/>
+                  <a:ea typeface="Cambria Math" panose="02040503050406030204" pitchFamily="18" charset="0"/>
+                </a:rPr>
+                <a:t>). </a:t>
+              </a:r>
+              <a:r>
+                <a:rPr lang="en-US" sz="3200" dirty="0">
+                  <a:latin typeface="Avenir Book" panose="02000503020000020003" pitchFamily="2" charset="0"/>
+                </a:rPr>
+                <a:t>We also studied the effects of temperature on our model as a potential method to control the rates of ATP regeneration </a:t>
+              </a:r>
+              <a:r>
+                <a:rPr lang="en-US" sz="3200" dirty="0">
+                  <a:latin typeface="Avenir Book" panose="02000503020000020003" pitchFamily="2" charset="0"/>
+                  <a:ea typeface="Cambria Math" panose="02040503050406030204" pitchFamily="18" charset="0"/>
+                </a:rPr>
+                <a:t>– </a:t>
+              </a:r>
+              <a:r>
+                <a:rPr lang="en-US" sz="3200" dirty="0" err="1">
+                  <a:latin typeface="Avenir Book" panose="02000503020000020003" pitchFamily="2" charset="0"/>
+                  <a:ea typeface="Cambria Math" panose="02040503050406030204" pitchFamily="18" charset="0"/>
+                </a:rPr>
+                <a:t>Ayush</a:t>
+              </a:r>
+              <a:r>
+                <a:rPr lang="en-US" sz="3200" dirty="0">
+                  <a:latin typeface="Avenir Book" panose="02000503020000020003" pitchFamily="2" charset="0"/>
+                  <a:ea typeface="Cambria Math" panose="02040503050406030204" pitchFamily="18" charset="0"/>
+                </a:rPr>
+                <a:t> Venkatesh </a:t>
+              </a:r>
+              <a:r>
+                <a:rPr lang="en-US" sz="3200" dirty="0" err="1">
+                  <a:latin typeface="Avenir Book" panose="02000503020000020003" pitchFamily="2" charset="0"/>
+                  <a:ea typeface="Cambria Math" panose="02040503050406030204" pitchFamily="18" charset="0"/>
+                </a:rPr>
+                <a:t>Bindlish’s</a:t>
+              </a:r>
+              <a:r>
+                <a:rPr lang="en-US" sz="3200" dirty="0">
+                  <a:latin typeface="Avenir Book" panose="02000503020000020003" pitchFamily="2" charset="0"/>
+                  <a:ea typeface="Cambria Math" panose="02040503050406030204" pitchFamily="18" charset="0"/>
+                </a:rPr>
+                <a:t> (IIT Delhi) model (Figure 10). Results are shown in Figure 11. </a:t>
+              </a:r>
+            </a:p>
+            <a:p>
+              <a:pPr eaLnBrk="1" hangingPunct="1"/>
+              <a:r>
+                <a:rPr lang="en-US" sz="3200" dirty="0">
+                  <a:latin typeface="Avenir Book" panose="02000503020000020003" pitchFamily="2" charset="0"/>
+                  <a:ea typeface="Cambria Math" panose="02040503050406030204" pitchFamily="18" charset="0"/>
+                </a:rPr>
+                <a:t>Going forward, it will be useful to validate and test these claims with experiments.</a:t>
+              </a:r>
+            </a:p>
+          </p:txBody>
+        </p:sp>
+        <p:sp>
+          <p:nvSpPr>
+            <p:cNvPr id="35" name="Rectangle 34"/>
+            <p:cNvSpPr/>
+            <p:nvPr/>
+          </p:nvSpPr>
+          <p:spPr>
+            <a:xfrm>
+              <a:off x="26883360" y="14820336"/>
+              <a:ext cx="11704320" cy="822960"/>
+            </a:xfrm>
+            <a:prstGeom prst="rect">
+              <a:avLst/>
+            </a:prstGeom>
+            <a:solidFill>
+              <a:schemeClr val="accent1">
+                <a:lumMod val="75000"/>
+              </a:schemeClr>
+            </a:solidFill>
+            <a:ln w="12700"/>
+          </p:spPr>
+          <p:style>
+            <a:lnRef idx="2">
+              <a:schemeClr val="accent1">
+                <a:shade val="50000"/>
+              </a:schemeClr>
+            </a:lnRef>
+            <a:fillRef idx="1">
+              <a:schemeClr val="accent1"/>
+            </a:fillRef>
+            <a:effectRef idx="0">
+              <a:schemeClr val="accent1"/>
+            </a:effectRef>
+            <a:fontRef idx="minor">
+              <a:schemeClr val="lt1"/>
+            </a:fontRef>
+          </p:style>
+          <p:txBody>
+            <a:bodyPr lIns="83814" tIns="41907" rIns="83814" bIns="41907" rtlCol="0" anchor="ctr"/>
+            <a:lstStyle/>
+            <a:p>
+              <a:pPr algn="ctr"/>
+              <a:r>
+                <a:rPr lang="en-US" sz="5400" dirty="0">
+                  <a:solidFill>
+                    <a:schemeClr val="accent3">
+                      <a:lumMod val="20000"/>
+                      <a:lumOff val="80000"/>
+                    </a:schemeClr>
+                  </a:solidFill>
+                  <a:latin typeface="Avenir Book" panose="02000503020000020003" pitchFamily="2" charset="0"/>
+                  <a:ea typeface="Cambria Math" panose="02040503050406030204" pitchFamily="18" charset="0"/>
+                </a:rPr>
+                <a:t>Discussion</a:t>
+              </a:r>
+            </a:p>
+          </p:txBody>
+        </p:sp>
+      </p:grpSp>
       <p:sp>
         <p:nvSpPr>
-          <p:cNvPr id="12" name="Text Box 191"/>
+          <p:cNvPr id="14" name="Text Box 193"/>
           <p:cNvSpPr txBox="1">
             <a:spLocks noChangeArrowheads="1"/>
           </p:cNvSpPr>
@@ -6683,8 +7316,8 @@
         </p:nvSpPr>
         <p:spPr bwMode="auto">
           <a:xfrm>
-            <a:off x="26883360" y="15643296"/>
-            <a:ext cx="11704320" cy="9202495"/>
+            <a:off x="26895076" y="25784627"/>
+            <a:ext cx="11704320" cy="9402550"/>
           </a:xfrm>
           <a:prstGeom prst="rect">
             <a:avLst/>
@@ -6806,100 +7439,72 @@
           <a:p>
             <a:pPr eaLnBrk="1" hangingPunct="1"/>
             <a:r>
-              <a:rPr lang="en-US" sz="3200" dirty="0">
+              <a:rPr lang="en-US" sz="3100" i="1" dirty="0">
                 <a:latin typeface="Avenir Book" panose="02000503020000020003" pitchFamily="2" charset="0"/>
                 <a:ea typeface="Cambria Math" panose="02040503050406030204" pitchFamily="18" charset="0"/>
               </a:rPr>
-              <a:t>It is important to combine these models with others, such as ssDNA export or liposome fusion models, to understand and confirm the effects ATP life extension may have. This was done with </a:t>
-            </a:r>
-            <a:r>
-              <a:rPr lang="en-US" sz="3200" dirty="0" err="1">
+              <a:t>Experimental data will be necessary to validate our claims</a:t>
+            </a:r>
+          </a:p>
+          <a:p>
+            <a:pPr eaLnBrk="1" hangingPunct="1"/>
+            <a:r>
+              <a:rPr lang="en-US" sz="3100" dirty="0">
                 <a:latin typeface="Avenir Book" panose="02000503020000020003" pitchFamily="2" charset="0"/>
                 <a:ea typeface="Cambria Math" panose="02040503050406030204" pitchFamily="18" charset="0"/>
               </a:rPr>
-              <a:t>Agrima</a:t>
-            </a:r>
-            <a:r>
-              <a:rPr lang="en-US" sz="3200" dirty="0">
+              <a:t>In conclusion, we have been able to model two mechanisms for ATP regeneration in synthetic cells; the ATP rheostat and ATP synthase model. These </a:t>
+            </a:r>
+            <a:r>
+              <a:rPr lang="en-US" sz="3100" i="1" dirty="0">
                 <a:latin typeface="Avenir Book" panose="02000503020000020003" pitchFamily="2" charset="0"/>
                 <a:ea typeface="Cambria Math" panose="02040503050406030204" pitchFamily="18" charset="0"/>
               </a:rPr>
-              <a:t> </a:t>
-            </a:r>
-            <a:r>
-              <a:rPr lang="en-US" sz="3200" dirty="0" err="1">
+              <a:t>in silico</a:t>
+            </a:r>
+            <a:r>
+              <a:rPr lang="en-US" sz="3100" dirty="0">
                 <a:latin typeface="Avenir Book" panose="02000503020000020003" pitchFamily="2" charset="0"/>
                 <a:ea typeface="Cambria Math" panose="02040503050406030204" pitchFamily="18" charset="0"/>
               </a:rPr>
-              <a:t>Deedwania’s</a:t>
-            </a:r>
-            <a:r>
-              <a:rPr lang="en-US" sz="3200" dirty="0">
+              <a:t> results have allowed us to understand what parameter sets ensure desired ATP levels. A designer may choose a model based on the desired timescale and complexity of their experiment. </a:t>
+            </a:r>
+          </a:p>
+          <a:p>
+            <a:pPr eaLnBrk="1" hangingPunct="1"/>
+            <a:r>
+              <a:rPr lang="en-US" sz="3100" dirty="0">
                 <a:latin typeface="Avenir Book" panose="02000503020000020003" pitchFamily="2" charset="0"/>
                 <a:ea typeface="Cambria Math" panose="02040503050406030204" pitchFamily="18" charset="0"/>
               </a:rPr>
-              <a:t> (IIT Delhi) single-stranded DNA (ssDNA) export model. Her model included the integration of a membrane protein (VirE2) by which ssDNA could be exported. We notice that when both the ATP rheostat model is combined with the export model, there is more bound VirE2 and faster ssDNA export (Fig 6b). We notice more significant effects when combined with the ATP synthase model since the self-sufficient capability of this model ensure a longer timeline of ATP life extension (Fig 6c). </a:t>
-            </a:r>
-          </a:p>
-          <a:p>
-            <a:pPr eaLnBrk="1" hangingPunct="1"/>
-            <a:r>
-              <a:rPr lang="en-US" sz="3200" dirty="0">
+              <a:t>Validation of this project with experimental data will offer new information. The parameters implemented in this model are all presumed to be on the correct order of magnitude however there is minimal available data to confirm further accuracy. To continue, maintenance of a proton gradient mechanism for the ATP synthase model may be more challenging than depicted. Others have been able to use light-activated bacteriorhodopsin to develop a lasting gradient. Further, there are 15 additional enzymes that need to be expressed for the ATP rheostat pathway. This could lead to harmful side effects and rapid resource depletion </a:t>
+            </a:r>
+            <a:r>
+              <a:rPr lang="en-US" sz="3100" i="1" dirty="0">
                 <a:latin typeface="Avenir Book" panose="02000503020000020003" pitchFamily="2" charset="0"/>
                 <a:ea typeface="Cambria Math" panose="02040503050406030204" pitchFamily="18" charset="0"/>
               </a:rPr>
-              <a:t>We also investigated how the ATP synthase model may be effected by different temperatures – A collaboration with </a:t>
-            </a:r>
-            <a:r>
-              <a:rPr lang="en-US" sz="3200" dirty="0" err="1">
+              <a:t>in vitro</a:t>
+            </a:r>
+            <a:r>
+              <a:rPr lang="en-US" sz="3100" dirty="0">
                 <a:latin typeface="Avenir Book" panose="02000503020000020003" pitchFamily="2" charset="0"/>
                 <a:ea typeface="Cambria Math" panose="02040503050406030204" pitchFamily="18" charset="0"/>
               </a:rPr>
-              <a:t>Ayush</a:t>
-            </a:r>
-            <a:r>
-              <a:rPr lang="en-US" sz="3200" dirty="0">
-                <a:latin typeface="Avenir Book" panose="02000503020000020003" pitchFamily="2" charset="0"/>
-                <a:ea typeface="Cambria Math" panose="02040503050406030204" pitchFamily="18" charset="0"/>
-              </a:rPr>
-              <a:t> Venkatesh </a:t>
-            </a:r>
-            <a:r>
-              <a:rPr lang="en-US" sz="3200" dirty="0" err="1">
-                <a:latin typeface="Avenir Book" panose="02000503020000020003" pitchFamily="2" charset="0"/>
-                <a:ea typeface="Cambria Math" panose="02040503050406030204" pitchFamily="18" charset="0"/>
-              </a:rPr>
-              <a:t>Bindlish’s</a:t>
-            </a:r>
-            <a:r>
-              <a:rPr lang="en-US" sz="3200" dirty="0">
-                <a:latin typeface="Avenir Book" panose="02000503020000020003" pitchFamily="2" charset="0"/>
-                <a:ea typeface="Cambria Math" panose="02040503050406030204" pitchFamily="18" charset="0"/>
-              </a:rPr>
-              <a:t> Model (IIT Delhi). Results are shown in Figure 7. </a:t>
-            </a:r>
-          </a:p>
-          <a:p>
-            <a:pPr eaLnBrk="1" hangingPunct="1"/>
-            <a:r>
-              <a:rPr lang="en-US" sz="3200" dirty="0">
-                <a:latin typeface="Avenir Book" panose="02000503020000020003" pitchFamily="2" charset="0"/>
-                <a:ea typeface="Cambria Math" panose="02040503050406030204" pitchFamily="18" charset="0"/>
-              </a:rPr>
-              <a:t>Going forward, it will be useful to validate and test these claims with experiments.</a:t>
+              <a:t>. Experimental data will offer answers to these questions and more.</a:t>
             </a:r>
           </a:p>
         </p:txBody>
       </p:sp>
       <p:sp>
         <p:nvSpPr>
-          <p:cNvPr id="35" name="Rectangle 34"/>
+          <p:cNvPr id="36" name="Rectangle 35"/>
           <p:cNvSpPr/>
           <p:nvPr/>
         </p:nvSpPr>
         <p:spPr>
           <a:xfrm>
-            <a:off x="26883360" y="14820336"/>
+            <a:off x="26895076" y="24961667"/>
             <a:ext cx="11704320" cy="822960"/>
           </a:xfrm>
           <a:prstGeom prst="rect">
@@ -6944,14 +7549,14 @@
                 <a:latin typeface="Avenir Book" panose="02000503020000020003" pitchFamily="2" charset="0"/>
                 <a:ea typeface="Cambria Math" panose="02040503050406030204" pitchFamily="18" charset="0"/>
               </a:rPr>
-              <a:t>Discussion</a:t>
+              <a:t>Conclusions</a:t>
             </a:r>
           </a:p>
         </p:txBody>
       </p:sp>
       <p:sp>
         <p:nvSpPr>
-          <p:cNvPr id="14" name="Text Box 193"/>
+          <p:cNvPr id="11" name="Text Box 190"/>
           <p:cNvSpPr txBox="1">
             <a:spLocks noChangeArrowheads="1"/>
           </p:cNvSpPr>
@@ -6959,8 +7564,8 @@
         </p:nvSpPr>
         <p:spPr bwMode="auto">
           <a:xfrm>
-            <a:off x="26883360" y="25968960"/>
-            <a:ext cx="11704320" cy="830972"/>
+            <a:off x="1645920" y="15670222"/>
+            <a:ext cx="11704320" cy="7232725"/>
           </a:xfrm>
           <a:prstGeom prst="rect">
             <a:avLst/>
@@ -7080,234 +7685,36 @@
             </a:lvl9pPr>
           </a:lstStyle>
           <a:p>
+            <a:r>
+              <a:rPr lang="en-US" sz="2800" i="1" dirty="0">
+                <a:latin typeface="Avenir Book" panose="02000503020000020003" pitchFamily="2" charset="0"/>
+              </a:rPr>
+              <a:t> An ATP Rheostat and ATP Synthase Model were chosen as regeneration mechanisms for synthetic cells</a:t>
+            </a:r>
+          </a:p>
+          <a:p>
+            <a:r>
+              <a:rPr lang="en-US" sz="2800" dirty="0">
+                <a:latin typeface="Avenir Book" panose="02000503020000020003" pitchFamily="2" charset="0"/>
+              </a:rPr>
+              <a:t>There is a growing interest in the development and application of genetically-programmed synthetic cells, cells which do not replicate or divide. We want to explore whether ATP life extension mechanisms, as depicted in Figure 1, can extend ATP levels in synthetic cells with TX/TL, a transcription/translation system that creates protein from linear DNA templates [3,4,5]. See Figure 2 for a representation.</a:t>
+            </a:r>
+          </a:p>
+          <a:p>
+            <a:r>
+              <a:rPr lang="en-US" sz="2800" dirty="0">
+                <a:latin typeface="Avenir Book" panose="02000503020000020003" pitchFamily="2" charset="0"/>
+              </a:rPr>
+              <a:t>An efficient, longer-lasting method to provide energy required for internal reactions will allow us to carry out more complex, sustainable experiments.</a:t>
+            </a:r>
+          </a:p>
+          <a:p>
             <a:pPr eaLnBrk="1" hangingPunct="1"/>
             <a:r>
-              <a:rPr lang="en-US" sz="3200">
+              <a:rPr lang="en-US" sz="2800" dirty="0">
                 <a:latin typeface="Avenir Book" panose="02000503020000020003" pitchFamily="2" charset="0"/>
-                <a:ea typeface="Cambria Math" panose="02040503050406030204" pitchFamily="18" charset="0"/>
-              </a:rPr>
-              <a:t>In conclusion, we can </a:t>
-            </a:r>
-            <a:endParaRPr lang="en-US" sz="3200" dirty="0">
-              <a:latin typeface="Avenir Book" panose="02000503020000020003" pitchFamily="2" charset="0"/>
-              <a:ea typeface="Cambria Math" panose="02040503050406030204" pitchFamily="18" charset="0"/>
-            </a:endParaRPr>
-          </a:p>
-        </p:txBody>
-      </p:sp>
-      <p:sp>
-        <p:nvSpPr>
-          <p:cNvPr id="36" name="Rectangle 35"/>
-          <p:cNvSpPr/>
-          <p:nvPr/>
-        </p:nvSpPr>
-        <p:spPr>
-          <a:xfrm>
-            <a:off x="26883360" y="25146000"/>
-            <a:ext cx="11704320" cy="822960"/>
-          </a:xfrm>
-          <a:prstGeom prst="rect">
-            <a:avLst/>
-          </a:prstGeom>
-          <a:solidFill>
-            <a:schemeClr val="accent1">
-              <a:lumMod val="75000"/>
-            </a:schemeClr>
-          </a:solidFill>
-          <a:ln w="12700"/>
-        </p:spPr>
-        <p:style>
-          <a:lnRef idx="2">
-            <a:schemeClr val="accent1">
-              <a:shade val="50000"/>
-            </a:schemeClr>
-          </a:lnRef>
-          <a:fillRef idx="1">
-            <a:schemeClr val="accent1"/>
-          </a:fillRef>
-          <a:effectRef idx="0">
-            <a:schemeClr val="accent1"/>
-          </a:effectRef>
-          <a:fontRef idx="minor">
-            <a:schemeClr val="lt1"/>
-          </a:fontRef>
-        </p:style>
-        <p:txBody>
-          <a:bodyPr lIns="83814" tIns="41907" rIns="83814" bIns="41907" rtlCol="0" anchor="ctr"/>
-          <a:lstStyle/>
-          <a:p>
-            <a:pPr algn="ctr"/>
-            <a:r>
-              <a:rPr lang="en-US" sz="5400" dirty="0">
-                <a:solidFill>
-                  <a:schemeClr val="accent3">
-                    <a:lumMod val="20000"/>
-                    <a:lumOff val="80000"/>
-                  </a:schemeClr>
-                </a:solidFill>
-                <a:latin typeface="Avenir Book" panose="02000503020000020003" pitchFamily="2" charset="0"/>
-                <a:ea typeface="Cambria Math" panose="02040503050406030204" pitchFamily="18" charset="0"/>
-              </a:rPr>
-              <a:t>Conclusions</a:t>
-            </a:r>
-          </a:p>
-        </p:txBody>
-      </p:sp>
-      <p:sp>
-        <p:nvSpPr>
-          <p:cNvPr id="11" name="Text Box 190"/>
-          <p:cNvSpPr txBox="1">
-            <a:spLocks noChangeArrowheads="1"/>
-          </p:cNvSpPr>
-          <p:nvPr/>
-        </p:nvSpPr>
-        <p:spPr bwMode="auto">
-          <a:xfrm>
-            <a:off x="1645920" y="15643496"/>
-            <a:ext cx="11704320" cy="11941706"/>
-          </a:xfrm>
-          <a:prstGeom prst="rect">
-            <a:avLst/>
-          </a:prstGeom>
-          <a:solidFill>
-            <a:schemeClr val="bg1"/>
-          </a:solidFill>
-          <a:ln w="12700">
-            <a:solidFill>
-              <a:schemeClr val="accent1">
-                <a:lumMod val="75000"/>
-              </a:schemeClr>
-            </a:solidFill>
-          </a:ln>
-          <a:effectLst/>
-        </p:spPr>
-        <p:txBody>
-          <a:bodyPr lIns="167628" tIns="167628" rIns="167628" bIns="167628">
-            <a:spAutoFit/>
-          </a:bodyPr>
-          <a:lstStyle>
-            <a:lvl1pPr eaLnBrk="0" hangingPunct="0">
-              <a:defRPr sz="2200">
-                <a:solidFill>
-                  <a:schemeClr val="tx1"/>
-                </a:solidFill>
-                <a:latin typeface="Arial" charset="0"/>
-              </a:defRPr>
-            </a:lvl1pPr>
-            <a:lvl2pPr marL="742950" indent="-285750" eaLnBrk="0" hangingPunct="0">
-              <a:defRPr sz="2200">
-                <a:solidFill>
-                  <a:schemeClr val="tx1"/>
-                </a:solidFill>
-                <a:latin typeface="Arial" charset="0"/>
-              </a:defRPr>
-            </a:lvl2pPr>
-            <a:lvl3pPr marL="1143000" indent="-228600" eaLnBrk="0" hangingPunct="0">
-              <a:defRPr sz="2200">
-                <a:solidFill>
-                  <a:schemeClr val="tx1"/>
-                </a:solidFill>
-                <a:latin typeface="Arial" charset="0"/>
-              </a:defRPr>
-            </a:lvl3pPr>
-            <a:lvl4pPr marL="1600200" indent="-228600" eaLnBrk="0" hangingPunct="0">
-              <a:defRPr sz="2200">
-                <a:solidFill>
-                  <a:schemeClr val="tx1"/>
-                </a:solidFill>
-                <a:latin typeface="Arial" charset="0"/>
-              </a:defRPr>
-            </a:lvl4pPr>
-            <a:lvl5pPr marL="2057400" indent="-228600" eaLnBrk="0" hangingPunct="0">
-              <a:defRPr sz="2200">
-                <a:solidFill>
-                  <a:schemeClr val="tx1"/>
-                </a:solidFill>
-                <a:latin typeface="Arial" charset="0"/>
-              </a:defRPr>
-            </a:lvl5pPr>
-            <a:lvl6pPr marL="2514600" indent="-228600" eaLnBrk="0" fontAlgn="base" hangingPunct="0">
-              <a:spcBef>
-                <a:spcPct val="0"/>
-              </a:spcBef>
-              <a:spcAft>
-                <a:spcPct val="0"/>
-              </a:spcAft>
-              <a:defRPr sz="2200">
-                <a:solidFill>
-                  <a:schemeClr val="tx1"/>
-                </a:solidFill>
-                <a:latin typeface="Arial" charset="0"/>
-              </a:defRPr>
-            </a:lvl6pPr>
-            <a:lvl7pPr marL="2971800" indent="-228600" eaLnBrk="0" fontAlgn="base" hangingPunct="0">
-              <a:spcBef>
-                <a:spcPct val="0"/>
-              </a:spcBef>
-              <a:spcAft>
-                <a:spcPct val="0"/>
-              </a:spcAft>
-              <a:defRPr sz="2200">
-                <a:solidFill>
-                  <a:schemeClr val="tx1"/>
-                </a:solidFill>
-                <a:latin typeface="Arial" charset="0"/>
-              </a:defRPr>
-            </a:lvl7pPr>
-            <a:lvl8pPr marL="3429000" indent="-228600" eaLnBrk="0" fontAlgn="base" hangingPunct="0">
-              <a:spcBef>
-                <a:spcPct val="0"/>
-              </a:spcBef>
-              <a:spcAft>
-                <a:spcPct val="0"/>
-              </a:spcAft>
-              <a:defRPr sz="2200">
-                <a:solidFill>
-                  <a:schemeClr val="tx1"/>
-                </a:solidFill>
-                <a:latin typeface="Arial" charset="0"/>
-              </a:defRPr>
-            </a:lvl8pPr>
-            <a:lvl9pPr marL="3886200" indent="-228600" eaLnBrk="0" fontAlgn="base" hangingPunct="0">
-              <a:spcBef>
-                <a:spcPct val="0"/>
-              </a:spcBef>
-              <a:spcAft>
-                <a:spcPct val="0"/>
-              </a:spcAft>
-              <a:defRPr sz="2200">
-                <a:solidFill>
-                  <a:schemeClr val="tx1"/>
-                </a:solidFill>
-                <a:latin typeface="Arial" charset="0"/>
-              </a:defRPr>
-            </a:lvl9pPr>
-          </a:lstStyle>
-          <a:p>
-            <a:pPr eaLnBrk="1" hangingPunct="1"/>
-            <a:r>
-              <a:rPr lang="en-US" sz="2600" dirty="0">
-                <a:latin typeface="Avenir Book" panose="02000503020000020003" pitchFamily="2" charset="0"/>
-              </a:rPr>
-              <a:t>Synthetic biology focuses on the engineering of devices, pathways, networks, and systems that utilize tools which already exist in biology. There is a growing interest in the development and application of genetically-programmed synthetic cells for future use. These cell-free systems can be used as environments in which more complex engineered systems can be implemented and designed [9]. </a:t>
-            </a:r>
-          </a:p>
-          <a:p>
-            <a:pPr eaLnBrk="1" hangingPunct="1"/>
-            <a:r>
-              <a:rPr lang="en-US" sz="2600" dirty="0">
-                <a:latin typeface="Avenir Book" panose="02000503020000020003" pitchFamily="2" charset="0"/>
-              </a:rPr>
-              <a:t>When building synthetic cells, there are five main subsystems to be considered. These are: spatial organization, metabolic subsystems, sensing and signaling, regulation and computation, and actuation. The problem we have chosen to tackle involves the metabolic subsystems, specifically the power supply and energy lifetime [11]. We aim to extend the lifetimes of synthetic cells derived from liposomes by implementing an ATP life extension mechanism. This mechanism can be a biochemical ATP regeneration pathway, a directed transporter, etc. An efficient, longer-lasting method to provide energy required for internal reactions will allow us to carry out more complex, sustainable experiments. We will be able to broaden the range of possible research in synthetic cells if we can measure responses, production, etc. for longer time periods.</a:t>
-            </a:r>
-          </a:p>
-          <a:p>
-            <a:pPr eaLnBrk="1" hangingPunct="1"/>
-            <a:r>
-              <a:rPr lang="en-US" sz="2600" dirty="0">
-                <a:latin typeface="Avenir Book" panose="02000503020000020003" pitchFamily="2" charset="0"/>
-              </a:rPr>
-              <a:t>The two mechanisms we studied are an ATP rheostat mechanism and an ATP synthase mechanism. The ATP rheostat was published by James Bowie Lab at UCLA. It can maintain ATP concentrations for up to 70 hours in buffer. See Figure 1 below for the reaction pathway. We want to explore whether the rheostat can extend ATP levels in synthetic cells with TX/TL, a transcription/translation system that creates protein from linear DNA templates [1,6,7]. Secondly, we investigated an ATP synthase model. This is a membrane protein that synthesizes ATP from ADP and Pi when there is a proton gradient (protons flow into the liposome). We also include a proton pump that pumps out H+ ions so that we can maintain the proton gradient necessary for ATP synthesis. A schematic shown below in Figure 2. </a:t>
+              </a:rPr>
+              <a:t>The two mechanisms we studied are a glucose metabolic pathway, also known as the ATP rheostat (from Bowie Lab at UCLA), and an ATP synthase mechanism [5]. See Figure 3 below for the reaction pathway of the ATP rheostat. A schematic for the ATP synthase model is shown in Figure 4.</a:t>
             </a:r>
           </a:p>
         </p:txBody>
@@ -7529,7 +7936,7 @@
                 <a:latin typeface="Avenir Book" panose="02000503020000020003" pitchFamily="2" charset="0"/>
                 <a:ea typeface="Cambria Math" panose="02040503050406030204" pitchFamily="18" charset="0"/>
               </a:rPr>
-              <a:t>Figure 1. Entire Rheostat pathway as shown in the Opgenorth et al paper [7].</a:t>
+              <a:t>Figure 3. Entire Rheostat pathway as shown in the Opgenorth et al paper [5].</a:t>
             </a:r>
           </a:p>
         </p:txBody>
@@ -7544,8 +7951,8 @@
         </p:nvSpPr>
         <p:spPr bwMode="auto">
           <a:xfrm>
-            <a:off x="7403846" y="33336385"/>
-            <a:ext cx="5540356" cy="1808181"/>
+            <a:off x="7403845" y="33336385"/>
+            <a:ext cx="6260599" cy="1808181"/>
           </a:xfrm>
           <a:prstGeom prst="rect">
             <a:avLst/>
@@ -7693,218 +8100,51 @@
                 <a:latin typeface="Avenir Book" panose="02000503020000020003" pitchFamily="2" charset="0"/>
                 <a:ea typeface="Cambria Math" panose="02040503050406030204" pitchFamily="18" charset="0"/>
               </a:rPr>
-              <a:t>Figure 2. ATP Synthase (purple) Model schematic. We include a proton pump (green) to maintain the proton gradient</a:t>
+              <a:t>Figure 4. ATP Synthase (purple) model schematic. We include a proton pump (green) to maintain the proton gradient necessary for ATP synthesis.</a:t>
             </a:r>
           </a:p>
         </p:txBody>
       </p:sp>
       <p:sp>
         <p:nvSpPr>
-          <p:cNvPr id="30" name="Rectangle 265"/>
-          <p:cNvSpPr>
-            <a:spLocks noChangeAspect="1" noChangeArrowheads="1"/>
-          </p:cNvSpPr>
+          <p:cNvPr id="17" name="TextBox 16">
+            <a:extLst>
+              <a:ext uri="{FF2B5EF4-FFF2-40B4-BE49-F238E27FC236}">
+                <a16:creationId xmlns:a16="http://schemas.microsoft.com/office/drawing/2014/main" id="{7EE6C876-5643-0142-8E67-37E35A8E0DE9}"/>
+              </a:ext>
+            </a:extLst>
+          </p:cNvPr>
+          <p:cNvSpPr txBox="1"/>
           <p:nvPr/>
         </p:nvSpPr>
-        <p:spPr bwMode="auto">
+        <p:spPr>
           <a:xfrm>
-            <a:off x="1097280" y="1097280"/>
-            <a:ext cx="3654715" cy="2743200"/>
+            <a:off x="30202864" y="6858560"/>
+            <a:ext cx="185332" cy="1066800"/>
           </a:xfrm>
           <a:prstGeom prst="rect">
             <a:avLst/>
           </a:prstGeom>
-          <a:blipFill dpi="0" rotWithShape="1">
-            <a:blip r:embed="rId3">
-              <a:lum bright="70000" contrast="-70000"/>
-            </a:blip>
-            <a:srcRect/>
-            <a:stretch>
-              <a:fillRect r="-79"/>
-            </a:stretch>
-          </a:blipFill>
-          <a:ln w="9525">
-            <a:solidFill>
-              <a:schemeClr val="tx1"/>
-            </a:solidFill>
-            <a:miter lim="800000"/>
-            <a:headEnd/>
-            <a:tailEnd/>
-          </a:ln>
-          <a:effectLst/>
-          <a:extLst>
-            <a:ext uri="{AF507438-7753-43E0-B8FC-AC1667EBCBE1}">
-              <a14:hiddenEffects xmlns:a14="http://schemas.microsoft.com/office/drawing/2010/main">
-                <a:effectLst>
-                  <a:outerShdw dist="35921" dir="2700000" algn="ctr" rotWithShape="0">
-                    <a:schemeClr val="bg2"/>
-                  </a:outerShdw>
-                </a:effectLst>
-              </a14:hiddenEffects>
-            </a:ext>
-          </a:extLst>
+          <a:solidFill>
+            <a:schemeClr val="bg1"/>
+          </a:solidFill>
         </p:spPr>
         <p:txBody>
-          <a:bodyPr lIns="83814" tIns="41907" rIns="83814" bIns="41907" anchor="ctr"/>
+          <a:bodyPr wrap="square" rtlCol="0">
+            <a:spAutoFit/>
+          </a:bodyPr>
           <a:lstStyle/>
           <a:p>
-            <a:pPr algn="ctr" defTabSz="4022725"/>
-            <a:r>
-              <a:rPr lang="en-US" sz="2800" dirty="0">
-                <a:latin typeface="Avenir Book" panose="02000503020000020003" pitchFamily="2" charset="0"/>
-                <a:ea typeface="Cambria Math" panose="02040503050406030204" pitchFamily="18" charset="0"/>
-              </a:rPr>
-              <a:t>REPLACE THIS BOX WITH YOUR ORGANIZATION’S</a:t>
-            </a:r>
-          </a:p>
-          <a:p>
-            <a:pPr algn="ctr" defTabSz="4022725"/>
-            <a:r>
-              <a:rPr lang="en-US" sz="2800" dirty="0">
-                <a:latin typeface="Avenir Book" panose="02000503020000020003" pitchFamily="2" charset="0"/>
-                <a:ea typeface="Cambria Math" panose="02040503050406030204" pitchFamily="18" charset="0"/>
-              </a:rPr>
-              <a:t>HIGH RESOLUTION LOGO</a:t>
-            </a:r>
+            <a:endParaRPr lang="en-US" dirty="0"/>
           </a:p>
         </p:txBody>
       </p:sp>
-      <p:sp>
-        <p:nvSpPr>
-          <p:cNvPr id="31" name="Rectangle 265"/>
-          <p:cNvSpPr>
-            <a:spLocks noChangeAspect="1" noChangeArrowheads="1"/>
-          </p:cNvSpPr>
-          <p:nvPr/>
-        </p:nvSpPr>
-        <p:spPr bwMode="auto">
-          <a:xfrm>
-            <a:off x="35478720" y="1097280"/>
-            <a:ext cx="3654715" cy="2743200"/>
-          </a:xfrm>
-          <a:prstGeom prst="rect">
-            <a:avLst/>
-          </a:prstGeom>
-          <a:blipFill dpi="0" rotWithShape="1">
-            <a:blip r:embed="rId3">
-              <a:lum bright="70000" contrast="-70000"/>
-            </a:blip>
-            <a:srcRect/>
-            <a:stretch>
-              <a:fillRect r="-79"/>
-            </a:stretch>
-          </a:blipFill>
-          <a:ln w="9525">
-            <a:solidFill>
-              <a:schemeClr val="tx1"/>
-            </a:solidFill>
-            <a:miter lim="800000"/>
-            <a:headEnd/>
-            <a:tailEnd/>
-          </a:ln>
-          <a:effectLst/>
-          <a:extLst>
-            <a:ext uri="{AF507438-7753-43E0-B8FC-AC1667EBCBE1}">
-              <a14:hiddenEffects xmlns:a14="http://schemas.microsoft.com/office/drawing/2010/main">
-                <a:effectLst>
-                  <a:outerShdw dist="35921" dir="2700000" algn="ctr" rotWithShape="0">
-                    <a:schemeClr val="bg2"/>
-                  </a:outerShdw>
-                </a:effectLst>
-              </a14:hiddenEffects>
-            </a:ext>
-          </a:extLst>
-        </p:spPr>
-        <p:txBody>
-          <a:bodyPr lIns="83814" tIns="41907" rIns="83814" bIns="41907" anchor="ctr"/>
-          <a:lstStyle/>
-          <a:p>
-            <a:pPr algn="ctr" defTabSz="4022725"/>
-            <a:r>
-              <a:rPr lang="en-US" sz="2800" dirty="0">
-                <a:latin typeface="Avenir Book" panose="02000503020000020003" pitchFamily="2" charset="0"/>
-                <a:ea typeface="Cambria Math" panose="02040503050406030204" pitchFamily="18" charset="0"/>
-              </a:rPr>
-              <a:t>REPLACE THIS BOX WITH YOUR ORGANIZATION’S</a:t>
-            </a:r>
-          </a:p>
-          <a:p>
-            <a:pPr algn="ctr" defTabSz="4022725"/>
-            <a:r>
-              <a:rPr lang="en-US" sz="2800" dirty="0">
-                <a:latin typeface="Avenir Book" panose="02000503020000020003" pitchFamily="2" charset="0"/>
-                <a:ea typeface="Cambria Math" panose="02040503050406030204" pitchFamily="18" charset="0"/>
-              </a:rPr>
-              <a:t>HIGH RESOLUTION LOGO</a:t>
-            </a:r>
-          </a:p>
-        </p:txBody>
-      </p:sp>
-      <p:pic>
-        <p:nvPicPr>
-          <p:cNvPr id="38" name="Content Placeholder 4" descr="A close up of a map&#10;&#10;Description automatically generated">
+      <p:grpSp>
+        <p:nvGrpSpPr>
+          <p:cNvPr id="50" name="Group 49">
             <a:extLst>
               <a:ext uri="{FF2B5EF4-FFF2-40B4-BE49-F238E27FC236}">
-                <a16:creationId xmlns:a16="http://schemas.microsoft.com/office/drawing/2014/main" id="{207D8F08-7127-C24B-8CAC-5AB012895F2C}"/>
-              </a:ext>
-            </a:extLst>
-          </p:cNvPr>
-          <p:cNvPicPr>
-            <a:picLocks noChangeAspect="1"/>
-          </p:cNvPicPr>
-          <p:nvPr/>
-        </p:nvPicPr>
-        <p:blipFill>
-          <a:blip r:embed="rId4"/>
-          <a:stretch>
-            <a:fillRect/>
-          </a:stretch>
-        </p:blipFill>
-        <p:spPr>
-          <a:xfrm>
-            <a:off x="2747199" y="27912526"/>
-            <a:ext cx="2453349" cy="5645954"/>
-          </a:xfrm>
-          <a:prstGeom prst="rect">
-            <a:avLst/>
-          </a:prstGeom>
-        </p:spPr>
-      </p:pic>
-      <p:pic>
-        <p:nvPicPr>
-          <p:cNvPr id="39" name="Picture 38" descr="A close up of text on a white background&#10;&#10;Description automatically generated">
-            <a:extLst>
-              <a:ext uri="{FF2B5EF4-FFF2-40B4-BE49-F238E27FC236}">
-                <a16:creationId xmlns:a16="http://schemas.microsoft.com/office/drawing/2014/main" id="{980FFAC9-771D-E24C-808E-A79BB5422D77}"/>
-              </a:ext>
-            </a:extLst>
-          </p:cNvPr>
-          <p:cNvPicPr>
-            <a:picLocks noChangeAspect="1"/>
-          </p:cNvPicPr>
-          <p:nvPr/>
-        </p:nvPicPr>
-        <p:blipFill rotWithShape="1">
-          <a:blip r:embed="rId5"/>
-          <a:srcRect t="2418" b="3839"/>
-          <a:stretch/>
-        </p:blipFill>
-        <p:spPr>
-          <a:xfrm>
-            <a:off x="7304480" y="27829834"/>
-            <a:ext cx="5540356" cy="5305783"/>
-          </a:xfrm>
-          <a:prstGeom prst="rect">
-            <a:avLst/>
-          </a:prstGeom>
-        </p:spPr>
-      </p:pic>
-      <p:grpSp>
-        <p:nvGrpSpPr>
-          <p:cNvPr id="23" name="Group 22">
-            <a:extLst>
-              <a:ext uri="{FF2B5EF4-FFF2-40B4-BE49-F238E27FC236}">
-                <a16:creationId xmlns:a16="http://schemas.microsoft.com/office/drawing/2014/main" id="{96EFE115-F37B-3F40-B699-3BEB1A3C0CC2}"/>
+                <a16:creationId xmlns:a16="http://schemas.microsoft.com/office/drawing/2014/main" id="{FAE7F2B6-AE8A-8049-843E-64784BC29D99}"/>
               </a:ext>
             </a:extLst>
           </p:cNvPr>
@@ -7913,18 +8153,563 @@
         </p:nvGrpSpPr>
         <p:grpSpPr>
           <a:xfrm>
-            <a:off x="14693316" y="25547526"/>
-            <a:ext cx="10041319" cy="4130608"/>
-            <a:chOff x="14264640" y="29831543"/>
-            <a:chExt cx="10041319" cy="4130608"/>
+            <a:off x="26489878" y="7634656"/>
+            <a:ext cx="11745382" cy="4951809"/>
+            <a:chOff x="26593800" y="5321243"/>
+            <a:chExt cx="11745382" cy="4951809"/>
+          </a:xfrm>
+        </p:grpSpPr>
+        <p:grpSp>
+          <p:nvGrpSpPr>
+            <p:cNvPr id="19" name="Group 18">
+              <a:extLst>
+                <a:ext uri="{FF2B5EF4-FFF2-40B4-BE49-F238E27FC236}">
+                  <a16:creationId xmlns:a16="http://schemas.microsoft.com/office/drawing/2014/main" id="{52CAD185-3AAC-C041-8B9C-52C89B9D32B1}"/>
+                </a:ext>
+              </a:extLst>
+            </p:cNvPr>
+            <p:cNvGrpSpPr/>
+            <p:nvPr/>
+          </p:nvGrpSpPr>
+          <p:grpSpPr>
+            <a:xfrm>
+              <a:off x="26593800" y="5321243"/>
+              <a:ext cx="11745382" cy="4951809"/>
+              <a:chOff x="26574234" y="5521265"/>
+              <a:chExt cx="11745382" cy="4951809"/>
+            </a:xfrm>
+          </p:grpSpPr>
+          <p:sp>
+            <p:nvSpPr>
+              <p:cNvPr id="37" name="Text Box 180"/>
+              <p:cNvSpPr txBox="1">
+                <a:spLocks noChangeArrowheads="1"/>
+              </p:cNvSpPr>
+              <p:nvPr/>
+            </p:nvSpPr>
+            <p:spPr bwMode="auto">
+              <a:xfrm>
+                <a:off x="26615296" y="9280446"/>
+                <a:ext cx="11704320" cy="1192628"/>
+              </a:xfrm>
+              <a:prstGeom prst="rect">
+                <a:avLst/>
+              </a:prstGeom>
+              <a:noFill/>
+              <a:ln>
+                <a:noFill/>
+              </a:ln>
+              <a:effectLst/>
+              <a:extLst>
+                <a:ext uri="{909E8E84-426E-40DD-AFC4-6F175D3DCCD1}">
+                  <a14:hiddenFill xmlns:a14="http://schemas.microsoft.com/office/drawing/2010/main">
+                    <a:solidFill>
+                      <a:schemeClr val="accent1"/>
+                    </a:solidFill>
+                  </a14:hiddenFill>
+                </a:ext>
+                <a:ext uri="{91240B29-F687-4F45-9708-019B960494DF}">
+                  <a14:hiddenLine xmlns:a14="http://schemas.microsoft.com/office/drawing/2010/main" w="9525">
+                    <a:solidFill>
+                      <a:schemeClr val="tx1"/>
+                    </a:solidFill>
+                    <a:miter lim="800000"/>
+                    <a:headEnd/>
+                    <a:tailEnd/>
+                  </a14:hiddenLine>
+                </a:ext>
+                <a:ext uri="{AF507438-7753-43E0-B8FC-AC1667EBCBE1}">
+                  <a14:hiddenEffects xmlns:a14="http://schemas.microsoft.com/office/drawing/2010/main">
+                    <a:effectLst>
+                      <a:outerShdw dist="35921" dir="2700000" algn="ctr" rotWithShape="0">
+                        <a:schemeClr val="bg2"/>
+                      </a:outerShdw>
+                    </a:effectLst>
+                  </a14:hiddenEffects>
+                </a:ext>
+              </a:extLst>
+            </p:spPr>
+            <p:txBody>
+              <a:bodyPr wrap="square" lIns="83814" tIns="41907" rIns="83814" bIns="41907">
+                <a:spAutoFit/>
+              </a:bodyPr>
+              <a:lstStyle>
+                <a:lvl1pPr defTabSz="4389438" eaLnBrk="0" hangingPunct="0">
+                  <a:defRPr sz="2200">
+                    <a:solidFill>
+                      <a:schemeClr val="tx1"/>
+                    </a:solidFill>
+                    <a:latin typeface="Arial" charset="0"/>
+                  </a:defRPr>
+                </a:lvl1pPr>
+                <a:lvl2pPr marL="742950" indent="-285750" defTabSz="4389438" eaLnBrk="0" hangingPunct="0">
+                  <a:defRPr sz="2200">
+                    <a:solidFill>
+                      <a:schemeClr val="tx1"/>
+                    </a:solidFill>
+                    <a:latin typeface="Arial" charset="0"/>
+                  </a:defRPr>
+                </a:lvl2pPr>
+                <a:lvl3pPr marL="1143000" indent="-228600" defTabSz="4389438" eaLnBrk="0" hangingPunct="0">
+                  <a:defRPr sz="2200">
+                    <a:solidFill>
+                      <a:schemeClr val="tx1"/>
+                    </a:solidFill>
+                    <a:latin typeface="Arial" charset="0"/>
+                  </a:defRPr>
+                </a:lvl3pPr>
+                <a:lvl4pPr marL="1600200" indent="-228600" defTabSz="4389438" eaLnBrk="0" hangingPunct="0">
+                  <a:defRPr sz="2200">
+                    <a:solidFill>
+                      <a:schemeClr val="tx1"/>
+                    </a:solidFill>
+                    <a:latin typeface="Arial" charset="0"/>
+                  </a:defRPr>
+                </a:lvl4pPr>
+                <a:lvl5pPr marL="2057400" indent="-228600" defTabSz="4389438" eaLnBrk="0" hangingPunct="0">
+                  <a:defRPr sz="2200">
+                    <a:solidFill>
+                      <a:schemeClr val="tx1"/>
+                    </a:solidFill>
+                    <a:latin typeface="Arial" charset="0"/>
+                  </a:defRPr>
+                </a:lvl5pPr>
+                <a:lvl6pPr marL="2514600" indent="-228600" defTabSz="4389438" eaLnBrk="0" fontAlgn="base" hangingPunct="0">
+                  <a:spcBef>
+                    <a:spcPct val="0"/>
+                  </a:spcBef>
+                  <a:spcAft>
+                    <a:spcPct val="0"/>
+                  </a:spcAft>
+                  <a:defRPr sz="2200">
+                    <a:solidFill>
+                      <a:schemeClr val="tx1"/>
+                    </a:solidFill>
+                    <a:latin typeface="Arial" charset="0"/>
+                  </a:defRPr>
+                </a:lvl6pPr>
+                <a:lvl7pPr marL="2971800" indent="-228600" defTabSz="4389438" eaLnBrk="0" fontAlgn="base" hangingPunct="0">
+                  <a:spcBef>
+                    <a:spcPct val="0"/>
+                  </a:spcBef>
+                  <a:spcAft>
+                    <a:spcPct val="0"/>
+                  </a:spcAft>
+                  <a:defRPr sz="2200">
+                    <a:solidFill>
+                      <a:schemeClr val="tx1"/>
+                    </a:solidFill>
+                    <a:latin typeface="Arial" charset="0"/>
+                  </a:defRPr>
+                </a:lvl7pPr>
+                <a:lvl8pPr marL="3429000" indent="-228600" defTabSz="4389438" eaLnBrk="0" fontAlgn="base" hangingPunct="0">
+                  <a:spcBef>
+                    <a:spcPct val="0"/>
+                  </a:spcBef>
+                  <a:spcAft>
+                    <a:spcPct val="0"/>
+                  </a:spcAft>
+                  <a:defRPr sz="2200">
+                    <a:solidFill>
+                      <a:schemeClr val="tx1"/>
+                    </a:solidFill>
+                    <a:latin typeface="Arial" charset="0"/>
+                  </a:defRPr>
+                </a:lvl8pPr>
+                <a:lvl9pPr marL="3886200" indent="-228600" defTabSz="4389438" eaLnBrk="0" fontAlgn="base" hangingPunct="0">
+                  <a:spcBef>
+                    <a:spcPct val="0"/>
+                  </a:spcBef>
+                  <a:spcAft>
+                    <a:spcPct val="0"/>
+                  </a:spcAft>
+                  <a:defRPr sz="2200">
+                    <a:solidFill>
+                      <a:schemeClr val="tx1"/>
+                    </a:solidFill>
+                    <a:latin typeface="Arial" charset="0"/>
+                  </a:defRPr>
+                </a:lvl9pPr>
+              </a:lstStyle>
+              <a:p>
+                <a:pPr eaLnBrk="1" hangingPunct="1"/>
+                <a:r>
+                  <a:rPr lang="en-US" sz="2400" dirty="0">
+                    <a:latin typeface="Avenir Book" panose="02000503020000020003" pitchFamily="2" charset="0"/>
+                    <a:ea typeface="Cambria Math" panose="02040503050406030204" pitchFamily="18" charset="0"/>
+                  </a:rPr>
+                  <a:t>Figure 9. Combination of ssDNA export and ATP life extension models. 9a) Original ssDNA export model. 9bc) ssDNA export model with ATP Rheostat and ATP synthase model shows quicker ssDNA export and more bound VirE2. </a:t>
+                </a:r>
+              </a:p>
+            </p:txBody>
+          </p:sp>
+          <p:pic>
+            <p:nvPicPr>
+              <p:cNvPr id="3" name="Picture 2" descr="A close up of a map&#10;&#10;Description automatically generated">
+                <a:extLst>
+                  <a:ext uri="{FF2B5EF4-FFF2-40B4-BE49-F238E27FC236}">
+                    <a16:creationId xmlns:a16="http://schemas.microsoft.com/office/drawing/2014/main" id="{A2AF8A7D-91BD-A748-AABE-0692C3894B53}"/>
+                  </a:ext>
+                </a:extLst>
+              </p:cNvPr>
+              <p:cNvPicPr>
+                <a:picLocks noChangeAspect="1"/>
+              </p:cNvPicPr>
+              <p:nvPr/>
+            </p:nvPicPr>
+            <p:blipFill>
+              <a:blip r:embed="rId9">
+                <a:extLst>
+                  <a:ext uri="{28A0092B-C50C-407E-A947-70E740481C1C}">
+                    <a14:useLocalDpi xmlns:a14="http://schemas.microsoft.com/office/drawing/2010/main" val="0"/>
+                  </a:ext>
+                </a:extLst>
+              </a:blip>
+              <a:stretch>
+                <a:fillRect/>
+              </a:stretch>
+            </p:blipFill>
+            <p:spPr>
+              <a:xfrm>
+                <a:off x="26615296" y="6125653"/>
+                <a:ext cx="3879668" cy="3017520"/>
+              </a:xfrm>
+              <a:prstGeom prst="rect">
+                <a:avLst/>
+              </a:prstGeom>
+            </p:spPr>
+          </p:pic>
+          <p:pic>
+            <p:nvPicPr>
+              <p:cNvPr id="8" name="Picture 7" descr="A close up of a map&#10;&#10;Description automatically generated">
+                <a:extLst>
+                  <a:ext uri="{FF2B5EF4-FFF2-40B4-BE49-F238E27FC236}">
+                    <a16:creationId xmlns:a16="http://schemas.microsoft.com/office/drawing/2014/main" id="{0E5FC2E3-78A4-D041-96D3-CAF68111D46F}"/>
+                  </a:ext>
+                </a:extLst>
+              </p:cNvPr>
+              <p:cNvPicPr>
+                <a:picLocks noChangeAspect="1"/>
+              </p:cNvPicPr>
+              <p:nvPr/>
+            </p:nvPicPr>
+            <p:blipFill>
+              <a:blip r:embed="rId10">
+                <a:extLst>
+                  <a:ext uri="{28A0092B-C50C-407E-A947-70E740481C1C}">
+                    <a14:useLocalDpi xmlns:a14="http://schemas.microsoft.com/office/drawing/2010/main" val="0"/>
+                  </a:ext>
+                </a:extLst>
+              </a:blip>
+              <a:stretch>
+                <a:fillRect/>
+              </a:stretch>
+            </p:blipFill>
+            <p:spPr>
+              <a:xfrm>
+                <a:off x="33779105" y="6125653"/>
+                <a:ext cx="3879668" cy="3017520"/>
+              </a:xfrm>
+              <a:prstGeom prst="rect">
+                <a:avLst/>
+              </a:prstGeom>
+            </p:spPr>
+          </p:pic>
+          <p:pic>
+            <p:nvPicPr>
+              <p:cNvPr id="49" name="Picture 48" descr="A close up of a map&#10;&#10;Description automatically generated">
+                <a:extLst>
+                  <a:ext uri="{FF2B5EF4-FFF2-40B4-BE49-F238E27FC236}">
+                    <a16:creationId xmlns:a16="http://schemas.microsoft.com/office/drawing/2014/main" id="{5C201627-AF2B-DF47-93E9-5AA62B044DED}"/>
+                  </a:ext>
+                </a:extLst>
+              </p:cNvPr>
+              <p:cNvPicPr>
+                <a:picLocks noChangeAspect="1"/>
+              </p:cNvPicPr>
+              <p:nvPr/>
+            </p:nvPicPr>
+            <p:blipFill>
+              <a:blip r:embed="rId11"/>
+              <a:stretch>
+                <a:fillRect/>
+              </a:stretch>
+            </p:blipFill>
+            <p:spPr>
+              <a:xfrm>
+                <a:off x="30236160" y="6125653"/>
+                <a:ext cx="3621024" cy="3017520"/>
+              </a:xfrm>
+              <a:prstGeom prst="rect">
+                <a:avLst/>
+              </a:prstGeom>
+            </p:spPr>
+          </p:pic>
+          <p:sp>
+            <p:nvSpPr>
+              <p:cNvPr id="64" name="TextBox 63">
+                <a:extLst>
+                  <a:ext uri="{FF2B5EF4-FFF2-40B4-BE49-F238E27FC236}">
+                    <a16:creationId xmlns:a16="http://schemas.microsoft.com/office/drawing/2014/main" id="{14153557-282F-9540-8ED7-E68EDBCFB99F}"/>
+                  </a:ext>
+                </a:extLst>
+              </p:cNvPr>
+              <p:cNvSpPr txBox="1"/>
+              <p:nvPr/>
+            </p:nvSpPr>
+            <p:spPr>
+              <a:xfrm>
+                <a:off x="26574234" y="5559229"/>
+                <a:ext cx="603955" cy="461665"/>
+              </a:xfrm>
+              <a:prstGeom prst="rect">
+                <a:avLst/>
+              </a:prstGeom>
+              <a:solidFill>
+                <a:schemeClr val="bg1"/>
+              </a:solidFill>
+            </p:spPr>
+            <p:txBody>
+              <a:bodyPr wrap="square" rtlCol="0">
+                <a:spAutoFit/>
+              </a:bodyPr>
+              <a:lstStyle/>
+              <a:p>
+                <a:r>
+                  <a:rPr lang="en-US" sz="2400" dirty="0">
+                    <a:latin typeface="Avenir Book" panose="02000503020000020003" pitchFamily="2" charset="0"/>
+                  </a:rPr>
+                  <a:t>9a</a:t>
+                </a:r>
+              </a:p>
+            </p:txBody>
+          </p:sp>
+          <p:sp>
+            <p:nvSpPr>
+              <p:cNvPr id="65" name="TextBox 64">
+                <a:extLst>
+                  <a:ext uri="{FF2B5EF4-FFF2-40B4-BE49-F238E27FC236}">
+                    <a16:creationId xmlns:a16="http://schemas.microsoft.com/office/drawing/2014/main" id="{B39FC60D-8F13-A047-98E4-41DFA83BE824}"/>
+                  </a:ext>
+                </a:extLst>
+              </p:cNvPr>
+              <p:cNvSpPr txBox="1"/>
+              <p:nvPr/>
+            </p:nvSpPr>
+            <p:spPr>
+              <a:xfrm>
+                <a:off x="30184650" y="5521265"/>
+                <a:ext cx="603955" cy="461665"/>
+              </a:xfrm>
+              <a:prstGeom prst="rect">
+                <a:avLst/>
+              </a:prstGeom>
+              <a:solidFill>
+                <a:schemeClr val="bg1"/>
+              </a:solidFill>
+            </p:spPr>
+            <p:txBody>
+              <a:bodyPr wrap="square" rtlCol="0">
+                <a:spAutoFit/>
+              </a:bodyPr>
+              <a:lstStyle/>
+              <a:p>
+                <a:r>
+                  <a:rPr lang="en-US" sz="2400" dirty="0">
+                    <a:latin typeface="Avenir Book" panose="02000503020000020003" pitchFamily="2" charset="0"/>
+                  </a:rPr>
+                  <a:t>9b</a:t>
+                </a:r>
+              </a:p>
+            </p:txBody>
+          </p:sp>
+          <p:sp>
+            <p:nvSpPr>
+              <p:cNvPr id="66" name="TextBox 65">
+                <a:extLst>
+                  <a:ext uri="{FF2B5EF4-FFF2-40B4-BE49-F238E27FC236}">
+                    <a16:creationId xmlns:a16="http://schemas.microsoft.com/office/drawing/2014/main" id="{89C888CC-9CCE-5F4A-B5D0-6EE5F73BBA81}"/>
+                  </a:ext>
+                </a:extLst>
+              </p:cNvPr>
+              <p:cNvSpPr txBox="1"/>
+              <p:nvPr/>
+            </p:nvSpPr>
+            <p:spPr>
+              <a:xfrm>
+                <a:off x="33868175" y="5521265"/>
+                <a:ext cx="603955" cy="461665"/>
+              </a:xfrm>
+              <a:prstGeom prst="rect">
+                <a:avLst/>
+              </a:prstGeom>
+              <a:solidFill>
+                <a:schemeClr val="bg1"/>
+              </a:solidFill>
+            </p:spPr>
+            <p:txBody>
+              <a:bodyPr wrap="square" rtlCol="0">
+                <a:spAutoFit/>
+              </a:bodyPr>
+              <a:lstStyle/>
+              <a:p>
+                <a:r>
+                  <a:rPr lang="en-US" sz="2400" dirty="0">
+                    <a:latin typeface="Avenir Book" panose="02000503020000020003" pitchFamily="2" charset="0"/>
+                  </a:rPr>
+                  <a:t>9c</a:t>
+                </a:r>
+                <a:endParaRPr lang="en-US" sz="1400" dirty="0">
+                  <a:latin typeface="Avenir Book" panose="02000503020000020003" pitchFamily="2" charset="0"/>
+                </a:endParaRPr>
+              </a:p>
+            </p:txBody>
+          </p:sp>
+        </p:grpSp>
+        <p:sp>
+          <p:nvSpPr>
+            <p:cNvPr id="18" name="TextBox 17">
+              <a:extLst>
+                <a:ext uri="{FF2B5EF4-FFF2-40B4-BE49-F238E27FC236}">
+                  <a16:creationId xmlns:a16="http://schemas.microsoft.com/office/drawing/2014/main" id="{75A2B7C1-D945-8148-BE50-06D9A2CB308A}"/>
+                </a:ext>
+              </a:extLst>
+            </p:cNvPr>
+            <p:cNvSpPr txBox="1"/>
+            <p:nvPr/>
+          </p:nvSpPr>
+          <p:spPr>
+            <a:xfrm>
+              <a:off x="26870631" y="5889611"/>
+              <a:ext cx="1920240" cy="253916"/>
+            </a:xfrm>
+            <a:prstGeom prst="rect">
+              <a:avLst/>
+            </a:prstGeom>
+            <a:solidFill>
+              <a:schemeClr val="bg1"/>
+            </a:solidFill>
+          </p:spPr>
+          <p:txBody>
+            <a:bodyPr wrap="square" rtlCol="0">
+              <a:spAutoFit/>
+            </a:bodyPr>
+            <a:lstStyle/>
+            <a:p>
+              <a:r>
+                <a:rPr lang="en-US" sz="1050" dirty="0">
+                  <a:latin typeface="Avenir Book" panose="02000503020000020003" pitchFamily="2" charset="0"/>
+                </a:rPr>
+                <a:t>ssDNA export original</a:t>
+              </a:r>
+            </a:p>
+          </p:txBody>
+        </p:sp>
+        <p:sp>
+          <p:nvSpPr>
+            <p:cNvPr id="62" name="TextBox 61">
+              <a:extLst>
+                <a:ext uri="{FF2B5EF4-FFF2-40B4-BE49-F238E27FC236}">
+                  <a16:creationId xmlns:a16="http://schemas.microsoft.com/office/drawing/2014/main" id="{F6EE586C-0906-8E48-A2CD-9872F8CE89DF}"/>
+                </a:ext>
+              </a:extLst>
+            </p:cNvPr>
+            <p:cNvSpPr txBox="1"/>
+            <p:nvPr/>
+          </p:nvSpPr>
+          <p:spPr>
+            <a:xfrm>
+              <a:off x="30375467" y="5864302"/>
+              <a:ext cx="2454004" cy="253916"/>
+            </a:xfrm>
+            <a:prstGeom prst="rect">
+              <a:avLst/>
+            </a:prstGeom>
+            <a:solidFill>
+              <a:schemeClr val="bg1"/>
+            </a:solidFill>
+          </p:spPr>
+          <p:txBody>
+            <a:bodyPr wrap="square" rtlCol="0">
+              <a:spAutoFit/>
+            </a:bodyPr>
+            <a:lstStyle/>
+            <a:p>
+              <a:r>
+                <a:rPr lang="en-US" sz="1050" dirty="0">
+                  <a:latin typeface="Avenir Book" panose="02000503020000020003" pitchFamily="2" charset="0"/>
+                </a:rPr>
+                <a:t>ssDNA export with ATP Rheostat</a:t>
+              </a:r>
+            </a:p>
+          </p:txBody>
+        </p:sp>
+        <p:sp>
+          <p:nvSpPr>
+            <p:cNvPr id="63" name="TextBox 62">
+              <a:extLst>
+                <a:ext uri="{FF2B5EF4-FFF2-40B4-BE49-F238E27FC236}">
+                  <a16:creationId xmlns:a16="http://schemas.microsoft.com/office/drawing/2014/main" id="{B47DDB47-BFB2-A748-956C-B04F4CD369A9}"/>
+                </a:ext>
+              </a:extLst>
+            </p:cNvPr>
+            <p:cNvSpPr txBox="1"/>
+            <p:nvPr/>
+          </p:nvSpPr>
+          <p:spPr>
+            <a:xfrm>
+              <a:off x="34048671" y="5864302"/>
+              <a:ext cx="3291840" cy="253916"/>
+            </a:xfrm>
+            <a:prstGeom prst="rect">
+              <a:avLst/>
+            </a:prstGeom>
+            <a:solidFill>
+              <a:schemeClr val="bg1"/>
+            </a:solidFill>
+          </p:spPr>
+          <p:txBody>
+            <a:bodyPr wrap="square" rtlCol="0">
+              <a:spAutoFit/>
+            </a:bodyPr>
+            <a:lstStyle/>
+            <a:p>
+              <a:r>
+                <a:rPr lang="en-US" sz="1050" dirty="0">
+                  <a:latin typeface="Avenir Book" panose="02000503020000020003" pitchFamily="2" charset="0"/>
+                </a:rPr>
+                <a:t>ssDNA export with ATP Synthase and Proton Pump</a:t>
+              </a:r>
+            </a:p>
+          </p:txBody>
+        </p:sp>
+      </p:grpSp>
+      <p:grpSp>
+        <p:nvGrpSpPr>
+          <p:cNvPr id="21" name="Group 20">
+            <a:extLst>
+              <a:ext uri="{FF2B5EF4-FFF2-40B4-BE49-F238E27FC236}">
+                <a16:creationId xmlns:a16="http://schemas.microsoft.com/office/drawing/2014/main" id="{FCA347E7-C5C3-0648-8696-F85247C233D0}"/>
+              </a:ext>
+            </a:extLst>
+          </p:cNvPr>
+          <p:cNvGrpSpPr/>
+          <p:nvPr/>
+        </p:nvGrpSpPr>
+        <p:grpSpPr>
+          <a:xfrm>
+            <a:off x="30333908" y="20363946"/>
+            <a:ext cx="8787968" cy="4386357"/>
+            <a:chOff x="27023629" y="10637910"/>
+            <a:chExt cx="8787968" cy="4386357"/>
           </a:xfrm>
         </p:grpSpPr>
         <p:pic>
           <p:nvPicPr>
-            <p:cNvPr id="20" name="Picture 19" descr="A close up of a map&#10;&#10;Description automatically generated">
+            <p:cNvPr id="68" name="Picture 67" descr="A screenshot of a cell phone&#10;&#10;Description automatically generated">
               <a:extLst>
                 <a:ext uri="{FF2B5EF4-FFF2-40B4-BE49-F238E27FC236}">
-                  <a16:creationId xmlns:a16="http://schemas.microsoft.com/office/drawing/2014/main" id="{DE33E90A-BA1E-7C4C-B80A-2515440CC9F2}"/>
+                  <a16:creationId xmlns:a16="http://schemas.microsoft.com/office/drawing/2014/main" id="{1BF02E4B-481E-2E4E-99A5-5FFAD7BE38BC}"/>
                 </a:ext>
               </a:extLst>
             </p:cNvPr>
@@ -7934,21 +8719,15 @@
             <p:nvPr/>
           </p:nvPicPr>
           <p:blipFill>
-            <a:blip r:embed="rId6">
-              <a:extLst>
-                <a:ext uri="{28A0092B-C50C-407E-A947-70E740481C1C}">
-                  <a14:useLocalDpi xmlns:a14="http://schemas.microsoft.com/office/drawing/2010/main" val="0"/>
-                </a:ext>
-              </a:extLst>
-            </a:blip>
+            <a:blip r:embed="rId12"/>
             <a:stretch>
               <a:fillRect/>
             </a:stretch>
           </p:blipFill>
           <p:spPr>
             <a:xfrm>
-              <a:off x="14264640" y="30070182"/>
-              <a:ext cx="4937760" cy="2743200"/>
+              <a:off x="27606171" y="10803726"/>
+              <a:ext cx="3879669" cy="3017520"/>
             </a:xfrm>
             <a:prstGeom prst="rect">
               <a:avLst/>
@@ -7957,10 +8736,10 @@
         </p:pic>
         <p:pic>
           <p:nvPicPr>
-            <p:cNvPr id="22" name="Picture 21" descr="A close up of a piece of paper&#10;&#10;Description automatically generated">
+            <p:cNvPr id="69" name="Picture 68" descr="A close up of a map&#10;&#10;Description automatically generated">
               <a:extLst>
                 <a:ext uri="{FF2B5EF4-FFF2-40B4-BE49-F238E27FC236}">
-                  <a16:creationId xmlns:a16="http://schemas.microsoft.com/office/drawing/2014/main" id="{7B822957-A7B6-1A4E-9C98-7D78F0EFBD16}"/>
+                  <a16:creationId xmlns:a16="http://schemas.microsoft.com/office/drawing/2014/main" id="{DC8B1A1D-D66B-944B-B92D-63055E55C15C}"/>
                 </a:ext>
               </a:extLst>
             </p:cNvPr>
@@ -7970,21 +8749,15 @@
             <p:nvPr/>
           </p:nvPicPr>
           <p:blipFill>
-            <a:blip r:embed="rId7">
-              <a:extLst>
-                <a:ext uri="{28A0092B-C50C-407E-A947-70E740481C1C}">
-                  <a14:useLocalDpi xmlns:a14="http://schemas.microsoft.com/office/drawing/2010/main" val="0"/>
-                </a:ext>
-              </a:extLst>
-            </a:blip>
+            <a:blip r:embed="rId13"/>
             <a:stretch>
               <a:fillRect/>
             </a:stretch>
           </p:blipFill>
           <p:spPr>
             <a:xfrm>
-              <a:off x="19368199" y="30070182"/>
-              <a:ext cx="4937760" cy="2743200"/>
+              <a:off x="31931928" y="10732571"/>
+              <a:ext cx="3879669" cy="3017520"/>
             </a:xfrm>
             <a:prstGeom prst="rect">
               <a:avLst/>
@@ -7993,10 +8766,10 @@
         </p:pic>
         <p:sp>
           <p:nvSpPr>
-            <p:cNvPr id="46" name="Text Box 181">
+            <p:cNvPr id="70" name="Text Box 180">
               <a:extLst>
                 <a:ext uri="{FF2B5EF4-FFF2-40B4-BE49-F238E27FC236}">
-                  <a16:creationId xmlns:a16="http://schemas.microsoft.com/office/drawing/2014/main" id="{217C5ED6-DEA8-A64F-8AF4-CC8998CBF32A}"/>
+                  <a16:creationId xmlns:a16="http://schemas.microsoft.com/office/drawing/2014/main" id="{FDD0D7F3-867D-4849-8462-5967AE899138}"/>
                 </a:ext>
               </a:extLst>
             </p:cNvPr>
@@ -8007,8 +8780,8 @@
           </p:nvSpPr>
           <p:spPr bwMode="auto">
             <a:xfrm>
-              <a:off x="14572329" y="32769523"/>
-              <a:ext cx="9733629" cy="1192628"/>
+              <a:off x="27928656" y="13831639"/>
+              <a:ext cx="7545103" cy="1192628"/>
             </a:xfrm>
             <a:prstGeom prst="rect">
               <a:avLst/>
@@ -8156,17 +8929,2538 @@
                   <a:latin typeface="Avenir Book" panose="02000503020000020003" pitchFamily="2" charset="0"/>
                   <a:ea typeface="Cambria Math" panose="02040503050406030204" pitchFamily="18" charset="0"/>
                 </a:rPr>
-                <a:t>Figure 4. Simulations of the ATP rheostat pathway. We see stoichiometric production of isobutanol (4a) and extended ATP production with the rheostat (4b). </a:t>
+                <a:t>Figure 11. Different temperatures affects the amount of bound protein (11a) and ATP regeneration rates (11b) of the ATP synthase model.</a:t>
               </a:r>
             </a:p>
           </p:txBody>
         </p:sp>
         <p:sp>
           <p:nvSpPr>
-            <p:cNvPr id="47" name="Text Box 181">
+            <p:cNvPr id="71" name="TextBox 70">
               <a:extLst>
                 <a:ext uri="{FF2B5EF4-FFF2-40B4-BE49-F238E27FC236}">
-                  <a16:creationId xmlns:a16="http://schemas.microsoft.com/office/drawing/2014/main" id="{E43F2A79-1803-E648-80E1-22E70033554F}"/>
+                  <a16:creationId xmlns:a16="http://schemas.microsoft.com/office/drawing/2014/main" id="{6F823266-3F58-E144-A41E-3B04389801FB}"/>
+                </a:ext>
+              </a:extLst>
+            </p:cNvPr>
+            <p:cNvSpPr txBox="1"/>
+            <p:nvPr/>
+          </p:nvSpPr>
+          <p:spPr>
+            <a:xfrm>
+              <a:off x="27023629" y="10637910"/>
+              <a:ext cx="799161" cy="523220"/>
+            </a:xfrm>
+            <a:prstGeom prst="rect">
+              <a:avLst/>
+            </a:prstGeom>
+            <a:solidFill>
+              <a:schemeClr val="bg1"/>
+            </a:solidFill>
+          </p:spPr>
+          <p:txBody>
+            <a:bodyPr wrap="square" rtlCol="0">
+              <a:spAutoFit/>
+            </a:bodyPr>
+            <a:lstStyle/>
+            <a:p>
+              <a:r>
+                <a:rPr lang="en-US" sz="2800" dirty="0">
+                  <a:latin typeface="Avenir Book" panose="02000503020000020003" pitchFamily="2" charset="0"/>
+                </a:rPr>
+                <a:t>11a</a:t>
+              </a:r>
+            </a:p>
+          </p:txBody>
+        </p:sp>
+        <p:sp>
+          <p:nvSpPr>
+            <p:cNvPr id="72" name="TextBox 71">
+              <a:extLst>
+                <a:ext uri="{FF2B5EF4-FFF2-40B4-BE49-F238E27FC236}">
+                  <a16:creationId xmlns:a16="http://schemas.microsoft.com/office/drawing/2014/main" id="{4F8F2F7B-4291-5843-A21A-C442A80DBF19}"/>
+                </a:ext>
+              </a:extLst>
+            </p:cNvPr>
+            <p:cNvSpPr txBox="1"/>
+            <p:nvPr/>
+          </p:nvSpPr>
+          <p:spPr>
+            <a:xfrm>
+              <a:off x="31293672" y="10637910"/>
+              <a:ext cx="830425" cy="523220"/>
+            </a:xfrm>
+            <a:prstGeom prst="rect">
+              <a:avLst/>
+            </a:prstGeom>
+            <a:solidFill>
+              <a:schemeClr val="bg1"/>
+            </a:solidFill>
+          </p:spPr>
+          <p:txBody>
+            <a:bodyPr wrap="square" rtlCol="0">
+              <a:spAutoFit/>
+            </a:bodyPr>
+            <a:lstStyle/>
+            <a:p>
+              <a:r>
+                <a:rPr lang="en-US" sz="2800" dirty="0">
+                  <a:latin typeface="Avenir Book" panose="02000503020000020003" pitchFamily="2" charset="0"/>
+                </a:rPr>
+                <a:t>11b</a:t>
+              </a:r>
+            </a:p>
+          </p:txBody>
+        </p:sp>
+      </p:grpSp>
+      <p:sp>
+        <p:nvSpPr>
+          <p:cNvPr id="73" name="TextBox 72">
+            <a:extLst>
+              <a:ext uri="{FF2B5EF4-FFF2-40B4-BE49-F238E27FC236}">
+                <a16:creationId xmlns:a16="http://schemas.microsoft.com/office/drawing/2014/main" id="{799A29E0-E12A-9746-A614-E3C06FFB73BA}"/>
+              </a:ext>
+            </a:extLst>
+          </p:cNvPr>
+          <p:cNvSpPr txBox="1"/>
+          <p:nvPr/>
+        </p:nvSpPr>
+        <p:spPr>
+          <a:xfrm>
+            <a:off x="1136110" y="36620716"/>
+            <a:ext cx="11967997" cy="1992847"/>
+          </a:xfrm>
+          <a:prstGeom prst="rect">
+            <a:avLst/>
+          </a:prstGeom>
+          <a:noFill/>
+        </p:spPr>
+        <p:txBody>
+          <a:bodyPr wrap="square" lIns="83814" tIns="41907" rIns="83814" bIns="41907" rtlCol="0">
+            <a:spAutoFit/>
+          </a:bodyPr>
+          <a:lstStyle/>
+          <a:p>
+            <a:r>
+              <a:rPr lang="en-US" sz="4800" dirty="0">
+                <a:latin typeface="Avenir Book" panose="02000503020000020003" pitchFamily="2" charset="0"/>
+                <a:ea typeface="Cambria Math" panose="02040503050406030204" pitchFamily="18" charset="0"/>
+              </a:rPr>
+              <a:t>Samuel P. and Frances </a:t>
+            </a:r>
+            <a:r>
+              <a:rPr lang="en-US" sz="4800" dirty="0" err="1">
+                <a:latin typeface="Avenir Book" panose="02000503020000020003" pitchFamily="2" charset="0"/>
+                <a:ea typeface="Cambria Math" panose="02040503050406030204" pitchFamily="18" charset="0"/>
+              </a:rPr>
+              <a:t>Krown</a:t>
+            </a:r>
+            <a:r>
+              <a:rPr lang="en-US" sz="4800" dirty="0">
+                <a:latin typeface="Avenir Book" panose="02000503020000020003" pitchFamily="2" charset="0"/>
+                <a:ea typeface="Cambria Math" panose="02040503050406030204" pitchFamily="18" charset="0"/>
+              </a:rPr>
+              <a:t> SURF Fellow</a:t>
+            </a:r>
+          </a:p>
+          <a:p>
+            <a:endParaRPr lang="en-US" sz="4800" dirty="0">
+              <a:latin typeface="Avenir Book" panose="02000503020000020003" pitchFamily="2" charset="0"/>
+              <a:ea typeface="Cambria Math" panose="02040503050406030204" pitchFamily="18" charset="0"/>
+            </a:endParaRPr>
+          </a:p>
+          <a:p>
+            <a:r>
+              <a:rPr lang="en-US" sz="2800" dirty="0">
+                <a:latin typeface="Avenir Book" panose="02000503020000020003" pitchFamily="2" charset="0"/>
+                <a:ea typeface="Cambria Math" panose="02040503050406030204" pitchFamily="18" charset="0"/>
+              </a:rPr>
+              <a:t>Note: All source code can be found at [11]</a:t>
+            </a:r>
+          </a:p>
+        </p:txBody>
+      </p:sp>
+      <p:pic>
+        <p:nvPicPr>
+          <p:cNvPr id="43" name="Picture 42" descr="A picture containing clock&#10;&#10;Description automatically generated">
+            <a:extLst>
+              <a:ext uri="{FF2B5EF4-FFF2-40B4-BE49-F238E27FC236}">
+                <a16:creationId xmlns:a16="http://schemas.microsoft.com/office/drawing/2014/main" id="{2EEFF4BF-B4A6-5648-AC65-CFDAD53A6CA9}"/>
+              </a:ext>
+            </a:extLst>
+          </p:cNvPr>
+          <p:cNvPicPr>
+            <a:picLocks noChangeAspect="1"/>
+          </p:cNvPicPr>
+          <p:nvPr/>
+        </p:nvPicPr>
+        <p:blipFill>
+          <a:blip r:embed="rId14">
+            <a:extLst>
+              <a:ext uri="{28A0092B-C50C-407E-A947-70E740481C1C}">
+                <a14:useLocalDpi xmlns:a14="http://schemas.microsoft.com/office/drawing/2010/main" val="0"/>
+              </a:ext>
+            </a:extLst>
+          </a:blip>
+          <a:stretch>
+            <a:fillRect/>
+          </a:stretch>
+        </p:blipFill>
+        <p:spPr>
+          <a:xfrm>
+            <a:off x="7458931" y="27762055"/>
+            <a:ext cx="4847466" cy="5563045"/>
+          </a:xfrm>
+          <a:prstGeom prst="rect">
+            <a:avLst/>
+          </a:prstGeom>
+        </p:spPr>
+      </p:pic>
+      <p:sp>
+        <p:nvSpPr>
+          <p:cNvPr id="44" name="TextBox 43">
+            <a:extLst>
+              <a:ext uri="{FF2B5EF4-FFF2-40B4-BE49-F238E27FC236}">
+                <a16:creationId xmlns:a16="http://schemas.microsoft.com/office/drawing/2014/main" id="{E0B22661-82F8-B04B-B852-B523C3EF853D}"/>
+              </a:ext>
+            </a:extLst>
+          </p:cNvPr>
+          <p:cNvSpPr txBox="1"/>
+          <p:nvPr/>
+        </p:nvSpPr>
+        <p:spPr>
+          <a:xfrm>
+            <a:off x="2949636" y="27762055"/>
+            <a:ext cx="250764" cy="369332"/>
+          </a:xfrm>
+          <a:prstGeom prst="rect">
+            <a:avLst/>
+          </a:prstGeom>
+          <a:solidFill>
+            <a:schemeClr val="bg1"/>
+          </a:solidFill>
+        </p:spPr>
+        <p:txBody>
+          <a:bodyPr wrap="square" rtlCol="0">
+            <a:spAutoFit/>
+          </a:bodyPr>
+          <a:lstStyle/>
+          <a:p>
+            <a:endParaRPr lang="en-US" dirty="0"/>
+          </a:p>
+        </p:txBody>
+      </p:sp>
+      <p:pic>
+        <p:nvPicPr>
+          <p:cNvPr id="82" name="Picture 81" descr="A picture containing drawing&#10;&#10;Description automatically generated">
+            <a:extLst>
+              <a:ext uri="{FF2B5EF4-FFF2-40B4-BE49-F238E27FC236}">
+                <a16:creationId xmlns:a16="http://schemas.microsoft.com/office/drawing/2014/main" id="{D907739E-1FFD-5946-B135-AD43E3431D72}"/>
+              </a:ext>
+            </a:extLst>
+          </p:cNvPr>
+          <p:cNvPicPr>
+            <a:picLocks noChangeAspect="1"/>
+          </p:cNvPicPr>
+          <p:nvPr/>
+        </p:nvPicPr>
+        <p:blipFill>
+          <a:blip r:embed="rId15">
+            <a:extLst>
+              <a:ext uri="{28A0092B-C50C-407E-A947-70E740481C1C}">
+                <a14:useLocalDpi xmlns:a14="http://schemas.microsoft.com/office/drawing/2010/main" val="0"/>
+              </a:ext>
+            </a:extLst>
+          </a:blip>
+          <a:stretch>
+            <a:fillRect/>
+          </a:stretch>
+        </p:blipFill>
+        <p:spPr>
+          <a:xfrm>
+            <a:off x="1249680" y="1496926"/>
+            <a:ext cx="4081903" cy="1745720"/>
+          </a:xfrm>
+          <a:prstGeom prst="rect">
+            <a:avLst/>
+          </a:prstGeom>
+        </p:spPr>
+      </p:pic>
+      <p:grpSp>
+        <p:nvGrpSpPr>
+          <p:cNvPr id="87" name="Group 86">
+            <a:extLst>
+              <a:ext uri="{FF2B5EF4-FFF2-40B4-BE49-F238E27FC236}">
+                <a16:creationId xmlns:a16="http://schemas.microsoft.com/office/drawing/2014/main" id="{D3E8D0E9-FC25-1645-8D19-D2B764495D32}"/>
+              </a:ext>
+            </a:extLst>
+          </p:cNvPr>
+          <p:cNvGrpSpPr/>
+          <p:nvPr/>
+        </p:nvGrpSpPr>
+        <p:grpSpPr>
+          <a:xfrm>
+            <a:off x="14811316" y="25438785"/>
+            <a:ext cx="10185997" cy="4468881"/>
+            <a:chOff x="14548636" y="25418664"/>
+            <a:chExt cx="10185997" cy="4468881"/>
+          </a:xfrm>
+        </p:grpSpPr>
+        <p:grpSp>
+          <p:nvGrpSpPr>
+            <p:cNvPr id="23" name="Group 22">
+              <a:extLst>
+                <a:ext uri="{FF2B5EF4-FFF2-40B4-BE49-F238E27FC236}">
+                  <a16:creationId xmlns:a16="http://schemas.microsoft.com/office/drawing/2014/main" id="{96EFE115-F37B-3F40-B699-3BEB1A3C0CC2}"/>
+                </a:ext>
+              </a:extLst>
+            </p:cNvPr>
+            <p:cNvGrpSpPr/>
+            <p:nvPr/>
+          </p:nvGrpSpPr>
+          <p:grpSpPr>
+            <a:xfrm>
+              <a:off x="14548636" y="25418664"/>
+              <a:ext cx="10185997" cy="4468881"/>
+              <a:chOff x="14119960" y="29702681"/>
+              <a:chExt cx="10185997" cy="4468881"/>
+            </a:xfrm>
+          </p:grpSpPr>
+          <p:pic>
+            <p:nvPicPr>
+              <p:cNvPr id="20" name="Picture 19" descr="A close up of a map&#10;&#10;Description automatically generated">
+                <a:extLst>
+                  <a:ext uri="{FF2B5EF4-FFF2-40B4-BE49-F238E27FC236}">
+                    <a16:creationId xmlns:a16="http://schemas.microsoft.com/office/drawing/2014/main" id="{DE33E90A-BA1E-7C4C-B80A-2515440CC9F2}"/>
+                  </a:ext>
+                </a:extLst>
+              </p:cNvPr>
+              <p:cNvPicPr>
+                <a:picLocks noChangeAspect="1"/>
+              </p:cNvPicPr>
+              <p:nvPr/>
+            </p:nvPicPr>
+            <p:blipFill>
+              <a:blip r:embed="rId16">
+                <a:extLst>
+                  <a:ext uri="{28A0092B-C50C-407E-A947-70E740481C1C}">
+                    <a14:useLocalDpi xmlns:a14="http://schemas.microsoft.com/office/drawing/2010/main" val="0"/>
+                  </a:ext>
+                </a:extLst>
+              </a:blip>
+              <a:stretch>
+                <a:fillRect/>
+              </a:stretch>
+            </p:blipFill>
+            <p:spPr>
+              <a:xfrm>
+                <a:off x="14245978" y="30222489"/>
+                <a:ext cx="4937760" cy="2743200"/>
+              </a:xfrm>
+              <a:prstGeom prst="rect">
+                <a:avLst/>
+              </a:prstGeom>
+            </p:spPr>
+          </p:pic>
+          <p:pic>
+            <p:nvPicPr>
+              <p:cNvPr id="22" name="Picture 21" descr="A close up of a piece of paper&#10;&#10;Description automatically generated">
+                <a:extLst>
+                  <a:ext uri="{FF2B5EF4-FFF2-40B4-BE49-F238E27FC236}">
+                    <a16:creationId xmlns:a16="http://schemas.microsoft.com/office/drawing/2014/main" id="{7B822957-A7B6-1A4E-9C98-7D78F0EFBD16}"/>
+                  </a:ext>
+                </a:extLst>
+              </p:cNvPr>
+              <p:cNvPicPr>
+                <a:picLocks noChangeAspect="1"/>
+              </p:cNvPicPr>
+              <p:nvPr/>
+            </p:nvPicPr>
+            <p:blipFill>
+              <a:blip r:embed="rId17">
+                <a:extLst>
+                  <a:ext uri="{28A0092B-C50C-407E-A947-70E740481C1C}">
+                    <a14:useLocalDpi xmlns:a14="http://schemas.microsoft.com/office/drawing/2010/main" val="0"/>
+                  </a:ext>
+                </a:extLst>
+              </a:blip>
+              <a:stretch>
+                <a:fillRect/>
+              </a:stretch>
+            </p:blipFill>
+            <p:spPr>
+              <a:xfrm>
+                <a:off x="19349537" y="30222489"/>
+                <a:ext cx="4937760" cy="2743200"/>
+              </a:xfrm>
+              <a:prstGeom prst="rect">
+                <a:avLst/>
+              </a:prstGeom>
+            </p:spPr>
+          </p:pic>
+          <p:sp>
+            <p:nvSpPr>
+              <p:cNvPr id="46" name="Text Box 181">
+                <a:extLst>
+                  <a:ext uri="{FF2B5EF4-FFF2-40B4-BE49-F238E27FC236}">
+                    <a16:creationId xmlns:a16="http://schemas.microsoft.com/office/drawing/2014/main" id="{217C5ED6-DEA8-A64F-8AF4-CC8998CBF32A}"/>
+                  </a:ext>
+                </a:extLst>
+              </p:cNvPr>
+              <p:cNvSpPr txBox="1">
+                <a:spLocks noChangeArrowheads="1"/>
+              </p:cNvSpPr>
+              <p:nvPr/>
+            </p:nvSpPr>
+            <p:spPr bwMode="auto">
+              <a:xfrm>
+                <a:off x="14572328" y="32978934"/>
+                <a:ext cx="9733629" cy="1192628"/>
+              </a:xfrm>
+              <a:prstGeom prst="rect">
+                <a:avLst/>
+              </a:prstGeom>
+              <a:noFill/>
+              <a:ln>
+                <a:noFill/>
+              </a:ln>
+              <a:effectLst/>
+              <a:extLst>
+                <a:ext uri="{909E8E84-426E-40DD-AFC4-6F175D3DCCD1}">
+                  <a14:hiddenFill xmlns:a14="http://schemas.microsoft.com/office/drawing/2010/main">
+                    <a:solidFill>
+                      <a:schemeClr val="accent1"/>
+                    </a:solidFill>
+                  </a14:hiddenFill>
+                </a:ext>
+                <a:ext uri="{91240B29-F687-4F45-9708-019B960494DF}">
+                  <a14:hiddenLine xmlns:a14="http://schemas.microsoft.com/office/drawing/2010/main" w="9525">
+                    <a:solidFill>
+                      <a:schemeClr val="tx1"/>
+                    </a:solidFill>
+                    <a:miter lim="800000"/>
+                    <a:headEnd/>
+                    <a:tailEnd/>
+                  </a14:hiddenLine>
+                </a:ext>
+                <a:ext uri="{AF507438-7753-43E0-B8FC-AC1667EBCBE1}">
+                  <a14:hiddenEffects xmlns:a14="http://schemas.microsoft.com/office/drawing/2010/main">
+                    <a:effectLst>
+                      <a:outerShdw dist="35921" dir="2700000" algn="ctr" rotWithShape="0">
+                        <a:schemeClr val="bg2"/>
+                      </a:outerShdw>
+                    </a:effectLst>
+                  </a14:hiddenEffects>
+                </a:ext>
+              </a:extLst>
+            </p:spPr>
+            <p:txBody>
+              <a:bodyPr wrap="square" lIns="83814" tIns="41907" rIns="83814" bIns="41907">
+                <a:spAutoFit/>
+              </a:bodyPr>
+              <a:lstStyle>
+                <a:lvl1pPr defTabSz="4389438" eaLnBrk="0" hangingPunct="0">
+                  <a:defRPr sz="2200">
+                    <a:solidFill>
+                      <a:schemeClr val="tx1"/>
+                    </a:solidFill>
+                    <a:latin typeface="Arial" charset="0"/>
+                  </a:defRPr>
+                </a:lvl1pPr>
+                <a:lvl2pPr marL="742950" indent="-285750" defTabSz="4389438" eaLnBrk="0" hangingPunct="0">
+                  <a:defRPr sz="2200">
+                    <a:solidFill>
+                      <a:schemeClr val="tx1"/>
+                    </a:solidFill>
+                    <a:latin typeface="Arial" charset="0"/>
+                  </a:defRPr>
+                </a:lvl2pPr>
+                <a:lvl3pPr marL="1143000" indent="-228600" defTabSz="4389438" eaLnBrk="0" hangingPunct="0">
+                  <a:defRPr sz="2200">
+                    <a:solidFill>
+                      <a:schemeClr val="tx1"/>
+                    </a:solidFill>
+                    <a:latin typeface="Arial" charset="0"/>
+                  </a:defRPr>
+                </a:lvl3pPr>
+                <a:lvl4pPr marL="1600200" indent="-228600" defTabSz="4389438" eaLnBrk="0" hangingPunct="0">
+                  <a:defRPr sz="2200">
+                    <a:solidFill>
+                      <a:schemeClr val="tx1"/>
+                    </a:solidFill>
+                    <a:latin typeface="Arial" charset="0"/>
+                  </a:defRPr>
+                </a:lvl4pPr>
+                <a:lvl5pPr marL="2057400" indent="-228600" defTabSz="4389438" eaLnBrk="0" hangingPunct="0">
+                  <a:defRPr sz="2200">
+                    <a:solidFill>
+                      <a:schemeClr val="tx1"/>
+                    </a:solidFill>
+                    <a:latin typeface="Arial" charset="0"/>
+                  </a:defRPr>
+                </a:lvl5pPr>
+                <a:lvl6pPr marL="2514600" indent="-228600" defTabSz="4389438" eaLnBrk="0" fontAlgn="base" hangingPunct="0">
+                  <a:spcBef>
+                    <a:spcPct val="0"/>
+                  </a:spcBef>
+                  <a:spcAft>
+                    <a:spcPct val="0"/>
+                  </a:spcAft>
+                  <a:defRPr sz="2200">
+                    <a:solidFill>
+                      <a:schemeClr val="tx1"/>
+                    </a:solidFill>
+                    <a:latin typeface="Arial" charset="0"/>
+                  </a:defRPr>
+                </a:lvl6pPr>
+                <a:lvl7pPr marL="2971800" indent="-228600" defTabSz="4389438" eaLnBrk="0" fontAlgn="base" hangingPunct="0">
+                  <a:spcBef>
+                    <a:spcPct val="0"/>
+                  </a:spcBef>
+                  <a:spcAft>
+                    <a:spcPct val="0"/>
+                  </a:spcAft>
+                  <a:defRPr sz="2200">
+                    <a:solidFill>
+                      <a:schemeClr val="tx1"/>
+                    </a:solidFill>
+                    <a:latin typeface="Arial" charset="0"/>
+                  </a:defRPr>
+                </a:lvl7pPr>
+                <a:lvl8pPr marL="3429000" indent="-228600" defTabSz="4389438" eaLnBrk="0" fontAlgn="base" hangingPunct="0">
+                  <a:spcBef>
+                    <a:spcPct val="0"/>
+                  </a:spcBef>
+                  <a:spcAft>
+                    <a:spcPct val="0"/>
+                  </a:spcAft>
+                  <a:defRPr sz="2200">
+                    <a:solidFill>
+                      <a:schemeClr val="tx1"/>
+                    </a:solidFill>
+                    <a:latin typeface="Arial" charset="0"/>
+                  </a:defRPr>
+                </a:lvl8pPr>
+                <a:lvl9pPr marL="3886200" indent="-228600" defTabSz="4389438" eaLnBrk="0" fontAlgn="base" hangingPunct="0">
+                  <a:spcBef>
+                    <a:spcPct val="0"/>
+                  </a:spcBef>
+                  <a:spcAft>
+                    <a:spcPct val="0"/>
+                  </a:spcAft>
+                  <a:defRPr sz="2200">
+                    <a:solidFill>
+                      <a:schemeClr val="tx1"/>
+                    </a:solidFill>
+                    <a:latin typeface="Arial" charset="0"/>
+                  </a:defRPr>
+                </a:lvl9pPr>
+              </a:lstStyle>
+              <a:p>
+                <a:pPr eaLnBrk="1" hangingPunct="1"/>
+                <a:r>
+                  <a:rPr lang="en-US" sz="2400" dirty="0">
+                    <a:latin typeface="Avenir Book" panose="02000503020000020003" pitchFamily="2" charset="0"/>
+                    <a:ea typeface="Cambria Math" panose="02040503050406030204" pitchFamily="18" charset="0"/>
+                  </a:rPr>
+                  <a:t>Figure 6. Simulations of the ATP rheostat pathway. We see stoichiometric production of isobutanol (6a) and extended ATP production with the rheostat (6b). </a:t>
+                </a:r>
+              </a:p>
+            </p:txBody>
+          </p:sp>
+          <p:sp>
+            <p:nvSpPr>
+              <p:cNvPr id="47" name="Text Box 181">
+                <a:extLst>
+                  <a:ext uri="{FF2B5EF4-FFF2-40B4-BE49-F238E27FC236}">
+                    <a16:creationId xmlns:a16="http://schemas.microsoft.com/office/drawing/2014/main" id="{E43F2A79-1803-E648-80E1-22E70033554F}"/>
+                  </a:ext>
+                </a:extLst>
+              </p:cNvPr>
+              <p:cNvSpPr txBox="1">
+                <a:spLocks noChangeArrowheads="1"/>
+              </p:cNvSpPr>
+              <p:nvPr/>
+            </p:nvSpPr>
+            <p:spPr bwMode="auto">
+              <a:xfrm>
+                <a:off x="14119960" y="29702681"/>
+                <a:ext cx="904735" cy="453964"/>
+              </a:xfrm>
+              <a:prstGeom prst="rect">
+                <a:avLst/>
+              </a:prstGeom>
+              <a:noFill/>
+              <a:ln>
+                <a:noFill/>
+              </a:ln>
+              <a:effectLst/>
+              <a:extLst>
+                <a:ext uri="{909E8E84-426E-40DD-AFC4-6F175D3DCCD1}">
+                  <a14:hiddenFill xmlns:a14="http://schemas.microsoft.com/office/drawing/2010/main">
+                    <a:solidFill>
+                      <a:schemeClr val="accent1"/>
+                    </a:solidFill>
+                  </a14:hiddenFill>
+                </a:ext>
+                <a:ext uri="{91240B29-F687-4F45-9708-019B960494DF}">
+                  <a14:hiddenLine xmlns:a14="http://schemas.microsoft.com/office/drawing/2010/main" w="9525">
+                    <a:solidFill>
+                      <a:schemeClr val="tx1"/>
+                    </a:solidFill>
+                    <a:miter lim="800000"/>
+                    <a:headEnd/>
+                    <a:tailEnd/>
+                  </a14:hiddenLine>
+                </a:ext>
+                <a:ext uri="{AF507438-7753-43E0-B8FC-AC1667EBCBE1}">
+                  <a14:hiddenEffects xmlns:a14="http://schemas.microsoft.com/office/drawing/2010/main">
+                    <a:effectLst>
+                      <a:outerShdw dist="35921" dir="2700000" algn="ctr" rotWithShape="0">
+                        <a:schemeClr val="bg2"/>
+                      </a:outerShdw>
+                    </a:effectLst>
+                  </a14:hiddenEffects>
+                </a:ext>
+              </a:extLst>
+            </p:spPr>
+            <p:txBody>
+              <a:bodyPr wrap="square" lIns="83814" tIns="41907" rIns="83814" bIns="41907">
+                <a:spAutoFit/>
+              </a:bodyPr>
+              <a:lstStyle>
+                <a:lvl1pPr defTabSz="4389438" eaLnBrk="0" hangingPunct="0">
+                  <a:defRPr sz="2200">
+                    <a:solidFill>
+                      <a:schemeClr val="tx1"/>
+                    </a:solidFill>
+                    <a:latin typeface="Arial" charset="0"/>
+                  </a:defRPr>
+                </a:lvl1pPr>
+                <a:lvl2pPr marL="742950" indent="-285750" defTabSz="4389438" eaLnBrk="0" hangingPunct="0">
+                  <a:defRPr sz="2200">
+                    <a:solidFill>
+                      <a:schemeClr val="tx1"/>
+                    </a:solidFill>
+                    <a:latin typeface="Arial" charset="0"/>
+                  </a:defRPr>
+                </a:lvl2pPr>
+                <a:lvl3pPr marL="1143000" indent="-228600" defTabSz="4389438" eaLnBrk="0" hangingPunct="0">
+                  <a:defRPr sz="2200">
+                    <a:solidFill>
+                      <a:schemeClr val="tx1"/>
+                    </a:solidFill>
+                    <a:latin typeface="Arial" charset="0"/>
+                  </a:defRPr>
+                </a:lvl3pPr>
+                <a:lvl4pPr marL="1600200" indent="-228600" defTabSz="4389438" eaLnBrk="0" hangingPunct="0">
+                  <a:defRPr sz="2200">
+                    <a:solidFill>
+                      <a:schemeClr val="tx1"/>
+                    </a:solidFill>
+                    <a:latin typeface="Arial" charset="0"/>
+                  </a:defRPr>
+                </a:lvl4pPr>
+                <a:lvl5pPr marL="2057400" indent="-228600" defTabSz="4389438" eaLnBrk="0" hangingPunct="0">
+                  <a:defRPr sz="2200">
+                    <a:solidFill>
+                      <a:schemeClr val="tx1"/>
+                    </a:solidFill>
+                    <a:latin typeface="Arial" charset="0"/>
+                  </a:defRPr>
+                </a:lvl5pPr>
+                <a:lvl6pPr marL="2514600" indent="-228600" defTabSz="4389438" eaLnBrk="0" fontAlgn="base" hangingPunct="0">
+                  <a:spcBef>
+                    <a:spcPct val="0"/>
+                  </a:spcBef>
+                  <a:spcAft>
+                    <a:spcPct val="0"/>
+                  </a:spcAft>
+                  <a:defRPr sz="2200">
+                    <a:solidFill>
+                      <a:schemeClr val="tx1"/>
+                    </a:solidFill>
+                    <a:latin typeface="Arial" charset="0"/>
+                  </a:defRPr>
+                </a:lvl6pPr>
+                <a:lvl7pPr marL="2971800" indent="-228600" defTabSz="4389438" eaLnBrk="0" fontAlgn="base" hangingPunct="0">
+                  <a:spcBef>
+                    <a:spcPct val="0"/>
+                  </a:spcBef>
+                  <a:spcAft>
+                    <a:spcPct val="0"/>
+                  </a:spcAft>
+                  <a:defRPr sz="2200">
+                    <a:solidFill>
+                      <a:schemeClr val="tx1"/>
+                    </a:solidFill>
+                    <a:latin typeface="Arial" charset="0"/>
+                  </a:defRPr>
+                </a:lvl7pPr>
+                <a:lvl8pPr marL="3429000" indent="-228600" defTabSz="4389438" eaLnBrk="0" fontAlgn="base" hangingPunct="0">
+                  <a:spcBef>
+                    <a:spcPct val="0"/>
+                  </a:spcBef>
+                  <a:spcAft>
+                    <a:spcPct val="0"/>
+                  </a:spcAft>
+                  <a:defRPr sz="2200">
+                    <a:solidFill>
+                      <a:schemeClr val="tx1"/>
+                    </a:solidFill>
+                    <a:latin typeface="Arial" charset="0"/>
+                  </a:defRPr>
+                </a:lvl8pPr>
+                <a:lvl9pPr marL="3886200" indent="-228600" defTabSz="4389438" eaLnBrk="0" fontAlgn="base" hangingPunct="0">
+                  <a:spcBef>
+                    <a:spcPct val="0"/>
+                  </a:spcBef>
+                  <a:spcAft>
+                    <a:spcPct val="0"/>
+                  </a:spcAft>
+                  <a:defRPr sz="2200">
+                    <a:solidFill>
+                      <a:schemeClr val="tx1"/>
+                    </a:solidFill>
+                    <a:latin typeface="Arial" charset="0"/>
+                  </a:defRPr>
+                </a:lvl9pPr>
+              </a:lstStyle>
+              <a:p>
+                <a:pPr eaLnBrk="1" hangingPunct="1"/>
+                <a:r>
+                  <a:rPr lang="en-US" sz="2400" dirty="0">
+                    <a:latin typeface="Avenir Book" panose="02000503020000020003" pitchFamily="2" charset="0"/>
+                    <a:ea typeface="Cambria Math" panose="02040503050406030204" pitchFamily="18" charset="0"/>
+                  </a:rPr>
+                  <a:t>6a</a:t>
+                </a:r>
+                <a:endParaRPr lang="en-US" sz="4000" dirty="0">
+                  <a:latin typeface="Avenir Book" panose="02000503020000020003" pitchFamily="2" charset="0"/>
+                  <a:ea typeface="Cambria Math" panose="02040503050406030204" pitchFamily="18" charset="0"/>
+                </a:endParaRPr>
+              </a:p>
+            </p:txBody>
+          </p:sp>
+          <p:sp>
+            <p:nvSpPr>
+              <p:cNvPr id="48" name="Text Box 181">
+                <a:extLst>
+                  <a:ext uri="{FF2B5EF4-FFF2-40B4-BE49-F238E27FC236}">
+                    <a16:creationId xmlns:a16="http://schemas.microsoft.com/office/drawing/2014/main" id="{43F875F2-F64E-8240-B968-D1F4E45C21D0}"/>
+                  </a:ext>
+                </a:extLst>
+              </p:cNvPr>
+              <p:cNvSpPr txBox="1">
+                <a:spLocks noChangeArrowheads="1"/>
+              </p:cNvSpPr>
+              <p:nvPr/>
+            </p:nvSpPr>
+            <p:spPr bwMode="auto">
+              <a:xfrm>
+                <a:off x="19205010" y="29717155"/>
+                <a:ext cx="904735" cy="453964"/>
+              </a:xfrm>
+              <a:prstGeom prst="rect">
+                <a:avLst/>
+              </a:prstGeom>
+              <a:noFill/>
+              <a:ln>
+                <a:noFill/>
+              </a:ln>
+              <a:effectLst/>
+              <a:extLst>
+                <a:ext uri="{909E8E84-426E-40DD-AFC4-6F175D3DCCD1}">
+                  <a14:hiddenFill xmlns:a14="http://schemas.microsoft.com/office/drawing/2010/main">
+                    <a:solidFill>
+                      <a:schemeClr val="accent1"/>
+                    </a:solidFill>
+                  </a14:hiddenFill>
+                </a:ext>
+                <a:ext uri="{91240B29-F687-4F45-9708-019B960494DF}">
+                  <a14:hiddenLine xmlns:a14="http://schemas.microsoft.com/office/drawing/2010/main" w="9525">
+                    <a:solidFill>
+                      <a:schemeClr val="tx1"/>
+                    </a:solidFill>
+                    <a:miter lim="800000"/>
+                    <a:headEnd/>
+                    <a:tailEnd/>
+                  </a14:hiddenLine>
+                </a:ext>
+                <a:ext uri="{AF507438-7753-43E0-B8FC-AC1667EBCBE1}">
+                  <a14:hiddenEffects xmlns:a14="http://schemas.microsoft.com/office/drawing/2010/main">
+                    <a:effectLst>
+                      <a:outerShdw dist="35921" dir="2700000" algn="ctr" rotWithShape="0">
+                        <a:schemeClr val="bg2"/>
+                      </a:outerShdw>
+                    </a:effectLst>
+                  </a14:hiddenEffects>
+                </a:ext>
+              </a:extLst>
+            </p:spPr>
+            <p:txBody>
+              <a:bodyPr wrap="square" lIns="83814" tIns="41907" rIns="83814" bIns="41907">
+                <a:spAutoFit/>
+              </a:bodyPr>
+              <a:lstStyle>
+                <a:lvl1pPr defTabSz="4389438" eaLnBrk="0" hangingPunct="0">
+                  <a:defRPr sz="2200">
+                    <a:solidFill>
+                      <a:schemeClr val="tx1"/>
+                    </a:solidFill>
+                    <a:latin typeface="Arial" charset="0"/>
+                  </a:defRPr>
+                </a:lvl1pPr>
+                <a:lvl2pPr marL="742950" indent="-285750" defTabSz="4389438" eaLnBrk="0" hangingPunct="0">
+                  <a:defRPr sz="2200">
+                    <a:solidFill>
+                      <a:schemeClr val="tx1"/>
+                    </a:solidFill>
+                    <a:latin typeface="Arial" charset="0"/>
+                  </a:defRPr>
+                </a:lvl2pPr>
+                <a:lvl3pPr marL="1143000" indent="-228600" defTabSz="4389438" eaLnBrk="0" hangingPunct="0">
+                  <a:defRPr sz="2200">
+                    <a:solidFill>
+                      <a:schemeClr val="tx1"/>
+                    </a:solidFill>
+                    <a:latin typeface="Arial" charset="0"/>
+                  </a:defRPr>
+                </a:lvl3pPr>
+                <a:lvl4pPr marL="1600200" indent="-228600" defTabSz="4389438" eaLnBrk="0" hangingPunct="0">
+                  <a:defRPr sz="2200">
+                    <a:solidFill>
+                      <a:schemeClr val="tx1"/>
+                    </a:solidFill>
+                    <a:latin typeface="Arial" charset="0"/>
+                  </a:defRPr>
+                </a:lvl4pPr>
+                <a:lvl5pPr marL="2057400" indent="-228600" defTabSz="4389438" eaLnBrk="0" hangingPunct="0">
+                  <a:defRPr sz="2200">
+                    <a:solidFill>
+                      <a:schemeClr val="tx1"/>
+                    </a:solidFill>
+                    <a:latin typeface="Arial" charset="0"/>
+                  </a:defRPr>
+                </a:lvl5pPr>
+                <a:lvl6pPr marL="2514600" indent="-228600" defTabSz="4389438" eaLnBrk="0" fontAlgn="base" hangingPunct="0">
+                  <a:spcBef>
+                    <a:spcPct val="0"/>
+                  </a:spcBef>
+                  <a:spcAft>
+                    <a:spcPct val="0"/>
+                  </a:spcAft>
+                  <a:defRPr sz="2200">
+                    <a:solidFill>
+                      <a:schemeClr val="tx1"/>
+                    </a:solidFill>
+                    <a:latin typeface="Arial" charset="0"/>
+                  </a:defRPr>
+                </a:lvl6pPr>
+                <a:lvl7pPr marL="2971800" indent="-228600" defTabSz="4389438" eaLnBrk="0" fontAlgn="base" hangingPunct="0">
+                  <a:spcBef>
+                    <a:spcPct val="0"/>
+                  </a:spcBef>
+                  <a:spcAft>
+                    <a:spcPct val="0"/>
+                  </a:spcAft>
+                  <a:defRPr sz="2200">
+                    <a:solidFill>
+                      <a:schemeClr val="tx1"/>
+                    </a:solidFill>
+                    <a:latin typeface="Arial" charset="0"/>
+                  </a:defRPr>
+                </a:lvl7pPr>
+                <a:lvl8pPr marL="3429000" indent="-228600" defTabSz="4389438" eaLnBrk="0" fontAlgn="base" hangingPunct="0">
+                  <a:spcBef>
+                    <a:spcPct val="0"/>
+                  </a:spcBef>
+                  <a:spcAft>
+                    <a:spcPct val="0"/>
+                  </a:spcAft>
+                  <a:defRPr sz="2200">
+                    <a:solidFill>
+                      <a:schemeClr val="tx1"/>
+                    </a:solidFill>
+                    <a:latin typeface="Arial" charset="0"/>
+                  </a:defRPr>
+                </a:lvl8pPr>
+                <a:lvl9pPr marL="3886200" indent="-228600" defTabSz="4389438" eaLnBrk="0" fontAlgn="base" hangingPunct="0">
+                  <a:spcBef>
+                    <a:spcPct val="0"/>
+                  </a:spcBef>
+                  <a:spcAft>
+                    <a:spcPct val="0"/>
+                  </a:spcAft>
+                  <a:defRPr sz="2200">
+                    <a:solidFill>
+                      <a:schemeClr val="tx1"/>
+                    </a:solidFill>
+                    <a:latin typeface="Arial" charset="0"/>
+                  </a:defRPr>
+                </a:lvl9pPr>
+              </a:lstStyle>
+              <a:p>
+                <a:pPr eaLnBrk="1" hangingPunct="1"/>
+                <a:r>
+                  <a:rPr lang="en-US" sz="2400" dirty="0">
+                    <a:latin typeface="Avenir Book" panose="02000503020000020003" pitchFamily="2" charset="0"/>
+                    <a:ea typeface="Cambria Math" panose="02040503050406030204" pitchFamily="18" charset="0"/>
+                  </a:rPr>
+                  <a:t>6b</a:t>
+                </a:r>
+                <a:endParaRPr lang="en-US" sz="4000" dirty="0">
+                  <a:latin typeface="Avenir Book" panose="02000503020000020003" pitchFamily="2" charset="0"/>
+                  <a:ea typeface="Cambria Math" panose="02040503050406030204" pitchFamily="18" charset="0"/>
+                </a:endParaRPr>
+              </a:p>
+            </p:txBody>
+          </p:sp>
+        </p:grpSp>
+        <p:sp>
+          <p:nvSpPr>
+            <p:cNvPr id="85" name="TextBox 84">
+              <a:extLst>
+                <a:ext uri="{FF2B5EF4-FFF2-40B4-BE49-F238E27FC236}">
+                  <a16:creationId xmlns:a16="http://schemas.microsoft.com/office/drawing/2014/main" id="{8088157A-8AE2-644C-8A11-E19A76BDB22F}"/>
+                </a:ext>
+              </a:extLst>
+            </p:cNvPr>
+            <p:cNvSpPr txBox="1"/>
+            <p:nvPr/>
+          </p:nvSpPr>
+          <p:spPr>
+            <a:xfrm>
+              <a:off x="15142413" y="25956801"/>
+              <a:ext cx="3796198" cy="338554"/>
+            </a:xfrm>
+            <a:prstGeom prst="rect">
+              <a:avLst/>
+            </a:prstGeom>
+            <a:solidFill>
+              <a:schemeClr val="bg1"/>
+            </a:solidFill>
+          </p:spPr>
+          <p:txBody>
+            <a:bodyPr wrap="square" rtlCol="0">
+              <a:spAutoFit/>
+            </a:bodyPr>
+            <a:lstStyle/>
+            <a:p>
+              <a:r>
+                <a:rPr lang="en-US" sz="1600" dirty="0">
+                  <a:latin typeface="Avenir Book" panose="02000503020000020003" pitchFamily="2" charset="0"/>
+                </a:rPr>
+                <a:t>Entire ATP Rheostat Pathway</a:t>
+              </a:r>
+            </a:p>
+          </p:txBody>
+        </p:sp>
+        <p:sp>
+          <p:nvSpPr>
+            <p:cNvPr id="86" name="TextBox 85">
+              <a:extLst>
+                <a:ext uri="{FF2B5EF4-FFF2-40B4-BE49-F238E27FC236}">
+                  <a16:creationId xmlns:a16="http://schemas.microsoft.com/office/drawing/2014/main" id="{6FCCBB8E-556D-3540-8408-46A15254CDCC}"/>
+                </a:ext>
+              </a:extLst>
+            </p:cNvPr>
+            <p:cNvSpPr txBox="1"/>
+            <p:nvPr/>
+          </p:nvSpPr>
+          <p:spPr>
+            <a:xfrm>
+              <a:off x="20188279" y="25978497"/>
+              <a:ext cx="4527693" cy="338554"/>
+            </a:xfrm>
+            <a:prstGeom prst="rect">
+              <a:avLst/>
+            </a:prstGeom>
+            <a:solidFill>
+              <a:schemeClr val="bg1"/>
+            </a:solidFill>
+          </p:spPr>
+          <p:txBody>
+            <a:bodyPr wrap="square" rtlCol="0">
+              <a:spAutoFit/>
+            </a:bodyPr>
+            <a:lstStyle/>
+            <a:p>
+              <a:r>
+                <a:rPr lang="en-US" sz="1600" dirty="0">
+                  <a:latin typeface="Avenir Book" panose="02000503020000020003" pitchFamily="2" charset="0"/>
+                </a:rPr>
+                <a:t>Compare ATP Curves for Rheostat Pathway</a:t>
+              </a:r>
+            </a:p>
+          </p:txBody>
+        </p:sp>
+      </p:grpSp>
+      <p:grpSp>
+        <p:nvGrpSpPr>
+          <p:cNvPr id="90" name="Group 89">
+            <a:extLst>
+              <a:ext uri="{FF2B5EF4-FFF2-40B4-BE49-F238E27FC236}">
+                <a16:creationId xmlns:a16="http://schemas.microsoft.com/office/drawing/2014/main" id="{F19906CD-CC96-3C44-AC7B-6ABBC0A64FB2}"/>
+              </a:ext>
+            </a:extLst>
+          </p:cNvPr>
+          <p:cNvGrpSpPr/>
+          <p:nvPr/>
+        </p:nvGrpSpPr>
+        <p:grpSpPr>
+          <a:xfrm>
+            <a:off x="15003731" y="30063340"/>
+            <a:ext cx="10093777" cy="5072073"/>
+            <a:chOff x="14759987" y="30157003"/>
+            <a:chExt cx="10093777" cy="5072073"/>
+          </a:xfrm>
+        </p:grpSpPr>
+        <p:grpSp>
+          <p:nvGrpSpPr>
+            <p:cNvPr id="29" name="Group 28">
+              <a:extLst>
+                <a:ext uri="{FF2B5EF4-FFF2-40B4-BE49-F238E27FC236}">
+                  <a16:creationId xmlns:a16="http://schemas.microsoft.com/office/drawing/2014/main" id="{DC88ABCA-27CB-B043-BBCE-43110FD448E0}"/>
+                </a:ext>
+              </a:extLst>
+            </p:cNvPr>
+            <p:cNvGrpSpPr/>
+            <p:nvPr/>
+          </p:nvGrpSpPr>
+          <p:grpSpPr>
+            <a:xfrm>
+              <a:off x="14759987" y="30157003"/>
+              <a:ext cx="10074323" cy="5072073"/>
+              <a:chOff x="14594021" y="25649189"/>
+              <a:chExt cx="10074323" cy="4806192"/>
+            </a:xfrm>
+          </p:grpSpPr>
+          <p:sp>
+            <p:nvSpPr>
+              <p:cNvPr id="58" name="Text Box 181">
+                <a:extLst>
+                  <a:ext uri="{FF2B5EF4-FFF2-40B4-BE49-F238E27FC236}">
+                    <a16:creationId xmlns:a16="http://schemas.microsoft.com/office/drawing/2014/main" id="{8851B0A8-0533-5543-802F-3898F2066D40}"/>
+                  </a:ext>
+                </a:extLst>
+              </p:cNvPr>
+              <p:cNvSpPr txBox="1">
+                <a:spLocks noChangeArrowheads="1"/>
+              </p:cNvSpPr>
+              <p:nvPr/>
+            </p:nvSpPr>
+            <p:spPr bwMode="auto">
+              <a:xfrm>
+                <a:off x="14934715" y="29325271"/>
+                <a:ext cx="9733629" cy="1130110"/>
+              </a:xfrm>
+              <a:prstGeom prst="rect">
+                <a:avLst/>
+              </a:prstGeom>
+              <a:noFill/>
+              <a:ln>
+                <a:noFill/>
+              </a:ln>
+              <a:effectLst/>
+              <a:extLst>
+                <a:ext uri="{909E8E84-426E-40DD-AFC4-6F175D3DCCD1}">
+                  <a14:hiddenFill xmlns:a14="http://schemas.microsoft.com/office/drawing/2010/main">
+                    <a:solidFill>
+                      <a:schemeClr val="accent1"/>
+                    </a:solidFill>
+                  </a14:hiddenFill>
+                </a:ext>
+                <a:ext uri="{91240B29-F687-4F45-9708-019B960494DF}">
+                  <a14:hiddenLine xmlns:a14="http://schemas.microsoft.com/office/drawing/2010/main" w="9525">
+                    <a:solidFill>
+                      <a:schemeClr val="tx1"/>
+                    </a:solidFill>
+                    <a:miter lim="800000"/>
+                    <a:headEnd/>
+                    <a:tailEnd/>
+                  </a14:hiddenLine>
+                </a:ext>
+                <a:ext uri="{AF507438-7753-43E0-B8FC-AC1667EBCBE1}">
+                  <a14:hiddenEffects xmlns:a14="http://schemas.microsoft.com/office/drawing/2010/main">
+                    <a:effectLst>
+                      <a:outerShdw dist="35921" dir="2700000" algn="ctr" rotWithShape="0">
+                        <a:schemeClr val="bg2"/>
+                      </a:outerShdw>
+                    </a:effectLst>
+                  </a14:hiddenEffects>
+                </a:ext>
+              </a:extLst>
+            </p:spPr>
+            <p:txBody>
+              <a:bodyPr wrap="square" lIns="83814" tIns="41907" rIns="83814" bIns="41907">
+                <a:spAutoFit/>
+              </a:bodyPr>
+              <a:lstStyle>
+                <a:lvl1pPr defTabSz="4389438" eaLnBrk="0" hangingPunct="0">
+                  <a:defRPr sz="2200">
+                    <a:solidFill>
+                      <a:schemeClr val="tx1"/>
+                    </a:solidFill>
+                    <a:latin typeface="Arial" charset="0"/>
+                  </a:defRPr>
+                </a:lvl1pPr>
+                <a:lvl2pPr marL="742950" indent="-285750" defTabSz="4389438" eaLnBrk="0" hangingPunct="0">
+                  <a:defRPr sz="2200">
+                    <a:solidFill>
+                      <a:schemeClr val="tx1"/>
+                    </a:solidFill>
+                    <a:latin typeface="Arial" charset="0"/>
+                  </a:defRPr>
+                </a:lvl2pPr>
+                <a:lvl3pPr marL="1143000" indent="-228600" defTabSz="4389438" eaLnBrk="0" hangingPunct="0">
+                  <a:defRPr sz="2200">
+                    <a:solidFill>
+                      <a:schemeClr val="tx1"/>
+                    </a:solidFill>
+                    <a:latin typeface="Arial" charset="0"/>
+                  </a:defRPr>
+                </a:lvl3pPr>
+                <a:lvl4pPr marL="1600200" indent="-228600" defTabSz="4389438" eaLnBrk="0" hangingPunct="0">
+                  <a:defRPr sz="2200">
+                    <a:solidFill>
+                      <a:schemeClr val="tx1"/>
+                    </a:solidFill>
+                    <a:latin typeface="Arial" charset="0"/>
+                  </a:defRPr>
+                </a:lvl4pPr>
+                <a:lvl5pPr marL="2057400" indent="-228600" defTabSz="4389438" eaLnBrk="0" hangingPunct="0">
+                  <a:defRPr sz="2200">
+                    <a:solidFill>
+                      <a:schemeClr val="tx1"/>
+                    </a:solidFill>
+                    <a:latin typeface="Arial" charset="0"/>
+                  </a:defRPr>
+                </a:lvl5pPr>
+                <a:lvl6pPr marL="2514600" indent="-228600" defTabSz="4389438" eaLnBrk="0" fontAlgn="base" hangingPunct="0">
+                  <a:spcBef>
+                    <a:spcPct val="0"/>
+                  </a:spcBef>
+                  <a:spcAft>
+                    <a:spcPct val="0"/>
+                  </a:spcAft>
+                  <a:defRPr sz="2200">
+                    <a:solidFill>
+                      <a:schemeClr val="tx1"/>
+                    </a:solidFill>
+                    <a:latin typeface="Arial" charset="0"/>
+                  </a:defRPr>
+                </a:lvl6pPr>
+                <a:lvl7pPr marL="2971800" indent="-228600" defTabSz="4389438" eaLnBrk="0" fontAlgn="base" hangingPunct="0">
+                  <a:spcBef>
+                    <a:spcPct val="0"/>
+                  </a:spcBef>
+                  <a:spcAft>
+                    <a:spcPct val="0"/>
+                  </a:spcAft>
+                  <a:defRPr sz="2200">
+                    <a:solidFill>
+                      <a:schemeClr val="tx1"/>
+                    </a:solidFill>
+                    <a:latin typeface="Arial" charset="0"/>
+                  </a:defRPr>
+                </a:lvl7pPr>
+                <a:lvl8pPr marL="3429000" indent="-228600" defTabSz="4389438" eaLnBrk="0" fontAlgn="base" hangingPunct="0">
+                  <a:spcBef>
+                    <a:spcPct val="0"/>
+                  </a:spcBef>
+                  <a:spcAft>
+                    <a:spcPct val="0"/>
+                  </a:spcAft>
+                  <a:defRPr sz="2200">
+                    <a:solidFill>
+                      <a:schemeClr val="tx1"/>
+                    </a:solidFill>
+                    <a:latin typeface="Arial" charset="0"/>
+                  </a:defRPr>
+                </a:lvl8pPr>
+                <a:lvl9pPr marL="3886200" indent="-228600" defTabSz="4389438" eaLnBrk="0" fontAlgn="base" hangingPunct="0">
+                  <a:spcBef>
+                    <a:spcPct val="0"/>
+                  </a:spcBef>
+                  <a:spcAft>
+                    <a:spcPct val="0"/>
+                  </a:spcAft>
+                  <a:defRPr sz="2200">
+                    <a:solidFill>
+                      <a:schemeClr val="tx1"/>
+                    </a:solidFill>
+                    <a:latin typeface="Arial" charset="0"/>
+                  </a:defRPr>
+                </a:lvl9pPr>
+              </a:lstStyle>
+              <a:p>
+                <a:pPr eaLnBrk="1" hangingPunct="1"/>
+                <a:r>
+                  <a:rPr lang="en-US" sz="2400" dirty="0">
+                    <a:latin typeface="Avenir Book" panose="02000503020000020003" pitchFamily="2" charset="0"/>
+                    <a:ea typeface="Cambria Math" panose="02040503050406030204" pitchFamily="18" charset="0"/>
+                  </a:rPr>
+                  <a:t>Figure 7. Simulations of the ATP synthase model. Without the proton pump, there is not enough regeneration (7a). When the proton gradient is maintained, we note a higher steady state of ATP (7b).</a:t>
+                </a:r>
+              </a:p>
+            </p:txBody>
+          </p:sp>
+          <p:sp>
+            <p:nvSpPr>
+              <p:cNvPr id="59" name="Text Box 181">
+                <a:extLst>
+                  <a:ext uri="{FF2B5EF4-FFF2-40B4-BE49-F238E27FC236}">
+                    <a16:creationId xmlns:a16="http://schemas.microsoft.com/office/drawing/2014/main" id="{E112BC73-C608-9548-AFBE-0BDE648CD0CE}"/>
+                  </a:ext>
+                </a:extLst>
+              </p:cNvPr>
+              <p:cNvSpPr txBox="1">
+                <a:spLocks noChangeArrowheads="1"/>
+              </p:cNvSpPr>
+              <p:nvPr/>
+            </p:nvSpPr>
+            <p:spPr bwMode="auto">
+              <a:xfrm>
+                <a:off x="14594021" y="25725896"/>
+                <a:ext cx="578359" cy="430167"/>
+              </a:xfrm>
+              <a:prstGeom prst="rect">
+                <a:avLst/>
+              </a:prstGeom>
+              <a:noFill/>
+              <a:ln>
+                <a:noFill/>
+              </a:ln>
+              <a:effectLst/>
+              <a:extLst>
+                <a:ext uri="{909E8E84-426E-40DD-AFC4-6F175D3DCCD1}">
+                  <a14:hiddenFill xmlns:a14="http://schemas.microsoft.com/office/drawing/2010/main">
+                    <a:solidFill>
+                      <a:schemeClr val="accent1"/>
+                    </a:solidFill>
+                  </a14:hiddenFill>
+                </a:ext>
+                <a:ext uri="{91240B29-F687-4F45-9708-019B960494DF}">
+                  <a14:hiddenLine xmlns:a14="http://schemas.microsoft.com/office/drawing/2010/main" w="9525">
+                    <a:solidFill>
+                      <a:schemeClr val="tx1"/>
+                    </a:solidFill>
+                    <a:miter lim="800000"/>
+                    <a:headEnd/>
+                    <a:tailEnd/>
+                  </a14:hiddenLine>
+                </a:ext>
+                <a:ext uri="{AF507438-7753-43E0-B8FC-AC1667EBCBE1}">
+                  <a14:hiddenEffects xmlns:a14="http://schemas.microsoft.com/office/drawing/2010/main">
+                    <a:effectLst>
+                      <a:outerShdw dist="35921" dir="2700000" algn="ctr" rotWithShape="0">
+                        <a:schemeClr val="bg2"/>
+                      </a:outerShdw>
+                    </a:effectLst>
+                  </a14:hiddenEffects>
+                </a:ext>
+              </a:extLst>
+            </p:spPr>
+            <p:txBody>
+              <a:bodyPr wrap="square" lIns="83814" tIns="41907" rIns="83814" bIns="41907">
+                <a:spAutoFit/>
+              </a:bodyPr>
+              <a:lstStyle>
+                <a:lvl1pPr defTabSz="4389438" eaLnBrk="0" hangingPunct="0">
+                  <a:defRPr sz="2200">
+                    <a:solidFill>
+                      <a:schemeClr val="tx1"/>
+                    </a:solidFill>
+                    <a:latin typeface="Arial" charset="0"/>
+                  </a:defRPr>
+                </a:lvl1pPr>
+                <a:lvl2pPr marL="742950" indent="-285750" defTabSz="4389438" eaLnBrk="0" hangingPunct="0">
+                  <a:defRPr sz="2200">
+                    <a:solidFill>
+                      <a:schemeClr val="tx1"/>
+                    </a:solidFill>
+                    <a:latin typeface="Arial" charset="0"/>
+                  </a:defRPr>
+                </a:lvl2pPr>
+                <a:lvl3pPr marL="1143000" indent="-228600" defTabSz="4389438" eaLnBrk="0" hangingPunct="0">
+                  <a:defRPr sz="2200">
+                    <a:solidFill>
+                      <a:schemeClr val="tx1"/>
+                    </a:solidFill>
+                    <a:latin typeface="Arial" charset="0"/>
+                  </a:defRPr>
+                </a:lvl3pPr>
+                <a:lvl4pPr marL="1600200" indent="-228600" defTabSz="4389438" eaLnBrk="0" hangingPunct="0">
+                  <a:defRPr sz="2200">
+                    <a:solidFill>
+                      <a:schemeClr val="tx1"/>
+                    </a:solidFill>
+                    <a:latin typeface="Arial" charset="0"/>
+                  </a:defRPr>
+                </a:lvl4pPr>
+                <a:lvl5pPr marL="2057400" indent="-228600" defTabSz="4389438" eaLnBrk="0" hangingPunct="0">
+                  <a:defRPr sz="2200">
+                    <a:solidFill>
+                      <a:schemeClr val="tx1"/>
+                    </a:solidFill>
+                    <a:latin typeface="Arial" charset="0"/>
+                  </a:defRPr>
+                </a:lvl5pPr>
+                <a:lvl6pPr marL="2514600" indent="-228600" defTabSz="4389438" eaLnBrk="0" fontAlgn="base" hangingPunct="0">
+                  <a:spcBef>
+                    <a:spcPct val="0"/>
+                  </a:spcBef>
+                  <a:spcAft>
+                    <a:spcPct val="0"/>
+                  </a:spcAft>
+                  <a:defRPr sz="2200">
+                    <a:solidFill>
+                      <a:schemeClr val="tx1"/>
+                    </a:solidFill>
+                    <a:latin typeface="Arial" charset="0"/>
+                  </a:defRPr>
+                </a:lvl6pPr>
+                <a:lvl7pPr marL="2971800" indent="-228600" defTabSz="4389438" eaLnBrk="0" fontAlgn="base" hangingPunct="0">
+                  <a:spcBef>
+                    <a:spcPct val="0"/>
+                  </a:spcBef>
+                  <a:spcAft>
+                    <a:spcPct val="0"/>
+                  </a:spcAft>
+                  <a:defRPr sz="2200">
+                    <a:solidFill>
+                      <a:schemeClr val="tx1"/>
+                    </a:solidFill>
+                    <a:latin typeface="Arial" charset="0"/>
+                  </a:defRPr>
+                </a:lvl7pPr>
+                <a:lvl8pPr marL="3429000" indent="-228600" defTabSz="4389438" eaLnBrk="0" fontAlgn="base" hangingPunct="0">
+                  <a:spcBef>
+                    <a:spcPct val="0"/>
+                  </a:spcBef>
+                  <a:spcAft>
+                    <a:spcPct val="0"/>
+                  </a:spcAft>
+                  <a:defRPr sz="2200">
+                    <a:solidFill>
+                      <a:schemeClr val="tx1"/>
+                    </a:solidFill>
+                    <a:latin typeface="Arial" charset="0"/>
+                  </a:defRPr>
+                </a:lvl8pPr>
+                <a:lvl9pPr marL="3886200" indent="-228600" defTabSz="4389438" eaLnBrk="0" fontAlgn="base" hangingPunct="0">
+                  <a:spcBef>
+                    <a:spcPct val="0"/>
+                  </a:spcBef>
+                  <a:spcAft>
+                    <a:spcPct val="0"/>
+                  </a:spcAft>
+                  <a:defRPr sz="2200">
+                    <a:solidFill>
+                      <a:schemeClr val="tx1"/>
+                    </a:solidFill>
+                    <a:latin typeface="Arial" charset="0"/>
+                  </a:defRPr>
+                </a:lvl9pPr>
+              </a:lstStyle>
+              <a:p>
+                <a:pPr eaLnBrk="1" hangingPunct="1"/>
+                <a:r>
+                  <a:rPr lang="en-US" sz="2400" dirty="0">
+                    <a:latin typeface="Avenir Book" panose="02000503020000020003" pitchFamily="2" charset="0"/>
+                    <a:ea typeface="Cambria Math" panose="02040503050406030204" pitchFamily="18" charset="0"/>
+                  </a:rPr>
+                  <a:t>7a</a:t>
+                </a:r>
+                <a:endParaRPr lang="en-US" sz="4000" dirty="0">
+                  <a:latin typeface="Avenir Book" panose="02000503020000020003" pitchFamily="2" charset="0"/>
+                  <a:ea typeface="Cambria Math" panose="02040503050406030204" pitchFamily="18" charset="0"/>
+                </a:endParaRPr>
+              </a:p>
+            </p:txBody>
+          </p:sp>
+          <p:sp>
+            <p:nvSpPr>
+              <p:cNvPr id="60" name="Text Box 181">
+                <a:extLst>
+                  <a:ext uri="{FF2B5EF4-FFF2-40B4-BE49-F238E27FC236}">
+                    <a16:creationId xmlns:a16="http://schemas.microsoft.com/office/drawing/2014/main" id="{85B4C05B-461D-5E4A-A078-D4AC84A5E9ED}"/>
+                  </a:ext>
+                </a:extLst>
+              </p:cNvPr>
+              <p:cNvSpPr txBox="1">
+                <a:spLocks noChangeArrowheads="1"/>
+              </p:cNvSpPr>
+              <p:nvPr/>
+            </p:nvSpPr>
+            <p:spPr bwMode="auto">
+              <a:xfrm>
+                <a:off x="19640910" y="25649189"/>
+                <a:ext cx="578359" cy="430167"/>
+              </a:xfrm>
+              <a:prstGeom prst="rect">
+                <a:avLst/>
+              </a:prstGeom>
+              <a:noFill/>
+              <a:ln>
+                <a:noFill/>
+              </a:ln>
+              <a:effectLst/>
+              <a:extLst>
+                <a:ext uri="{909E8E84-426E-40DD-AFC4-6F175D3DCCD1}">
+                  <a14:hiddenFill xmlns:a14="http://schemas.microsoft.com/office/drawing/2010/main">
+                    <a:solidFill>
+                      <a:schemeClr val="accent1"/>
+                    </a:solidFill>
+                  </a14:hiddenFill>
+                </a:ext>
+                <a:ext uri="{91240B29-F687-4F45-9708-019B960494DF}">
+                  <a14:hiddenLine xmlns:a14="http://schemas.microsoft.com/office/drawing/2010/main" w="9525">
+                    <a:solidFill>
+                      <a:schemeClr val="tx1"/>
+                    </a:solidFill>
+                    <a:miter lim="800000"/>
+                    <a:headEnd/>
+                    <a:tailEnd/>
+                  </a14:hiddenLine>
+                </a:ext>
+                <a:ext uri="{AF507438-7753-43E0-B8FC-AC1667EBCBE1}">
+                  <a14:hiddenEffects xmlns:a14="http://schemas.microsoft.com/office/drawing/2010/main">
+                    <a:effectLst>
+                      <a:outerShdw dist="35921" dir="2700000" algn="ctr" rotWithShape="0">
+                        <a:schemeClr val="bg2"/>
+                      </a:outerShdw>
+                    </a:effectLst>
+                  </a14:hiddenEffects>
+                </a:ext>
+              </a:extLst>
+            </p:spPr>
+            <p:txBody>
+              <a:bodyPr wrap="square" lIns="83814" tIns="41907" rIns="83814" bIns="41907">
+                <a:spAutoFit/>
+              </a:bodyPr>
+              <a:lstStyle>
+                <a:lvl1pPr defTabSz="4389438" eaLnBrk="0" hangingPunct="0">
+                  <a:defRPr sz="2200">
+                    <a:solidFill>
+                      <a:schemeClr val="tx1"/>
+                    </a:solidFill>
+                    <a:latin typeface="Arial" charset="0"/>
+                  </a:defRPr>
+                </a:lvl1pPr>
+                <a:lvl2pPr marL="742950" indent="-285750" defTabSz="4389438" eaLnBrk="0" hangingPunct="0">
+                  <a:defRPr sz="2200">
+                    <a:solidFill>
+                      <a:schemeClr val="tx1"/>
+                    </a:solidFill>
+                    <a:latin typeface="Arial" charset="0"/>
+                  </a:defRPr>
+                </a:lvl2pPr>
+                <a:lvl3pPr marL="1143000" indent="-228600" defTabSz="4389438" eaLnBrk="0" hangingPunct="0">
+                  <a:defRPr sz="2200">
+                    <a:solidFill>
+                      <a:schemeClr val="tx1"/>
+                    </a:solidFill>
+                    <a:latin typeface="Arial" charset="0"/>
+                  </a:defRPr>
+                </a:lvl3pPr>
+                <a:lvl4pPr marL="1600200" indent="-228600" defTabSz="4389438" eaLnBrk="0" hangingPunct="0">
+                  <a:defRPr sz="2200">
+                    <a:solidFill>
+                      <a:schemeClr val="tx1"/>
+                    </a:solidFill>
+                    <a:latin typeface="Arial" charset="0"/>
+                  </a:defRPr>
+                </a:lvl4pPr>
+                <a:lvl5pPr marL="2057400" indent="-228600" defTabSz="4389438" eaLnBrk="0" hangingPunct="0">
+                  <a:defRPr sz="2200">
+                    <a:solidFill>
+                      <a:schemeClr val="tx1"/>
+                    </a:solidFill>
+                    <a:latin typeface="Arial" charset="0"/>
+                  </a:defRPr>
+                </a:lvl5pPr>
+                <a:lvl6pPr marL="2514600" indent="-228600" defTabSz="4389438" eaLnBrk="0" fontAlgn="base" hangingPunct="0">
+                  <a:spcBef>
+                    <a:spcPct val="0"/>
+                  </a:spcBef>
+                  <a:spcAft>
+                    <a:spcPct val="0"/>
+                  </a:spcAft>
+                  <a:defRPr sz="2200">
+                    <a:solidFill>
+                      <a:schemeClr val="tx1"/>
+                    </a:solidFill>
+                    <a:latin typeface="Arial" charset="0"/>
+                  </a:defRPr>
+                </a:lvl6pPr>
+                <a:lvl7pPr marL="2971800" indent="-228600" defTabSz="4389438" eaLnBrk="0" fontAlgn="base" hangingPunct="0">
+                  <a:spcBef>
+                    <a:spcPct val="0"/>
+                  </a:spcBef>
+                  <a:spcAft>
+                    <a:spcPct val="0"/>
+                  </a:spcAft>
+                  <a:defRPr sz="2200">
+                    <a:solidFill>
+                      <a:schemeClr val="tx1"/>
+                    </a:solidFill>
+                    <a:latin typeface="Arial" charset="0"/>
+                  </a:defRPr>
+                </a:lvl7pPr>
+                <a:lvl8pPr marL="3429000" indent="-228600" defTabSz="4389438" eaLnBrk="0" fontAlgn="base" hangingPunct="0">
+                  <a:spcBef>
+                    <a:spcPct val="0"/>
+                  </a:spcBef>
+                  <a:spcAft>
+                    <a:spcPct val="0"/>
+                  </a:spcAft>
+                  <a:defRPr sz="2200">
+                    <a:solidFill>
+                      <a:schemeClr val="tx1"/>
+                    </a:solidFill>
+                    <a:latin typeface="Arial" charset="0"/>
+                  </a:defRPr>
+                </a:lvl8pPr>
+                <a:lvl9pPr marL="3886200" indent="-228600" defTabSz="4389438" eaLnBrk="0" fontAlgn="base" hangingPunct="0">
+                  <a:spcBef>
+                    <a:spcPct val="0"/>
+                  </a:spcBef>
+                  <a:spcAft>
+                    <a:spcPct val="0"/>
+                  </a:spcAft>
+                  <a:defRPr sz="2200">
+                    <a:solidFill>
+                      <a:schemeClr val="tx1"/>
+                    </a:solidFill>
+                    <a:latin typeface="Arial" charset="0"/>
+                  </a:defRPr>
+                </a:lvl9pPr>
+              </a:lstStyle>
+              <a:p>
+                <a:pPr eaLnBrk="1" hangingPunct="1"/>
+                <a:r>
+                  <a:rPr lang="en-US" sz="2400" dirty="0">
+                    <a:latin typeface="Avenir Book" panose="02000503020000020003" pitchFamily="2" charset="0"/>
+                    <a:ea typeface="Cambria Math" panose="02040503050406030204" pitchFamily="18" charset="0"/>
+                  </a:rPr>
+                  <a:t>7b</a:t>
+                </a:r>
+                <a:endParaRPr lang="en-US" sz="4000" dirty="0">
+                  <a:latin typeface="Avenir Book" panose="02000503020000020003" pitchFamily="2" charset="0"/>
+                  <a:ea typeface="Cambria Math" panose="02040503050406030204" pitchFamily="18" charset="0"/>
+                </a:endParaRPr>
+              </a:p>
+            </p:txBody>
+          </p:sp>
+        </p:grpSp>
+        <p:pic>
+          <p:nvPicPr>
+            <p:cNvPr id="53" name="Picture 52" descr="A screenshot of a cell phone&#10;&#10;Description automatically generated">
+              <a:extLst>
+                <a:ext uri="{FF2B5EF4-FFF2-40B4-BE49-F238E27FC236}">
+                  <a16:creationId xmlns:a16="http://schemas.microsoft.com/office/drawing/2014/main" id="{5CE8EB38-8AB1-C94A-A645-3EC1E9582683}"/>
+                </a:ext>
+              </a:extLst>
+            </p:cNvPr>
+            <p:cNvPicPr>
+              <a:picLocks noChangeAspect="1"/>
+            </p:cNvPicPr>
+            <p:nvPr/>
+          </p:nvPicPr>
+          <p:blipFill>
+            <a:blip r:embed="rId18"/>
+            <a:stretch>
+              <a:fillRect/>
+            </a:stretch>
+          </p:blipFill>
+          <p:spPr>
+            <a:xfrm>
+              <a:off x="15106068" y="30544112"/>
+              <a:ext cx="4338175" cy="3374136"/>
+            </a:xfrm>
+            <a:prstGeom prst="rect">
+              <a:avLst/>
+            </a:prstGeom>
+          </p:spPr>
+        </p:pic>
+        <p:pic>
+          <p:nvPicPr>
+            <p:cNvPr id="61" name="Picture 60" descr="A close up of a map&#10;&#10;Description automatically generated">
+              <a:extLst>
+                <a:ext uri="{FF2B5EF4-FFF2-40B4-BE49-F238E27FC236}">
+                  <a16:creationId xmlns:a16="http://schemas.microsoft.com/office/drawing/2014/main" id="{C8E4831D-234E-6E4F-940D-7532739007AE}"/>
+                </a:ext>
+              </a:extLst>
+            </p:cNvPr>
+            <p:cNvPicPr>
+              <a:picLocks noChangeAspect="1"/>
+            </p:cNvPicPr>
+            <p:nvPr/>
+          </p:nvPicPr>
+          <p:blipFill>
+            <a:blip r:embed="rId19"/>
+            <a:stretch>
+              <a:fillRect/>
+            </a:stretch>
+          </p:blipFill>
+          <p:spPr>
+            <a:xfrm>
+              <a:off x="19867818" y="30524169"/>
+              <a:ext cx="4220610" cy="3282696"/>
+            </a:xfrm>
+            <a:prstGeom prst="rect">
+              <a:avLst/>
+            </a:prstGeom>
+          </p:spPr>
+        </p:pic>
+        <p:sp>
+          <p:nvSpPr>
+            <p:cNvPr id="88" name="TextBox 87">
+              <a:extLst>
+                <a:ext uri="{FF2B5EF4-FFF2-40B4-BE49-F238E27FC236}">
+                  <a16:creationId xmlns:a16="http://schemas.microsoft.com/office/drawing/2014/main" id="{6111BE77-4E87-1242-999A-A5001C04B792}"/>
+                </a:ext>
+              </a:extLst>
+            </p:cNvPr>
+            <p:cNvSpPr txBox="1"/>
+            <p:nvPr/>
+          </p:nvSpPr>
+          <p:spPr>
+            <a:xfrm>
+              <a:off x="15451910" y="30526736"/>
+              <a:ext cx="4694917" cy="276999"/>
+            </a:xfrm>
+            <a:prstGeom prst="rect">
+              <a:avLst/>
+            </a:prstGeom>
+            <a:solidFill>
+              <a:schemeClr val="bg1"/>
+            </a:solidFill>
+          </p:spPr>
+          <p:txBody>
+            <a:bodyPr wrap="square" rtlCol="0">
+              <a:spAutoFit/>
+            </a:bodyPr>
+            <a:lstStyle/>
+            <a:p>
+              <a:r>
+                <a:rPr lang="en-US" sz="1200" dirty="0">
+                  <a:latin typeface="Avenir Book" panose="02000503020000020003" pitchFamily="2" charset="0"/>
+                </a:rPr>
+                <a:t>Comparison of ATP Curves with and without ATP Synthase</a:t>
+              </a:r>
+            </a:p>
+          </p:txBody>
+        </p:sp>
+        <p:sp>
+          <p:nvSpPr>
+            <p:cNvPr id="89" name="TextBox 88">
+              <a:extLst>
+                <a:ext uri="{FF2B5EF4-FFF2-40B4-BE49-F238E27FC236}">
+                  <a16:creationId xmlns:a16="http://schemas.microsoft.com/office/drawing/2014/main" id="{42B1D363-9D60-9C44-85C3-8365E450D0E3}"/>
+                </a:ext>
+              </a:extLst>
+            </p:cNvPr>
+            <p:cNvSpPr txBox="1"/>
+            <p:nvPr/>
+          </p:nvSpPr>
+          <p:spPr>
+            <a:xfrm>
+              <a:off x="20158847" y="30529765"/>
+              <a:ext cx="4694917" cy="307777"/>
+            </a:xfrm>
+            <a:prstGeom prst="rect">
+              <a:avLst/>
+            </a:prstGeom>
+            <a:solidFill>
+              <a:schemeClr val="bg1"/>
+            </a:solidFill>
+          </p:spPr>
+          <p:txBody>
+            <a:bodyPr wrap="square" rtlCol="0">
+              <a:spAutoFit/>
+            </a:bodyPr>
+            <a:lstStyle/>
+            <a:p>
+              <a:r>
+                <a:rPr lang="en-US" sz="1400" dirty="0">
+                  <a:latin typeface="Avenir Book" panose="02000503020000020003" pitchFamily="2" charset="0"/>
+                </a:rPr>
+                <a:t>Compare All ATP Curves for ATP Synthase Model</a:t>
+              </a:r>
+            </a:p>
+          </p:txBody>
+        </p:sp>
+      </p:grpSp>
+      <p:pic>
+        <p:nvPicPr>
+          <p:cNvPr id="1026" name="Picture 2">
+            <a:extLst>
+              <a:ext uri="{FF2B5EF4-FFF2-40B4-BE49-F238E27FC236}">
+                <a16:creationId xmlns:a16="http://schemas.microsoft.com/office/drawing/2014/main" id="{513BE802-F452-F14B-9B26-F57BB238B71A}"/>
+              </a:ext>
+            </a:extLst>
+          </p:cNvPr>
+          <p:cNvPicPr>
+            <a:picLocks noChangeAspect="1" noChangeArrowheads="1"/>
+          </p:cNvPicPr>
+          <p:nvPr/>
+        </p:nvPicPr>
+        <p:blipFill>
+          <a:blip r:embed="rId20">
+            <a:extLst>
+              <a:ext uri="{28A0092B-C50C-407E-A947-70E740481C1C}">
+                <a14:useLocalDpi xmlns:a14="http://schemas.microsoft.com/office/drawing/2010/main" val="0"/>
+              </a:ext>
+            </a:extLst>
+          </a:blip>
+          <a:srcRect/>
+          <a:stretch>
+            <a:fillRect/>
+          </a:stretch>
+        </p:blipFill>
+        <p:spPr bwMode="auto">
+          <a:xfrm>
+            <a:off x="1449561" y="22977505"/>
+            <a:ext cx="5525318" cy="3386485"/>
+          </a:xfrm>
+          <a:prstGeom prst="rect">
+            <a:avLst/>
+          </a:prstGeom>
+          <a:noFill/>
+          <a:extLst>
+            <a:ext uri="{909E8E84-426E-40DD-AFC4-6F175D3DCCD1}">
+              <a14:hiddenFill xmlns:a14="http://schemas.microsoft.com/office/drawing/2010/main">
+                <a:solidFill>
+                  <a:srgbClr val="FFFFFF"/>
+                </a:solidFill>
+              </a14:hiddenFill>
+            </a:ext>
+          </a:extLst>
+        </p:spPr>
+      </p:pic>
+      <p:sp>
+        <p:nvSpPr>
+          <p:cNvPr id="74" name="Text Box 180">
+            <a:extLst>
+              <a:ext uri="{FF2B5EF4-FFF2-40B4-BE49-F238E27FC236}">
+                <a16:creationId xmlns:a16="http://schemas.microsoft.com/office/drawing/2014/main" id="{B6296DE3-E5DD-F246-A036-649ABC9075FF}"/>
+              </a:ext>
+            </a:extLst>
+          </p:cNvPr>
+          <p:cNvSpPr txBox="1">
+            <a:spLocks noChangeArrowheads="1"/>
+          </p:cNvSpPr>
+          <p:nvPr/>
+        </p:nvSpPr>
+        <p:spPr bwMode="auto">
+          <a:xfrm>
+            <a:off x="849041" y="26381073"/>
+            <a:ext cx="7075759" cy="1561960"/>
+          </a:xfrm>
+          <a:prstGeom prst="rect">
+            <a:avLst/>
+          </a:prstGeom>
+          <a:noFill/>
+          <a:ln>
+            <a:noFill/>
+          </a:ln>
+          <a:effectLst/>
+          <a:extLst>
+            <a:ext uri="{909E8E84-426E-40DD-AFC4-6F175D3DCCD1}">
+              <a14:hiddenFill xmlns:a14="http://schemas.microsoft.com/office/drawing/2010/main">
+                <a:solidFill>
+                  <a:schemeClr val="accent1"/>
+                </a:solidFill>
+              </a14:hiddenFill>
+            </a:ext>
+            <a:ext uri="{91240B29-F687-4F45-9708-019B960494DF}">
+              <a14:hiddenLine xmlns:a14="http://schemas.microsoft.com/office/drawing/2010/main" w="9525">
+                <a:solidFill>
+                  <a:schemeClr val="tx1"/>
+                </a:solidFill>
+                <a:miter lim="800000"/>
+                <a:headEnd/>
+                <a:tailEnd/>
+              </a14:hiddenLine>
+            </a:ext>
+            <a:ext uri="{AF507438-7753-43E0-B8FC-AC1667EBCBE1}">
+              <a14:hiddenEffects xmlns:a14="http://schemas.microsoft.com/office/drawing/2010/main">
+                <a:effectLst>
+                  <a:outerShdw dist="35921" dir="2700000" algn="ctr" rotWithShape="0">
+                    <a:schemeClr val="bg2"/>
+                  </a:outerShdw>
+                </a:effectLst>
+              </a14:hiddenEffects>
+            </a:ext>
+          </a:extLst>
+        </p:spPr>
+        <p:txBody>
+          <a:bodyPr wrap="square" lIns="83814" tIns="41907" rIns="83814" bIns="41907">
+            <a:spAutoFit/>
+          </a:bodyPr>
+          <a:lstStyle>
+            <a:lvl1pPr defTabSz="4389438" eaLnBrk="0" hangingPunct="0">
+              <a:defRPr sz="2200">
+                <a:solidFill>
+                  <a:schemeClr val="tx1"/>
+                </a:solidFill>
+                <a:latin typeface="Arial" charset="0"/>
+              </a:defRPr>
+            </a:lvl1pPr>
+            <a:lvl2pPr marL="742950" indent="-285750" defTabSz="4389438" eaLnBrk="0" hangingPunct="0">
+              <a:defRPr sz="2200">
+                <a:solidFill>
+                  <a:schemeClr val="tx1"/>
+                </a:solidFill>
+                <a:latin typeface="Arial" charset="0"/>
+              </a:defRPr>
+            </a:lvl2pPr>
+            <a:lvl3pPr marL="1143000" indent="-228600" defTabSz="4389438" eaLnBrk="0" hangingPunct="0">
+              <a:defRPr sz="2200">
+                <a:solidFill>
+                  <a:schemeClr val="tx1"/>
+                </a:solidFill>
+                <a:latin typeface="Arial" charset="0"/>
+              </a:defRPr>
+            </a:lvl3pPr>
+            <a:lvl4pPr marL="1600200" indent="-228600" defTabSz="4389438" eaLnBrk="0" hangingPunct="0">
+              <a:defRPr sz="2200">
+                <a:solidFill>
+                  <a:schemeClr val="tx1"/>
+                </a:solidFill>
+                <a:latin typeface="Arial" charset="0"/>
+              </a:defRPr>
+            </a:lvl4pPr>
+            <a:lvl5pPr marL="2057400" indent="-228600" defTabSz="4389438" eaLnBrk="0" hangingPunct="0">
+              <a:defRPr sz="2200">
+                <a:solidFill>
+                  <a:schemeClr val="tx1"/>
+                </a:solidFill>
+                <a:latin typeface="Arial" charset="0"/>
+              </a:defRPr>
+            </a:lvl5pPr>
+            <a:lvl6pPr marL="2514600" indent="-228600" defTabSz="4389438" eaLnBrk="0" fontAlgn="base" hangingPunct="0">
+              <a:spcBef>
+                <a:spcPct val="0"/>
+              </a:spcBef>
+              <a:spcAft>
+                <a:spcPct val="0"/>
+              </a:spcAft>
+              <a:defRPr sz="2200">
+                <a:solidFill>
+                  <a:schemeClr val="tx1"/>
+                </a:solidFill>
+                <a:latin typeface="Arial" charset="0"/>
+              </a:defRPr>
+            </a:lvl6pPr>
+            <a:lvl7pPr marL="2971800" indent="-228600" defTabSz="4389438" eaLnBrk="0" fontAlgn="base" hangingPunct="0">
+              <a:spcBef>
+                <a:spcPct val="0"/>
+              </a:spcBef>
+              <a:spcAft>
+                <a:spcPct val="0"/>
+              </a:spcAft>
+              <a:defRPr sz="2200">
+                <a:solidFill>
+                  <a:schemeClr val="tx1"/>
+                </a:solidFill>
+                <a:latin typeface="Arial" charset="0"/>
+              </a:defRPr>
+            </a:lvl7pPr>
+            <a:lvl8pPr marL="3429000" indent="-228600" defTabSz="4389438" eaLnBrk="0" fontAlgn="base" hangingPunct="0">
+              <a:spcBef>
+                <a:spcPct val="0"/>
+              </a:spcBef>
+              <a:spcAft>
+                <a:spcPct val="0"/>
+              </a:spcAft>
+              <a:defRPr sz="2200">
+                <a:solidFill>
+                  <a:schemeClr val="tx1"/>
+                </a:solidFill>
+                <a:latin typeface="Arial" charset="0"/>
+              </a:defRPr>
+            </a:lvl8pPr>
+            <a:lvl9pPr marL="3886200" indent="-228600" defTabSz="4389438" eaLnBrk="0" fontAlgn="base" hangingPunct="0">
+              <a:spcBef>
+                <a:spcPct val="0"/>
+              </a:spcBef>
+              <a:spcAft>
+                <a:spcPct val="0"/>
+              </a:spcAft>
+              <a:defRPr sz="2200">
+                <a:solidFill>
+                  <a:schemeClr val="tx1"/>
+                </a:solidFill>
+                <a:latin typeface="Arial" charset="0"/>
+              </a:defRPr>
+            </a:lvl9pPr>
+          </a:lstStyle>
+          <a:p>
+            <a:pPr eaLnBrk="1" hangingPunct="1"/>
+            <a:r>
+              <a:rPr lang="en-US" sz="2400" dirty="0">
+                <a:latin typeface="Avenir Book" panose="02000503020000020003" pitchFamily="2" charset="0"/>
+                <a:ea typeface="Cambria Math" panose="02040503050406030204" pitchFamily="18" charset="0"/>
+              </a:rPr>
+              <a:t>Figure 1. A diagram representing our overall goal. By implementing some mechanism (red arrow), we would like to regenerate ATP to longer support an anabolic process.</a:t>
+            </a:r>
+          </a:p>
+        </p:txBody>
+      </p:sp>
+      <p:grpSp>
+        <p:nvGrpSpPr>
+          <p:cNvPr id="40" name="Group 39">
+            <a:extLst>
+              <a:ext uri="{FF2B5EF4-FFF2-40B4-BE49-F238E27FC236}">
+                <a16:creationId xmlns:a16="http://schemas.microsoft.com/office/drawing/2014/main" id="{82300DFA-D0F4-9C4C-B9EC-A48F74A77B39}"/>
+              </a:ext>
+            </a:extLst>
+          </p:cNvPr>
+          <p:cNvGrpSpPr/>
+          <p:nvPr/>
+        </p:nvGrpSpPr>
+        <p:grpSpPr>
+          <a:xfrm>
+            <a:off x="15158758" y="12380987"/>
+            <a:ext cx="9617472" cy="1948295"/>
+            <a:chOff x="14264640" y="12649200"/>
+            <a:chExt cx="9617472" cy="1948295"/>
+          </a:xfrm>
+        </p:grpSpPr>
+        <p:sp>
+          <p:nvSpPr>
+            <p:cNvPr id="7" name="Rounded Rectangle 6">
+              <a:extLst>
+                <a:ext uri="{FF2B5EF4-FFF2-40B4-BE49-F238E27FC236}">
+                  <a16:creationId xmlns:a16="http://schemas.microsoft.com/office/drawing/2014/main" id="{E6DF51A7-BF5D-454D-9578-DDA1E6B5C49E}"/>
+                </a:ext>
+              </a:extLst>
+            </p:cNvPr>
+            <p:cNvSpPr/>
+            <p:nvPr/>
+          </p:nvSpPr>
+          <p:spPr>
+            <a:xfrm>
+              <a:off x="14264640" y="12649200"/>
+              <a:ext cx="2575560" cy="914400"/>
+            </a:xfrm>
+            <a:prstGeom prst="roundRect">
+              <a:avLst/>
+            </a:prstGeom>
+          </p:spPr>
+          <p:style>
+            <a:lnRef idx="2">
+              <a:schemeClr val="accent1">
+                <a:shade val="50000"/>
+              </a:schemeClr>
+            </a:lnRef>
+            <a:fillRef idx="1">
+              <a:schemeClr val="accent1"/>
+            </a:fillRef>
+            <a:effectRef idx="0">
+              <a:schemeClr val="accent1"/>
+            </a:effectRef>
+            <a:fontRef idx="minor">
+              <a:schemeClr val="lt1"/>
+            </a:fontRef>
+          </p:style>
+          <p:txBody>
+            <a:bodyPr rtlCol="0" anchor="ctr"/>
+            <a:lstStyle/>
+            <a:p>
+              <a:pPr algn="ctr"/>
+              <a:r>
+                <a:rPr lang="en-US" sz="2800" dirty="0">
+                  <a:latin typeface="Avenir Book" panose="02000503020000020003" pitchFamily="2" charset="0"/>
+                </a:rPr>
+                <a:t>Design Model</a:t>
+              </a:r>
+            </a:p>
+          </p:txBody>
+        </p:sp>
+        <p:sp>
+          <p:nvSpPr>
+            <p:cNvPr id="31" name="Right Arrow 30">
+              <a:extLst>
+                <a:ext uri="{FF2B5EF4-FFF2-40B4-BE49-F238E27FC236}">
+                  <a16:creationId xmlns:a16="http://schemas.microsoft.com/office/drawing/2014/main" id="{AC7B6DAE-F0E8-C148-A9E7-DC080E40DA8C}"/>
+                </a:ext>
+              </a:extLst>
+            </p:cNvPr>
+            <p:cNvSpPr/>
+            <p:nvPr/>
+          </p:nvSpPr>
+          <p:spPr>
+            <a:xfrm>
+              <a:off x="16900427" y="12984617"/>
+              <a:ext cx="762733" cy="193259"/>
+            </a:xfrm>
+            <a:prstGeom prst="rightArrow">
+              <a:avLst/>
+            </a:prstGeom>
+          </p:spPr>
+          <p:style>
+            <a:lnRef idx="2">
+              <a:schemeClr val="accent1">
+                <a:shade val="50000"/>
+              </a:schemeClr>
+            </a:lnRef>
+            <a:fillRef idx="1">
+              <a:schemeClr val="accent1"/>
+            </a:fillRef>
+            <a:effectRef idx="0">
+              <a:schemeClr val="accent1"/>
+            </a:effectRef>
+            <a:fontRef idx="minor">
+              <a:schemeClr val="lt1"/>
+            </a:fontRef>
+          </p:style>
+          <p:txBody>
+            <a:bodyPr rtlCol="0" anchor="ctr"/>
+            <a:lstStyle/>
+            <a:p>
+              <a:pPr algn="ctr"/>
+              <a:endParaRPr lang="en-US" dirty="0"/>
+            </a:p>
+          </p:txBody>
+        </p:sp>
+        <p:pic>
+          <p:nvPicPr>
+            <p:cNvPr id="1033" name="Picture 9">
+              <a:extLst>
+                <a:ext uri="{FF2B5EF4-FFF2-40B4-BE49-F238E27FC236}">
+                  <a16:creationId xmlns:a16="http://schemas.microsoft.com/office/drawing/2014/main" id="{6E5351E1-D5D9-5047-96D3-82B595BCC171}"/>
+                </a:ext>
+              </a:extLst>
+            </p:cNvPr>
+            <p:cNvPicPr>
+              <a:picLocks noChangeAspect="1" noChangeArrowheads="1"/>
+            </p:cNvPicPr>
+            <p:nvPr/>
+          </p:nvPicPr>
+          <p:blipFill>
+            <a:blip r:embed="rId21">
+              <a:extLst>
+                <a:ext uri="{28A0092B-C50C-407E-A947-70E740481C1C}">
+                  <a14:useLocalDpi xmlns:a14="http://schemas.microsoft.com/office/drawing/2010/main" val="0"/>
+                </a:ext>
+              </a:extLst>
+            </a:blip>
+            <a:srcRect/>
+            <a:stretch>
+              <a:fillRect/>
+            </a:stretch>
+          </p:blipFill>
+          <p:spPr bwMode="auto">
+            <a:xfrm>
+              <a:off x="17759059" y="12681258"/>
+              <a:ext cx="3235459" cy="965200"/>
+            </a:xfrm>
+            <a:prstGeom prst="rect">
+              <a:avLst/>
+            </a:prstGeom>
+            <a:noFill/>
+            <a:extLst>
+              <a:ext uri="{909E8E84-426E-40DD-AFC4-6F175D3DCCD1}">
+                <a14:hiddenFill xmlns:a14="http://schemas.microsoft.com/office/drawing/2010/main">
+                  <a:solidFill>
+                    <a:srgbClr val="FFFFFF"/>
+                  </a:solidFill>
+                </a14:hiddenFill>
+              </a:ext>
+            </a:extLst>
+          </p:spPr>
+        </p:pic>
+        <p:pic>
+          <p:nvPicPr>
+            <p:cNvPr id="1037" name="Picture 13">
+              <a:extLst>
+                <a:ext uri="{FF2B5EF4-FFF2-40B4-BE49-F238E27FC236}">
+                  <a16:creationId xmlns:a16="http://schemas.microsoft.com/office/drawing/2014/main" id="{434A5DF9-D787-4A45-98FD-9FCA2C0A7A1C}"/>
+                </a:ext>
+              </a:extLst>
+            </p:cNvPr>
+            <p:cNvPicPr>
+              <a:picLocks noChangeAspect="1" noChangeArrowheads="1"/>
+            </p:cNvPicPr>
+            <p:nvPr/>
+          </p:nvPicPr>
+          <p:blipFill rotWithShape="1">
+            <a:blip r:embed="rId22">
+              <a:extLst>
+                <a:ext uri="{28A0092B-C50C-407E-A947-70E740481C1C}">
+                  <a14:useLocalDpi xmlns:a14="http://schemas.microsoft.com/office/drawing/2010/main" val="0"/>
+                </a:ext>
+              </a:extLst>
+            </a:blip>
+            <a:srcRect r="62162"/>
+            <a:stretch/>
+          </p:blipFill>
+          <p:spPr bwMode="auto">
+            <a:xfrm>
+              <a:off x="21978123" y="12668651"/>
+              <a:ext cx="1903989" cy="875495"/>
+            </a:xfrm>
+            <a:prstGeom prst="rect">
+              <a:avLst/>
+            </a:prstGeom>
+            <a:noFill/>
+            <a:extLst>
+              <a:ext uri="{909E8E84-426E-40DD-AFC4-6F175D3DCCD1}">
+                <a14:hiddenFill xmlns:a14="http://schemas.microsoft.com/office/drawing/2010/main">
+                  <a:solidFill>
+                    <a:srgbClr val="FFFFFF"/>
+                  </a:solidFill>
+                </a14:hiddenFill>
+              </a:ext>
+            </a:extLst>
+          </p:spPr>
+        </p:pic>
+        <p:sp>
+          <p:nvSpPr>
+            <p:cNvPr id="83" name="Right Arrow 82">
+              <a:extLst>
+                <a:ext uri="{FF2B5EF4-FFF2-40B4-BE49-F238E27FC236}">
+                  <a16:creationId xmlns:a16="http://schemas.microsoft.com/office/drawing/2014/main" id="{44BFBC98-F943-DA43-A3B8-748C42C5AD02}"/>
+                </a:ext>
+              </a:extLst>
+            </p:cNvPr>
+            <p:cNvSpPr/>
+            <p:nvPr/>
+          </p:nvSpPr>
+          <p:spPr>
+            <a:xfrm>
+              <a:off x="21050691" y="13009770"/>
+              <a:ext cx="762733" cy="193259"/>
+            </a:xfrm>
+            <a:prstGeom prst="rightArrow">
+              <a:avLst/>
+            </a:prstGeom>
+          </p:spPr>
+          <p:style>
+            <a:lnRef idx="2">
+              <a:schemeClr val="accent1">
+                <a:shade val="50000"/>
+              </a:schemeClr>
+            </a:lnRef>
+            <a:fillRef idx="1">
+              <a:schemeClr val="accent1"/>
+            </a:fillRef>
+            <a:effectRef idx="0">
+              <a:schemeClr val="accent1"/>
+            </a:effectRef>
+            <a:fontRef idx="minor">
+              <a:schemeClr val="lt1"/>
+            </a:fontRef>
+          </p:style>
+          <p:txBody>
+            <a:bodyPr rtlCol="0" anchor="ctr"/>
+            <a:lstStyle/>
+            <a:p>
+              <a:pPr algn="ctr"/>
+              <a:endParaRPr lang="en-US"/>
+            </a:p>
+          </p:txBody>
+        </p:sp>
+        <p:sp>
+          <p:nvSpPr>
+            <p:cNvPr id="39" name="Bent Arrow 38">
+              <a:extLst>
+                <a:ext uri="{FF2B5EF4-FFF2-40B4-BE49-F238E27FC236}">
+                  <a16:creationId xmlns:a16="http://schemas.microsoft.com/office/drawing/2014/main" id="{F72FD8E9-2DAC-694F-846D-9471A781A8C5}"/>
+                </a:ext>
+              </a:extLst>
+            </p:cNvPr>
+            <p:cNvSpPr/>
+            <p:nvPr/>
+          </p:nvSpPr>
+          <p:spPr>
+            <a:xfrm rot="10800000">
+              <a:off x="22638010" y="13653852"/>
+              <a:ext cx="393182" cy="634547"/>
+            </a:xfrm>
+            <a:prstGeom prst="bentArrow">
+              <a:avLst/>
+            </a:prstGeom>
+          </p:spPr>
+          <p:style>
+            <a:lnRef idx="2">
+              <a:schemeClr val="accent1">
+                <a:shade val="50000"/>
+              </a:schemeClr>
+            </a:lnRef>
+            <a:fillRef idx="1">
+              <a:schemeClr val="accent1"/>
+            </a:fillRef>
+            <a:effectRef idx="0">
+              <a:schemeClr val="accent1"/>
+            </a:effectRef>
+            <a:fontRef idx="minor">
+              <a:schemeClr val="lt1"/>
+            </a:fontRef>
+          </p:style>
+          <p:txBody>
+            <a:bodyPr rtlCol="0" anchor="ctr"/>
+            <a:lstStyle/>
+            <a:p>
+              <a:pPr algn="ctr"/>
+              <a:endParaRPr lang="en-US">
+                <a:solidFill>
+                  <a:schemeClr val="tx1"/>
+                </a:solidFill>
+              </a:endParaRPr>
+            </a:p>
+          </p:txBody>
+        </p:sp>
+        <p:sp>
+          <p:nvSpPr>
+            <p:cNvPr id="91" name="Rounded Rectangle 90">
+              <a:extLst>
+                <a:ext uri="{FF2B5EF4-FFF2-40B4-BE49-F238E27FC236}">
+                  <a16:creationId xmlns:a16="http://schemas.microsoft.com/office/drawing/2014/main" id="{560C2B2C-1A63-A140-A63B-2C212B6B1B80}"/>
+                </a:ext>
+              </a:extLst>
+            </p:cNvPr>
+            <p:cNvSpPr/>
+            <p:nvPr/>
+          </p:nvSpPr>
+          <p:spPr>
+            <a:xfrm>
+              <a:off x="19632985" y="13683095"/>
+              <a:ext cx="2575560" cy="914400"/>
+            </a:xfrm>
+            <a:prstGeom prst="roundRect">
+              <a:avLst/>
+            </a:prstGeom>
+          </p:spPr>
+          <p:style>
+            <a:lnRef idx="2">
+              <a:schemeClr val="accent1">
+                <a:shade val="50000"/>
+              </a:schemeClr>
+            </a:lnRef>
+            <a:fillRef idx="1">
+              <a:schemeClr val="accent1"/>
+            </a:fillRef>
+            <a:effectRef idx="0">
+              <a:schemeClr val="accent1"/>
+            </a:effectRef>
+            <a:fontRef idx="minor">
+              <a:schemeClr val="lt1"/>
+            </a:fontRef>
+          </p:style>
+          <p:txBody>
+            <a:bodyPr rtlCol="0" anchor="ctr"/>
+            <a:lstStyle/>
+            <a:p>
+              <a:pPr algn="ctr"/>
+              <a:r>
+                <a:rPr lang="en-US" sz="2800" dirty="0">
+                  <a:latin typeface="Avenir Book" panose="02000503020000020003" pitchFamily="2" charset="0"/>
+                </a:rPr>
+                <a:t>Bioscrape</a:t>
+              </a:r>
+            </a:p>
+          </p:txBody>
+        </p:sp>
+        <p:sp>
+          <p:nvSpPr>
+            <p:cNvPr id="92" name="Right Arrow 91">
+              <a:extLst>
+                <a:ext uri="{FF2B5EF4-FFF2-40B4-BE49-F238E27FC236}">
+                  <a16:creationId xmlns:a16="http://schemas.microsoft.com/office/drawing/2014/main" id="{5B68B5D2-8EE9-5A4F-90B6-238F5BBAFBD0}"/>
+                </a:ext>
+              </a:extLst>
+            </p:cNvPr>
+            <p:cNvSpPr/>
+            <p:nvPr/>
+          </p:nvSpPr>
+          <p:spPr>
+            <a:xfrm rot="10800000">
+              <a:off x="18666665" y="14095140"/>
+              <a:ext cx="762733" cy="193259"/>
+            </a:xfrm>
+            <a:prstGeom prst="rightArrow">
+              <a:avLst/>
+            </a:prstGeom>
+          </p:spPr>
+          <p:style>
+            <a:lnRef idx="2">
+              <a:schemeClr val="accent1">
+                <a:shade val="50000"/>
+              </a:schemeClr>
+            </a:lnRef>
+            <a:fillRef idx="1">
+              <a:schemeClr val="accent1"/>
+            </a:fillRef>
+            <a:effectRef idx="0">
+              <a:schemeClr val="accent1"/>
+            </a:effectRef>
+            <a:fontRef idx="minor">
+              <a:schemeClr val="lt1"/>
+            </a:fontRef>
+          </p:style>
+          <p:txBody>
+            <a:bodyPr rtlCol="0" anchor="ctr"/>
+            <a:lstStyle/>
+            <a:p>
+              <a:pPr algn="ctr"/>
+              <a:endParaRPr lang="en-US"/>
+            </a:p>
+          </p:txBody>
+        </p:sp>
+        <p:sp>
+          <p:nvSpPr>
+            <p:cNvPr id="93" name="Rounded Rectangle 92">
+              <a:extLst>
+                <a:ext uri="{FF2B5EF4-FFF2-40B4-BE49-F238E27FC236}">
+                  <a16:creationId xmlns:a16="http://schemas.microsoft.com/office/drawing/2014/main" id="{46412E28-7E33-6446-B277-FA408D1CF508}"/>
+                </a:ext>
+              </a:extLst>
+            </p:cNvPr>
+            <p:cNvSpPr/>
+            <p:nvPr/>
+          </p:nvSpPr>
+          <p:spPr>
+            <a:xfrm>
+              <a:off x="15989312" y="13683095"/>
+              <a:ext cx="2575560" cy="914400"/>
+            </a:xfrm>
+            <a:prstGeom prst="roundRect">
+              <a:avLst/>
+            </a:prstGeom>
+          </p:spPr>
+          <p:style>
+            <a:lnRef idx="2">
+              <a:schemeClr val="accent1">
+                <a:shade val="50000"/>
+              </a:schemeClr>
+            </a:lnRef>
+            <a:fillRef idx="1">
+              <a:schemeClr val="accent1"/>
+            </a:fillRef>
+            <a:effectRef idx="0">
+              <a:schemeClr val="accent1"/>
+            </a:effectRef>
+            <a:fontRef idx="minor">
+              <a:schemeClr val="lt1"/>
+            </a:fontRef>
+          </p:style>
+          <p:txBody>
+            <a:bodyPr rtlCol="0" anchor="ctr"/>
+            <a:lstStyle/>
+            <a:p>
+              <a:pPr algn="ctr"/>
+              <a:r>
+                <a:rPr lang="en-US" sz="2800" dirty="0">
+                  <a:latin typeface="Avenir Book" panose="02000503020000020003" pitchFamily="2" charset="0"/>
+                </a:rPr>
+                <a:t>Output!</a:t>
+              </a:r>
+            </a:p>
+          </p:txBody>
+        </p:sp>
+      </p:grpSp>
+      <p:sp>
+        <p:nvSpPr>
+          <p:cNvPr id="94" name="Text Box 181">
+            <a:extLst>
+              <a:ext uri="{FF2B5EF4-FFF2-40B4-BE49-F238E27FC236}">
+                <a16:creationId xmlns:a16="http://schemas.microsoft.com/office/drawing/2014/main" id="{5A080813-75E1-5F48-A7A7-E508E82CC5A2}"/>
+              </a:ext>
+            </a:extLst>
+          </p:cNvPr>
+          <p:cNvSpPr txBox="1">
+            <a:spLocks noChangeArrowheads="1"/>
+          </p:cNvSpPr>
+          <p:nvPr/>
+        </p:nvSpPr>
+        <p:spPr bwMode="auto">
+          <a:xfrm>
+            <a:off x="15303391" y="14336602"/>
+            <a:ext cx="11186487" cy="515520"/>
+          </a:xfrm>
+          <a:prstGeom prst="rect">
+            <a:avLst/>
+          </a:prstGeom>
+          <a:noFill/>
+          <a:ln>
+            <a:noFill/>
+          </a:ln>
+          <a:effectLst/>
+          <a:extLst>
+            <a:ext uri="{909E8E84-426E-40DD-AFC4-6F175D3DCCD1}">
+              <a14:hiddenFill xmlns:a14="http://schemas.microsoft.com/office/drawing/2010/main">
+                <a:solidFill>
+                  <a:schemeClr val="accent1"/>
+                </a:solidFill>
+              </a14:hiddenFill>
+            </a:ext>
+            <a:ext uri="{91240B29-F687-4F45-9708-019B960494DF}">
+              <a14:hiddenLine xmlns:a14="http://schemas.microsoft.com/office/drawing/2010/main" w="9525">
+                <a:solidFill>
+                  <a:schemeClr val="tx1"/>
+                </a:solidFill>
+                <a:miter lim="800000"/>
+                <a:headEnd/>
+                <a:tailEnd/>
+              </a14:hiddenLine>
+            </a:ext>
+            <a:ext uri="{AF507438-7753-43E0-B8FC-AC1667EBCBE1}">
+              <a14:hiddenEffects xmlns:a14="http://schemas.microsoft.com/office/drawing/2010/main">
+                <a:effectLst>
+                  <a:outerShdw dist="35921" dir="2700000" algn="ctr" rotWithShape="0">
+                    <a:schemeClr val="bg2"/>
+                  </a:outerShdw>
+                </a:effectLst>
+              </a14:hiddenEffects>
+            </a:ext>
+          </a:extLst>
+        </p:spPr>
+        <p:txBody>
+          <a:bodyPr wrap="square" lIns="83814" tIns="41907" rIns="83814" bIns="41907">
+            <a:spAutoFit/>
+          </a:bodyPr>
+          <a:lstStyle>
+            <a:lvl1pPr defTabSz="4389438" eaLnBrk="0" hangingPunct="0">
+              <a:defRPr sz="2200">
+                <a:solidFill>
+                  <a:schemeClr val="tx1"/>
+                </a:solidFill>
+                <a:latin typeface="Arial" charset="0"/>
+              </a:defRPr>
+            </a:lvl1pPr>
+            <a:lvl2pPr marL="742950" indent="-285750" defTabSz="4389438" eaLnBrk="0" hangingPunct="0">
+              <a:defRPr sz="2200">
+                <a:solidFill>
+                  <a:schemeClr val="tx1"/>
+                </a:solidFill>
+                <a:latin typeface="Arial" charset="0"/>
+              </a:defRPr>
+            </a:lvl2pPr>
+            <a:lvl3pPr marL="1143000" indent="-228600" defTabSz="4389438" eaLnBrk="0" hangingPunct="0">
+              <a:defRPr sz="2200">
+                <a:solidFill>
+                  <a:schemeClr val="tx1"/>
+                </a:solidFill>
+                <a:latin typeface="Arial" charset="0"/>
+              </a:defRPr>
+            </a:lvl3pPr>
+            <a:lvl4pPr marL="1600200" indent="-228600" defTabSz="4389438" eaLnBrk="0" hangingPunct="0">
+              <a:defRPr sz="2200">
+                <a:solidFill>
+                  <a:schemeClr val="tx1"/>
+                </a:solidFill>
+                <a:latin typeface="Arial" charset="0"/>
+              </a:defRPr>
+            </a:lvl4pPr>
+            <a:lvl5pPr marL="2057400" indent="-228600" defTabSz="4389438" eaLnBrk="0" hangingPunct="0">
+              <a:defRPr sz="2200">
+                <a:solidFill>
+                  <a:schemeClr val="tx1"/>
+                </a:solidFill>
+                <a:latin typeface="Arial" charset="0"/>
+              </a:defRPr>
+            </a:lvl5pPr>
+            <a:lvl6pPr marL="2514600" indent="-228600" defTabSz="4389438" eaLnBrk="0" fontAlgn="base" hangingPunct="0">
+              <a:spcBef>
+                <a:spcPct val="0"/>
+              </a:spcBef>
+              <a:spcAft>
+                <a:spcPct val="0"/>
+              </a:spcAft>
+              <a:defRPr sz="2200">
+                <a:solidFill>
+                  <a:schemeClr val="tx1"/>
+                </a:solidFill>
+                <a:latin typeface="Arial" charset="0"/>
+              </a:defRPr>
+            </a:lvl6pPr>
+            <a:lvl7pPr marL="2971800" indent="-228600" defTabSz="4389438" eaLnBrk="0" fontAlgn="base" hangingPunct="0">
+              <a:spcBef>
+                <a:spcPct val="0"/>
+              </a:spcBef>
+              <a:spcAft>
+                <a:spcPct val="0"/>
+              </a:spcAft>
+              <a:defRPr sz="2200">
+                <a:solidFill>
+                  <a:schemeClr val="tx1"/>
+                </a:solidFill>
+                <a:latin typeface="Arial" charset="0"/>
+              </a:defRPr>
+            </a:lvl7pPr>
+            <a:lvl8pPr marL="3429000" indent="-228600" defTabSz="4389438" eaLnBrk="0" fontAlgn="base" hangingPunct="0">
+              <a:spcBef>
+                <a:spcPct val="0"/>
+              </a:spcBef>
+              <a:spcAft>
+                <a:spcPct val="0"/>
+              </a:spcAft>
+              <a:defRPr sz="2200">
+                <a:solidFill>
+                  <a:schemeClr val="tx1"/>
+                </a:solidFill>
+                <a:latin typeface="Arial" charset="0"/>
+              </a:defRPr>
+            </a:lvl8pPr>
+            <a:lvl9pPr marL="3886200" indent="-228600" defTabSz="4389438" eaLnBrk="0" fontAlgn="base" hangingPunct="0">
+              <a:spcBef>
+                <a:spcPct val="0"/>
+              </a:spcBef>
+              <a:spcAft>
+                <a:spcPct val="0"/>
+              </a:spcAft>
+              <a:defRPr sz="2200">
+                <a:solidFill>
+                  <a:schemeClr val="tx1"/>
+                </a:solidFill>
+                <a:latin typeface="Arial" charset="0"/>
+              </a:defRPr>
+            </a:lvl9pPr>
+          </a:lstStyle>
+          <a:p>
+            <a:pPr eaLnBrk="1" hangingPunct="1"/>
+            <a:r>
+              <a:rPr lang="en-US" sz="2800" dirty="0">
+                <a:latin typeface="Avenir Book" panose="02000503020000020003" pitchFamily="2" charset="0"/>
+                <a:ea typeface="Cambria Math" panose="02040503050406030204" pitchFamily="18" charset="0"/>
+              </a:rPr>
+              <a:t>Figure 5. A typical simulation workflow used in this project.</a:t>
+            </a:r>
+          </a:p>
+        </p:txBody>
+      </p:sp>
+      <p:grpSp>
+        <p:nvGrpSpPr>
+          <p:cNvPr id="107" name="Group 106">
+            <a:extLst>
+              <a:ext uri="{FF2B5EF4-FFF2-40B4-BE49-F238E27FC236}">
+                <a16:creationId xmlns:a16="http://schemas.microsoft.com/office/drawing/2014/main" id="{5F5E18D3-0E6B-1047-BF0B-18FB215D2F28}"/>
+              </a:ext>
+            </a:extLst>
+          </p:cNvPr>
+          <p:cNvGrpSpPr/>
+          <p:nvPr/>
+        </p:nvGrpSpPr>
+        <p:grpSpPr>
+          <a:xfrm>
+            <a:off x="27119895" y="5315498"/>
+            <a:ext cx="10623046" cy="2274898"/>
+            <a:chOff x="27423997" y="22459883"/>
+            <a:chExt cx="10623046" cy="2274898"/>
+          </a:xfrm>
+        </p:grpSpPr>
+        <p:sp>
+          <p:nvSpPr>
+            <p:cNvPr id="95" name="Text Box 180">
+              <a:extLst>
+                <a:ext uri="{FF2B5EF4-FFF2-40B4-BE49-F238E27FC236}">
+                  <a16:creationId xmlns:a16="http://schemas.microsoft.com/office/drawing/2014/main" id="{994AFB00-19F2-4C47-B54A-59BA6DD4D805}"/>
                 </a:ext>
               </a:extLst>
             </p:cNvPr>
@@ -8177,606 +11471,8 @@
           </p:nvSpPr>
           <p:spPr bwMode="auto">
             <a:xfrm>
-              <a:off x="14283149" y="29831543"/>
-              <a:ext cx="578359" cy="327730"/>
-            </a:xfrm>
-            <a:prstGeom prst="rect">
-              <a:avLst/>
-            </a:prstGeom>
-            <a:noFill/>
-            <a:ln>
-              <a:noFill/>
-            </a:ln>
-            <a:effectLst/>
-            <a:extLst>
-              <a:ext uri="{909E8E84-426E-40DD-AFC4-6F175D3DCCD1}">
-                <a14:hiddenFill xmlns:a14="http://schemas.microsoft.com/office/drawing/2010/main">
-                  <a:solidFill>
-                    <a:schemeClr val="accent1"/>
-                  </a:solidFill>
-                </a14:hiddenFill>
-              </a:ext>
-              <a:ext uri="{91240B29-F687-4F45-9708-019B960494DF}">
-                <a14:hiddenLine xmlns:a14="http://schemas.microsoft.com/office/drawing/2010/main" w="9525">
-                  <a:solidFill>
-                    <a:schemeClr val="tx1"/>
-                  </a:solidFill>
-                  <a:miter lim="800000"/>
-                  <a:headEnd/>
-                  <a:tailEnd/>
-                </a14:hiddenLine>
-              </a:ext>
-              <a:ext uri="{AF507438-7753-43E0-B8FC-AC1667EBCBE1}">
-                <a14:hiddenEffects xmlns:a14="http://schemas.microsoft.com/office/drawing/2010/main">
-                  <a:effectLst>
-                    <a:outerShdw dist="35921" dir="2700000" algn="ctr" rotWithShape="0">
-                      <a:schemeClr val="bg2"/>
-                    </a:outerShdw>
-                  </a:effectLst>
-                </a14:hiddenEffects>
-              </a:ext>
-            </a:extLst>
-          </p:spPr>
-          <p:txBody>
-            <a:bodyPr wrap="square" lIns="83814" tIns="41907" rIns="83814" bIns="41907">
-              <a:spAutoFit/>
-            </a:bodyPr>
-            <a:lstStyle>
-              <a:lvl1pPr defTabSz="4389438" eaLnBrk="0" hangingPunct="0">
-                <a:defRPr sz="2200">
-                  <a:solidFill>
-                    <a:schemeClr val="tx1"/>
-                  </a:solidFill>
-                  <a:latin typeface="Arial" charset="0"/>
-                </a:defRPr>
-              </a:lvl1pPr>
-              <a:lvl2pPr marL="742950" indent="-285750" defTabSz="4389438" eaLnBrk="0" hangingPunct="0">
-                <a:defRPr sz="2200">
-                  <a:solidFill>
-                    <a:schemeClr val="tx1"/>
-                  </a:solidFill>
-                  <a:latin typeface="Arial" charset="0"/>
-                </a:defRPr>
-              </a:lvl2pPr>
-              <a:lvl3pPr marL="1143000" indent="-228600" defTabSz="4389438" eaLnBrk="0" hangingPunct="0">
-                <a:defRPr sz="2200">
-                  <a:solidFill>
-                    <a:schemeClr val="tx1"/>
-                  </a:solidFill>
-                  <a:latin typeface="Arial" charset="0"/>
-                </a:defRPr>
-              </a:lvl3pPr>
-              <a:lvl4pPr marL="1600200" indent="-228600" defTabSz="4389438" eaLnBrk="0" hangingPunct="0">
-                <a:defRPr sz="2200">
-                  <a:solidFill>
-                    <a:schemeClr val="tx1"/>
-                  </a:solidFill>
-                  <a:latin typeface="Arial" charset="0"/>
-                </a:defRPr>
-              </a:lvl4pPr>
-              <a:lvl5pPr marL="2057400" indent="-228600" defTabSz="4389438" eaLnBrk="0" hangingPunct="0">
-                <a:defRPr sz="2200">
-                  <a:solidFill>
-                    <a:schemeClr val="tx1"/>
-                  </a:solidFill>
-                  <a:latin typeface="Arial" charset="0"/>
-                </a:defRPr>
-              </a:lvl5pPr>
-              <a:lvl6pPr marL="2514600" indent="-228600" defTabSz="4389438" eaLnBrk="0" fontAlgn="base" hangingPunct="0">
-                <a:spcBef>
-                  <a:spcPct val="0"/>
-                </a:spcBef>
-                <a:spcAft>
-                  <a:spcPct val="0"/>
-                </a:spcAft>
-                <a:defRPr sz="2200">
-                  <a:solidFill>
-                    <a:schemeClr val="tx1"/>
-                  </a:solidFill>
-                  <a:latin typeface="Arial" charset="0"/>
-                </a:defRPr>
-              </a:lvl6pPr>
-              <a:lvl7pPr marL="2971800" indent="-228600" defTabSz="4389438" eaLnBrk="0" fontAlgn="base" hangingPunct="0">
-                <a:spcBef>
-                  <a:spcPct val="0"/>
-                </a:spcBef>
-                <a:spcAft>
-                  <a:spcPct val="0"/>
-                </a:spcAft>
-                <a:defRPr sz="2200">
-                  <a:solidFill>
-                    <a:schemeClr val="tx1"/>
-                  </a:solidFill>
-                  <a:latin typeface="Arial" charset="0"/>
-                </a:defRPr>
-              </a:lvl7pPr>
-              <a:lvl8pPr marL="3429000" indent="-228600" defTabSz="4389438" eaLnBrk="0" fontAlgn="base" hangingPunct="0">
-                <a:spcBef>
-                  <a:spcPct val="0"/>
-                </a:spcBef>
-                <a:spcAft>
-                  <a:spcPct val="0"/>
-                </a:spcAft>
-                <a:defRPr sz="2200">
-                  <a:solidFill>
-                    <a:schemeClr val="tx1"/>
-                  </a:solidFill>
-                  <a:latin typeface="Arial" charset="0"/>
-                </a:defRPr>
-              </a:lvl8pPr>
-              <a:lvl9pPr marL="3886200" indent="-228600" defTabSz="4389438" eaLnBrk="0" fontAlgn="base" hangingPunct="0">
-                <a:spcBef>
-                  <a:spcPct val="0"/>
-                </a:spcBef>
-                <a:spcAft>
-                  <a:spcPct val="0"/>
-                </a:spcAft>
-                <a:defRPr sz="2200">
-                  <a:solidFill>
-                    <a:schemeClr val="tx1"/>
-                  </a:solidFill>
-                  <a:latin typeface="Arial" charset="0"/>
-                </a:defRPr>
-              </a:lvl9pPr>
-            </a:lstStyle>
-            <a:p>
-              <a:pPr eaLnBrk="1" hangingPunct="1"/>
-              <a:r>
-                <a:rPr lang="en-US" sz="1600" dirty="0">
-                  <a:latin typeface="Avenir Book" panose="02000503020000020003" pitchFamily="2" charset="0"/>
-                  <a:ea typeface="Cambria Math" panose="02040503050406030204" pitchFamily="18" charset="0"/>
-                </a:rPr>
-                <a:t>4a</a:t>
-              </a:r>
-              <a:endParaRPr lang="en-US" sz="2800" dirty="0">
-                <a:latin typeface="Avenir Book" panose="02000503020000020003" pitchFamily="2" charset="0"/>
-                <a:ea typeface="Cambria Math" panose="02040503050406030204" pitchFamily="18" charset="0"/>
-              </a:endParaRPr>
-            </a:p>
-          </p:txBody>
-        </p:sp>
-        <p:sp>
-          <p:nvSpPr>
-            <p:cNvPr id="48" name="Text Box 181">
-              <a:extLst>
-                <a:ext uri="{FF2B5EF4-FFF2-40B4-BE49-F238E27FC236}">
-                  <a16:creationId xmlns:a16="http://schemas.microsoft.com/office/drawing/2014/main" id="{43F875F2-F64E-8240-B968-D1F4E45C21D0}"/>
-                </a:ext>
-              </a:extLst>
-            </p:cNvPr>
-            <p:cNvSpPr txBox="1">
-              <a:spLocks noChangeArrowheads="1"/>
-            </p:cNvSpPr>
-            <p:nvPr/>
-          </p:nvSpPr>
-          <p:spPr bwMode="auto">
-            <a:xfrm>
-              <a:off x="19368199" y="29846017"/>
-              <a:ext cx="578359" cy="327730"/>
-            </a:xfrm>
-            <a:prstGeom prst="rect">
-              <a:avLst/>
-            </a:prstGeom>
-            <a:noFill/>
-            <a:ln>
-              <a:noFill/>
-            </a:ln>
-            <a:effectLst/>
-            <a:extLst>
-              <a:ext uri="{909E8E84-426E-40DD-AFC4-6F175D3DCCD1}">
-                <a14:hiddenFill xmlns:a14="http://schemas.microsoft.com/office/drawing/2010/main">
-                  <a:solidFill>
-                    <a:schemeClr val="accent1"/>
-                  </a:solidFill>
-                </a14:hiddenFill>
-              </a:ext>
-              <a:ext uri="{91240B29-F687-4F45-9708-019B960494DF}">
-                <a14:hiddenLine xmlns:a14="http://schemas.microsoft.com/office/drawing/2010/main" w="9525">
-                  <a:solidFill>
-                    <a:schemeClr val="tx1"/>
-                  </a:solidFill>
-                  <a:miter lim="800000"/>
-                  <a:headEnd/>
-                  <a:tailEnd/>
-                </a14:hiddenLine>
-              </a:ext>
-              <a:ext uri="{AF507438-7753-43E0-B8FC-AC1667EBCBE1}">
-                <a14:hiddenEffects xmlns:a14="http://schemas.microsoft.com/office/drawing/2010/main">
-                  <a:effectLst>
-                    <a:outerShdw dist="35921" dir="2700000" algn="ctr" rotWithShape="0">
-                      <a:schemeClr val="bg2"/>
-                    </a:outerShdw>
-                  </a:effectLst>
-                </a14:hiddenEffects>
-              </a:ext>
-            </a:extLst>
-          </p:spPr>
-          <p:txBody>
-            <a:bodyPr wrap="square" lIns="83814" tIns="41907" rIns="83814" bIns="41907">
-              <a:spAutoFit/>
-            </a:bodyPr>
-            <a:lstStyle>
-              <a:lvl1pPr defTabSz="4389438" eaLnBrk="0" hangingPunct="0">
-                <a:defRPr sz="2200">
-                  <a:solidFill>
-                    <a:schemeClr val="tx1"/>
-                  </a:solidFill>
-                  <a:latin typeface="Arial" charset="0"/>
-                </a:defRPr>
-              </a:lvl1pPr>
-              <a:lvl2pPr marL="742950" indent="-285750" defTabSz="4389438" eaLnBrk="0" hangingPunct="0">
-                <a:defRPr sz="2200">
-                  <a:solidFill>
-                    <a:schemeClr val="tx1"/>
-                  </a:solidFill>
-                  <a:latin typeface="Arial" charset="0"/>
-                </a:defRPr>
-              </a:lvl2pPr>
-              <a:lvl3pPr marL="1143000" indent="-228600" defTabSz="4389438" eaLnBrk="0" hangingPunct="0">
-                <a:defRPr sz="2200">
-                  <a:solidFill>
-                    <a:schemeClr val="tx1"/>
-                  </a:solidFill>
-                  <a:latin typeface="Arial" charset="0"/>
-                </a:defRPr>
-              </a:lvl3pPr>
-              <a:lvl4pPr marL="1600200" indent="-228600" defTabSz="4389438" eaLnBrk="0" hangingPunct="0">
-                <a:defRPr sz="2200">
-                  <a:solidFill>
-                    <a:schemeClr val="tx1"/>
-                  </a:solidFill>
-                  <a:latin typeface="Arial" charset="0"/>
-                </a:defRPr>
-              </a:lvl4pPr>
-              <a:lvl5pPr marL="2057400" indent="-228600" defTabSz="4389438" eaLnBrk="0" hangingPunct="0">
-                <a:defRPr sz="2200">
-                  <a:solidFill>
-                    <a:schemeClr val="tx1"/>
-                  </a:solidFill>
-                  <a:latin typeface="Arial" charset="0"/>
-                </a:defRPr>
-              </a:lvl5pPr>
-              <a:lvl6pPr marL="2514600" indent="-228600" defTabSz="4389438" eaLnBrk="0" fontAlgn="base" hangingPunct="0">
-                <a:spcBef>
-                  <a:spcPct val="0"/>
-                </a:spcBef>
-                <a:spcAft>
-                  <a:spcPct val="0"/>
-                </a:spcAft>
-                <a:defRPr sz="2200">
-                  <a:solidFill>
-                    <a:schemeClr val="tx1"/>
-                  </a:solidFill>
-                  <a:latin typeface="Arial" charset="0"/>
-                </a:defRPr>
-              </a:lvl6pPr>
-              <a:lvl7pPr marL="2971800" indent="-228600" defTabSz="4389438" eaLnBrk="0" fontAlgn="base" hangingPunct="0">
-                <a:spcBef>
-                  <a:spcPct val="0"/>
-                </a:spcBef>
-                <a:spcAft>
-                  <a:spcPct val="0"/>
-                </a:spcAft>
-                <a:defRPr sz="2200">
-                  <a:solidFill>
-                    <a:schemeClr val="tx1"/>
-                  </a:solidFill>
-                  <a:latin typeface="Arial" charset="0"/>
-                </a:defRPr>
-              </a:lvl7pPr>
-              <a:lvl8pPr marL="3429000" indent="-228600" defTabSz="4389438" eaLnBrk="0" fontAlgn="base" hangingPunct="0">
-                <a:spcBef>
-                  <a:spcPct val="0"/>
-                </a:spcBef>
-                <a:spcAft>
-                  <a:spcPct val="0"/>
-                </a:spcAft>
-                <a:defRPr sz="2200">
-                  <a:solidFill>
-                    <a:schemeClr val="tx1"/>
-                  </a:solidFill>
-                  <a:latin typeface="Arial" charset="0"/>
-                </a:defRPr>
-              </a:lvl8pPr>
-              <a:lvl9pPr marL="3886200" indent="-228600" defTabSz="4389438" eaLnBrk="0" fontAlgn="base" hangingPunct="0">
-                <a:spcBef>
-                  <a:spcPct val="0"/>
-                </a:spcBef>
-                <a:spcAft>
-                  <a:spcPct val="0"/>
-                </a:spcAft>
-                <a:defRPr sz="2200">
-                  <a:solidFill>
-                    <a:schemeClr val="tx1"/>
-                  </a:solidFill>
-                  <a:latin typeface="Arial" charset="0"/>
-                </a:defRPr>
-              </a:lvl9pPr>
-            </a:lstStyle>
-            <a:p>
-              <a:pPr eaLnBrk="1" hangingPunct="1"/>
-              <a:r>
-                <a:rPr lang="en-US" sz="1600" dirty="0">
-                  <a:latin typeface="Avenir Book" panose="02000503020000020003" pitchFamily="2" charset="0"/>
-                  <a:ea typeface="Cambria Math" panose="02040503050406030204" pitchFamily="18" charset="0"/>
-                </a:rPr>
-                <a:t>4b</a:t>
-              </a:r>
-              <a:endParaRPr lang="en-US" sz="2800" dirty="0">
-                <a:latin typeface="Avenir Book" panose="02000503020000020003" pitchFamily="2" charset="0"/>
-                <a:ea typeface="Cambria Math" panose="02040503050406030204" pitchFamily="18" charset="0"/>
-              </a:endParaRPr>
-            </a:p>
-          </p:txBody>
-        </p:sp>
-      </p:grpSp>
-      <p:grpSp>
-        <p:nvGrpSpPr>
-          <p:cNvPr id="28" name="Group 27">
-            <a:extLst>
-              <a:ext uri="{FF2B5EF4-FFF2-40B4-BE49-F238E27FC236}">
-                <a16:creationId xmlns:a16="http://schemas.microsoft.com/office/drawing/2014/main" id="{2A6F6C47-C66A-FD48-AA14-004CEEBAE924}"/>
-              </a:ext>
-            </a:extLst>
-          </p:cNvPr>
-          <p:cNvGrpSpPr/>
-          <p:nvPr/>
-        </p:nvGrpSpPr>
-        <p:grpSpPr>
-          <a:xfrm>
-            <a:off x="17626813" y="23390899"/>
-            <a:ext cx="4937760" cy="2054936"/>
-            <a:chOff x="15625268" y="29069201"/>
-            <a:chExt cx="4937760" cy="2054936"/>
-          </a:xfrm>
-        </p:grpSpPr>
-        <p:pic>
-          <p:nvPicPr>
-            <p:cNvPr id="54" name="Content Placeholder 6" descr="enzymes&#10;">
-              <a:extLst>
-                <a:ext uri="{FF2B5EF4-FFF2-40B4-BE49-F238E27FC236}">
-                  <a16:creationId xmlns:a16="http://schemas.microsoft.com/office/drawing/2014/main" id="{6E4D01AC-45E2-0649-AC76-F54CF66981D9}"/>
-                </a:ext>
-              </a:extLst>
-            </p:cNvPr>
-            <p:cNvPicPr/>
-            <p:nvPr/>
-          </p:nvPicPr>
-          <p:blipFill rotWithShape="1">
-            <a:blip r:embed="rId8">
-              <a:extLst>
-                <a:ext uri="{28A0092B-C50C-407E-A947-70E740481C1C}">
-                  <a14:useLocalDpi xmlns:a14="http://schemas.microsoft.com/office/drawing/2010/main" val="0"/>
-                </a:ext>
-              </a:extLst>
-            </a:blip>
-            <a:srcRect b="61861"/>
-            <a:stretch/>
-          </p:blipFill>
-          <p:spPr>
-            <a:xfrm>
-              <a:off x="15625268" y="29069201"/>
-              <a:ext cx="4937760" cy="1412039"/>
-            </a:xfrm>
-            <a:prstGeom prst="rect">
-              <a:avLst/>
-            </a:prstGeom>
-            <a:ln>
-              <a:solidFill>
-                <a:schemeClr val="tx1"/>
-              </a:solidFill>
-            </a:ln>
-          </p:spPr>
-        </p:pic>
-        <p:sp>
-          <p:nvSpPr>
-            <p:cNvPr id="55" name="Text Box 181">
-              <a:extLst>
-                <a:ext uri="{FF2B5EF4-FFF2-40B4-BE49-F238E27FC236}">
-                  <a16:creationId xmlns:a16="http://schemas.microsoft.com/office/drawing/2014/main" id="{CC5CFF8C-3EE4-CF4D-8169-FF1B7AE0221C}"/>
-                </a:ext>
-              </a:extLst>
-            </p:cNvPr>
-            <p:cNvSpPr txBox="1">
-              <a:spLocks noChangeArrowheads="1"/>
-            </p:cNvSpPr>
-            <p:nvPr/>
-          </p:nvSpPr>
-          <p:spPr bwMode="auto">
-            <a:xfrm>
-              <a:off x="15625268" y="30731728"/>
-              <a:ext cx="4937760" cy="392409"/>
-            </a:xfrm>
-            <a:prstGeom prst="rect">
-              <a:avLst/>
-            </a:prstGeom>
-            <a:noFill/>
-            <a:ln>
-              <a:noFill/>
-            </a:ln>
-            <a:effectLst/>
-            <a:extLst>
-              <a:ext uri="{909E8E84-426E-40DD-AFC4-6F175D3DCCD1}">
-                <a14:hiddenFill xmlns:a14="http://schemas.microsoft.com/office/drawing/2010/main">
-                  <a:solidFill>
-                    <a:schemeClr val="accent1"/>
-                  </a:solidFill>
-                </a14:hiddenFill>
-              </a:ext>
-              <a:ext uri="{91240B29-F687-4F45-9708-019B960494DF}">
-                <a14:hiddenLine xmlns:a14="http://schemas.microsoft.com/office/drawing/2010/main" w="9525">
-                  <a:solidFill>
-                    <a:schemeClr val="tx1"/>
-                  </a:solidFill>
-                  <a:miter lim="800000"/>
-                  <a:headEnd/>
-                  <a:tailEnd/>
-                </a14:hiddenLine>
-              </a:ext>
-              <a:ext uri="{AF507438-7753-43E0-B8FC-AC1667EBCBE1}">
-                <a14:hiddenEffects xmlns:a14="http://schemas.microsoft.com/office/drawing/2010/main">
-                  <a:effectLst>
-                    <a:outerShdw dist="35921" dir="2700000" algn="ctr" rotWithShape="0">
-                      <a:schemeClr val="bg2"/>
-                    </a:outerShdw>
-                  </a:effectLst>
-                </a14:hiddenEffects>
-              </a:ext>
-            </a:extLst>
-          </p:spPr>
-          <p:txBody>
-            <a:bodyPr wrap="square" lIns="83814" tIns="41907" rIns="83814" bIns="41907">
-              <a:spAutoFit/>
-            </a:bodyPr>
-            <a:lstStyle>
-              <a:lvl1pPr defTabSz="4389438" eaLnBrk="0" hangingPunct="0">
-                <a:defRPr sz="2200">
-                  <a:solidFill>
-                    <a:schemeClr val="tx1"/>
-                  </a:solidFill>
-                  <a:latin typeface="Arial" charset="0"/>
-                </a:defRPr>
-              </a:lvl1pPr>
-              <a:lvl2pPr marL="742950" indent="-285750" defTabSz="4389438" eaLnBrk="0" hangingPunct="0">
-                <a:defRPr sz="2200">
-                  <a:solidFill>
-                    <a:schemeClr val="tx1"/>
-                  </a:solidFill>
-                  <a:latin typeface="Arial" charset="0"/>
-                </a:defRPr>
-              </a:lvl2pPr>
-              <a:lvl3pPr marL="1143000" indent="-228600" defTabSz="4389438" eaLnBrk="0" hangingPunct="0">
-                <a:defRPr sz="2200">
-                  <a:solidFill>
-                    <a:schemeClr val="tx1"/>
-                  </a:solidFill>
-                  <a:latin typeface="Arial" charset="0"/>
-                </a:defRPr>
-              </a:lvl3pPr>
-              <a:lvl4pPr marL="1600200" indent="-228600" defTabSz="4389438" eaLnBrk="0" hangingPunct="0">
-                <a:defRPr sz="2200">
-                  <a:solidFill>
-                    <a:schemeClr val="tx1"/>
-                  </a:solidFill>
-                  <a:latin typeface="Arial" charset="0"/>
-                </a:defRPr>
-              </a:lvl4pPr>
-              <a:lvl5pPr marL="2057400" indent="-228600" defTabSz="4389438" eaLnBrk="0" hangingPunct="0">
-                <a:defRPr sz="2200">
-                  <a:solidFill>
-                    <a:schemeClr val="tx1"/>
-                  </a:solidFill>
-                  <a:latin typeface="Arial" charset="0"/>
-                </a:defRPr>
-              </a:lvl5pPr>
-              <a:lvl6pPr marL="2514600" indent="-228600" defTabSz="4389438" eaLnBrk="0" fontAlgn="base" hangingPunct="0">
-                <a:spcBef>
-                  <a:spcPct val="0"/>
-                </a:spcBef>
-                <a:spcAft>
-                  <a:spcPct val="0"/>
-                </a:spcAft>
-                <a:defRPr sz="2200">
-                  <a:solidFill>
-                    <a:schemeClr val="tx1"/>
-                  </a:solidFill>
-                  <a:latin typeface="Arial" charset="0"/>
-                </a:defRPr>
-              </a:lvl6pPr>
-              <a:lvl7pPr marL="2971800" indent="-228600" defTabSz="4389438" eaLnBrk="0" fontAlgn="base" hangingPunct="0">
-                <a:spcBef>
-                  <a:spcPct val="0"/>
-                </a:spcBef>
-                <a:spcAft>
-                  <a:spcPct val="0"/>
-                </a:spcAft>
-                <a:defRPr sz="2200">
-                  <a:solidFill>
-                    <a:schemeClr val="tx1"/>
-                  </a:solidFill>
-                  <a:latin typeface="Arial" charset="0"/>
-                </a:defRPr>
-              </a:lvl7pPr>
-              <a:lvl8pPr marL="3429000" indent="-228600" defTabSz="4389438" eaLnBrk="0" fontAlgn="base" hangingPunct="0">
-                <a:spcBef>
-                  <a:spcPct val="0"/>
-                </a:spcBef>
-                <a:spcAft>
-                  <a:spcPct val="0"/>
-                </a:spcAft>
-                <a:defRPr sz="2200">
-                  <a:solidFill>
-                    <a:schemeClr val="tx1"/>
-                  </a:solidFill>
-                  <a:latin typeface="Arial" charset="0"/>
-                </a:defRPr>
-              </a:lvl8pPr>
-              <a:lvl9pPr marL="3886200" indent="-228600" defTabSz="4389438" eaLnBrk="0" fontAlgn="base" hangingPunct="0">
-                <a:spcBef>
-                  <a:spcPct val="0"/>
-                </a:spcBef>
-                <a:spcAft>
-                  <a:spcPct val="0"/>
-                </a:spcAft>
-                <a:defRPr sz="2200">
-                  <a:solidFill>
-                    <a:schemeClr val="tx1"/>
-                  </a:solidFill>
-                  <a:latin typeface="Arial" charset="0"/>
-                </a:defRPr>
-              </a:lvl9pPr>
-            </a:lstStyle>
-            <a:p>
-              <a:pPr eaLnBrk="1" hangingPunct="1"/>
-              <a:r>
-                <a:rPr lang="en-US" sz="2000" dirty="0">
-                  <a:latin typeface="Avenir Book" panose="02000503020000020003" pitchFamily="2" charset="0"/>
-                  <a:ea typeface="Cambria Math" panose="02040503050406030204" pitchFamily="18" charset="0"/>
-                </a:rPr>
-                <a:t>Figure 3. Chosen Enzymatic Mechanism.</a:t>
-              </a:r>
-            </a:p>
-          </p:txBody>
-        </p:sp>
-      </p:grpSp>
-      <p:grpSp>
-        <p:nvGrpSpPr>
-          <p:cNvPr id="29" name="Group 28">
-            <a:extLst>
-              <a:ext uri="{FF2B5EF4-FFF2-40B4-BE49-F238E27FC236}">
-                <a16:creationId xmlns:a16="http://schemas.microsoft.com/office/drawing/2014/main" id="{DC88ABCA-27CB-B043-BBCE-43110FD448E0}"/>
-              </a:ext>
-            </a:extLst>
-          </p:cNvPr>
-          <p:cNvGrpSpPr/>
-          <p:nvPr/>
-        </p:nvGrpSpPr>
-        <p:grpSpPr>
-          <a:xfrm>
-            <a:off x="14920606" y="29867815"/>
-            <a:ext cx="9913704" cy="5427243"/>
-            <a:chOff x="14754640" y="25375156"/>
-            <a:chExt cx="9913704" cy="5142743"/>
-          </a:xfrm>
-        </p:grpSpPr>
-        <p:sp>
-          <p:nvSpPr>
-            <p:cNvPr id="58" name="Text Box 181">
-              <a:extLst>
-                <a:ext uri="{FF2B5EF4-FFF2-40B4-BE49-F238E27FC236}">
-                  <a16:creationId xmlns:a16="http://schemas.microsoft.com/office/drawing/2014/main" id="{8851B0A8-0533-5543-802F-3898F2066D40}"/>
-                </a:ext>
-              </a:extLst>
-            </p:cNvPr>
-            <p:cNvSpPr txBox="1">
-              <a:spLocks noChangeArrowheads="1"/>
-            </p:cNvSpPr>
-            <p:nvPr/>
-          </p:nvSpPr>
-          <p:spPr bwMode="auto">
-            <a:xfrm>
-              <a:off x="14934715" y="29325271"/>
-              <a:ext cx="9733629" cy="1192628"/>
+              <a:off x="27423997" y="24280817"/>
+              <a:ext cx="10623046" cy="453964"/>
             </a:xfrm>
             <a:prstGeom prst="rect">
               <a:avLst/>
@@ -8924,17 +11620,1648 @@
                   <a:latin typeface="Avenir Book" panose="02000503020000020003" pitchFamily="2" charset="0"/>
                   <a:ea typeface="Cambria Math" panose="02040503050406030204" pitchFamily="18" charset="0"/>
                 </a:rPr>
-                <a:t>Figure 5. Simulations of the ATP synthase model. Without the proton pump, there is not enough regeneration (5a). When the proton gradient is maintained, we see a higher steady state of ATP (5b).</a:t>
+                <a:t>Figure 8. VirE2 membrane integration and ssDNA export model schematic</a:t>
+              </a:r>
+            </a:p>
+          </p:txBody>
+        </p:sp>
+        <p:pic>
+          <p:nvPicPr>
+            <p:cNvPr id="67" name="Picture 66" descr="A picture containing clock&#10;&#10;Description automatically generated">
+              <a:extLst>
+                <a:ext uri="{FF2B5EF4-FFF2-40B4-BE49-F238E27FC236}">
+                  <a16:creationId xmlns:a16="http://schemas.microsoft.com/office/drawing/2014/main" id="{93782A63-CBBC-A64A-8A21-E18D2D4001CA}"/>
+                </a:ext>
+              </a:extLst>
+            </p:cNvPr>
+            <p:cNvPicPr>
+              <a:picLocks noChangeAspect="1"/>
+            </p:cNvPicPr>
+            <p:nvPr/>
+          </p:nvPicPr>
+          <p:blipFill rotWithShape="1">
+            <a:blip r:embed="rId23">
+              <a:extLst>
+                <a:ext uri="{28A0092B-C50C-407E-A947-70E740481C1C}">
+                  <a14:useLocalDpi xmlns:a14="http://schemas.microsoft.com/office/drawing/2010/main" val="0"/>
+                </a:ext>
+              </a:extLst>
+            </a:blip>
+            <a:srcRect t="4587"/>
+            <a:stretch/>
+          </p:blipFill>
+          <p:spPr>
+            <a:xfrm>
+              <a:off x="28968348" y="22459883"/>
+              <a:ext cx="6553200" cy="1798246"/>
+            </a:xfrm>
+            <a:prstGeom prst="rect">
+              <a:avLst/>
+            </a:prstGeom>
+          </p:spPr>
+        </p:pic>
+      </p:grpSp>
+      <p:grpSp>
+        <p:nvGrpSpPr>
+          <p:cNvPr id="76" name="Group 75">
+            <a:extLst>
+              <a:ext uri="{FF2B5EF4-FFF2-40B4-BE49-F238E27FC236}">
+                <a16:creationId xmlns:a16="http://schemas.microsoft.com/office/drawing/2014/main" id="{5BD90203-1F62-7448-B393-45609F7E339C}"/>
+              </a:ext>
+            </a:extLst>
+          </p:cNvPr>
+          <p:cNvGrpSpPr/>
+          <p:nvPr/>
+        </p:nvGrpSpPr>
+        <p:grpSpPr>
+          <a:xfrm>
+            <a:off x="2667192" y="27960117"/>
+            <a:ext cx="2453349" cy="5840184"/>
+            <a:chOff x="2667192" y="27960117"/>
+            <a:chExt cx="2453349" cy="5840184"/>
+          </a:xfrm>
+        </p:grpSpPr>
+        <p:pic>
+          <p:nvPicPr>
+            <p:cNvPr id="38" name="Content Placeholder 4" descr="A close up of a map&#10;&#10;Description automatically generated">
+              <a:extLst>
+                <a:ext uri="{FF2B5EF4-FFF2-40B4-BE49-F238E27FC236}">
+                  <a16:creationId xmlns:a16="http://schemas.microsoft.com/office/drawing/2014/main" id="{207D8F08-7127-C24B-8CAC-5AB012895F2C}"/>
+                </a:ext>
+              </a:extLst>
+            </p:cNvPr>
+            <p:cNvPicPr>
+              <a:picLocks noChangeAspect="1"/>
+            </p:cNvPicPr>
+            <p:nvPr/>
+          </p:nvPicPr>
+          <p:blipFill>
+            <a:blip r:embed="rId24"/>
+            <a:stretch>
+              <a:fillRect/>
+            </a:stretch>
+          </p:blipFill>
+          <p:spPr>
+            <a:xfrm>
+              <a:off x="2667192" y="28154347"/>
+              <a:ext cx="2453349" cy="5645954"/>
+            </a:xfrm>
+            <a:prstGeom prst="rect">
+              <a:avLst/>
+            </a:prstGeom>
+          </p:spPr>
+        </p:pic>
+        <p:sp>
+          <p:nvSpPr>
+            <p:cNvPr id="75" name="TextBox 74">
+              <a:extLst>
+                <a:ext uri="{FF2B5EF4-FFF2-40B4-BE49-F238E27FC236}">
+                  <a16:creationId xmlns:a16="http://schemas.microsoft.com/office/drawing/2014/main" id="{08A0B717-AEBC-FB41-893C-48A8FDF859A0}"/>
+                </a:ext>
+              </a:extLst>
+            </p:cNvPr>
+            <p:cNvSpPr txBox="1"/>
+            <p:nvPr/>
+          </p:nvSpPr>
+          <p:spPr>
+            <a:xfrm>
+              <a:off x="2667192" y="27960117"/>
+              <a:ext cx="623439" cy="538683"/>
+            </a:xfrm>
+            <a:prstGeom prst="rect">
+              <a:avLst/>
+            </a:prstGeom>
+            <a:solidFill>
+              <a:schemeClr val="bg1"/>
+            </a:solidFill>
+          </p:spPr>
+          <p:txBody>
+            <a:bodyPr wrap="square" rtlCol="0">
+              <a:spAutoFit/>
+            </a:bodyPr>
+            <a:lstStyle/>
+            <a:p>
+              <a:endParaRPr lang="en-US" dirty="0"/>
+            </a:p>
+          </p:txBody>
+        </p:sp>
+      </p:grpSp>
+      <p:sp>
+        <p:nvSpPr>
+          <p:cNvPr id="77" name="Oval 76">
+            <a:extLst>
+              <a:ext uri="{FF2B5EF4-FFF2-40B4-BE49-F238E27FC236}">
+                <a16:creationId xmlns:a16="http://schemas.microsoft.com/office/drawing/2014/main" id="{E7F6EF74-8D1D-9544-976D-740897ED5975}"/>
+              </a:ext>
+            </a:extLst>
+          </p:cNvPr>
+          <p:cNvSpPr/>
+          <p:nvPr/>
+        </p:nvSpPr>
+        <p:spPr>
+          <a:xfrm>
+            <a:off x="7874554" y="23601441"/>
+            <a:ext cx="2139739" cy="2038484"/>
+          </a:xfrm>
+          <a:prstGeom prst="ellipse">
+            <a:avLst/>
+          </a:prstGeom>
+          <a:noFill/>
+          <a:ln w="38100">
+            <a:solidFill>
+              <a:schemeClr val="tx1"/>
+            </a:solidFill>
+          </a:ln>
+        </p:spPr>
+        <p:style>
+          <a:lnRef idx="2">
+            <a:schemeClr val="accent1">
+              <a:shade val="50000"/>
+            </a:schemeClr>
+          </a:lnRef>
+          <a:fillRef idx="1">
+            <a:schemeClr val="accent1"/>
+          </a:fillRef>
+          <a:effectRef idx="0">
+            <a:schemeClr val="accent1"/>
+          </a:effectRef>
+          <a:fontRef idx="minor">
+            <a:schemeClr val="lt1"/>
+          </a:fontRef>
+        </p:style>
+        <p:txBody>
+          <a:bodyPr rtlCol="0" anchor="ctr"/>
+          <a:lstStyle/>
+          <a:p>
+            <a:pPr algn="ctr"/>
+            <a:endParaRPr lang="en-US"/>
+          </a:p>
+        </p:txBody>
+      </p:sp>
+      <p:sp>
+        <p:nvSpPr>
+          <p:cNvPr id="99" name="Oval 98">
+            <a:extLst>
+              <a:ext uri="{FF2B5EF4-FFF2-40B4-BE49-F238E27FC236}">
+                <a16:creationId xmlns:a16="http://schemas.microsoft.com/office/drawing/2014/main" id="{5BA9645B-17A0-C142-A0D0-7A33D0281FFD}"/>
+              </a:ext>
+            </a:extLst>
+          </p:cNvPr>
+          <p:cNvSpPr/>
+          <p:nvPr/>
+        </p:nvSpPr>
+        <p:spPr>
+          <a:xfrm>
+            <a:off x="11245103" y="23550501"/>
+            <a:ext cx="2139739" cy="2038484"/>
+          </a:xfrm>
+          <a:prstGeom prst="ellipse">
+            <a:avLst/>
+          </a:prstGeom>
+          <a:noFill/>
+          <a:ln w="38100">
+            <a:solidFill>
+              <a:schemeClr val="tx1"/>
+            </a:solidFill>
+          </a:ln>
+        </p:spPr>
+        <p:style>
+          <a:lnRef idx="2">
+            <a:schemeClr val="accent1">
+              <a:shade val="50000"/>
+            </a:schemeClr>
+          </a:lnRef>
+          <a:fillRef idx="1">
+            <a:schemeClr val="accent1"/>
+          </a:fillRef>
+          <a:effectRef idx="0">
+            <a:schemeClr val="accent1"/>
+          </a:effectRef>
+          <a:fontRef idx="minor">
+            <a:schemeClr val="lt1"/>
+          </a:fontRef>
+        </p:style>
+        <p:txBody>
+          <a:bodyPr rtlCol="0" anchor="ctr"/>
+          <a:lstStyle/>
+          <a:p>
+            <a:pPr algn="ctr"/>
+            <a:endParaRPr lang="en-US"/>
+          </a:p>
+        </p:txBody>
+      </p:sp>
+      <p:sp>
+        <p:nvSpPr>
+          <p:cNvPr id="100" name="Text Box 180">
+            <a:extLst>
+              <a:ext uri="{FF2B5EF4-FFF2-40B4-BE49-F238E27FC236}">
+                <a16:creationId xmlns:a16="http://schemas.microsoft.com/office/drawing/2014/main" id="{C1E4E14C-FC40-8347-B293-26F7FCA118AF}"/>
+              </a:ext>
+            </a:extLst>
+          </p:cNvPr>
+          <p:cNvSpPr txBox="1">
+            <a:spLocks noChangeArrowheads="1"/>
+          </p:cNvSpPr>
+          <p:nvPr/>
+        </p:nvSpPr>
+        <p:spPr bwMode="auto">
+          <a:xfrm>
+            <a:off x="7828173" y="23050194"/>
+            <a:ext cx="2632481" cy="453964"/>
+          </a:xfrm>
+          <a:prstGeom prst="rect">
+            <a:avLst/>
+          </a:prstGeom>
+          <a:noFill/>
+          <a:ln>
+            <a:noFill/>
+          </a:ln>
+          <a:effectLst/>
+          <a:extLst>
+            <a:ext uri="{909E8E84-426E-40DD-AFC4-6F175D3DCCD1}">
+              <a14:hiddenFill xmlns:a14="http://schemas.microsoft.com/office/drawing/2010/main">
+                <a:solidFill>
+                  <a:schemeClr val="accent1"/>
+                </a:solidFill>
+              </a14:hiddenFill>
+            </a:ext>
+            <a:ext uri="{91240B29-F687-4F45-9708-019B960494DF}">
+              <a14:hiddenLine xmlns:a14="http://schemas.microsoft.com/office/drawing/2010/main" w="9525">
+                <a:solidFill>
+                  <a:schemeClr val="tx1"/>
+                </a:solidFill>
+                <a:miter lim="800000"/>
+                <a:headEnd/>
+                <a:tailEnd/>
+              </a14:hiddenLine>
+            </a:ext>
+            <a:ext uri="{AF507438-7753-43E0-B8FC-AC1667EBCBE1}">
+              <a14:hiddenEffects xmlns:a14="http://schemas.microsoft.com/office/drawing/2010/main">
+                <a:effectLst>
+                  <a:outerShdw dist="35921" dir="2700000" algn="ctr" rotWithShape="0">
+                    <a:schemeClr val="bg2"/>
+                  </a:outerShdw>
+                </a:effectLst>
+              </a14:hiddenEffects>
+            </a:ext>
+          </a:extLst>
+        </p:spPr>
+        <p:txBody>
+          <a:bodyPr wrap="square" lIns="83814" tIns="41907" rIns="83814" bIns="41907">
+            <a:spAutoFit/>
+          </a:bodyPr>
+          <a:lstStyle>
+            <a:lvl1pPr defTabSz="4389438" eaLnBrk="0" hangingPunct="0">
+              <a:defRPr sz="2200">
+                <a:solidFill>
+                  <a:schemeClr val="tx1"/>
+                </a:solidFill>
+                <a:latin typeface="Arial" charset="0"/>
+              </a:defRPr>
+            </a:lvl1pPr>
+            <a:lvl2pPr marL="742950" indent="-285750" defTabSz="4389438" eaLnBrk="0" hangingPunct="0">
+              <a:defRPr sz="2200">
+                <a:solidFill>
+                  <a:schemeClr val="tx1"/>
+                </a:solidFill>
+                <a:latin typeface="Arial" charset="0"/>
+              </a:defRPr>
+            </a:lvl2pPr>
+            <a:lvl3pPr marL="1143000" indent="-228600" defTabSz="4389438" eaLnBrk="0" hangingPunct="0">
+              <a:defRPr sz="2200">
+                <a:solidFill>
+                  <a:schemeClr val="tx1"/>
+                </a:solidFill>
+                <a:latin typeface="Arial" charset="0"/>
+              </a:defRPr>
+            </a:lvl3pPr>
+            <a:lvl4pPr marL="1600200" indent="-228600" defTabSz="4389438" eaLnBrk="0" hangingPunct="0">
+              <a:defRPr sz="2200">
+                <a:solidFill>
+                  <a:schemeClr val="tx1"/>
+                </a:solidFill>
+                <a:latin typeface="Arial" charset="0"/>
+              </a:defRPr>
+            </a:lvl4pPr>
+            <a:lvl5pPr marL="2057400" indent="-228600" defTabSz="4389438" eaLnBrk="0" hangingPunct="0">
+              <a:defRPr sz="2200">
+                <a:solidFill>
+                  <a:schemeClr val="tx1"/>
+                </a:solidFill>
+                <a:latin typeface="Arial" charset="0"/>
+              </a:defRPr>
+            </a:lvl5pPr>
+            <a:lvl6pPr marL="2514600" indent="-228600" defTabSz="4389438" eaLnBrk="0" fontAlgn="base" hangingPunct="0">
+              <a:spcBef>
+                <a:spcPct val="0"/>
+              </a:spcBef>
+              <a:spcAft>
+                <a:spcPct val="0"/>
+              </a:spcAft>
+              <a:defRPr sz="2200">
+                <a:solidFill>
+                  <a:schemeClr val="tx1"/>
+                </a:solidFill>
+                <a:latin typeface="Arial" charset="0"/>
+              </a:defRPr>
+            </a:lvl6pPr>
+            <a:lvl7pPr marL="2971800" indent="-228600" defTabSz="4389438" eaLnBrk="0" fontAlgn="base" hangingPunct="0">
+              <a:spcBef>
+                <a:spcPct val="0"/>
+              </a:spcBef>
+              <a:spcAft>
+                <a:spcPct val="0"/>
+              </a:spcAft>
+              <a:defRPr sz="2200">
+                <a:solidFill>
+                  <a:schemeClr val="tx1"/>
+                </a:solidFill>
+                <a:latin typeface="Arial" charset="0"/>
+              </a:defRPr>
+            </a:lvl7pPr>
+            <a:lvl8pPr marL="3429000" indent="-228600" defTabSz="4389438" eaLnBrk="0" fontAlgn="base" hangingPunct="0">
+              <a:spcBef>
+                <a:spcPct val="0"/>
+              </a:spcBef>
+              <a:spcAft>
+                <a:spcPct val="0"/>
+              </a:spcAft>
+              <a:defRPr sz="2200">
+                <a:solidFill>
+                  <a:schemeClr val="tx1"/>
+                </a:solidFill>
+                <a:latin typeface="Arial" charset="0"/>
+              </a:defRPr>
+            </a:lvl8pPr>
+            <a:lvl9pPr marL="3886200" indent="-228600" defTabSz="4389438" eaLnBrk="0" fontAlgn="base" hangingPunct="0">
+              <a:spcBef>
+                <a:spcPct val="0"/>
+              </a:spcBef>
+              <a:spcAft>
+                <a:spcPct val="0"/>
+              </a:spcAft>
+              <a:defRPr sz="2200">
+                <a:solidFill>
+                  <a:schemeClr val="tx1"/>
+                </a:solidFill>
+                <a:latin typeface="Arial" charset="0"/>
+              </a:defRPr>
+            </a:lvl9pPr>
+          </a:lstStyle>
+          <a:p>
+            <a:pPr eaLnBrk="1" hangingPunct="1"/>
+            <a:r>
+              <a:rPr lang="en-US" sz="2400" i="1" dirty="0">
+                <a:latin typeface="Avenir Book" panose="02000503020000020003" pitchFamily="2" charset="0"/>
+                <a:ea typeface="Cambria Math" panose="02040503050406030204" pitchFamily="18" charset="0"/>
+              </a:rPr>
+              <a:t>Escherichia Coli</a:t>
+            </a:r>
+          </a:p>
+        </p:txBody>
+      </p:sp>
+      <p:sp>
+        <p:nvSpPr>
+          <p:cNvPr id="101" name="Text Box 180">
+            <a:extLst>
+              <a:ext uri="{FF2B5EF4-FFF2-40B4-BE49-F238E27FC236}">
+                <a16:creationId xmlns:a16="http://schemas.microsoft.com/office/drawing/2014/main" id="{EC835408-EC04-3348-A0A1-6DD3B6516EF6}"/>
+              </a:ext>
+            </a:extLst>
+          </p:cNvPr>
+          <p:cNvSpPr txBox="1">
+            <a:spLocks noChangeArrowheads="1"/>
+          </p:cNvSpPr>
+          <p:nvPr/>
+        </p:nvSpPr>
+        <p:spPr bwMode="auto">
+          <a:xfrm>
+            <a:off x="11327200" y="23050194"/>
+            <a:ext cx="2632481" cy="453964"/>
+          </a:xfrm>
+          <a:prstGeom prst="rect">
+            <a:avLst/>
+          </a:prstGeom>
+          <a:noFill/>
+          <a:ln>
+            <a:noFill/>
+          </a:ln>
+          <a:effectLst/>
+          <a:extLst>
+            <a:ext uri="{909E8E84-426E-40DD-AFC4-6F175D3DCCD1}">
+              <a14:hiddenFill xmlns:a14="http://schemas.microsoft.com/office/drawing/2010/main">
+                <a:solidFill>
+                  <a:schemeClr val="accent1"/>
+                </a:solidFill>
+              </a14:hiddenFill>
+            </a:ext>
+            <a:ext uri="{91240B29-F687-4F45-9708-019B960494DF}">
+              <a14:hiddenLine xmlns:a14="http://schemas.microsoft.com/office/drawing/2010/main" w="9525">
+                <a:solidFill>
+                  <a:schemeClr val="tx1"/>
+                </a:solidFill>
+                <a:miter lim="800000"/>
+                <a:headEnd/>
+                <a:tailEnd/>
+              </a14:hiddenLine>
+            </a:ext>
+            <a:ext uri="{AF507438-7753-43E0-B8FC-AC1667EBCBE1}">
+              <a14:hiddenEffects xmlns:a14="http://schemas.microsoft.com/office/drawing/2010/main">
+                <a:effectLst>
+                  <a:outerShdw dist="35921" dir="2700000" algn="ctr" rotWithShape="0">
+                    <a:schemeClr val="bg2"/>
+                  </a:outerShdw>
+                </a:effectLst>
+              </a14:hiddenEffects>
+            </a:ext>
+          </a:extLst>
+        </p:spPr>
+        <p:txBody>
+          <a:bodyPr wrap="square" lIns="83814" tIns="41907" rIns="83814" bIns="41907">
+            <a:spAutoFit/>
+          </a:bodyPr>
+          <a:lstStyle>
+            <a:lvl1pPr defTabSz="4389438" eaLnBrk="0" hangingPunct="0">
+              <a:defRPr sz="2200">
+                <a:solidFill>
+                  <a:schemeClr val="tx1"/>
+                </a:solidFill>
+                <a:latin typeface="Arial" charset="0"/>
+              </a:defRPr>
+            </a:lvl1pPr>
+            <a:lvl2pPr marL="742950" indent="-285750" defTabSz="4389438" eaLnBrk="0" hangingPunct="0">
+              <a:defRPr sz="2200">
+                <a:solidFill>
+                  <a:schemeClr val="tx1"/>
+                </a:solidFill>
+                <a:latin typeface="Arial" charset="0"/>
+              </a:defRPr>
+            </a:lvl2pPr>
+            <a:lvl3pPr marL="1143000" indent="-228600" defTabSz="4389438" eaLnBrk="0" hangingPunct="0">
+              <a:defRPr sz="2200">
+                <a:solidFill>
+                  <a:schemeClr val="tx1"/>
+                </a:solidFill>
+                <a:latin typeface="Arial" charset="0"/>
+              </a:defRPr>
+            </a:lvl3pPr>
+            <a:lvl4pPr marL="1600200" indent="-228600" defTabSz="4389438" eaLnBrk="0" hangingPunct="0">
+              <a:defRPr sz="2200">
+                <a:solidFill>
+                  <a:schemeClr val="tx1"/>
+                </a:solidFill>
+                <a:latin typeface="Arial" charset="0"/>
+              </a:defRPr>
+            </a:lvl4pPr>
+            <a:lvl5pPr marL="2057400" indent="-228600" defTabSz="4389438" eaLnBrk="0" hangingPunct="0">
+              <a:defRPr sz="2200">
+                <a:solidFill>
+                  <a:schemeClr val="tx1"/>
+                </a:solidFill>
+                <a:latin typeface="Arial" charset="0"/>
+              </a:defRPr>
+            </a:lvl5pPr>
+            <a:lvl6pPr marL="2514600" indent="-228600" defTabSz="4389438" eaLnBrk="0" fontAlgn="base" hangingPunct="0">
+              <a:spcBef>
+                <a:spcPct val="0"/>
+              </a:spcBef>
+              <a:spcAft>
+                <a:spcPct val="0"/>
+              </a:spcAft>
+              <a:defRPr sz="2200">
+                <a:solidFill>
+                  <a:schemeClr val="tx1"/>
+                </a:solidFill>
+                <a:latin typeface="Arial" charset="0"/>
+              </a:defRPr>
+            </a:lvl6pPr>
+            <a:lvl7pPr marL="2971800" indent="-228600" defTabSz="4389438" eaLnBrk="0" fontAlgn="base" hangingPunct="0">
+              <a:spcBef>
+                <a:spcPct val="0"/>
+              </a:spcBef>
+              <a:spcAft>
+                <a:spcPct val="0"/>
+              </a:spcAft>
+              <a:defRPr sz="2200">
+                <a:solidFill>
+                  <a:schemeClr val="tx1"/>
+                </a:solidFill>
+                <a:latin typeface="Arial" charset="0"/>
+              </a:defRPr>
+            </a:lvl7pPr>
+            <a:lvl8pPr marL="3429000" indent="-228600" defTabSz="4389438" eaLnBrk="0" fontAlgn="base" hangingPunct="0">
+              <a:spcBef>
+                <a:spcPct val="0"/>
+              </a:spcBef>
+              <a:spcAft>
+                <a:spcPct val="0"/>
+              </a:spcAft>
+              <a:defRPr sz="2200">
+                <a:solidFill>
+                  <a:schemeClr val="tx1"/>
+                </a:solidFill>
+                <a:latin typeface="Arial" charset="0"/>
+              </a:defRPr>
+            </a:lvl8pPr>
+            <a:lvl9pPr marL="3886200" indent="-228600" defTabSz="4389438" eaLnBrk="0" fontAlgn="base" hangingPunct="0">
+              <a:spcBef>
+                <a:spcPct val="0"/>
+              </a:spcBef>
+              <a:spcAft>
+                <a:spcPct val="0"/>
+              </a:spcAft>
+              <a:defRPr sz="2200">
+                <a:solidFill>
+                  <a:schemeClr val="tx1"/>
+                </a:solidFill>
+                <a:latin typeface="Arial" charset="0"/>
+              </a:defRPr>
+            </a:lvl9pPr>
+          </a:lstStyle>
+          <a:p>
+            <a:pPr eaLnBrk="1" hangingPunct="1"/>
+            <a:r>
+              <a:rPr lang="en-US" sz="2400" i="1" dirty="0">
+                <a:latin typeface="Avenir Book" panose="02000503020000020003" pitchFamily="2" charset="0"/>
+                <a:ea typeface="Cambria Math" panose="02040503050406030204" pitchFamily="18" charset="0"/>
+              </a:rPr>
+              <a:t>Synthetic Cell</a:t>
+            </a:r>
+          </a:p>
+        </p:txBody>
+      </p:sp>
+      <p:sp>
+        <p:nvSpPr>
+          <p:cNvPr id="78" name="Trapezoid 77">
+            <a:extLst>
+              <a:ext uri="{FF2B5EF4-FFF2-40B4-BE49-F238E27FC236}">
+                <a16:creationId xmlns:a16="http://schemas.microsoft.com/office/drawing/2014/main" id="{3F86ACAD-2947-5A43-B98A-E6158AB8F272}"/>
+              </a:ext>
+            </a:extLst>
+          </p:cNvPr>
+          <p:cNvSpPr/>
+          <p:nvPr/>
+        </p:nvSpPr>
+        <p:spPr>
+          <a:xfrm>
+            <a:off x="8205689" y="24090376"/>
+            <a:ext cx="485931" cy="356220"/>
+          </a:xfrm>
+          <a:prstGeom prst="trapezoid">
+            <a:avLst/>
+          </a:prstGeom>
+        </p:spPr>
+        <p:style>
+          <a:lnRef idx="2">
+            <a:schemeClr val="accent1">
+              <a:shade val="50000"/>
+            </a:schemeClr>
+          </a:lnRef>
+          <a:fillRef idx="1">
+            <a:schemeClr val="accent1"/>
+          </a:fillRef>
+          <a:effectRef idx="0">
+            <a:schemeClr val="accent1"/>
+          </a:effectRef>
+          <a:fontRef idx="minor">
+            <a:schemeClr val="lt1"/>
+          </a:fontRef>
+        </p:style>
+        <p:txBody>
+          <a:bodyPr rtlCol="0" anchor="ctr"/>
+          <a:lstStyle/>
+          <a:p>
+            <a:pPr algn="ctr"/>
+            <a:r>
+              <a:rPr lang="en-US" sz="1200" dirty="0">
+                <a:latin typeface="Avenir Book" panose="02000503020000020003" pitchFamily="2" charset="0"/>
+              </a:rPr>
+              <a:t>Tx</a:t>
+            </a:r>
+          </a:p>
+        </p:txBody>
+      </p:sp>
+      <p:sp>
+        <p:nvSpPr>
+          <p:cNvPr id="79" name="Triangle 78">
+            <a:extLst>
+              <a:ext uri="{FF2B5EF4-FFF2-40B4-BE49-F238E27FC236}">
+                <a16:creationId xmlns:a16="http://schemas.microsoft.com/office/drawing/2014/main" id="{7575CEBA-0CED-E440-9741-93DA73B7B0B3}"/>
+              </a:ext>
+            </a:extLst>
+          </p:cNvPr>
+          <p:cNvSpPr/>
+          <p:nvPr/>
+        </p:nvSpPr>
+        <p:spPr>
+          <a:xfrm>
+            <a:off x="9094498" y="24715341"/>
+            <a:ext cx="685387" cy="411219"/>
+          </a:xfrm>
+          <a:prstGeom prst="triangle">
+            <a:avLst/>
+          </a:prstGeom>
+        </p:spPr>
+        <p:style>
+          <a:lnRef idx="2">
+            <a:schemeClr val="accent2">
+              <a:shade val="50000"/>
+            </a:schemeClr>
+          </a:lnRef>
+          <a:fillRef idx="1">
+            <a:schemeClr val="accent2"/>
+          </a:fillRef>
+          <a:effectRef idx="0">
+            <a:schemeClr val="accent2"/>
+          </a:effectRef>
+          <a:fontRef idx="minor">
+            <a:schemeClr val="lt1"/>
+          </a:fontRef>
+        </p:style>
+        <p:txBody>
+          <a:bodyPr rtlCol="0" anchor="ctr"/>
+          <a:lstStyle/>
+          <a:p>
+            <a:pPr algn="ctr"/>
+            <a:r>
+              <a:rPr lang="en-US" sz="1400" dirty="0">
+                <a:latin typeface="Avenir Book" panose="02000503020000020003" pitchFamily="2" charset="0"/>
+              </a:rPr>
+              <a:t>Tl</a:t>
+            </a:r>
+          </a:p>
+        </p:txBody>
+      </p:sp>
+      <p:sp>
+        <p:nvSpPr>
+          <p:cNvPr id="84" name="Hexagon 83">
+            <a:extLst>
+              <a:ext uri="{FF2B5EF4-FFF2-40B4-BE49-F238E27FC236}">
+                <a16:creationId xmlns:a16="http://schemas.microsoft.com/office/drawing/2014/main" id="{8C4F2866-CCB4-F04C-AE8D-D48B68CA715B}"/>
+              </a:ext>
+            </a:extLst>
+          </p:cNvPr>
+          <p:cNvSpPr/>
+          <p:nvPr/>
+        </p:nvSpPr>
+        <p:spPr>
+          <a:xfrm>
+            <a:off x="8334617" y="24935530"/>
+            <a:ext cx="428383" cy="368210"/>
+          </a:xfrm>
+          <a:prstGeom prst="hexagon">
+            <a:avLst/>
+          </a:prstGeom>
+        </p:spPr>
+        <p:style>
+          <a:lnRef idx="2">
+            <a:schemeClr val="accent3">
+              <a:shade val="50000"/>
+            </a:schemeClr>
+          </a:lnRef>
+          <a:fillRef idx="1">
+            <a:schemeClr val="accent3"/>
+          </a:fillRef>
+          <a:effectRef idx="0">
+            <a:schemeClr val="accent3"/>
+          </a:effectRef>
+          <a:fontRef idx="minor">
+            <a:schemeClr val="lt1"/>
+          </a:fontRef>
+        </p:style>
+        <p:txBody>
+          <a:bodyPr rtlCol="0" anchor="ctr"/>
+          <a:lstStyle/>
+          <a:p>
+            <a:pPr algn="ctr"/>
+            <a:endParaRPr lang="en-US"/>
+          </a:p>
+        </p:txBody>
+      </p:sp>
+      <p:sp>
+        <p:nvSpPr>
+          <p:cNvPr id="98" name="Teardrop 97">
+            <a:extLst>
+              <a:ext uri="{FF2B5EF4-FFF2-40B4-BE49-F238E27FC236}">
+                <a16:creationId xmlns:a16="http://schemas.microsoft.com/office/drawing/2014/main" id="{7F97674F-1275-E547-BFE6-E6F7BC2B803C}"/>
+              </a:ext>
+            </a:extLst>
+          </p:cNvPr>
+          <p:cNvSpPr/>
+          <p:nvPr/>
+        </p:nvSpPr>
+        <p:spPr>
+          <a:xfrm>
+            <a:off x="9220200" y="24155400"/>
+            <a:ext cx="228600" cy="264943"/>
+          </a:xfrm>
+          <a:prstGeom prst="teardrop">
+            <a:avLst/>
+          </a:prstGeom>
+        </p:spPr>
+        <p:style>
+          <a:lnRef idx="2">
+            <a:schemeClr val="accent3">
+              <a:shade val="50000"/>
+            </a:schemeClr>
+          </a:lnRef>
+          <a:fillRef idx="1">
+            <a:schemeClr val="accent3"/>
+          </a:fillRef>
+          <a:effectRef idx="0">
+            <a:schemeClr val="accent3"/>
+          </a:effectRef>
+          <a:fontRef idx="minor">
+            <a:schemeClr val="lt1"/>
+          </a:fontRef>
+        </p:style>
+        <p:txBody>
+          <a:bodyPr rtlCol="0" anchor="ctr"/>
+          <a:lstStyle/>
+          <a:p>
+            <a:pPr algn="ctr"/>
+            <a:endParaRPr lang="en-US"/>
+          </a:p>
+        </p:txBody>
+      </p:sp>
+      <p:sp>
+        <p:nvSpPr>
+          <p:cNvPr id="102" name="Diagonal Stripe 101">
+            <a:extLst>
+              <a:ext uri="{FF2B5EF4-FFF2-40B4-BE49-F238E27FC236}">
+                <a16:creationId xmlns:a16="http://schemas.microsoft.com/office/drawing/2014/main" id="{8C7BF5FC-C58E-124C-93DE-145C14228C17}"/>
+              </a:ext>
+            </a:extLst>
+          </p:cNvPr>
+          <p:cNvSpPr/>
+          <p:nvPr/>
+        </p:nvSpPr>
+        <p:spPr>
+          <a:xfrm>
+            <a:off x="8812916" y="24474355"/>
+            <a:ext cx="281582" cy="331472"/>
+          </a:xfrm>
+          <a:prstGeom prst="diagStripe">
+            <a:avLst/>
+          </a:prstGeom>
+        </p:spPr>
+        <p:style>
+          <a:lnRef idx="2">
+            <a:schemeClr val="accent3">
+              <a:shade val="50000"/>
+            </a:schemeClr>
+          </a:lnRef>
+          <a:fillRef idx="1">
+            <a:schemeClr val="accent3"/>
+          </a:fillRef>
+          <a:effectRef idx="0">
+            <a:schemeClr val="accent3"/>
+          </a:effectRef>
+          <a:fontRef idx="minor">
+            <a:schemeClr val="lt1"/>
+          </a:fontRef>
+        </p:style>
+        <p:txBody>
+          <a:bodyPr rtlCol="0" anchor="ctr"/>
+          <a:lstStyle/>
+          <a:p>
+            <a:pPr algn="ctr"/>
+            <a:endParaRPr lang="en-US">
+              <a:solidFill>
+                <a:schemeClr val="tx1"/>
+              </a:solidFill>
+            </a:endParaRPr>
+          </a:p>
+        </p:txBody>
+      </p:sp>
+      <p:sp>
+        <p:nvSpPr>
+          <p:cNvPr id="103" name="Pie 102">
+            <a:extLst>
+              <a:ext uri="{FF2B5EF4-FFF2-40B4-BE49-F238E27FC236}">
+                <a16:creationId xmlns:a16="http://schemas.microsoft.com/office/drawing/2014/main" id="{5A149A77-2F5D-7C4F-8C22-4F14C621F51F}"/>
+              </a:ext>
+            </a:extLst>
+          </p:cNvPr>
+          <p:cNvSpPr/>
+          <p:nvPr/>
+        </p:nvSpPr>
+        <p:spPr>
+          <a:xfrm>
+            <a:off x="8812915" y="23850600"/>
+            <a:ext cx="255043" cy="304800"/>
+          </a:xfrm>
+          <a:prstGeom prst="pie">
+            <a:avLst/>
+          </a:prstGeom>
+        </p:spPr>
+        <p:style>
+          <a:lnRef idx="2">
+            <a:schemeClr val="accent3">
+              <a:shade val="50000"/>
+            </a:schemeClr>
+          </a:lnRef>
+          <a:fillRef idx="1">
+            <a:schemeClr val="accent3"/>
+          </a:fillRef>
+          <a:effectRef idx="0">
+            <a:schemeClr val="accent3"/>
+          </a:effectRef>
+          <a:fontRef idx="minor">
+            <a:schemeClr val="lt1"/>
+          </a:fontRef>
+        </p:style>
+        <p:txBody>
+          <a:bodyPr rtlCol="0" anchor="ctr"/>
+          <a:lstStyle/>
+          <a:p>
+            <a:pPr algn="ctr"/>
+            <a:endParaRPr lang="en-US">
+              <a:solidFill>
+                <a:schemeClr val="tx1"/>
+              </a:solidFill>
+            </a:endParaRPr>
+          </a:p>
+        </p:txBody>
+      </p:sp>
+      <p:sp>
+        <p:nvSpPr>
+          <p:cNvPr id="104" name="Right Arrow 103">
+            <a:extLst>
+              <a:ext uri="{FF2B5EF4-FFF2-40B4-BE49-F238E27FC236}">
+                <a16:creationId xmlns:a16="http://schemas.microsoft.com/office/drawing/2014/main" id="{CED72B33-0291-9549-89FB-5DE213F2607C}"/>
+              </a:ext>
+            </a:extLst>
+          </p:cNvPr>
+          <p:cNvSpPr/>
+          <p:nvPr/>
+        </p:nvSpPr>
+        <p:spPr>
+          <a:xfrm>
+            <a:off x="10134600" y="24474355"/>
+            <a:ext cx="990600" cy="146328"/>
+          </a:xfrm>
+          <a:prstGeom prst="rightArrow">
+            <a:avLst/>
+          </a:prstGeom>
+        </p:spPr>
+        <p:style>
+          <a:lnRef idx="2">
+            <a:schemeClr val="accent1">
+              <a:shade val="50000"/>
+            </a:schemeClr>
+          </a:lnRef>
+          <a:fillRef idx="1">
+            <a:schemeClr val="accent1"/>
+          </a:fillRef>
+          <a:effectRef idx="0">
+            <a:schemeClr val="accent1"/>
+          </a:effectRef>
+          <a:fontRef idx="minor">
+            <a:schemeClr val="lt1"/>
+          </a:fontRef>
+        </p:style>
+        <p:txBody>
+          <a:bodyPr rtlCol="0" anchor="ctr"/>
+          <a:lstStyle/>
+          <a:p>
+            <a:pPr algn="ctr"/>
+            <a:endParaRPr lang="en-US"/>
+          </a:p>
+        </p:txBody>
+      </p:sp>
+      <p:sp>
+        <p:nvSpPr>
+          <p:cNvPr id="113" name="Trapezoid 112">
+            <a:extLst>
+              <a:ext uri="{FF2B5EF4-FFF2-40B4-BE49-F238E27FC236}">
+                <a16:creationId xmlns:a16="http://schemas.microsoft.com/office/drawing/2014/main" id="{AE60773E-D8F8-1241-8AB6-AE97E86386DA}"/>
+              </a:ext>
+            </a:extLst>
+          </p:cNvPr>
+          <p:cNvSpPr/>
+          <p:nvPr/>
+        </p:nvSpPr>
+        <p:spPr>
+          <a:xfrm>
+            <a:off x="11752275" y="24109761"/>
+            <a:ext cx="485931" cy="356220"/>
+          </a:xfrm>
+          <a:prstGeom prst="trapezoid">
+            <a:avLst/>
+          </a:prstGeom>
+        </p:spPr>
+        <p:style>
+          <a:lnRef idx="2">
+            <a:schemeClr val="accent1">
+              <a:shade val="50000"/>
+            </a:schemeClr>
+          </a:lnRef>
+          <a:fillRef idx="1">
+            <a:schemeClr val="accent1"/>
+          </a:fillRef>
+          <a:effectRef idx="0">
+            <a:schemeClr val="accent1"/>
+          </a:effectRef>
+          <a:fontRef idx="minor">
+            <a:schemeClr val="lt1"/>
+          </a:fontRef>
+        </p:style>
+        <p:txBody>
+          <a:bodyPr rtlCol="0" anchor="ctr"/>
+          <a:lstStyle/>
+          <a:p>
+            <a:pPr algn="ctr"/>
+            <a:r>
+              <a:rPr lang="en-US" sz="1200" dirty="0">
+                <a:latin typeface="Avenir Book" panose="02000503020000020003" pitchFamily="2" charset="0"/>
+              </a:rPr>
+              <a:t>Tx</a:t>
+            </a:r>
+          </a:p>
+        </p:txBody>
+      </p:sp>
+      <p:sp>
+        <p:nvSpPr>
+          <p:cNvPr id="114" name="Triangle 113">
+            <a:extLst>
+              <a:ext uri="{FF2B5EF4-FFF2-40B4-BE49-F238E27FC236}">
+                <a16:creationId xmlns:a16="http://schemas.microsoft.com/office/drawing/2014/main" id="{F6D7B77A-FB8D-3A4F-B0D0-58FF7A4E6120}"/>
+              </a:ext>
+            </a:extLst>
+          </p:cNvPr>
+          <p:cNvSpPr/>
+          <p:nvPr/>
+        </p:nvSpPr>
+        <p:spPr>
+          <a:xfrm>
+            <a:off x="12379897" y="24808789"/>
+            <a:ext cx="685387" cy="411219"/>
+          </a:xfrm>
+          <a:prstGeom prst="triangle">
+            <a:avLst/>
+          </a:prstGeom>
+        </p:spPr>
+        <p:style>
+          <a:lnRef idx="2">
+            <a:schemeClr val="accent2">
+              <a:shade val="50000"/>
+            </a:schemeClr>
+          </a:lnRef>
+          <a:fillRef idx="1">
+            <a:schemeClr val="accent2"/>
+          </a:fillRef>
+          <a:effectRef idx="0">
+            <a:schemeClr val="accent2"/>
+          </a:effectRef>
+          <a:fontRef idx="minor">
+            <a:schemeClr val="lt1"/>
+          </a:fontRef>
+        </p:style>
+        <p:txBody>
+          <a:bodyPr rtlCol="0" anchor="ctr"/>
+          <a:lstStyle/>
+          <a:p>
+            <a:pPr algn="ctr"/>
+            <a:r>
+              <a:rPr lang="en-US" sz="1400" dirty="0">
+                <a:latin typeface="Avenir Book" panose="02000503020000020003" pitchFamily="2" charset="0"/>
+              </a:rPr>
+              <a:t>Tl</a:t>
+            </a:r>
+          </a:p>
+        </p:txBody>
+      </p:sp>
+      <p:pic>
+        <p:nvPicPr>
+          <p:cNvPr id="106" name="Picture 105" descr="A picture containing drawing, table, window&#10;&#10;Description automatically generated">
+            <a:extLst>
+              <a:ext uri="{FF2B5EF4-FFF2-40B4-BE49-F238E27FC236}">
+                <a16:creationId xmlns:a16="http://schemas.microsoft.com/office/drawing/2014/main" id="{A79F8FDC-83DA-464A-9D9E-887AC9D225C1}"/>
+              </a:ext>
+            </a:extLst>
+          </p:cNvPr>
+          <p:cNvPicPr>
+            <a:picLocks noChangeAspect="1"/>
+          </p:cNvPicPr>
+          <p:nvPr/>
+        </p:nvPicPr>
+        <p:blipFill>
+          <a:blip r:embed="rId25">
+            <a:extLst>
+              <a:ext uri="{28A0092B-C50C-407E-A947-70E740481C1C}">
+                <a14:useLocalDpi xmlns:a14="http://schemas.microsoft.com/office/drawing/2010/main" val="0"/>
+              </a:ext>
+            </a:extLst>
+          </a:blip>
+          <a:stretch>
+            <a:fillRect/>
+          </a:stretch>
+        </p:blipFill>
+        <p:spPr>
+          <a:xfrm rot="2872588">
+            <a:off x="12616296" y="23976542"/>
+            <a:ext cx="290825" cy="747836"/>
+          </a:xfrm>
+          <a:prstGeom prst="rect">
+            <a:avLst/>
+          </a:prstGeom>
+        </p:spPr>
+      </p:pic>
+      <p:sp>
+        <p:nvSpPr>
+          <p:cNvPr id="117" name="Text Box 180">
+            <a:extLst>
+              <a:ext uri="{FF2B5EF4-FFF2-40B4-BE49-F238E27FC236}">
+                <a16:creationId xmlns:a16="http://schemas.microsoft.com/office/drawing/2014/main" id="{88054338-BD98-8E4F-A61B-49DFFC8BF9C1}"/>
+              </a:ext>
+            </a:extLst>
+          </p:cNvPr>
+          <p:cNvSpPr txBox="1">
+            <a:spLocks noChangeArrowheads="1"/>
+          </p:cNvSpPr>
+          <p:nvPr/>
+        </p:nvSpPr>
+        <p:spPr bwMode="auto">
+          <a:xfrm>
+            <a:off x="8057622" y="25758505"/>
+            <a:ext cx="6041352" cy="1931292"/>
+          </a:xfrm>
+          <a:prstGeom prst="rect">
+            <a:avLst/>
+          </a:prstGeom>
+          <a:noFill/>
+          <a:ln>
+            <a:noFill/>
+          </a:ln>
+          <a:effectLst/>
+          <a:extLst>
+            <a:ext uri="{909E8E84-426E-40DD-AFC4-6F175D3DCCD1}">
+              <a14:hiddenFill xmlns:a14="http://schemas.microsoft.com/office/drawing/2010/main">
+                <a:solidFill>
+                  <a:schemeClr val="accent1"/>
+                </a:solidFill>
+              </a14:hiddenFill>
+            </a:ext>
+            <a:ext uri="{91240B29-F687-4F45-9708-019B960494DF}">
+              <a14:hiddenLine xmlns:a14="http://schemas.microsoft.com/office/drawing/2010/main" w="9525">
+                <a:solidFill>
+                  <a:schemeClr val="tx1"/>
+                </a:solidFill>
+                <a:miter lim="800000"/>
+                <a:headEnd/>
+                <a:tailEnd/>
+              </a14:hiddenLine>
+            </a:ext>
+            <a:ext uri="{AF507438-7753-43E0-B8FC-AC1667EBCBE1}">
+              <a14:hiddenEffects xmlns:a14="http://schemas.microsoft.com/office/drawing/2010/main">
+                <a:effectLst>
+                  <a:outerShdw dist="35921" dir="2700000" algn="ctr" rotWithShape="0">
+                    <a:schemeClr val="bg2"/>
+                  </a:outerShdw>
+                </a:effectLst>
+              </a14:hiddenEffects>
+            </a:ext>
+          </a:extLst>
+        </p:spPr>
+        <p:txBody>
+          <a:bodyPr wrap="square" lIns="83814" tIns="41907" rIns="83814" bIns="41907">
+            <a:spAutoFit/>
+          </a:bodyPr>
+          <a:lstStyle>
+            <a:lvl1pPr defTabSz="4389438" eaLnBrk="0" hangingPunct="0">
+              <a:defRPr sz="2200">
+                <a:solidFill>
+                  <a:schemeClr val="tx1"/>
+                </a:solidFill>
+                <a:latin typeface="Arial" charset="0"/>
+              </a:defRPr>
+            </a:lvl1pPr>
+            <a:lvl2pPr marL="742950" indent="-285750" defTabSz="4389438" eaLnBrk="0" hangingPunct="0">
+              <a:defRPr sz="2200">
+                <a:solidFill>
+                  <a:schemeClr val="tx1"/>
+                </a:solidFill>
+                <a:latin typeface="Arial" charset="0"/>
+              </a:defRPr>
+            </a:lvl2pPr>
+            <a:lvl3pPr marL="1143000" indent="-228600" defTabSz="4389438" eaLnBrk="0" hangingPunct="0">
+              <a:defRPr sz="2200">
+                <a:solidFill>
+                  <a:schemeClr val="tx1"/>
+                </a:solidFill>
+                <a:latin typeface="Arial" charset="0"/>
+              </a:defRPr>
+            </a:lvl3pPr>
+            <a:lvl4pPr marL="1600200" indent="-228600" defTabSz="4389438" eaLnBrk="0" hangingPunct="0">
+              <a:defRPr sz="2200">
+                <a:solidFill>
+                  <a:schemeClr val="tx1"/>
+                </a:solidFill>
+                <a:latin typeface="Arial" charset="0"/>
+              </a:defRPr>
+            </a:lvl4pPr>
+            <a:lvl5pPr marL="2057400" indent="-228600" defTabSz="4389438" eaLnBrk="0" hangingPunct="0">
+              <a:defRPr sz="2200">
+                <a:solidFill>
+                  <a:schemeClr val="tx1"/>
+                </a:solidFill>
+                <a:latin typeface="Arial" charset="0"/>
+              </a:defRPr>
+            </a:lvl5pPr>
+            <a:lvl6pPr marL="2514600" indent="-228600" defTabSz="4389438" eaLnBrk="0" fontAlgn="base" hangingPunct="0">
+              <a:spcBef>
+                <a:spcPct val="0"/>
+              </a:spcBef>
+              <a:spcAft>
+                <a:spcPct val="0"/>
+              </a:spcAft>
+              <a:defRPr sz="2200">
+                <a:solidFill>
+                  <a:schemeClr val="tx1"/>
+                </a:solidFill>
+                <a:latin typeface="Arial" charset="0"/>
+              </a:defRPr>
+            </a:lvl6pPr>
+            <a:lvl7pPr marL="2971800" indent="-228600" defTabSz="4389438" eaLnBrk="0" fontAlgn="base" hangingPunct="0">
+              <a:spcBef>
+                <a:spcPct val="0"/>
+              </a:spcBef>
+              <a:spcAft>
+                <a:spcPct val="0"/>
+              </a:spcAft>
+              <a:defRPr sz="2200">
+                <a:solidFill>
+                  <a:schemeClr val="tx1"/>
+                </a:solidFill>
+                <a:latin typeface="Arial" charset="0"/>
+              </a:defRPr>
+            </a:lvl7pPr>
+            <a:lvl8pPr marL="3429000" indent="-228600" defTabSz="4389438" eaLnBrk="0" fontAlgn="base" hangingPunct="0">
+              <a:spcBef>
+                <a:spcPct val="0"/>
+              </a:spcBef>
+              <a:spcAft>
+                <a:spcPct val="0"/>
+              </a:spcAft>
+              <a:defRPr sz="2200">
+                <a:solidFill>
+                  <a:schemeClr val="tx1"/>
+                </a:solidFill>
+                <a:latin typeface="Arial" charset="0"/>
+              </a:defRPr>
+            </a:lvl8pPr>
+            <a:lvl9pPr marL="3886200" indent="-228600" defTabSz="4389438" eaLnBrk="0" fontAlgn="base" hangingPunct="0">
+              <a:spcBef>
+                <a:spcPct val="0"/>
+              </a:spcBef>
+              <a:spcAft>
+                <a:spcPct val="0"/>
+              </a:spcAft>
+              <a:defRPr sz="2200">
+                <a:solidFill>
+                  <a:schemeClr val="tx1"/>
+                </a:solidFill>
+                <a:latin typeface="Arial" charset="0"/>
+              </a:defRPr>
+            </a:lvl9pPr>
+          </a:lstStyle>
+          <a:p>
+            <a:pPr eaLnBrk="1" hangingPunct="1"/>
+            <a:r>
+              <a:rPr lang="en-US" sz="2400" dirty="0">
+                <a:latin typeface="Avenir Book" panose="02000503020000020003" pitchFamily="2" charset="0"/>
+                <a:ea typeface="Cambria Math" panose="02040503050406030204" pitchFamily="18" charset="0"/>
+              </a:rPr>
+              <a:t>Figure 2. A depiction of a synthetic cell. The transcriptional (orange) and translational (blue) machinery from </a:t>
+            </a:r>
+            <a:r>
+              <a:rPr lang="en-US" sz="2400" i="1" dirty="0">
+                <a:latin typeface="Avenir Book" panose="02000503020000020003" pitchFamily="2" charset="0"/>
+                <a:ea typeface="Cambria Math" panose="02040503050406030204" pitchFamily="18" charset="0"/>
+              </a:rPr>
+              <a:t>E. Coli</a:t>
+            </a:r>
+            <a:r>
+              <a:rPr lang="en-US" sz="2400" dirty="0">
+                <a:latin typeface="Avenir Book" panose="02000503020000020003" pitchFamily="2" charset="0"/>
+                <a:ea typeface="Cambria Math" panose="02040503050406030204" pitchFamily="18" charset="0"/>
+              </a:rPr>
+              <a:t> is extracted and placed into a liposome with the desired DNA template.</a:t>
+            </a:r>
+          </a:p>
+        </p:txBody>
+      </p:sp>
+      <p:grpSp>
+        <p:nvGrpSpPr>
+          <p:cNvPr id="116" name="Group 115">
+            <a:extLst>
+              <a:ext uri="{FF2B5EF4-FFF2-40B4-BE49-F238E27FC236}">
+                <a16:creationId xmlns:a16="http://schemas.microsoft.com/office/drawing/2014/main" id="{9BC8596D-2C9A-CC4A-87C8-C004B7938CAB}"/>
+              </a:ext>
+            </a:extLst>
+          </p:cNvPr>
+          <p:cNvGrpSpPr/>
+          <p:nvPr/>
+        </p:nvGrpSpPr>
+        <p:grpSpPr>
+          <a:xfrm>
+            <a:off x="26273919" y="20415171"/>
+            <a:ext cx="3961098" cy="3989443"/>
+            <a:chOff x="34758319" y="20365921"/>
+            <a:chExt cx="3961098" cy="3989443"/>
+          </a:xfrm>
+        </p:grpSpPr>
+        <p:sp>
+          <p:nvSpPr>
+            <p:cNvPr id="109" name="Rounded Rectangle 108">
+              <a:extLst>
+                <a:ext uri="{FF2B5EF4-FFF2-40B4-BE49-F238E27FC236}">
+                  <a16:creationId xmlns:a16="http://schemas.microsoft.com/office/drawing/2014/main" id="{8D39E084-7AC9-5B4D-9B8C-78D3A2B84A9E}"/>
+                </a:ext>
+              </a:extLst>
+            </p:cNvPr>
+            <p:cNvSpPr/>
+            <p:nvPr/>
+          </p:nvSpPr>
+          <p:spPr>
+            <a:xfrm>
+              <a:off x="34800014" y="20728676"/>
+              <a:ext cx="1129954" cy="506101"/>
+            </a:xfrm>
+            <a:prstGeom prst="roundRect">
+              <a:avLst/>
+            </a:prstGeom>
+          </p:spPr>
+          <p:style>
+            <a:lnRef idx="2">
+              <a:schemeClr val="accent3">
+                <a:shade val="50000"/>
+              </a:schemeClr>
+            </a:lnRef>
+            <a:fillRef idx="1">
+              <a:schemeClr val="accent3"/>
+            </a:fillRef>
+            <a:effectRef idx="0">
+              <a:schemeClr val="accent3"/>
+            </a:effectRef>
+            <a:fontRef idx="minor">
+              <a:schemeClr val="lt1"/>
+            </a:fontRef>
+          </p:style>
+          <p:txBody>
+            <a:bodyPr rtlCol="0" anchor="ctr"/>
+            <a:lstStyle/>
+            <a:p>
+              <a:pPr algn="ctr"/>
+              <a:r>
+                <a:rPr lang="en-US" sz="2400" dirty="0">
+                  <a:latin typeface="Avenir Book" panose="02000503020000020003" pitchFamily="2" charset="0"/>
+                </a:rPr>
+                <a:t>DNA</a:t>
               </a:r>
             </a:p>
           </p:txBody>
         </p:sp>
         <p:sp>
           <p:nvSpPr>
-            <p:cNvPr id="59" name="Text Box 181">
+            <p:cNvPr id="110" name="Right Arrow 109">
               <a:extLst>
                 <a:ext uri="{FF2B5EF4-FFF2-40B4-BE49-F238E27FC236}">
-                  <a16:creationId xmlns:a16="http://schemas.microsoft.com/office/drawing/2014/main" id="{E112BC73-C608-9548-AFBE-0BDE648CD0CE}"/>
+                  <a16:creationId xmlns:a16="http://schemas.microsoft.com/office/drawing/2014/main" id="{966907BB-E171-7A4C-A931-2C7112196759}"/>
+                </a:ext>
+              </a:extLst>
+            </p:cNvPr>
+            <p:cNvSpPr/>
+            <p:nvPr/>
+          </p:nvSpPr>
+          <p:spPr>
+            <a:xfrm>
+              <a:off x="36002963" y="20886833"/>
+              <a:ext cx="1311002" cy="185051"/>
+            </a:xfrm>
+            <a:prstGeom prst="rightArrow">
+              <a:avLst/>
+            </a:prstGeom>
+          </p:spPr>
+          <p:style>
+            <a:lnRef idx="2">
+              <a:schemeClr val="accent1">
+                <a:shade val="50000"/>
+              </a:schemeClr>
+            </a:lnRef>
+            <a:fillRef idx="1">
+              <a:schemeClr val="accent1"/>
+            </a:fillRef>
+            <a:effectRef idx="0">
+              <a:schemeClr val="accent1"/>
+            </a:effectRef>
+            <a:fontRef idx="minor">
+              <a:schemeClr val="lt1"/>
+            </a:fontRef>
+          </p:style>
+          <p:txBody>
+            <a:bodyPr rtlCol="0" anchor="ctr"/>
+            <a:lstStyle/>
+            <a:p>
+              <a:pPr algn="ctr"/>
+              <a:endParaRPr lang="en-US"/>
+            </a:p>
+          </p:txBody>
+        </p:sp>
+        <p:sp>
+          <p:nvSpPr>
+            <p:cNvPr id="122" name="Rounded Rectangle 121">
+              <a:extLst>
+                <a:ext uri="{FF2B5EF4-FFF2-40B4-BE49-F238E27FC236}">
+                  <a16:creationId xmlns:a16="http://schemas.microsoft.com/office/drawing/2014/main" id="{97C44BBF-5FC4-974F-AD73-BD000FE63C3C}"/>
+                </a:ext>
+              </a:extLst>
+            </p:cNvPr>
+            <p:cNvSpPr/>
+            <p:nvPr/>
+          </p:nvSpPr>
+          <p:spPr>
+            <a:xfrm>
+              <a:off x="37367258" y="20707820"/>
+              <a:ext cx="1129954" cy="506101"/>
+            </a:xfrm>
+            <a:prstGeom prst="roundRect">
+              <a:avLst/>
+            </a:prstGeom>
+          </p:spPr>
+          <p:style>
+            <a:lnRef idx="2">
+              <a:schemeClr val="accent3">
+                <a:shade val="50000"/>
+              </a:schemeClr>
+            </a:lnRef>
+            <a:fillRef idx="1">
+              <a:schemeClr val="accent3"/>
+            </a:fillRef>
+            <a:effectRef idx="0">
+              <a:schemeClr val="accent3"/>
+            </a:effectRef>
+            <a:fontRef idx="minor">
+              <a:schemeClr val="lt1"/>
+            </a:fontRef>
+          </p:style>
+          <p:txBody>
+            <a:bodyPr rtlCol="0" anchor="ctr"/>
+            <a:lstStyle/>
+            <a:p>
+              <a:pPr algn="ctr"/>
+              <a:r>
+                <a:rPr lang="en-US" sz="2400" dirty="0">
+                  <a:latin typeface="Avenir Book" panose="02000503020000020003" pitchFamily="2" charset="0"/>
+                </a:rPr>
+                <a:t>RNA</a:t>
+              </a:r>
+            </a:p>
+          </p:txBody>
+        </p:sp>
+        <p:sp>
+          <p:nvSpPr>
+            <p:cNvPr id="111" name="Bent Arrow 110">
+              <a:extLst>
+                <a:ext uri="{FF2B5EF4-FFF2-40B4-BE49-F238E27FC236}">
+                  <a16:creationId xmlns:a16="http://schemas.microsoft.com/office/drawing/2014/main" id="{0D3ABD9E-6BB5-8A4E-AF1B-48AB93F4B5D3}"/>
+                </a:ext>
+              </a:extLst>
+            </p:cNvPr>
+            <p:cNvSpPr/>
+            <p:nvPr/>
+          </p:nvSpPr>
+          <p:spPr>
+            <a:xfrm rot="10800000">
+              <a:off x="38090186" y="21290169"/>
+              <a:ext cx="355593" cy="1012536"/>
+            </a:xfrm>
+            <a:prstGeom prst="bentArrow">
+              <a:avLst/>
+            </a:prstGeom>
+          </p:spPr>
+          <p:style>
+            <a:lnRef idx="2">
+              <a:schemeClr val="accent3">
+                <a:shade val="50000"/>
+              </a:schemeClr>
+            </a:lnRef>
+            <a:fillRef idx="1">
+              <a:schemeClr val="accent3"/>
+            </a:fillRef>
+            <a:effectRef idx="0">
+              <a:schemeClr val="accent3"/>
+            </a:effectRef>
+            <a:fontRef idx="minor">
+              <a:schemeClr val="lt1"/>
+            </a:fontRef>
+          </p:style>
+          <p:txBody>
+            <a:bodyPr rtlCol="0" anchor="ctr"/>
+            <a:lstStyle/>
+            <a:p>
+              <a:pPr algn="ctr"/>
+              <a:endParaRPr lang="en-US">
+                <a:solidFill>
+                  <a:schemeClr val="tx1"/>
+                </a:solidFill>
+              </a:endParaRPr>
+            </a:p>
+          </p:txBody>
+        </p:sp>
+        <p:sp>
+          <p:nvSpPr>
+            <p:cNvPr id="124" name="Rounded Rectangle 123">
+              <a:extLst>
+                <a:ext uri="{FF2B5EF4-FFF2-40B4-BE49-F238E27FC236}">
+                  <a16:creationId xmlns:a16="http://schemas.microsoft.com/office/drawing/2014/main" id="{9DF017EC-68DA-EE49-9B0D-78F030B41D07}"/>
+                </a:ext>
+              </a:extLst>
+            </p:cNvPr>
+            <p:cNvSpPr/>
+            <p:nvPr/>
+          </p:nvSpPr>
+          <p:spPr>
+            <a:xfrm>
+              <a:off x="36733818" y="21715313"/>
+              <a:ext cx="1311002" cy="1012537"/>
+            </a:xfrm>
+            <a:prstGeom prst="roundRect">
+              <a:avLst/>
+            </a:prstGeom>
+          </p:spPr>
+          <p:style>
+            <a:lnRef idx="2">
+              <a:schemeClr val="accent3">
+                <a:shade val="50000"/>
+              </a:schemeClr>
+            </a:lnRef>
+            <a:fillRef idx="1">
+              <a:schemeClr val="accent3"/>
+            </a:fillRef>
+            <a:effectRef idx="0">
+              <a:schemeClr val="accent3"/>
+            </a:effectRef>
+            <a:fontRef idx="minor">
+              <a:schemeClr val="lt1"/>
+            </a:fontRef>
+          </p:style>
+          <p:txBody>
+            <a:bodyPr rtlCol="0" anchor="ctr"/>
+            <a:lstStyle/>
+            <a:p>
+              <a:pPr algn="ctr"/>
+              <a:r>
+                <a:rPr lang="en-US" sz="2000" dirty="0">
+                  <a:latin typeface="Avenir Book" panose="02000503020000020003" pitchFamily="2" charset="0"/>
+                </a:rPr>
+                <a:t>Protein Folding</a:t>
+              </a:r>
+            </a:p>
+          </p:txBody>
+        </p:sp>
+        <p:sp>
+          <p:nvSpPr>
+            <p:cNvPr id="125" name="Right Arrow 124">
+              <a:extLst>
+                <a:ext uri="{FF2B5EF4-FFF2-40B4-BE49-F238E27FC236}">
+                  <a16:creationId xmlns:a16="http://schemas.microsoft.com/office/drawing/2014/main" id="{04EE3384-7136-6D4A-B20B-3DE223D01DD0}"/>
+                </a:ext>
+              </a:extLst>
+            </p:cNvPr>
+            <p:cNvSpPr/>
+            <p:nvPr/>
+          </p:nvSpPr>
+          <p:spPr>
+            <a:xfrm rot="10800000">
+              <a:off x="36111015" y="22117655"/>
+              <a:ext cx="579911" cy="185050"/>
+            </a:xfrm>
+            <a:prstGeom prst="rightArrow">
+              <a:avLst/>
+            </a:prstGeom>
+          </p:spPr>
+          <p:style>
+            <a:lnRef idx="2">
+              <a:schemeClr val="accent3">
+                <a:shade val="50000"/>
+              </a:schemeClr>
+            </a:lnRef>
+            <a:fillRef idx="1">
+              <a:schemeClr val="accent3"/>
+            </a:fillRef>
+            <a:effectRef idx="0">
+              <a:schemeClr val="accent3"/>
+            </a:effectRef>
+            <a:fontRef idx="minor">
+              <a:schemeClr val="lt1"/>
+            </a:fontRef>
+          </p:style>
+          <p:txBody>
+            <a:bodyPr rtlCol="0" anchor="ctr"/>
+            <a:lstStyle/>
+            <a:p>
+              <a:pPr algn="ctr"/>
+              <a:endParaRPr lang="en-US"/>
+            </a:p>
+          </p:txBody>
+        </p:sp>
+        <p:sp>
+          <p:nvSpPr>
+            <p:cNvPr id="126" name="Rounded Rectangle 125">
+              <a:extLst>
+                <a:ext uri="{FF2B5EF4-FFF2-40B4-BE49-F238E27FC236}">
+                  <a16:creationId xmlns:a16="http://schemas.microsoft.com/office/drawing/2014/main" id="{BA4ACE83-42A7-8144-A6EE-C9646BF72469}"/>
+                </a:ext>
+              </a:extLst>
+            </p:cNvPr>
+            <p:cNvSpPr/>
+            <p:nvPr/>
+          </p:nvSpPr>
+          <p:spPr>
+            <a:xfrm>
+              <a:off x="34758319" y="21692488"/>
+              <a:ext cx="1311002" cy="1012537"/>
+            </a:xfrm>
+            <a:prstGeom prst="roundRect">
+              <a:avLst/>
+            </a:prstGeom>
+          </p:spPr>
+          <p:style>
+            <a:lnRef idx="2">
+              <a:schemeClr val="accent3">
+                <a:shade val="50000"/>
+              </a:schemeClr>
+            </a:lnRef>
+            <a:fillRef idx="1">
+              <a:schemeClr val="accent3"/>
+            </a:fillRef>
+            <a:effectRef idx="0">
+              <a:schemeClr val="accent3"/>
+            </a:effectRef>
+            <a:fontRef idx="minor">
+              <a:schemeClr val="lt1"/>
+            </a:fontRef>
+          </p:style>
+          <p:txBody>
+            <a:bodyPr rtlCol="0" anchor="ctr"/>
+            <a:lstStyle/>
+            <a:p>
+              <a:pPr algn="ctr"/>
+              <a:r>
+                <a:rPr lang="en-US" sz="1600" dirty="0">
+                  <a:latin typeface="Avenir Book" panose="02000503020000020003" pitchFamily="2" charset="0"/>
+                </a:rPr>
+                <a:t>Membrane Integration</a:t>
+              </a:r>
+            </a:p>
+          </p:txBody>
+        </p:sp>
+        <p:sp>
+          <p:nvSpPr>
+            <p:cNvPr id="115" name="TextBox 114">
+              <a:extLst>
+                <a:ext uri="{FF2B5EF4-FFF2-40B4-BE49-F238E27FC236}">
+                  <a16:creationId xmlns:a16="http://schemas.microsoft.com/office/drawing/2014/main" id="{031439D1-73DA-8141-BE61-7C0FDC3C3418}"/>
+                </a:ext>
+              </a:extLst>
+            </p:cNvPr>
+            <p:cNvSpPr txBox="1"/>
+            <p:nvPr/>
+          </p:nvSpPr>
+          <p:spPr>
+            <a:xfrm>
+              <a:off x="35949670" y="20365921"/>
+              <a:ext cx="1481327" cy="584775"/>
+            </a:xfrm>
+            <a:prstGeom prst="rect">
+              <a:avLst/>
+            </a:prstGeom>
+            <a:noFill/>
+          </p:spPr>
+          <p:txBody>
+            <a:bodyPr wrap="square" rtlCol="0">
+              <a:spAutoFit/>
+            </a:bodyPr>
+            <a:lstStyle/>
+            <a:p>
+              <a:pPr algn="ctr"/>
+              <a:r>
+                <a:rPr lang="en-US" sz="1600" dirty="0">
+                  <a:latin typeface="Avenir Book" panose="02000503020000020003" pitchFamily="2" charset="0"/>
+                </a:rPr>
+                <a:t>Temperature Sensitive</a:t>
+              </a:r>
+            </a:p>
+          </p:txBody>
+        </p:sp>
+        <p:sp>
+          <p:nvSpPr>
+            <p:cNvPr id="128" name="Text Box 180">
+              <a:extLst>
+                <a:ext uri="{FF2B5EF4-FFF2-40B4-BE49-F238E27FC236}">
+                  <a16:creationId xmlns:a16="http://schemas.microsoft.com/office/drawing/2014/main" id="{E95797F4-A3EB-C747-9EF5-03B4C6C36E37}"/>
                 </a:ext>
               </a:extLst>
             </p:cNvPr>
@@ -8945,582 +13272,8 @@
           </p:nvSpPr>
           <p:spPr bwMode="auto">
             <a:xfrm>
-              <a:off x="14754640" y="25375156"/>
-              <a:ext cx="578359" cy="327730"/>
-            </a:xfrm>
-            <a:prstGeom prst="rect">
-              <a:avLst/>
-            </a:prstGeom>
-            <a:noFill/>
-            <a:ln>
-              <a:noFill/>
-            </a:ln>
-            <a:effectLst/>
-            <a:extLst>
-              <a:ext uri="{909E8E84-426E-40DD-AFC4-6F175D3DCCD1}">
-                <a14:hiddenFill xmlns:a14="http://schemas.microsoft.com/office/drawing/2010/main">
-                  <a:solidFill>
-                    <a:schemeClr val="accent1"/>
-                  </a:solidFill>
-                </a14:hiddenFill>
-              </a:ext>
-              <a:ext uri="{91240B29-F687-4F45-9708-019B960494DF}">
-                <a14:hiddenLine xmlns:a14="http://schemas.microsoft.com/office/drawing/2010/main" w="9525">
-                  <a:solidFill>
-                    <a:schemeClr val="tx1"/>
-                  </a:solidFill>
-                  <a:miter lim="800000"/>
-                  <a:headEnd/>
-                  <a:tailEnd/>
-                </a14:hiddenLine>
-              </a:ext>
-              <a:ext uri="{AF507438-7753-43E0-B8FC-AC1667EBCBE1}">
-                <a14:hiddenEffects xmlns:a14="http://schemas.microsoft.com/office/drawing/2010/main">
-                  <a:effectLst>
-                    <a:outerShdw dist="35921" dir="2700000" algn="ctr" rotWithShape="0">
-                      <a:schemeClr val="bg2"/>
-                    </a:outerShdw>
-                  </a:effectLst>
-                </a14:hiddenEffects>
-              </a:ext>
-            </a:extLst>
-          </p:spPr>
-          <p:txBody>
-            <a:bodyPr wrap="square" lIns="83814" tIns="41907" rIns="83814" bIns="41907">
-              <a:spAutoFit/>
-            </a:bodyPr>
-            <a:lstStyle>
-              <a:lvl1pPr defTabSz="4389438" eaLnBrk="0" hangingPunct="0">
-                <a:defRPr sz="2200">
-                  <a:solidFill>
-                    <a:schemeClr val="tx1"/>
-                  </a:solidFill>
-                  <a:latin typeface="Arial" charset="0"/>
-                </a:defRPr>
-              </a:lvl1pPr>
-              <a:lvl2pPr marL="742950" indent="-285750" defTabSz="4389438" eaLnBrk="0" hangingPunct="0">
-                <a:defRPr sz="2200">
-                  <a:solidFill>
-                    <a:schemeClr val="tx1"/>
-                  </a:solidFill>
-                  <a:latin typeface="Arial" charset="0"/>
-                </a:defRPr>
-              </a:lvl2pPr>
-              <a:lvl3pPr marL="1143000" indent="-228600" defTabSz="4389438" eaLnBrk="0" hangingPunct="0">
-                <a:defRPr sz="2200">
-                  <a:solidFill>
-                    <a:schemeClr val="tx1"/>
-                  </a:solidFill>
-                  <a:latin typeface="Arial" charset="0"/>
-                </a:defRPr>
-              </a:lvl3pPr>
-              <a:lvl4pPr marL="1600200" indent="-228600" defTabSz="4389438" eaLnBrk="0" hangingPunct="0">
-                <a:defRPr sz="2200">
-                  <a:solidFill>
-                    <a:schemeClr val="tx1"/>
-                  </a:solidFill>
-                  <a:latin typeface="Arial" charset="0"/>
-                </a:defRPr>
-              </a:lvl4pPr>
-              <a:lvl5pPr marL="2057400" indent="-228600" defTabSz="4389438" eaLnBrk="0" hangingPunct="0">
-                <a:defRPr sz="2200">
-                  <a:solidFill>
-                    <a:schemeClr val="tx1"/>
-                  </a:solidFill>
-                  <a:latin typeface="Arial" charset="0"/>
-                </a:defRPr>
-              </a:lvl5pPr>
-              <a:lvl6pPr marL="2514600" indent="-228600" defTabSz="4389438" eaLnBrk="0" fontAlgn="base" hangingPunct="0">
-                <a:spcBef>
-                  <a:spcPct val="0"/>
-                </a:spcBef>
-                <a:spcAft>
-                  <a:spcPct val="0"/>
-                </a:spcAft>
-                <a:defRPr sz="2200">
-                  <a:solidFill>
-                    <a:schemeClr val="tx1"/>
-                  </a:solidFill>
-                  <a:latin typeface="Arial" charset="0"/>
-                </a:defRPr>
-              </a:lvl6pPr>
-              <a:lvl7pPr marL="2971800" indent="-228600" defTabSz="4389438" eaLnBrk="0" fontAlgn="base" hangingPunct="0">
-                <a:spcBef>
-                  <a:spcPct val="0"/>
-                </a:spcBef>
-                <a:spcAft>
-                  <a:spcPct val="0"/>
-                </a:spcAft>
-                <a:defRPr sz="2200">
-                  <a:solidFill>
-                    <a:schemeClr val="tx1"/>
-                  </a:solidFill>
-                  <a:latin typeface="Arial" charset="0"/>
-                </a:defRPr>
-              </a:lvl7pPr>
-              <a:lvl8pPr marL="3429000" indent="-228600" defTabSz="4389438" eaLnBrk="0" fontAlgn="base" hangingPunct="0">
-                <a:spcBef>
-                  <a:spcPct val="0"/>
-                </a:spcBef>
-                <a:spcAft>
-                  <a:spcPct val="0"/>
-                </a:spcAft>
-                <a:defRPr sz="2200">
-                  <a:solidFill>
-                    <a:schemeClr val="tx1"/>
-                  </a:solidFill>
-                  <a:latin typeface="Arial" charset="0"/>
-                </a:defRPr>
-              </a:lvl8pPr>
-              <a:lvl9pPr marL="3886200" indent="-228600" defTabSz="4389438" eaLnBrk="0" fontAlgn="base" hangingPunct="0">
-                <a:spcBef>
-                  <a:spcPct val="0"/>
-                </a:spcBef>
-                <a:spcAft>
-                  <a:spcPct val="0"/>
-                </a:spcAft>
-                <a:defRPr sz="2200">
-                  <a:solidFill>
-                    <a:schemeClr val="tx1"/>
-                  </a:solidFill>
-                  <a:latin typeface="Arial" charset="0"/>
-                </a:defRPr>
-              </a:lvl9pPr>
-            </a:lstStyle>
-            <a:p>
-              <a:pPr eaLnBrk="1" hangingPunct="1"/>
-              <a:r>
-                <a:rPr lang="en-US" sz="1600" dirty="0">
-                  <a:latin typeface="Avenir Book" panose="02000503020000020003" pitchFamily="2" charset="0"/>
-                  <a:ea typeface="Cambria Math" panose="02040503050406030204" pitchFamily="18" charset="0"/>
-                </a:rPr>
-                <a:t>5a</a:t>
-              </a:r>
-              <a:endParaRPr lang="en-US" sz="2800" dirty="0">
-                <a:latin typeface="Avenir Book" panose="02000503020000020003" pitchFamily="2" charset="0"/>
-                <a:ea typeface="Cambria Math" panose="02040503050406030204" pitchFamily="18" charset="0"/>
-              </a:endParaRPr>
-            </a:p>
-          </p:txBody>
-        </p:sp>
-        <p:sp>
-          <p:nvSpPr>
-            <p:cNvPr id="60" name="Text Box 181">
-              <a:extLst>
-                <a:ext uri="{FF2B5EF4-FFF2-40B4-BE49-F238E27FC236}">
-                  <a16:creationId xmlns:a16="http://schemas.microsoft.com/office/drawing/2014/main" id="{85B4C05B-461D-5E4A-A078-D4AC84A5E9ED}"/>
-                </a:ext>
-              </a:extLst>
-            </p:cNvPr>
-            <p:cNvSpPr txBox="1">
-              <a:spLocks noChangeArrowheads="1"/>
-            </p:cNvSpPr>
-            <p:nvPr/>
-          </p:nvSpPr>
-          <p:spPr bwMode="auto">
-            <a:xfrm>
-              <a:off x="19801529" y="25393951"/>
-              <a:ext cx="578359" cy="327730"/>
-            </a:xfrm>
-            <a:prstGeom prst="rect">
-              <a:avLst/>
-            </a:prstGeom>
-            <a:noFill/>
-            <a:ln>
-              <a:noFill/>
-            </a:ln>
-            <a:effectLst/>
-            <a:extLst>
-              <a:ext uri="{909E8E84-426E-40DD-AFC4-6F175D3DCCD1}">
-                <a14:hiddenFill xmlns:a14="http://schemas.microsoft.com/office/drawing/2010/main">
-                  <a:solidFill>
-                    <a:schemeClr val="accent1"/>
-                  </a:solidFill>
-                </a14:hiddenFill>
-              </a:ext>
-              <a:ext uri="{91240B29-F687-4F45-9708-019B960494DF}">
-                <a14:hiddenLine xmlns:a14="http://schemas.microsoft.com/office/drawing/2010/main" w="9525">
-                  <a:solidFill>
-                    <a:schemeClr val="tx1"/>
-                  </a:solidFill>
-                  <a:miter lim="800000"/>
-                  <a:headEnd/>
-                  <a:tailEnd/>
-                </a14:hiddenLine>
-              </a:ext>
-              <a:ext uri="{AF507438-7753-43E0-B8FC-AC1667EBCBE1}">
-                <a14:hiddenEffects xmlns:a14="http://schemas.microsoft.com/office/drawing/2010/main">
-                  <a:effectLst>
-                    <a:outerShdw dist="35921" dir="2700000" algn="ctr" rotWithShape="0">
-                      <a:schemeClr val="bg2"/>
-                    </a:outerShdw>
-                  </a:effectLst>
-                </a14:hiddenEffects>
-              </a:ext>
-            </a:extLst>
-          </p:spPr>
-          <p:txBody>
-            <a:bodyPr wrap="square" lIns="83814" tIns="41907" rIns="83814" bIns="41907">
-              <a:spAutoFit/>
-            </a:bodyPr>
-            <a:lstStyle>
-              <a:lvl1pPr defTabSz="4389438" eaLnBrk="0" hangingPunct="0">
-                <a:defRPr sz="2200">
-                  <a:solidFill>
-                    <a:schemeClr val="tx1"/>
-                  </a:solidFill>
-                  <a:latin typeface="Arial" charset="0"/>
-                </a:defRPr>
-              </a:lvl1pPr>
-              <a:lvl2pPr marL="742950" indent="-285750" defTabSz="4389438" eaLnBrk="0" hangingPunct="0">
-                <a:defRPr sz="2200">
-                  <a:solidFill>
-                    <a:schemeClr val="tx1"/>
-                  </a:solidFill>
-                  <a:latin typeface="Arial" charset="0"/>
-                </a:defRPr>
-              </a:lvl2pPr>
-              <a:lvl3pPr marL="1143000" indent="-228600" defTabSz="4389438" eaLnBrk="0" hangingPunct="0">
-                <a:defRPr sz="2200">
-                  <a:solidFill>
-                    <a:schemeClr val="tx1"/>
-                  </a:solidFill>
-                  <a:latin typeface="Arial" charset="0"/>
-                </a:defRPr>
-              </a:lvl3pPr>
-              <a:lvl4pPr marL="1600200" indent="-228600" defTabSz="4389438" eaLnBrk="0" hangingPunct="0">
-                <a:defRPr sz="2200">
-                  <a:solidFill>
-                    <a:schemeClr val="tx1"/>
-                  </a:solidFill>
-                  <a:latin typeface="Arial" charset="0"/>
-                </a:defRPr>
-              </a:lvl4pPr>
-              <a:lvl5pPr marL="2057400" indent="-228600" defTabSz="4389438" eaLnBrk="0" hangingPunct="0">
-                <a:defRPr sz="2200">
-                  <a:solidFill>
-                    <a:schemeClr val="tx1"/>
-                  </a:solidFill>
-                  <a:latin typeface="Arial" charset="0"/>
-                </a:defRPr>
-              </a:lvl5pPr>
-              <a:lvl6pPr marL="2514600" indent="-228600" defTabSz="4389438" eaLnBrk="0" fontAlgn="base" hangingPunct="0">
-                <a:spcBef>
-                  <a:spcPct val="0"/>
-                </a:spcBef>
-                <a:spcAft>
-                  <a:spcPct val="0"/>
-                </a:spcAft>
-                <a:defRPr sz="2200">
-                  <a:solidFill>
-                    <a:schemeClr val="tx1"/>
-                  </a:solidFill>
-                  <a:latin typeface="Arial" charset="0"/>
-                </a:defRPr>
-              </a:lvl6pPr>
-              <a:lvl7pPr marL="2971800" indent="-228600" defTabSz="4389438" eaLnBrk="0" fontAlgn="base" hangingPunct="0">
-                <a:spcBef>
-                  <a:spcPct val="0"/>
-                </a:spcBef>
-                <a:spcAft>
-                  <a:spcPct val="0"/>
-                </a:spcAft>
-                <a:defRPr sz="2200">
-                  <a:solidFill>
-                    <a:schemeClr val="tx1"/>
-                  </a:solidFill>
-                  <a:latin typeface="Arial" charset="0"/>
-                </a:defRPr>
-              </a:lvl7pPr>
-              <a:lvl8pPr marL="3429000" indent="-228600" defTabSz="4389438" eaLnBrk="0" fontAlgn="base" hangingPunct="0">
-                <a:spcBef>
-                  <a:spcPct val="0"/>
-                </a:spcBef>
-                <a:spcAft>
-                  <a:spcPct val="0"/>
-                </a:spcAft>
-                <a:defRPr sz="2200">
-                  <a:solidFill>
-                    <a:schemeClr val="tx1"/>
-                  </a:solidFill>
-                  <a:latin typeface="Arial" charset="0"/>
-                </a:defRPr>
-              </a:lvl8pPr>
-              <a:lvl9pPr marL="3886200" indent="-228600" defTabSz="4389438" eaLnBrk="0" fontAlgn="base" hangingPunct="0">
-                <a:spcBef>
-                  <a:spcPct val="0"/>
-                </a:spcBef>
-                <a:spcAft>
-                  <a:spcPct val="0"/>
-                </a:spcAft>
-                <a:defRPr sz="2200">
-                  <a:solidFill>
-                    <a:schemeClr val="tx1"/>
-                  </a:solidFill>
-                  <a:latin typeface="Arial" charset="0"/>
-                </a:defRPr>
-              </a:lvl9pPr>
-            </a:lstStyle>
-            <a:p>
-              <a:pPr eaLnBrk="1" hangingPunct="1"/>
-              <a:r>
-                <a:rPr lang="en-US" sz="1600" dirty="0">
-                  <a:latin typeface="Avenir Book" panose="02000503020000020003" pitchFamily="2" charset="0"/>
-                  <a:ea typeface="Cambria Math" panose="02040503050406030204" pitchFamily="18" charset="0"/>
-                </a:rPr>
-                <a:t>5b</a:t>
-              </a:r>
-              <a:endParaRPr lang="en-US" sz="2800" dirty="0">
-                <a:latin typeface="Avenir Book" panose="02000503020000020003" pitchFamily="2" charset="0"/>
-                <a:ea typeface="Cambria Math" panose="02040503050406030204" pitchFamily="18" charset="0"/>
-              </a:endParaRPr>
-            </a:p>
-          </p:txBody>
-        </p:sp>
-      </p:grpSp>
-      <p:sp>
-        <p:nvSpPr>
-          <p:cNvPr id="17" name="TextBox 16">
-            <a:extLst>
-              <a:ext uri="{FF2B5EF4-FFF2-40B4-BE49-F238E27FC236}">
-                <a16:creationId xmlns:a16="http://schemas.microsoft.com/office/drawing/2014/main" id="{7EE6C876-5643-0142-8E67-37E35A8E0DE9}"/>
-              </a:ext>
-            </a:extLst>
-          </p:cNvPr>
-          <p:cNvSpPr txBox="1"/>
-          <p:nvPr/>
-        </p:nvSpPr>
-        <p:spPr>
-          <a:xfrm>
-            <a:off x="30202864" y="6858560"/>
-            <a:ext cx="185332" cy="1066800"/>
-          </a:xfrm>
-          <a:prstGeom prst="rect">
-            <a:avLst/>
-          </a:prstGeom>
-          <a:solidFill>
-            <a:schemeClr val="bg1"/>
-          </a:solidFill>
-        </p:spPr>
-        <p:txBody>
-          <a:bodyPr wrap="square" rtlCol="0">
-            <a:spAutoFit/>
-          </a:bodyPr>
-          <a:lstStyle/>
-          <a:p>
-            <a:endParaRPr lang="en-US" dirty="0"/>
-          </a:p>
-        </p:txBody>
-      </p:sp>
-      <p:pic>
-        <p:nvPicPr>
-          <p:cNvPr id="53" name="Picture 52" descr="A screenshot of a cell phone&#10;&#10;Description automatically generated">
-            <a:extLst>
-              <a:ext uri="{FF2B5EF4-FFF2-40B4-BE49-F238E27FC236}">
-                <a16:creationId xmlns:a16="http://schemas.microsoft.com/office/drawing/2014/main" id="{5CE8EB38-8AB1-C94A-A645-3EC1E9582683}"/>
-              </a:ext>
-            </a:extLst>
-          </p:cNvPr>
-          <p:cNvPicPr>
-            <a:picLocks noChangeAspect="1"/>
-          </p:cNvPicPr>
-          <p:nvPr/>
-        </p:nvPicPr>
-        <p:blipFill>
-          <a:blip r:embed="rId9"/>
-          <a:stretch>
-            <a:fillRect/>
-          </a:stretch>
-        </p:blipFill>
-        <p:spPr>
-          <a:xfrm>
-            <a:off x="15428220" y="30317022"/>
-            <a:ext cx="4338175" cy="3374136"/>
-          </a:xfrm>
-          <a:prstGeom prst="rect">
-            <a:avLst/>
-          </a:prstGeom>
-        </p:spPr>
-      </p:pic>
-      <p:pic>
-        <p:nvPicPr>
-          <p:cNvPr id="61" name="Picture 60" descr="A close up of a map&#10;&#10;Description automatically generated">
-            <a:extLst>
-              <a:ext uri="{FF2B5EF4-FFF2-40B4-BE49-F238E27FC236}">
-                <a16:creationId xmlns:a16="http://schemas.microsoft.com/office/drawing/2014/main" id="{C8E4831D-234E-6E4F-940D-7532739007AE}"/>
-              </a:ext>
-            </a:extLst>
-          </p:cNvPr>
-          <p:cNvPicPr>
-            <a:picLocks noChangeAspect="1"/>
-          </p:cNvPicPr>
-          <p:nvPr/>
-        </p:nvPicPr>
-        <p:blipFill>
-          <a:blip r:embed="rId10"/>
-          <a:stretch>
-            <a:fillRect/>
-          </a:stretch>
-        </p:blipFill>
-        <p:spPr>
-          <a:xfrm>
-            <a:off x="20239474" y="30317022"/>
-            <a:ext cx="4220610" cy="3282696"/>
-          </a:xfrm>
-          <a:prstGeom prst="rect">
-            <a:avLst/>
-          </a:prstGeom>
-        </p:spPr>
-      </p:pic>
-      <p:sp>
-        <p:nvSpPr>
-          <p:cNvPr id="18" name="TextBox 17">
-            <a:extLst>
-              <a:ext uri="{FF2B5EF4-FFF2-40B4-BE49-F238E27FC236}">
-                <a16:creationId xmlns:a16="http://schemas.microsoft.com/office/drawing/2014/main" id="{75A2B7C1-D945-8148-BE50-06D9A2CB308A}"/>
-              </a:ext>
-            </a:extLst>
-          </p:cNvPr>
-          <p:cNvSpPr txBox="1"/>
-          <p:nvPr/>
-        </p:nvSpPr>
-        <p:spPr>
-          <a:xfrm>
-            <a:off x="26883360" y="6125653"/>
-            <a:ext cx="1920240" cy="253916"/>
-          </a:xfrm>
-          <a:prstGeom prst="rect">
-            <a:avLst/>
-          </a:prstGeom>
-          <a:solidFill>
-            <a:schemeClr val="bg1"/>
-          </a:solidFill>
-        </p:spPr>
-        <p:txBody>
-          <a:bodyPr wrap="square" rtlCol="0">
-            <a:spAutoFit/>
-          </a:bodyPr>
-          <a:lstStyle/>
-          <a:p>
-            <a:r>
-              <a:rPr lang="en-US" sz="1050" dirty="0">
-                <a:latin typeface="Avenir Book" panose="02000503020000020003" pitchFamily="2" charset="0"/>
-              </a:rPr>
-              <a:t>ssDNA export original</a:t>
-            </a:r>
-          </a:p>
-        </p:txBody>
-      </p:sp>
-      <p:sp>
-        <p:nvSpPr>
-          <p:cNvPr id="62" name="TextBox 61">
-            <a:extLst>
-              <a:ext uri="{FF2B5EF4-FFF2-40B4-BE49-F238E27FC236}">
-                <a16:creationId xmlns:a16="http://schemas.microsoft.com/office/drawing/2014/main" id="{F6EE586C-0906-8E48-A2CD-9872F8CE89DF}"/>
-              </a:ext>
-            </a:extLst>
-          </p:cNvPr>
-          <p:cNvSpPr txBox="1"/>
-          <p:nvPr/>
-        </p:nvSpPr>
-        <p:spPr>
-          <a:xfrm>
-            <a:off x="30388196" y="6100344"/>
-            <a:ext cx="2454004" cy="253916"/>
-          </a:xfrm>
-          <a:prstGeom prst="rect">
-            <a:avLst/>
-          </a:prstGeom>
-          <a:solidFill>
-            <a:schemeClr val="bg1"/>
-          </a:solidFill>
-        </p:spPr>
-        <p:txBody>
-          <a:bodyPr wrap="square" rtlCol="0">
-            <a:spAutoFit/>
-          </a:bodyPr>
-          <a:lstStyle/>
-          <a:p>
-            <a:r>
-              <a:rPr lang="en-US" sz="1050" dirty="0">
-                <a:latin typeface="Avenir Book" panose="02000503020000020003" pitchFamily="2" charset="0"/>
-              </a:rPr>
-              <a:t>ssDNA export with ATP Rheostat</a:t>
-            </a:r>
-          </a:p>
-        </p:txBody>
-      </p:sp>
-      <p:sp>
-        <p:nvSpPr>
-          <p:cNvPr id="63" name="TextBox 62">
-            <a:extLst>
-              <a:ext uri="{FF2B5EF4-FFF2-40B4-BE49-F238E27FC236}">
-                <a16:creationId xmlns:a16="http://schemas.microsoft.com/office/drawing/2014/main" id="{B47DDB47-BFB2-A748-956C-B04F4CD369A9}"/>
-              </a:ext>
-            </a:extLst>
-          </p:cNvPr>
-          <p:cNvSpPr txBox="1"/>
-          <p:nvPr/>
-        </p:nvSpPr>
-        <p:spPr>
-          <a:xfrm>
-            <a:off x="34061400" y="6100344"/>
-            <a:ext cx="3291840" cy="253916"/>
-          </a:xfrm>
-          <a:prstGeom prst="rect">
-            <a:avLst/>
-          </a:prstGeom>
-          <a:solidFill>
-            <a:schemeClr val="bg1"/>
-          </a:solidFill>
-        </p:spPr>
-        <p:txBody>
-          <a:bodyPr wrap="square" rtlCol="0">
-            <a:spAutoFit/>
-          </a:bodyPr>
-          <a:lstStyle/>
-          <a:p>
-            <a:r>
-              <a:rPr lang="en-US" sz="1050" dirty="0">
-                <a:latin typeface="Avenir Book" panose="02000503020000020003" pitchFamily="2" charset="0"/>
-              </a:rPr>
-              <a:t>ssDNA export with ATP Synthase and Proton Pump</a:t>
-            </a:r>
-          </a:p>
-        </p:txBody>
-      </p:sp>
-      <p:grpSp>
-        <p:nvGrpSpPr>
-          <p:cNvPr id="19" name="Group 18">
-            <a:extLst>
-              <a:ext uri="{FF2B5EF4-FFF2-40B4-BE49-F238E27FC236}">
-                <a16:creationId xmlns:a16="http://schemas.microsoft.com/office/drawing/2014/main" id="{52CAD185-3AAC-C041-8B9C-52C89B9D32B1}"/>
-              </a:ext>
-            </a:extLst>
-          </p:cNvPr>
-          <p:cNvGrpSpPr/>
-          <p:nvPr/>
-        </p:nvGrpSpPr>
-        <p:grpSpPr>
-          <a:xfrm>
-            <a:off x="26574234" y="5521265"/>
-            <a:ext cx="11779140" cy="5104223"/>
-            <a:chOff x="26574234" y="5521265"/>
-            <a:chExt cx="11779140" cy="5104223"/>
-          </a:xfrm>
-        </p:grpSpPr>
-        <p:sp>
-          <p:nvSpPr>
-            <p:cNvPr id="37" name="Text Box 180"/>
-            <p:cNvSpPr txBox="1">
-              <a:spLocks noChangeArrowheads="1"/>
-            </p:cNvSpPr>
-            <p:nvPr/>
-          </p:nvSpPr>
-          <p:spPr bwMode="auto">
-            <a:xfrm>
-              <a:off x="26649054" y="9063528"/>
-              <a:ext cx="11704320" cy="1561960"/>
+              <a:off x="34857596" y="23162736"/>
+              <a:ext cx="3861821" cy="1192628"/>
             </a:xfrm>
             <a:prstGeom prst="rect">
               <a:avLst/>
@@ -9668,558 +13421,7 @@
                   <a:latin typeface="Avenir Book" panose="02000503020000020003" pitchFamily="2" charset="0"/>
                   <a:ea typeface="Cambria Math" panose="02040503050406030204" pitchFamily="18" charset="0"/>
                 </a:rPr>
-                <a:t>Figure 6. Combination of ssDNA export and ATP life extension models. 6a) Original ssDNA export model. 6b) ssDNA export model with ATP Rheostat shows quicker ssDNA export and more bound VirE2. 6c) ssDNA export model with entire ATP synthase model shows quicker ssDNA export than original and more bound VirE2.</a:t>
-              </a:r>
-            </a:p>
-          </p:txBody>
-        </p:sp>
-        <p:pic>
-          <p:nvPicPr>
-            <p:cNvPr id="3" name="Picture 2" descr="A close up of a map&#10;&#10;Description automatically generated">
-              <a:extLst>
-                <a:ext uri="{FF2B5EF4-FFF2-40B4-BE49-F238E27FC236}">
-                  <a16:creationId xmlns:a16="http://schemas.microsoft.com/office/drawing/2014/main" id="{A2AF8A7D-91BD-A748-AABE-0692C3894B53}"/>
-                </a:ext>
-              </a:extLst>
-            </p:cNvPr>
-            <p:cNvPicPr>
-              <a:picLocks noChangeAspect="1"/>
-            </p:cNvPicPr>
-            <p:nvPr/>
-          </p:nvPicPr>
-          <p:blipFill>
-            <a:blip r:embed="rId11">
-              <a:extLst>
-                <a:ext uri="{28A0092B-C50C-407E-A947-70E740481C1C}">
-                  <a14:useLocalDpi xmlns:a14="http://schemas.microsoft.com/office/drawing/2010/main" val="0"/>
-                </a:ext>
-              </a:extLst>
-            </a:blip>
-            <a:stretch>
-              <a:fillRect/>
-            </a:stretch>
-          </p:blipFill>
-          <p:spPr>
-            <a:xfrm>
-              <a:off x="26615297" y="6125653"/>
-              <a:ext cx="3526971" cy="2743200"/>
-            </a:xfrm>
-            <a:prstGeom prst="rect">
-              <a:avLst/>
-            </a:prstGeom>
-          </p:spPr>
-        </p:pic>
-        <p:pic>
-          <p:nvPicPr>
-            <p:cNvPr id="8" name="Picture 7" descr="A close up of a map&#10;&#10;Description automatically generated">
-              <a:extLst>
-                <a:ext uri="{FF2B5EF4-FFF2-40B4-BE49-F238E27FC236}">
-                  <a16:creationId xmlns:a16="http://schemas.microsoft.com/office/drawing/2014/main" id="{0E5FC2E3-78A4-D041-96D3-CAF68111D46F}"/>
-                </a:ext>
-              </a:extLst>
-            </p:cNvPr>
-            <p:cNvPicPr>
-              <a:picLocks noChangeAspect="1"/>
-            </p:cNvPicPr>
-            <p:nvPr/>
-          </p:nvPicPr>
-          <p:blipFill>
-            <a:blip r:embed="rId12">
-              <a:extLst>
-                <a:ext uri="{28A0092B-C50C-407E-A947-70E740481C1C}">
-                  <a14:useLocalDpi xmlns:a14="http://schemas.microsoft.com/office/drawing/2010/main" val="0"/>
-                </a:ext>
-              </a:extLst>
-            </a:blip>
-            <a:stretch>
-              <a:fillRect/>
-            </a:stretch>
-          </p:blipFill>
-          <p:spPr>
-            <a:xfrm>
-              <a:off x="33779106" y="6125653"/>
-              <a:ext cx="3526971" cy="2743200"/>
-            </a:xfrm>
-            <a:prstGeom prst="rect">
-              <a:avLst/>
-            </a:prstGeom>
-          </p:spPr>
-        </p:pic>
-        <p:pic>
-          <p:nvPicPr>
-            <p:cNvPr id="49" name="Picture 48" descr="A close up of a map&#10;&#10;Description automatically generated">
-              <a:extLst>
-                <a:ext uri="{FF2B5EF4-FFF2-40B4-BE49-F238E27FC236}">
-                  <a16:creationId xmlns:a16="http://schemas.microsoft.com/office/drawing/2014/main" id="{5C201627-AF2B-DF47-93E9-5AA62B044DED}"/>
-                </a:ext>
-              </a:extLst>
-            </p:cNvPr>
-            <p:cNvPicPr>
-              <a:picLocks noChangeAspect="1"/>
-            </p:cNvPicPr>
-            <p:nvPr/>
-          </p:nvPicPr>
-          <p:blipFill>
-            <a:blip r:embed="rId13"/>
-            <a:stretch>
-              <a:fillRect/>
-            </a:stretch>
-          </p:blipFill>
-          <p:spPr>
-            <a:xfrm>
-              <a:off x="30236160" y="6125653"/>
-              <a:ext cx="3291840" cy="2743200"/>
-            </a:xfrm>
-            <a:prstGeom prst="rect">
-              <a:avLst/>
-            </a:prstGeom>
-          </p:spPr>
-        </p:pic>
-        <p:sp>
-          <p:nvSpPr>
-            <p:cNvPr id="64" name="TextBox 63">
-              <a:extLst>
-                <a:ext uri="{FF2B5EF4-FFF2-40B4-BE49-F238E27FC236}">
-                  <a16:creationId xmlns:a16="http://schemas.microsoft.com/office/drawing/2014/main" id="{14153557-282F-9540-8ED7-E68EDBCFB99F}"/>
-                </a:ext>
-              </a:extLst>
-            </p:cNvPr>
-            <p:cNvSpPr txBox="1"/>
-            <p:nvPr/>
-          </p:nvSpPr>
-          <p:spPr>
-            <a:xfrm>
-              <a:off x="26574234" y="5559229"/>
-              <a:ext cx="603955" cy="461665"/>
-            </a:xfrm>
-            <a:prstGeom prst="rect">
-              <a:avLst/>
-            </a:prstGeom>
-            <a:solidFill>
-              <a:schemeClr val="bg1"/>
-            </a:solidFill>
-          </p:spPr>
-          <p:txBody>
-            <a:bodyPr wrap="square" rtlCol="0">
-              <a:spAutoFit/>
-            </a:bodyPr>
-            <a:lstStyle/>
-            <a:p>
-              <a:r>
-                <a:rPr lang="en-US" sz="2400" dirty="0">
-                  <a:latin typeface="Avenir Book" panose="02000503020000020003" pitchFamily="2" charset="0"/>
-                </a:rPr>
-                <a:t>6a</a:t>
-              </a:r>
-            </a:p>
-          </p:txBody>
-        </p:sp>
-        <p:sp>
-          <p:nvSpPr>
-            <p:cNvPr id="65" name="TextBox 64">
-              <a:extLst>
-                <a:ext uri="{FF2B5EF4-FFF2-40B4-BE49-F238E27FC236}">
-                  <a16:creationId xmlns:a16="http://schemas.microsoft.com/office/drawing/2014/main" id="{B39FC60D-8F13-A047-98E4-41DFA83BE824}"/>
-                </a:ext>
-              </a:extLst>
-            </p:cNvPr>
-            <p:cNvSpPr txBox="1"/>
-            <p:nvPr/>
-          </p:nvSpPr>
-          <p:spPr>
-            <a:xfrm>
-              <a:off x="30184650" y="5521265"/>
-              <a:ext cx="603955" cy="461665"/>
-            </a:xfrm>
-            <a:prstGeom prst="rect">
-              <a:avLst/>
-            </a:prstGeom>
-            <a:solidFill>
-              <a:schemeClr val="bg1"/>
-            </a:solidFill>
-          </p:spPr>
-          <p:txBody>
-            <a:bodyPr wrap="square" rtlCol="0">
-              <a:spAutoFit/>
-            </a:bodyPr>
-            <a:lstStyle/>
-            <a:p>
-              <a:r>
-                <a:rPr lang="en-US" sz="2400" dirty="0">
-                  <a:latin typeface="Avenir Book" panose="02000503020000020003" pitchFamily="2" charset="0"/>
-                </a:rPr>
-                <a:t>6b</a:t>
-              </a:r>
-            </a:p>
-          </p:txBody>
-        </p:sp>
-        <p:sp>
-          <p:nvSpPr>
-            <p:cNvPr id="66" name="TextBox 65">
-              <a:extLst>
-                <a:ext uri="{FF2B5EF4-FFF2-40B4-BE49-F238E27FC236}">
-                  <a16:creationId xmlns:a16="http://schemas.microsoft.com/office/drawing/2014/main" id="{89C888CC-9CCE-5F4A-B5D0-6EE5F73BBA81}"/>
-                </a:ext>
-              </a:extLst>
-            </p:cNvPr>
-            <p:cNvSpPr txBox="1"/>
-            <p:nvPr/>
-          </p:nvSpPr>
-          <p:spPr>
-            <a:xfrm>
-              <a:off x="33868175" y="5521265"/>
-              <a:ext cx="603955" cy="461665"/>
-            </a:xfrm>
-            <a:prstGeom prst="rect">
-              <a:avLst/>
-            </a:prstGeom>
-            <a:solidFill>
-              <a:schemeClr val="bg1"/>
-            </a:solidFill>
-          </p:spPr>
-          <p:txBody>
-            <a:bodyPr wrap="square" rtlCol="0">
-              <a:spAutoFit/>
-            </a:bodyPr>
-            <a:lstStyle/>
-            <a:p>
-              <a:r>
-                <a:rPr lang="en-US" sz="2400" dirty="0">
-                  <a:latin typeface="Avenir Book" panose="02000503020000020003" pitchFamily="2" charset="0"/>
-                </a:rPr>
-                <a:t>6c</a:t>
-              </a:r>
-              <a:endParaRPr lang="en-US" sz="1400" dirty="0">
-                <a:latin typeface="Avenir Book" panose="02000503020000020003" pitchFamily="2" charset="0"/>
-              </a:endParaRPr>
-            </a:p>
-          </p:txBody>
-        </p:sp>
-      </p:grpSp>
-      <p:grpSp>
-        <p:nvGrpSpPr>
-          <p:cNvPr id="21" name="Group 20">
-            <a:extLst>
-              <a:ext uri="{FF2B5EF4-FFF2-40B4-BE49-F238E27FC236}">
-                <a16:creationId xmlns:a16="http://schemas.microsoft.com/office/drawing/2014/main" id="{FCA347E7-C5C3-0648-8696-F85247C233D0}"/>
-              </a:ext>
-            </a:extLst>
-          </p:cNvPr>
-          <p:cNvGrpSpPr/>
-          <p:nvPr/>
-        </p:nvGrpSpPr>
-        <p:grpSpPr>
-          <a:xfrm>
-            <a:off x="26931225" y="10803726"/>
-            <a:ext cx="10635375" cy="3942278"/>
-            <a:chOff x="26931225" y="10803726"/>
-            <a:chExt cx="10635375" cy="3942278"/>
-          </a:xfrm>
-        </p:grpSpPr>
-        <p:pic>
-          <p:nvPicPr>
-            <p:cNvPr id="68" name="Picture 67" descr="A screenshot of a cell phone&#10;&#10;Description automatically generated">
-              <a:extLst>
-                <a:ext uri="{FF2B5EF4-FFF2-40B4-BE49-F238E27FC236}">
-                  <a16:creationId xmlns:a16="http://schemas.microsoft.com/office/drawing/2014/main" id="{1BF02E4B-481E-2E4E-99A5-5FFAD7BE38BC}"/>
-                </a:ext>
-              </a:extLst>
-            </p:cNvPr>
-            <p:cNvPicPr>
-              <a:picLocks noChangeAspect="1"/>
-            </p:cNvPicPr>
-            <p:nvPr/>
-          </p:nvPicPr>
-          <p:blipFill>
-            <a:blip r:embed="rId14"/>
-            <a:stretch>
-              <a:fillRect/>
-            </a:stretch>
-          </p:blipFill>
-          <p:spPr>
-            <a:xfrm>
-              <a:off x="27606171" y="10803726"/>
-              <a:ext cx="3879669" cy="3017520"/>
-            </a:xfrm>
-            <a:prstGeom prst="rect">
-              <a:avLst/>
-            </a:prstGeom>
-          </p:spPr>
-        </p:pic>
-        <p:pic>
-          <p:nvPicPr>
-            <p:cNvPr id="69" name="Picture 68" descr="A close up of a map&#10;&#10;Description automatically generated">
-              <a:extLst>
-                <a:ext uri="{FF2B5EF4-FFF2-40B4-BE49-F238E27FC236}">
-                  <a16:creationId xmlns:a16="http://schemas.microsoft.com/office/drawing/2014/main" id="{DC8B1A1D-D66B-944B-B92D-63055E55C15C}"/>
-                </a:ext>
-              </a:extLst>
-            </p:cNvPr>
-            <p:cNvPicPr>
-              <a:picLocks noChangeAspect="1"/>
-            </p:cNvPicPr>
-            <p:nvPr/>
-          </p:nvPicPr>
-          <p:blipFill>
-            <a:blip r:embed="rId15"/>
-            <a:stretch>
-              <a:fillRect/>
-            </a:stretch>
-          </p:blipFill>
-          <p:spPr>
-            <a:xfrm>
-              <a:off x="32308800" y="10803726"/>
-              <a:ext cx="3879669" cy="3017520"/>
-            </a:xfrm>
-            <a:prstGeom prst="rect">
-              <a:avLst/>
-            </a:prstGeom>
-          </p:spPr>
-        </p:pic>
-        <p:sp>
-          <p:nvSpPr>
-            <p:cNvPr id="70" name="Text Box 180">
-              <a:extLst>
-                <a:ext uri="{FF2B5EF4-FFF2-40B4-BE49-F238E27FC236}">
-                  <a16:creationId xmlns:a16="http://schemas.microsoft.com/office/drawing/2014/main" id="{FDD0D7F3-867D-4849-8462-5967AE899138}"/>
-                </a:ext>
-              </a:extLst>
-            </p:cNvPr>
-            <p:cNvSpPr txBox="1">
-              <a:spLocks noChangeArrowheads="1"/>
-            </p:cNvSpPr>
-            <p:nvPr/>
-          </p:nvSpPr>
-          <p:spPr bwMode="auto">
-            <a:xfrm>
-              <a:off x="27191573" y="13922708"/>
-              <a:ext cx="10375027" cy="823296"/>
-            </a:xfrm>
-            <a:prstGeom prst="rect">
-              <a:avLst/>
-            </a:prstGeom>
-            <a:noFill/>
-            <a:ln>
-              <a:noFill/>
-            </a:ln>
-            <a:effectLst/>
-            <a:extLst>
-              <a:ext uri="{909E8E84-426E-40DD-AFC4-6F175D3DCCD1}">
-                <a14:hiddenFill xmlns:a14="http://schemas.microsoft.com/office/drawing/2010/main">
-                  <a:solidFill>
-                    <a:schemeClr val="accent1"/>
-                  </a:solidFill>
-                </a14:hiddenFill>
-              </a:ext>
-              <a:ext uri="{91240B29-F687-4F45-9708-019B960494DF}">
-                <a14:hiddenLine xmlns:a14="http://schemas.microsoft.com/office/drawing/2010/main" w="9525">
-                  <a:solidFill>
-                    <a:schemeClr val="tx1"/>
-                  </a:solidFill>
-                  <a:miter lim="800000"/>
-                  <a:headEnd/>
-                  <a:tailEnd/>
-                </a14:hiddenLine>
-              </a:ext>
-              <a:ext uri="{AF507438-7753-43E0-B8FC-AC1667EBCBE1}">
-                <a14:hiddenEffects xmlns:a14="http://schemas.microsoft.com/office/drawing/2010/main">
-                  <a:effectLst>
-                    <a:outerShdw dist="35921" dir="2700000" algn="ctr" rotWithShape="0">
-                      <a:schemeClr val="bg2"/>
-                    </a:outerShdw>
-                  </a:effectLst>
-                </a14:hiddenEffects>
-              </a:ext>
-            </a:extLst>
-          </p:spPr>
-          <p:txBody>
-            <a:bodyPr wrap="square" lIns="83814" tIns="41907" rIns="83814" bIns="41907">
-              <a:spAutoFit/>
-            </a:bodyPr>
-            <a:lstStyle>
-              <a:lvl1pPr defTabSz="4389438" eaLnBrk="0" hangingPunct="0">
-                <a:defRPr sz="2200">
-                  <a:solidFill>
-                    <a:schemeClr val="tx1"/>
-                  </a:solidFill>
-                  <a:latin typeface="Arial" charset="0"/>
-                </a:defRPr>
-              </a:lvl1pPr>
-              <a:lvl2pPr marL="742950" indent="-285750" defTabSz="4389438" eaLnBrk="0" hangingPunct="0">
-                <a:defRPr sz="2200">
-                  <a:solidFill>
-                    <a:schemeClr val="tx1"/>
-                  </a:solidFill>
-                  <a:latin typeface="Arial" charset="0"/>
-                </a:defRPr>
-              </a:lvl2pPr>
-              <a:lvl3pPr marL="1143000" indent="-228600" defTabSz="4389438" eaLnBrk="0" hangingPunct="0">
-                <a:defRPr sz="2200">
-                  <a:solidFill>
-                    <a:schemeClr val="tx1"/>
-                  </a:solidFill>
-                  <a:latin typeface="Arial" charset="0"/>
-                </a:defRPr>
-              </a:lvl3pPr>
-              <a:lvl4pPr marL="1600200" indent="-228600" defTabSz="4389438" eaLnBrk="0" hangingPunct="0">
-                <a:defRPr sz="2200">
-                  <a:solidFill>
-                    <a:schemeClr val="tx1"/>
-                  </a:solidFill>
-                  <a:latin typeface="Arial" charset="0"/>
-                </a:defRPr>
-              </a:lvl4pPr>
-              <a:lvl5pPr marL="2057400" indent="-228600" defTabSz="4389438" eaLnBrk="0" hangingPunct="0">
-                <a:defRPr sz="2200">
-                  <a:solidFill>
-                    <a:schemeClr val="tx1"/>
-                  </a:solidFill>
-                  <a:latin typeface="Arial" charset="0"/>
-                </a:defRPr>
-              </a:lvl5pPr>
-              <a:lvl6pPr marL="2514600" indent="-228600" defTabSz="4389438" eaLnBrk="0" fontAlgn="base" hangingPunct="0">
-                <a:spcBef>
-                  <a:spcPct val="0"/>
-                </a:spcBef>
-                <a:spcAft>
-                  <a:spcPct val="0"/>
-                </a:spcAft>
-                <a:defRPr sz="2200">
-                  <a:solidFill>
-                    <a:schemeClr val="tx1"/>
-                  </a:solidFill>
-                  <a:latin typeface="Arial" charset="0"/>
-                </a:defRPr>
-              </a:lvl6pPr>
-              <a:lvl7pPr marL="2971800" indent="-228600" defTabSz="4389438" eaLnBrk="0" fontAlgn="base" hangingPunct="0">
-                <a:spcBef>
-                  <a:spcPct val="0"/>
-                </a:spcBef>
-                <a:spcAft>
-                  <a:spcPct val="0"/>
-                </a:spcAft>
-                <a:defRPr sz="2200">
-                  <a:solidFill>
-                    <a:schemeClr val="tx1"/>
-                  </a:solidFill>
-                  <a:latin typeface="Arial" charset="0"/>
-                </a:defRPr>
-              </a:lvl7pPr>
-              <a:lvl8pPr marL="3429000" indent="-228600" defTabSz="4389438" eaLnBrk="0" fontAlgn="base" hangingPunct="0">
-                <a:spcBef>
-                  <a:spcPct val="0"/>
-                </a:spcBef>
-                <a:spcAft>
-                  <a:spcPct val="0"/>
-                </a:spcAft>
-                <a:defRPr sz="2200">
-                  <a:solidFill>
-                    <a:schemeClr val="tx1"/>
-                  </a:solidFill>
-                  <a:latin typeface="Arial" charset="0"/>
-                </a:defRPr>
-              </a:lvl8pPr>
-              <a:lvl9pPr marL="3886200" indent="-228600" defTabSz="4389438" eaLnBrk="0" fontAlgn="base" hangingPunct="0">
-                <a:spcBef>
-                  <a:spcPct val="0"/>
-                </a:spcBef>
-                <a:spcAft>
-                  <a:spcPct val="0"/>
-                </a:spcAft>
-                <a:defRPr sz="2200">
-                  <a:solidFill>
-                    <a:schemeClr val="tx1"/>
-                  </a:solidFill>
-                  <a:latin typeface="Arial" charset="0"/>
-                </a:defRPr>
-              </a:lvl9pPr>
-            </a:lstStyle>
-            <a:p>
-              <a:pPr eaLnBrk="1" hangingPunct="1"/>
-              <a:r>
-                <a:rPr lang="en-US" sz="2400" dirty="0">
-                  <a:latin typeface="Avenir Book" panose="02000503020000020003" pitchFamily="2" charset="0"/>
-                  <a:ea typeface="Cambria Math" panose="02040503050406030204" pitchFamily="18" charset="0"/>
-                </a:rPr>
-                <a:t>Figure 7. Different temperatures affects the amount of bound protein (7a) and ATP regeneration timescale (7b) of the ATP synthase model.</a:t>
-              </a:r>
-            </a:p>
-          </p:txBody>
-        </p:sp>
-        <p:sp>
-          <p:nvSpPr>
-            <p:cNvPr id="71" name="TextBox 70">
-              <a:extLst>
-                <a:ext uri="{FF2B5EF4-FFF2-40B4-BE49-F238E27FC236}">
-                  <a16:creationId xmlns:a16="http://schemas.microsoft.com/office/drawing/2014/main" id="{6F823266-3F58-E144-A41E-3B04389801FB}"/>
-                </a:ext>
-              </a:extLst>
-            </p:cNvPr>
-            <p:cNvSpPr txBox="1"/>
-            <p:nvPr/>
-          </p:nvSpPr>
-          <p:spPr>
-            <a:xfrm>
-              <a:off x="26931225" y="10825169"/>
-              <a:ext cx="674946" cy="523220"/>
-            </a:xfrm>
-            <a:prstGeom prst="rect">
-              <a:avLst/>
-            </a:prstGeom>
-            <a:solidFill>
-              <a:schemeClr val="bg1"/>
-            </a:solidFill>
-          </p:spPr>
-          <p:txBody>
-            <a:bodyPr wrap="square" rtlCol="0">
-              <a:spAutoFit/>
-            </a:bodyPr>
-            <a:lstStyle/>
-            <a:p>
-              <a:r>
-                <a:rPr lang="en-US" sz="2800" dirty="0">
-                  <a:latin typeface="Avenir Book" panose="02000503020000020003" pitchFamily="2" charset="0"/>
-                </a:rPr>
-                <a:t>7a</a:t>
-              </a:r>
-            </a:p>
-          </p:txBody>
-        </p:sp>
-        <p:sp>
-          <p:nvSpPr>
-            <p:cNvPr id="72" name="TextBox 71">
-              <a:extLst>
-                <a:ext uri="{FF2B5EF4-FFF2-40B4-BE49-F238E27FC236}">
-                  <a16:creationId xmlns:a16="http://schemas.microsoft.com/office/drawing/2014/main" id="{4F8F2F7B-4291-5843-A21A-C442A80DBF19}"/>
-                </a:ext>
-              </a:extLst>
-            </p:cNvPr>
-            <p:cNvSpPr txBox="1"/>
-            <p:nvPr/>
-          </p:nvSpPr>
-          <p:spPr>
-            <a:xfrm>
-              <a:off x="31529665" y="10836946"/>
-              <a:ext cx="674946" cy="523220"/>
-            </a:xfrm>
-            <a:prstGeom prst="rect">
-              <a:avLst/>
-            </a:prstGeom>
-            <a:solidFill>
-              <a:schemeClr val="bg1"/>
-            </a:solidFill>
-          </p:spPr>
-          <p:txBody>
-            <a:bodyPr wrap="square" rtlCol="0">
-              <a:spAutoFit/>
-            </a:bodyPr>
-            <a:lstStyle/>
-            <a:p>
-              <a:r>
-                <a:rPr lang="en-US" sz="2800" dirty="0">
-                  <a:latin typeface="Avenir Book" panose="02000503020000020003" pitchFamily="2" charset="0"/>
-                </a:rPr>
-                <a:t>7b</a:t>
+                <a:t>Figure 10. The DNA to RNA step of the modelling is temperature sensitive. </a:t>
               </a:r>
             </a:p>
           </p:txBody>

--- a/miscellaneous/presentations/20200813_surf_poster_pres.pptx
+++ b/miscellaneous/presentations/20200813_surf_poster_pres.pptx
@@ -208,7 +208,7 @@
           <a:p>
             <a:fld id="{D0122DAE-40C7-2D42-B6C8-B9C4D6CB2DF1}" type="datetimeFigureOut">
               <a:rPr lang="en-US" smtClean="0"/>
-              <a:t>8/18/20</a:t>
+              <a:t>8/20/20</a:t>
             </a:fld>
             <a:endParaRPr lang="en-US"/>
           </a:p>
@@ -706,7 +706,7 @@
           <a:p>
             <a:fld id="{985D6BDF-9D0E-4E2B-85B8-D8F4790360C9}" type="datetimeFigureOut">
               <a:rPr lang="en-US" smtClean="0"/>
-              <a:t>8/18/20</a:t>
+              <a:t>8/20/20</a:t>
             </a:fld>
             <a:endParaRPr lang="en-US" dirty="0"/>
           </a:p>
@@ -904,7 +904,7 @@
           <a:p>
             <a:fld id="{985D6BDF-9D0E-4E2B-85B8-D8F4790360C9}" type="datetimeFigureOut">
               <a:rPr lang="en-US" smtClean="0"/>
-              <a:t>8/18/20</a:t>
+              <a:t>8/20/20</a:t>
             </a:fld>
             <a:endParaRPr lang="en-US" dirty="0"/>
           </a:p>
@@ -1112,7 +1112,7 @@
           <a:p>
             <a:fld id="{985D6BDF-9D0E-4E2B-85B8-D8F4790360C9}" type="datetimeFigureOut">
               <a:rPr lang="en-US" smtClean="0"/>
-              <a:t>8/18/20</a:t>
+              <a:t>8/20/20</a:t>
             </a:fld>
             <a:endParaRPr lang="en-US" dirty="0"/>
           </a:p>
@@ -2793,7 +2793,7 @@
           <a:p>
             <a:fld id="{985D6BDF-9D0E-4E2B-85B8-D8F4790360C9}" type="datetimeFigureOut">
               <a:rPr lang="en-US" smtClean="0"/>
-              <a:t>8/18/20</a:t>
+              <a:t>8/20/20</a:t>
             </a:fld>
             <a:endParaRPr lang="en-US" dirty="0"/>
           </a:p>
@@ -3068,7 +3068,7 @@
           <a:p>
             <a:fld id="{985D6BDF-9D0E-4E2B-85B8-D8F4790360C9}" type="datetimeFigureOut">
               <a:rPr lang="en-US" smtClean="0"/>
-              <a:t>8/18/20</a:t>
+              <a:t>8/20/20</a:t>
             </a:fld>
             <a:endParaRPr lang="en-US" dirty="0"/>
           </a:p>
@@ -3333,7 +3333,7 @@
           <a:p>
             <a:fld id="{985D6BDF-9D0E-4E2B-85B8-D8F4790360C9}" type="datetimeFigureOut">
               <a:rPr lang="en-US" smtClean="0"/>
-              <a:t>8/18/20</a:t>
+              <a:t>8/20/20</a:t>
             </a:fld>
             <a:endParaRPr lang="en-US" dirty="0"/>
           </a:p>
@@ -3745,7 +3745,7 @@
           <a:p>
             <a:fld id="{985D6BDF-9D0E-4E2B-85B8-D8F4790360C9}" type="datetimeFigureOut">
               <a:rPr lang="en-US" smtClean="0"/>
-              <a:t>8/18/20</a:t>
+              <a:t>8/20/20</a:t>
             </a:fld>
             <a:endParaRPr lang="en-US" dirty="0"/>
           </a:p>
@@ -3886,7 +3886,7 @@
           <a:p>
             <a:fld id="{985D6BDF-9D0E-4E2B-85B8-D8F4790360C9}" type="datetimeFigureOut">
               <a:rPr lang="en-US" smtClean="0"/>
-              <a:t>8/18/20</a:t>
+              <a:t>8/20/20</a:t>
             </a:fld>
             <a:endParaRPr lang="en-US" dirty="0"/>
           </a:p>
@@ -3999,7 +3999,7 @@
           <a:p>
             <a:fld id="{985D6BDF-9D0E-4E2B-85B8-D8F4790360C9}" type="datetimeFigureOut">
               <a:rPr lang="en-US" smtClean="0"/>
-              <a:t>8/18/20</a:t>
+              <a:t>8/20/20</a:t>
             </a:fld>
             <a:endParaRPr lang="en-US" dirty="0"/>
           </a:p>
@@ -4310,7 +4310,7 @@
           <a:p>
             <a:fld id="{985D6BDF-9D0E-4E2B-85B8-D8F4790360C9}" type="datetimeFigureOut">
               <a:rPr lang="en-US" smtClean="0"/>
-              <a:t>8/18/20</a:t>
+              <a:t>8/20/20</a:t>
             </a:fld>
             <a:endParaRPr lang="en-US" dirty="0"/>
           </a:p>
@@ -4598,7 +4598,7 @@
           <a:p>
             <a:fld id="{985D6BDF-9D0E-4E2B-85B8-D8F4790360C9}" type="datetimeFigureOut">
               <a:rPr lang="en-US" smtClean="0"/>
-              <a:t>8/18/20</a:t>
+              <a:t>8/20/20</a:t>
             </a:fld>
             <a:endParaRPr lang="en-US" dirty="0"/>
           </a:p>
@@ -4839,7 +4839,7 @@
           <a:p>
             <a:fld id="{985D6BDF-9D0E-4E2B-85B8-D8F4790360C9}" type="datetimeFigureOut">
               <a:rPr lang="en-US" smtClean="0"/>
-              <a:t>8/18/20</a:t>
+              <a:t>8/20/20</a:t>
             </a:fld>
             <a:endParaRPr lang="en-US" dirty="0"/>
           </a:p>
@@ -5267,7 +5267,7 @@
         </p:nvSpPr>
         <p:spPr bwMode="auto">
           <a:xfrm>
-            <a:off x="6705600" y="225732"/>
+            <a:off x="6700362" y="364996"/>
             <a:ext cx="26822400" cy="2877650"/>
           </a:xfrm>
           <a:prstGeom prst="rect">
